--- a/slides/reunión_27_07_2024.pptx
+++ b/slides/reunión_27_07_2024.pptx
@@ -4,10 +4,21 @@
   <p:sldMasterIdLst>
     <p:sldMasterId id="2147483648" r:id="rId1"/>
   </p:sldMasterIdLst>
+  <p:notesMasterIdLst>
+    <p:notesMasterId r:id="rId13"/>
+  </p:notesMasterIdLst>
   <p:sldIdLst>
     <p:sldId id="256" r:id="rId2"/>
-    <p:sldId id="257" r:id="rId3"/>
-    <p:sldId id="258" r:id="rId4"/>
+    <p:sldId id="258" r:id="rId3"/>
+    <p:sldId id="261" r:id="rId4"/>
+    <p:sldId id="262" r:id="rId5"/>
+    <p:sldId id="263" r:id="rId6"/>
+    <p:sldId id="259" r:id="rId7"/>
+    <p:sldId id="266" r:id="rId8"/>
+    <p:sldId id="268" r:id="rId9"/>
+    <p:sldId id="267" r:id="rId10"/>
+    <p:sldId id="260" r:id="rId11"/>
+    <p:sldId id="265" r:id="rId12"/>
   </p:sldIdLst>
   <p:sldSz cx="12192000" cy="6858000"/>
   <p:notesSz cx="6858000" cy="9144000"/>
@@ -106,7 +117,698 @@
       </a:defRPr>
     </a:lvl9pPr>
   </p:defaultTextStyle>
+  <p:extLst>
+    <p:ext uri="{EFAFB233-063F-42B5-8137-9DF3F51BA10A}">
+      <p15:sldGuideLst xmlns:p15="http://schemas.microsoft.com/office/powerpoint/2012/main"/>
+    </p:ext>
+  </p:extLst>
 </p:presentation>
+</file>
+
+<file path=ppt/notesMasters/notesMaster1.xml><?xml version="1.0" encoding="utf-8"?>
+<p:notesMaster xmlns:a="http://schemas.openxmlformats.org/drawingml/2006/main" xmlns:r="http://schemas.openxmlformats.org/officeDocument/2006/relationships" xmlns:p="http://schemas.openxmlformats.org/presentationml/2006/main">
+  <p:cSld>
+    <p:bg>
+      <p:bgRef idx="1001">
+        <a:schemeClr val="bg1"/>
+      </p:bgRef>
+    </p:bg>
+    <p:spTree>
+      <p:nvGrpSpPr>
+        <p:cNvPr id="1" name=""/>
+        <p:cNvGrpSpPr/>
+        <p:nvPr/>
+      </p:nvGrpSpPr>
+      <p:grpSpPr>
+        <a:xfrm>
+          <a:off x="0" y="0"/>
+          <a:ext cx="0" cy="0"/>
+          <a:chOff x="0" y="0"/>
+          <a:chExt cx="0" cy="0"/>
+        </a:xfrm>
+      </p:grpSpPr>
+      <p:sp>
+        <p:nvSpPr>
+          <p:cNvPr id="2" name="Marcador de encabezado 1"/>
+          <p:cNvSpPr>
+            <a:spLocks noGrp="1"/>
+          </p:cNvSpPr>
+          <p:nvPr>
+            <p:ph type="hdr" sz="quarter"/>
+          </p:nvPr>
+        </p:nvSpPr>
+        <p:spPr>
+          <a:xfrm>
+            <a:off x="0" y="0"/>
+            <a:ext cx="2971800" cy="458788"/>
+          </a:xfrm>
+          <a:prstGeom prst="rect">
+            <a:avLst/>
+          </a:prstGeom>
+        </p:spPr>
+        <p:txBody>
+          <a:bodyPr vert="horz" lIns="91440" tIns="45720" rIns="91440" bIns="45720" rtlCol="0"/>
+          <a:lstStyle>
+            <a:lvl1pPr algn="l">
+              <a:defRPr sz="1200"/>
+            </a:lvl1pPr>
+          </a:lstStyle>
+          <a:p>
+            <a:endParaRPr lang="es-CO"/>
+          </a:p>
+        </p:txBody>
+      </p:sp>
+      <p:sp>
+        <p:nvSpPr>
+          <p:cNvPr id="3" name="Marcador de fecha 2"/>
+          <p:cNvSpPr>
+            <a:spLocks noGrp="1"/>
+          </p:cNvSpPr>
+          <p:nvPr>
+            <p:ph type="dt" idx="1"/>
+          </p:nvPr>
+        </p:nvSpPr>
+        <p:spPr>
+          <a:xfrm>
+            <a:off x="3884613" y="0"/>
+            <a:ext cx="2971800" cy="458788"/>
+          </a:xfrm>
+          <a:prstGeom prst="rect">
+            <a:avLst/>
+          </a:prstGeom>
+        </p:spPr>
+        <p:txBody>
+          <a:bodyPr vert="horz" lIns="91440" tIns="45720" rIns="91440" bIns="45720" rtlCol="0"/>
+          <a:lstStyle>
+            <a:lvl1pPr algn="r">
+              <a:defRPr sz="1200"/>
+            </a:lvl1pPr>
+          </a:lstStyle>
+          <a:p>
+            <a:fld id="{69C27F49-51D1-454D-A7B1-9FD3EAB0CF1E}" type="datetimeFigureOut">
+              <a:rPr lang="es-CO" smtClean="0"/>
+              <a:t>27/07/2024</a:t>
+            </a:fld>
+            <a:endParaRPr lang="es-CO"/>
+          </a:p>
+        </p:txBody>
+      </p:sp>
+      <p:sp>
+        <p:nvSpPr>
+          <p:cNvPr id="4" name="Marcador de imagen de diapositiva 3"/>
+          <p:cNvSpPr>
+            <a:spLocks noGrp="1" noRot="1" noChangeAspect="1"/>
+          </p:cNvSpPr>
+          <p:nvPr>
+            <p:ph type="sldImg" idx="2"/>
+          </p:nvPr>
+        </p:nvSpPr>
+        <p:spPr>
+          <a:xfrm>
+            <a:off x="685800" y="1143000"/>
+            <a:ext cx="5486400" cy="3086100"/>
+          </a:xfrm>
+          <a:prstGeom prst="rect">
+            <a:avLst/>
+          </a:prstGeom>
+          <a:noFill/>
+          <a:ln w="12700">
+            <a:solidFill>
+              <a:prstClr val="black"/>
+            </a:solidFill>
+          </a:ln>
+        </p:spPr>
+        <p:txBody>
+          <a:bodyPr vert="horz" lIns="91440" tIns="45720" rIns="91440" bIns="45720" rtlCol="0" anchor="ctr"/>
+          <a:lstStyle/>
+          <a:p>
+            <a:endParaRPr lang="es-CO"/>
+          </a:p>
+        </p:txBody>
+      </p:sp>
+      <p:sp>
+        <p:nvSpPr>
+          <p:cNvPr id="5" name="Marcador de notas 4"/>
+          <p:cNvSpPr>
+            <a:spLocks noGrp="1"/>
+          </p:cNvSpPr>
+          <p:nvPr>
+            <p:ph type="body" sz="quarter" idx="3"/>
+          </p:nvPr>
+        </p:nvSpPr>
+        <p:spPr>
+          <a:xfrm>
+            <a:off x="685800" y="4400550"/>
+            <a:ext cx="5486400" cy="3600450"/>
+          </a:xfrm>
+          <a:prstGeom prst="rect">
+            <a:avLst/>
+          </a:prstGeom>
+        </p:spPr>
+        <p:txBody>
+          <a:bodyPr vert="horz" lIns="91440" tIns="45720" rIns="91440" bIns="45720" rtlCol="0"/>
+          <a:lstStyle/>
+          <a:p>
+            <a:pPr lvl="0"/>
+            <a:r>
+              <a:rPr lang="es-ES"/>
+              <a:t>Haga clic para modificar los estilos de texto del patrón</a:t>
+            </a:r>
+          </a:p>
+          <a:p>
+            <a:pPr lvl="1"/>
+            <a:r>
+              <a:rPr lang="es-ES"/>
+              <a:t>Segundo nivel</a:t>
+            </a:r>
+          </a:p>
+          <a:p>
+            <a:pPr lvl="2"/>
+            <a:r>
+              <a:rPr lang="es-ES"/>
+              <a:t>Tercer nivel</a:t>
+            </a:r>
+          </a:p>
+          <a:p>
+            <a:pPr lvl="3"/>
+            <a:r>
+              <a:rPr lang="es-ES"/>
+              <a:t>Cuarto nivel</a:t>
+            </a:r>
+          </a:p>
+          <a:p>
+            <a:pPr lvl="4"/>
+            <a:r>
+              <a:rPr lang="es-ES"/>
+              <a:t>Quinto nivel</a:t>
+            </a:r>
+            <a:endParaRPr lang="es-CO"/>
+          </a:p>
+        </p:txBody>
+      </p:sp>
+      <p:sp>
+        <p:nvSpPr>
+          <p:cNvPr id="6" name="Marcador de pie de página 5"/>
+          <p:cNvSpPr>
+            <a:spLocks noGrp="1"/>
+          </p:cNvSpPr>
+          <p:nvPr>
+            <p:ph type="ftr" sz="quarter" idx="4"/>
+          </p:nvPr>
+        </p:nvSpPr>
+        <p:spPr>
+          <a:xfrm>
+            <a:off x="0" y="8685213"/>
+            <a:ext cx="2971800" cy="458787"/>
+          </a:xfrm>
+          <a:prstGeom prst="rect">
+            <a:avLst/>
+          </a:prstGeom>
+        </p:spPr>
+        <p:txBody>
+          <a:bodyPr vert="horz" lIns="91440" tIns="45720" rIns="91440" bIns="45720" rtlCol="0" anchor="b"/>
+          <a:lstStyle>
+            <a:lvl1pPr algn="l">
+              <a:defRPr sz="1200"/>
+            </a:lvl1pPr>
+          </a:lstStyle>
+          <a:p>
+            <a:endParaRPr lang="es-CO"/>
+          </a:p>
+        </p:txBody>
+      </p:sp>
+      <p:sp>
+        <p:nvSpPr>
+          <p:cNvPr id="7" name="Marcador de número de diapositiva 6"/>
+          <p:cNvSpPr>
+            <a:spLocks noGrp="1"/>
+          </p:cNvSpPr>
+          <p:nvPr>
+            <p:ph type="sldNum" sz="quarter" idx="5"/>
+          </p:nvPr>
+        </p:nvSpPr>
+        <p:spPr>
+          <a:xfrm>
+            <a:off x="3884613" y="8685213"/>
+            <a:ext cx="2971800" cy="458787"/>
+          </a:xfrm>
+          <a:prstGeom prst="rect">
+            <a:avLst/>
+          </a:prstGeom>
+        </p:spPr>
+        <p:txBody>
+          <a:bodyPr vert="horz" lIns="91440" tIns="45720" rIns="91440" bIns="45720" rtlCol="0" anchor="b"/>
+          <a:lstStyle>
+            <a:lvl1pPr algn="r">
+              <a:defRPr sz="1200"/>
+            </a:lvl1pPr>
+          </a:lstStyle>
+          <a:p>
+            <a:fld id="{E745C70F-B179-4FD5-8C48-3F5C0CA2B965}" type="slidenum">
+              <a:rPr lang="es-CO" smtClean="0"/>
+              <a:t>‹Nº›</a:t>
+            </a:fld>
+            <a:endParaRPr lang="es-CO"/>
+          </a:p>
+        </p:txBody>
+      </p:sp>
+    </p:spTree>
+    <p:extLst>
+      <p:ext uri="{BB962C8B-B14F-4D97-AF65-F5344CB8AC3E}">
+        <p14:creationId xmlns:p14="http://schemas.microsoft.com/office/powerpoint/2010/main" val="531002028"/>
+      </p:ext>
+    </p:extLst>
+  </p:cSld>
+  <p:clrMap bg1="lt1" tx1="dk1" bg2="lt2" tx2="dk2" accent1="accent1" accent2="accent2" accent3="accent3" accent4="accent4" accent5="accent5" accent6="accent6" hlink="hlink" folHlink="folHlink"/>
+  <p:notesStyle>
+    <a:lvl1pPr marL="0" algn="l" defTabSz="914400" rtl="0" eaLnBrk="1" latinLnBrk="0" hangingPunct="1">
+      <a:defRPr sz="1200" kern="1200">
+        <a:solidFill>
+          <a:schemeClr val="tx1"/>
+        </a:solidFill>
+        <a:latin typeface="+mn-lt"/>
+        <a:ea typeface="+mn-ea"/>
+        <a:cs typeface="+mn-cs"/>
+      </a:defRPr>
+    </a:lvl1pPr>
+    <a:lvl2pPr marL="457200" algn="l" defTabSz="914400" rtl="0" eaLnBrk="1" latinLnBrk="0" hangingPunct="1">
+      <a:defRPr sz="1200" kern="1200">
+        <a:solidFill>
+          <a:schemeClr val="tx1"/>
+        </a:solidFill>
+        <a:latin typeface="+mn-lt"/>
+        <a:ea typeface="+mn-ea"/>
+        <a:cs typeface="+mn-cs"/>
+      </a:defRPr>
+    </a:lvl2pPr>
+    <a:lvl3pPr marL="914400" algn="l" defTabSz="914400" rtl="0" eaLnBrk="1" latinLnBrk="0" hangingPunct="1">
+      <a:defRPr sz="1200" kern="1200">
+        <a:solidFill>
+          <a:schemeClr val="tx1"/>
+        </a:solidFill>
+        <a:latin typeface="+mn-lt"/>
+        <a:ea typeface="+mn-ea"/>
+        <a:cs typeface="+mn-cs"/>
+      </a:defRPr>
+    </a:lvl3pPr>
+    <a:lvl4pPr marL="1371600" algn="l" defTabSz="914400" rtl="0" eaLnBrk="1" latinLnBrk="0" hangingPunct="1">
+      <a:defRPr sz="1200" kern="1200">
+        <a:solidFill>
+          <a:schemeClr val="tx1"/>
+        </a:solidFill>
+        <a:latin typeface="+mn-lt"/>
+        <a:ea typeface="+mn-ea"/>
+        <a:cs typeface="+mn-cs"/>
+      </a:defRPr>
+    </a:lvl4pPr>
+    <a:lvl5pPr marL="1828800" algn="l" defTabSz="914400" rtl="0" eaLnBrk="1" latinLnBrk="0" hangingPunct="1">
+      <a:defRPr sz="1200" kern="1200">
+        <a:solidFill>
+          <a:schemeClr val="tx1"/>
+        </a:solidFill>
+        <a:latin typeface="+mn-lt"/>
+        <a:ea typeface="+mn-ea"/>
+        <a:cs typeface="+mn-cs"/>
+      </a:defRPr>
+    </a:lvl5pPr>
+    <a:lvl6pPr marL="2286000" algn="l" defTabSz="914400" rtl="0" eaLnBrk="1" latinLnBrk="0" hangingPunct="1">
+      <a:defRPr sz="1200" kern="1200">
+        <a:solidFill>
+          <a:schemeClr val="tx1"/>
+        </a:solidFill>
+        <a:latin typeface="+mn-lt"/>
+        <a:ea typeface="+mn-ea"/>
+        <a:cs typeface="+mn-cs"/>
+      </a:defRPr>
+    </a:lvl6pPr>
+    <a:lvl7pPr marL="2743200" algn="l" defTabSz="914400" rtl="0" eaLnBrk="1" latinLnBrk="0" hangingPunct="1">
+      <a:defRPr sz="1200" kern="1200">
+        <a:solidFill>
+          <a:schemeClr val="tx1"/>
+        </a:solidFill>
+        <a:latin typeface="+mn-lt"/>
+        <a:ea typeface="+mn-ea"/>
+        <a:cs typeface="+mn-cs"/>
+      </a:defRPr>
+    </a:lvl7pPr>
+    <a:lvl8pPr marL="3200400" algn="l" defTabSz="914400" rtl="0" eaLnBrk="1" latinLnBrk="0" hangingPunct="1">
+      <a:defRPr sz="1200" kern="1200">
+        <a:solidFill>
+          <a:schemeClr val="tx1"/>
+        </a:solidFill>
+        <a:latin typeface="+mn-lt"/>
+        <a:ea typeface="+mn-ea"/>
+        <a:cs typeface="+mn-cs"/>
+      </a:defRPr>
+    </a:lvl8pPr>
+    <a:lvl9pPr marL="3657600" algn="l" defTabSz="914400" rtl="0" eaLnBrk="1" latinLnBrk="0" hangingPunct="1">
+      <a:defRPr sz="1200" kern="1200">
+        <a:solidFill>
+          <a:schemeClr val="tx1"/>
+        </a:solidFill>
+        <a:latin typeface="+mn-lt"/>
+        <a:ea typeface="+mn-ea"/>
+        <a:cs typeface="+mn-cs"/>
+      </a:defRPr>
+    </a:lvl9pPr>
+  </p:notesStyle>
+</p:notesMaster>
+</file>
+
+<file path=ppt/notesSlides/notesSlide1.xml><?xml version="1.0" encoding="utf-8"?>
+<p:notes xmlns:a="http://schemas.openxmlformats.org/drawingml/2006/main" xmlns:r="http://schemas.openxmlformats.org/officeDocument/2006/relationships" xmlns:p="http://schemas.openxmlformats.org/presentationml/2006/main">
+  <p:cSld>
+    <p:spTree>
+      <p:nvGrpSpPr>
+        <p:cNvPr id="1" name=""/>
+        <p:cNvGrpSpPr/>
+        <p:nvPr/>
+      </p:nvGrpSpPr>
+      <p:grpSpPr>
+        <a:xfrm>
+          <a:off x="0" y="0"/>
+          <a:ext cx="0" cy="0"/>
+          <a:chOff x="0" y="0"/>
+          <a:chExt cx="0" cy="0"/>
+        </a:xfrm>
+      </p:grpSpPr>
+      <p:sp>
+        <p:nvSpPr>
+          <p:cNvPr id="2" name="Marcador de imagen de diapositiva 1"/>
+          <p:cNvSpPr>
+            <a:spLocks noGrp="1" noRot="1" noChangeAspect="1"/>
+          </p:cNvSpPr>
+          <p:nvPr>
+            <p:ph type="sldImg"/>
+          </p:nvPr>
+        </p:nvSpPr>
+        <p:spPr/>
+      </p:sp>
+      <p:sp>
+        <p:nvSpPr>
+          <p:cNvPr id="3" name="Marcador de notas 2"/>
+          <p:cNvSpPr>
+            <a:spLocks noGrp="1"/>
+          </p:cNvSpPr>
+          <p:nvPr>
+            <p:ph type="body" idx="1"/>
+          </p:nvPr>
+        </p:nvSpPr>
+        <p:spPr/>
+        <p:txBody>
+          <a:bodyPr/>
+          <a:lstStyle/>
+          <a:p>
+            <a:endParaRPr lang="es-CO"/>
+          </a:p>
+        </p:txBody>
+      </p:sp>
+      <p:sp>
+        <p:nvSpPr>
+          <p:cNvPr id="4" name="Marcador de número de diapositiva 3"/>
+          <p:cNvSpPr>
+            <a:spLocks noGrp="1"/>
+          </p:cNvSpPr>
+          <p:nvPr>
+            <p:ph type="sldNum" sz="quarter" idx="5"/>
+          </p:nvPr>
+        </p:nvSpPr>
+        <p:spPr/>
+        <p:txBody>
+          <a:bodyPr/>
+          <a:lstStyle/>
+          <a:p>
+            <a:fld id="{E745C70F-B179-4FD5-8C48-3F5C0CA2B965}" type="slidenum">
+              <a:rPr lang="es-CO" smtClean="0"/>
+              <a:t>6</a:t>
+            </a:fld>
+            <a:endParaRPr lang="es-CO"/>
+          </a:p>
+        </p:txBody>
+      </p:sp>
+    </p:spTree>
+    <p:extLst>
+      <p:ext uri="{BB962C8B-B14F-4D97-AF65-F5344CB8AC3E}">
+        <p14:creationId xmlns:p14="http://schemas.microsoft.com/office/powerpoint/2010/main" val="2343931025"/>
+      </p:ext>
+    </p:extLst>
+  </p:cSld>
+  <p:clrMapOvr>
+    <a:masterClrMapping/>
+  </p:clrMapOvr>
+</p:notes>
+</file>
+
+<file path=ppt/notesSlides/notesSlide2.xml><?xml version="1.0" encoding="utf-8"?>
+<p:notes xmlns:a="http://schemas.openxmlformats.org/drawingml/2006/main" xmlns:r="http://schemas.openxmlformats.org/officeDocument/2006/relationships" xmlns:p="http://schemas.openxmlformats.org/presentationml/2006/main">
+  <p:cSld>
+    <p:spTree>
+      <p:nvGrpSpPr>
+        <p:cNvPr id="1" name=""/>
+        <p:cNvGrpSpPr/>
+        <p:nvPr/>
+      </p:nvGrpSpPr>
+      <p:grpSpPr>
+        <a:xfrm>
+          <a:off x="0" y="0"/>
+          <a:ext cx="0" cy="0"/>
+          <a:chOff x="0" y="0"/>
+          <a:chExt cx="0" cy="0"/>
+        </a:xfrm>
+      </p:grpSpPr>
+      <p:sp>
+        <p:nvSpPr>
+          <p:cNvPr id="2" name="Marcador de imagen de diapositiva 1"/>
+          <p:cNvSpPr>
+            <a:spLocks noGrp="1" noRot="1" noChangeAspect="1"/>
+          </p:cNvSpPr>
+          <p:nvPr>
+            <p:ph type="sldImg"/>
+          </p:nvPr>
+        </p:nvSpPr>
+        <p:spPr/>
+      </p:sp>
+      <p:sp>
+        <p:nvSpPr>
+          <p:cNvPr id="3" name="Marcador de notas 2"/>
+          <p:cNvSpPr>
+            <a:spLocks noGrp="1"/>
+          </p:cNvSpPr>
+          <p:nvPr>
+            <p:ph type="body" idx="1"/>
+          </p:nvPr>
+        </p:nvSpPr>
+        <p:spPr/>
+        <p:txBody>
+          <a:bodyPr/>
+          <a:lstStyle/>
+          <a:p>
+            <a:endParaRPr lang="es-CO"/>
+          </a:p>
+        </p:txBody>
+      </p:sp>
+      <p:sp>
+        <p:nvSpPr>
+          <p:cNvPr id="4" name="Marcador de número de diapositiva 3"/>
+          <p:cNvSpPr>
+            <a:spLocks noGrp="1"/>
+          </p:cNvSpPr>
+          <p:nvPr>
+            <p:ph type="sldNum" sz="quarter" idx="5"/>
+          </p:nvPr>
+        </p:nvSpPr>
+        <p:spPr/>
+        <p:txBody>
+          <a:bodyPr/>
+          <a:lstStyle/>
+          <a:p>
+            <a:fld id="{E745C70F-B179-4FD5-8C48-3F5C0CA2B965}" type="slidenum">
+              <a:rPr lang="es-CO" smtClean="0"/>
+              <a:t>7</a:t>
+            </a:fld>
+            <a:endParaRPr lang="es-CO"/>
+          </a:p>
+        </p:txBody>
+      </p:sp>
+    </p:spTree>
+    <p:extLst>
+      <p:ext uri="{BB962C8B-B14F-4D97-AF65-F5344CB8AC3E}">
+        <p14:creationId xmlns:p14="http://schemas.microsoft.com/office/powerpoint/2010/main" val="1960273686"/>
+      </p:ext>
+    </p:extLst>
+  </p:cSld>
+  <p:clrMapOvr>
+    <a:masterClrMapping/>
+  </p:clrMapOvr>
+</p:notes>
+</file>
+
+<file path=ppt/notesSlides/notesSlide3.xml><?xml version="1.0" encoding="utf-8"?>
+<p:notes xmlns:a="http://schemas.openxmlformats.org/drawingml/2006/main" xmlns:r="http://schemas.openxmlformats.org/officeDocument/2006/relationships" xmlns:p="http://schemas.openxmlformats.org/presentationml/2006/main">
+  <p:cSld>
+    <p:spTree>
+      <p:nvGrpSpPr>
+        <p:cNvPr id="1" name=""/>
+        <p:cNvGrpSpPr/>
+        <p:nvPr/>
+      </p:nvGrpSpPr>
+      <p:grpSpPr>
+        <a:xfrm>
+          <a:off x="0" y="0"/>
+          <a:ext cx="0" cy="0"/>
+          <a:chOff x="0" y="0"/>
+          <a:chExt cx="0" cy="0"/>
+        </a:xfrm>
+      </p:grpSpPr>
+      <p:sp>
+        <p:nvSpPr>
+          <p:cNvPr id="2" name="Marcador de imagen de diapositiva 1"/>
+          <p:cNvSpPr>
+            <a:spLocks noGrp="1" noRot="1" noChangeAspect="1"/>
+          </p:cNvSpPr>
+          <p:nvPr>
+            <p:ph type="sldImg"/>
+          </p:nvPr>
+        </p:nvSpPr>
+        <p:spPr/>
+      </p:sp>
+      <p:sp>
+        <p:nvSpPr>
+          <p:cNvPr id="3" name="Marcador de notas 2"/>
+          <p:cNvSpPr>
+            <a:spLocks noGrp="1"/>
+          </p:cNvSpPr>
+          <p:nvPr>
+            <p:ph type="body" idx="1"/>
+          </p:nvPr>
+        </p:nvSpPr>
+        <p:spPr/>
+        <p:txBody>
+          <a:bodyPr/>
+          <a:lstStyle/>
+          <a:p>
+            <a:endParaRPr lang="es-CO"/>
+          </a:p>
+        </p:txBody>
+      </p:sp>
+      <p:sp>
+        <p:nvSpPr>
+          <p:cNvPr id="4" name="Marcador de número de diapositiva 3"/>
+          <p:cNvSpPr>
+            <a:spLocks noGrp="1"/>
+          </p:cNvSpPr>
+          <p:nvPr>
+            <p:ph type="sldNum" sz="quarter" idx="5"/>
+          </p:nvPr>
+        </p:nvSpPr>
+        <p:spPr/>
+        <p:txBody>
+          <a:bodyPr/>
+          <a:lstStyle/>
+          <a:p>
+            <a:fld id="{E745C70F-B179-4FD5-8C48-3F5C0CA2B965}" type="slidenum">
+              <a:rPr lang="es-CO" smtClean="0"/>
+              <a:t>8</a:t>
+            </a:fld>
+            <a:endParaRPr lang="es-CO"/>
+          </a:p>
+        </p:txBody>
+      </p:sp>
+    </p:spTree>
+    <p:extLst>
+      <p:ext uri="{BB962C8B-B14F-4D97-AF65-F5344CB8AC3E}">
+        <p14:creationId xmlns:p14="http://schemas.microsoft.com/office/powerpoint/2010/main" val="1916965640"/>
+      </p:ext>
+    </p:extLst>
+  </p:cSld>
+  <p:clrMapOvr>
+    <a:masterClrMapping/>
+  </p:clrMapOvr>
+</p:notes>
+</file>
+
+<file path=ppt/notesSlides/notesSlide4.xml><?xml version="1.0" encoding="utf-8"?>
+<p:notes xmlns:a="http://schemas.openxmlformats.org/drawingml/2006/main" xmlns:r="http://schemas.openxmlformats.org/officeDocument/2006/relationships" xmlns:p="http://schemas.openxmlformats.org/presentationml/2006/main">
+  <p:cSld>
+    <p:spTree>
+      <p:nvGrpSpPr>
+        <p:cNvPr id="1" name=""/>
+        <p:cNvGrpSpPr/>
+        <p:nvPr/>
+      </p:nvGrpSpPr>
+      <p:grpSpPr>
+        <a:xfrm>
+          <a:off x="0" y="0"/>
+          <a:ext cx="0" cy="0"/>
+          <a:chOff x="0" y="0"/>
+          <a:chExt cx="0" cy="0"/>
+        </a:xfrm>
+      </p:grpSpPr>
+      <p:sp>
+        <p:nvSpPr>
+          <p:cNvPr id="2" name="Marcador de imagen de diapositiva 1"/>
+          <p:cNvSpPr>
+            <a:spLocks noGrp="1" noRot="1" noChangeAspect="1"/>
+          </p:cNvSpPr>
+          <p:nvPr>
+            <p:ph type="sldImg"/>
+          </p:nvPr>
+        </p:nvSpPr>
+        <p:spPr/>
+      </p:sp>
+      <p:sp>
+        <p:nvSpPr>
+          <p:cNvPr id="3" name="Marcador de notas 2"/>
+          <p:cNvSpPr>
+            <a:spLocks noGrp="1"/>
+          </p:cNvSpPr>
+          <p:nvPr>
+            <p:ph type="body" idx="1"/>
+          </p:nvPr>
+        </p:nvSpPr>
+        <p:spPr/>
+        <p:txBody>
+          <a:bodyPr/>
+          <a:lstStyle/>
+          <a:p>
+            <a:endParaRPr lang="es-CO"/>
+          </a:p>
+        </p:txBody>
+      </p:sp>
+      <p:sp>
+        <p:nvSpPr>
+          <p:cNvPr id="4" name="Marcador de número de diapositiva 3"/>
+          <p:cNvSpPr>
+            <a:spLocks noGrp="1"/>
+          </p:cNvSpPr>
+          <p:nvPr>
+            <p:ph type="sldNum" sz="quarter" idx="5"/>
+          </p:nvPr>
+        </p:nvSpPr>
+        <p:spPr/>
+        <p:txBody>
+          <a:bodyPr/>
+          <a:lstStyle/>
+          <a:p>
+            <a:fld id="{E745C70F-B179-4FD5-8C48-3F5C0CA2B965}" type="slidenum">
+              <a:rPr lang="es-CO" smtClean="0"/>
+              <a:t>9</a:t>
+            </a:fld>
+            <a:endParaRPr lang="es-CO"/>
+          </a:p>
+        </p:txBody>
+      </p:sp>
+    </p:spTree>
+    <p:extLst>
+      <p:ext uri="{BB962C8B-B14F-4D97-AF65-F5344CB8AC3E}">
+        <p14:creationId xmlns:p14="http://schemas.microsoft.com/office/powerpoint/2010/main" val="2611257201"/>
+      </p:ext>
+    </p:extLst>
+  </p:cSld>
+  <p:clrMapOvr>
+    <a:masterClrMapping/>
+  </p:clrMapOvr>
+</p:notes>
 </file>
 
 <file path=ppt/slideLayouts/slideLayout1.xml><?xml version="1.0" encoding="utf-8"?>
@@ -3394,7 +4096,7 @@
           <a:lstStyle/>
           <a:p>
             <a:pPr algn="ctr"/>
-            <a:endParaRPr lang="es-CO" u="sng" dirty="0"/>
+            <a:endParaRPr lang="es-CO" u="sng"/>
           </a:p>
         </p:txBody>
       </p:sp>
@@ -3428,7 +4130,7 @@
           <a:p>
             <a:pPr algn="ctr"/>
             <a:r>
-              <a:rPr lang="es-CO" sz="2000" b="1" dirty="0">
+              <a:rPr lang="en-US" sz="2000" b="1">
                 <a:solidFill>
                   <a:schemeClr val="bg1"/>
                 </a:solidFill>
@@ -3436,13 +4138,13 @@
                 <a:ea typeface="Source Sans Pro" panose="020B0503030403020204" pitchFamily="34" charset="0"/>
                 <a:cs typeface="Arial" panose="020B0604020202020204" pitchFamily="34" charset="0"/>
               </a:rPr>
-              <a:t>Reunión 29 de Julio del 2024</a:t>
+              <a:t>Meeting July 29, 2024</a:t>
             </a:r>
           </a:p>
           <a:p>
             <a:pPr algn="ctr"/>
             <a:r>
-              <a:rPr lang="es-ES" sz="2000" dirty="0">
+              <a:rPr lang="en-US" sz="2000" b="1">
                 <a:solidFill>
                   <a:schemeClr val="bg1"/>
                 </a:solidFill>
@@ -3450,9 +4152,9 @@
                 <a:ea typeface="Source Sans Pro" panose="020B0503030403020204" pitchFamily="34" charset="0"/>
                 <a:cs typeface="Arial" panose="020B0604020202020204" pitchFamily="34" charset="0"/>
               </a:rPr>
-              <a:t>Modelación directa e inversa de propagación de ondas combinando enfoques clásicos y de aprendizaje automático</a:t>
-            </a:r>
-            <a:endParaRPr lang="es-CO" sz="2000" dirty="0">
+              <a:t>Forward and inverse modeling of wave propagation combining classical and machine learning approaches</a:t>
+            </a:r>
+            <a:endParaRPr lang="es-CO" sz="2000">
               <a:solidFill>
                 <a:schemeClr val="bg1"/>
               </a:solidFill>
@@ -3477,8 +4179,8 @@
         </p:nvSpPr>
         <p:spPr>
           <a:xfrm>
-            <a:off x="2290572" y="2949047"/>
-            <a:ext cx="7150608" cy="707886"/>
+            <a:off x="2002536" y="2949047"/>
+            <a:ext cx="7438644" cy="707886"/>
           </a:xfrm>
           <a:prstGeom prst="rect">
             <a:avLst/>
@@ -3493,7 +4195,7 @@
           <a:p>
             <a:pPr algn="ctr"/>
             <a:r>
-              <a:rPr lang="es-CO" sz="2000" b="1" dirty="0">
+              <a:rPr lang="es-CO" sz="2000" b="1">
                 <a:solidFill>
                   <a:schemeClr val="bg1"/>
                 </a:solidFill>
@@ -3501,10 +4203,10 @@
                 <a:ea typeface="Source Sans Pro" panose="020B0503030403020204" pitchFamily="34" charset="0"/>
                 <a:cs typeface="Arial" panose="020B0604020202020204" pitchFamily="34" charset="0"/>
               </a:rPr>
-              <a:t>Estudiante: </a:t>
-            </a:r>
-            <a:r>
-              <a:rPr lang="es-CO" sz="2000" dirty="0">
+              <a:t>Student: </a:t>
+            </a:r>
+            <a:r>
+              <a:rPr lang="es-CO" sz="2000">
                 <a:solidFill>
                   <a:schemeClr val="bg1"/>
                 </a:solidFill>
@@ -3518,7 +4220,7 @@
           <a:p>
             <a:pPr algn="ctr"/>
             <a:r>
-              <a:rPr lang="es-CO" sz="2000" b="1" dirty="0">
+              <a:rPr lang="es-CO" sz="2000" b="1">
                 <a:solidFill>
                   <a:schemeClr val="bg1"/>
                 </a:solidFill>
@@ -3526,10 +4228,10 @@
                 <a:ea typeface="Source Sans Pro" panose="020B0503030403020204" pitchFamily="34" charset="0"/>
                 <a:cs typeface="Arial" panose="020B0604020202020204" pitchFamily="34" charset="0"/>
               </a:rPr>
-              <a:t>Asesores: </a:t>
-            </a:r>
-            <a:r>
-              <a:rPr lang="es-CO" sz="2000" dirty="0">
+              <a:t>Advisors: </a:t>
+            </a:r>
+            <a:r>
+              <a:rPr lang="es-CO" sz="2000">
                 <a:solidFill>
                   <a:schemeClr val="bg1"/>
                 </a:solidFill>
@@ -3537,7 +4239,7 @@
                 <a:ea typeface="Source Sans Pro" panose="020B0503030403020204" pitchFamily="34" charset="0"/>
                 <a:cs typeface="Arial" panose="020B0604020202020204" pitchFamily="34" charset="0"/>
               </a:rPr>
-              <a:t>Prof. Nicolas Guarín Zapata y Silvana Montoya </a:t>
+              <a:t>Nicolas Guarín Zapata and Silvana Montoya</a:t>
             </a:r>
           </a:p>
         </p:txBody>
@@ -3556,7 +4258,7 @@
         </p:nvSpPr>
         <p:spPr>
           <a:xfrm>
-            <a:off x="2290572" y="4903523"/>
+            <a:off x="2520696" y="5281434"/>
             <a:ext cx="7150608" cy="707886"/>
           </a:xfrm>
           <a:prstGeom prst="rect">
@@ -3572,7 +4274,21 @@
           <a:p>
             <a:pPr algn="ctr"/>
             <a:r>
-              <a:rPr lang="es-CO" sz="2000" dirty="0">
+              <a:rPr lang="es-CO" sz="2000">
+                <a:solidFill>
+                  <a:schemeClr val="bg1"/>
+                </a:solidFill>
+                <a:latin typeface="Arial" panose="020B0604020202020204" pitchFamily="34" charset="0"/>
+                <a:ea typeface="Source Sans Pro" panose="020B0503030403020204" pitchFamily="34" charset="0"/>
+                <a:cs typeface="Arial" panose="020B0604020202020204" pitchFamily="34" charset="0"/>
+              </a:rPr>
+              <a:t>Applied Mechanics research group</a:t>
+            </a:r>
+          </a:p>
+          <a:p>
+            <a:pPr algn="ctr"/>
+            <a:r>
+              <a:rPr lang="es-CO" sz="2000">
                 <a:solidFill>
                   <a:schemeClr val="bg1"/>
                 </a:solidFill>
@@ -3583,10 +4299,206 @@
               <a:t>Universidad EAFIT</a:t>
             </a:r>
           </a:p>
+        </p:txBody>
+      </p:sp>
+      <p:pic>
+        <p:nvPicPr>
+          <p:cNvPr id="9" name="Gráfico 8">
+            <a:extLst>
+              <a:ext uri="{FF2B5EF4-FFF2-40B4-BE49-F238E27FC236}">
+                <a16:creationId xmlns:a16="http://schemas.microsoft.com/office/drawing/2014/main" id="{AB36FE26-64C6-3E86-480D-E7256AA3282C}"/>
+              </a:ext>
+            </a:extLst>
+          </p:cNvPr>
+          <p:cNvPicPr>
+            <a:picLocks noChangeAspect="1"/>
+          </p:cNvPicPr>
+          <p:nvPr/>
+        </p:nvPicPr>
+        <p:blipFill>
+          <a:blip r:embed="rId2">
+            <a:extLst>
+              <a:ext uri="{96DAC541-7B7A-43D3-8B79-37D633B846F1}">
+                <asvg:svgBlip xmlns:asvg="http://schemas.microsoft.com/office/drawing/2016/SVG/main" r:embed="rId3"/>
+              </a:ext>
+            </a:extLst>
+          </a:blip>
+          <a:stretch>
+            <a:fillRect/>
+          </a:stretch>
+        </p:blipFill>
+        <p:spPr>
+          <a:xfrm>
+            <a:off x="10375201" y="5971603"/>
+            <a:ext cx="1609725" cy="657225"/>
+          </a:xfrm>
+          <a:prstGeom prst="rect">
+            <a:avLst/>
+          </a:prstGeom>
+        </p:spPr>
+      </p:pic>
+      <p:pic>
+        <p:nvPicPr>
+          <p:cNvPr id="1026" name="Picture 2" descr="@AppliedMechanics-EAFIT">
+            <a:extLst>
+              <a:ext uri="{FF2B5EF4-FFF2-40B4-BE49-F238E27FC236}">
+                <a16:creationId xmlns:a16="http://schemas.microsoft.com/office/drawing/2014/main" id="{4FC60080-2A06-7895-D1C8-629794774466}"/>
+              </a:ext>
+            </a:extLst>
+          </p:cNvPr>
+          <p:cNvPicPr>
+            <a:picLocks noChangeAspect="1" noChangeArrowheads="1"/>
+          </p:cNvPicPr>
+          <p:nvPr/>
+        </p:nvPicPr>
+        <p:blipFill>
+          <a:blip r:embed="rId4">
+            <a:extLst>
+              <a:ext uri="{28A0092B-C50C-407E-A947-70E740481C1C}">
+                <a14:useLocalDpi xmlns:a14="http://schemas.microsoft.com/office/drawing/2010/main" val="0"/>
+              </a:ext>
+            </a:extLst>
+          </a:blip>
+          <a:srcRect/>
+          <a:stretch>
+            <a:fillRect/>
+          </a:stretch>
+        </p:blipFill>
+        <p:spPr bwMode="auto">
+          <a:xfrm>
+            <a:off x="207074" y="4812751"/>
+            <a:ext cx="1905000" cy="1905000"/>
+          </a:xfrm>
+          <a:prstGeom prst="rect">
+            <a:avLst/>
+          </a:prstGeom>
+          <a:noFill/>
+          <a:extLst>
+            <a:ext uri="{909E8E84-426E-40DD-AFC4-6F175D3DCCD1}">
+              <a14:hiddenFill xmlns:a14="http://schemas.microsoft.com/office/drawing/2010/main">
+                <a:solidFill>
+                  <a:srgbClr val="FFFFFF"/>
+                </a:solidFill>
+              </a14:hiddenFill>
+            </a:ext>
+          </a:extLst>
+        </p:spPr>
+      </p:pic>
+    </p:spTree>
+    <p:extLst>
+      <p:ext uri="{BB962C8B-B14F-4D97-AF65-F5344CB8AC3E}">
+        <p14:creationId xmlns:p14="http://schemas.microsoft.com/office/powerpoint/2010/main" val="2198032440"/>
+      </p:ext>
+    </p:extLst>
+  </p:cSld>
+  <p:clrMapOvr>
+    <a:masterClrMapping/>
+  </p:clrMapOvr>
+</p:sld>
+</file>
+
+<file path=ppt/slides/slide10.xml><?xml version="1.0" encoding="utf-8"?>
+<p:sld xmlns:a="http://schemas.openxmlformats.org/drawingml/2006/main" xmlns:r="http://schemas.openxmlformats.org/officeDocument/2006/relationships" xmlns:p="http://schemas.openxmlformats.org/presentationml/2006/main">
+  <p:cSld>
+    <p:spTree>
+      <p:nvGrpSpPr>
+        <p:cNvPr id="1" name=""/>
+        <p:cNvGrpSpPr/>
+        <p:nvPr/>
+      </p:nvGrpSpPr>
+      <p:grpSpPr>
+        <a:xfrm>
+          <a:off x="0" y="0"/>
+          <a:ext cx="0" cy="0"/>
+          <a:chOff x="0" y="0"/>
+          <a:chExt cx="0" cy="0"/>
+        </a:xfrm>
+      </p:grpSpPr>
+      <p:sp>
+        <p:nvSpPr>
+          <p:cNvPr id="2" name="Rectángulo 1">
+            <a:extLst>
+              <a:ext uri="{FF2B5EF4-FFF2-40B4-BE49-F238E27FC236}">
+                <a16:creationId xmlns:a16="http://schemas.microsoft.com/office/drawing/2014/main" id="{33B43DF0-55BF-79E0-2273-FD3CA4767423}"/>
+              </a:ext>
+            </a:extLst>
+          </p:cNvPr>
+          <p:cNvSpPr/>
+          <p:nvPr/>
+        </p:nvSpPr>
+        <p:spPr>
+          <a:xfrm>
+            <a:off x="0" y="0"/>
+            <a:ext cx="12192000" cy="6858000"/>
+          </a:xfrm>
+          <a:prstGeom prst="rect">
+            <a:avLst/>
+          </a:prstGeom>
+          <a:solidFill>
+            <a:schemeClr val="accent1">
+              <a:lumMod val="75000"/>
+            </a:schemeClr>
+          </a:solidFill>
+          <a:ln>
+            <a:noFill/>
+          </a:ln>
+        </p:spPr>
+        <p:style>
+          <a:lnRef idx="2">
+            <a:schemeClr val="accent1">
+              <a:shade val="15000"/>
+            </a:schemeClr>
+          </a:lnRef>
+          <a:fillRef idx="1">
+            <a:schemeClr val="accent1"/>
+          </a:fillRef>
+          <a:effectRef idx="0">
+            <a:schemeClr val="accent1"/>
+          </a:effectRef>
+          <a:fontRef idx="minor">
+            <a:schemeClr val="lt1"/>
+          </a:fontRef>
+        </p:style>
+        <p:txBody>
+          <a:bodyPr rtlCol="0" anchor="ctr"/>
+          <a:lstStyle/>
           <a:p>
             <a:pPr algn="ctr"/>
-            <a:r>
-              <a:rPr lang="es-CO" sz="2000" dirty="0">
+            <a:endParaRPr lang="es-CO"/>
+          </a:p>
+        </p:txBody>
+      </p:sp>
+      <p:sp>
+        <p:nvSpPr>
+          <p:cNvPr id="3" name="CuadroTexto 2">
+            <a:extLst>
+              <a:ext uri="{FF2B5EF4-FFF2-40B4-BE49-F238E27FC236}">
+                <a16:creationId xmlns:a16="http://schemas.microsoft.com/office/drawing/2014/main" id="{254F0281-F108-BD43-3A10-671B6D0CB599}"/>
+              </a:ext>
+            </a:extLst>
+          </p:cNvPr>
+          <p:cNvSpPr txBox="1"/>
+          <p:nvPr/>
+        </p:nvSpPr>
+        <p:spPr>
+          <a:xfrm>
+            <a:off x="2520696" y="457200"/>
+            <a:ext cx="7150608" cy="461665"/>
+          </a:xfrm>
+          <a:prstGeom prst="rect">
+            <a:avLst/>
+          </a:prstGeom>
+          <a:noFill/>
+        </p:spPr>
+        <p:txBody>
+          <a:bodyPr wrap="square" rtlCol="0">
+            <a:spAutoFit/>
+          </a:bodyPr>
+          <a:lstStyle/>
+          <a:p>
+            <a:pPr algn="ctr"/>
+            <a:r>
+              <a:rPr lang="es-CO" sz="2400" b="1">
                 <a:solidFill>
                   <a:schemeClr val="bg1"/>
                 </a:solidFill>
@@ -3594,15 +4506,178 @@
                 <a:ea typeface="Source Sans Pro" panose="020B0503030403020204" pitchFamily="34" charset="0"/>
                 <a:cs typeface="Arial" panose="020B0604020202020204" pitchFamily="34" charset="0"/>
               </a:rPr>
-              <a:t>29 de Julio del 2024</a:t>
-            </a:r>
-          </a:p>
-        </p:txBody>
-      </p:sp>
+              <a:t>Revisión Sistemática de aplicaciones</a:t>
+            </a:r>
+          </a:p>
+        </p:txBody>
+      </p:sp>
+      <p:pic>
+        <p:nvPicPr>
+          <p:cNvPr id="5" name="Gráfico 4">
+            <a:extLst>
+              <a:ext uri="{FF2B5EF4-FFF2-40B4-BE49-F238E27FC236}">
+                <a16:creationId xmlns:a16="http://schemas.microsoft.com/office/drawing/2014/main" id="{E9F2DDC7-9B0E-704A-F987-24E70FE1A9A7}"/>
+              </a:ext>
+            </a:extLst>
+          </p:cNvPr>
+          <p:cNvPicPr>
+            <a:picLocks noChangeAspect="1"/>
+          </p:cNvPicPr>
+          <p:nvPr/>
+        </p:nvPicPr>
+        <p:blipFill>
+          <a:blip r:embed="rId2">
+            <a:extLst>
+              <a:ext uri="{96DAC541-7B7A-43D3-8B79-37D633B846F1}">
+                <asvg:svgBlip xmlns:asvg="http://schemas.microsoft.com/office/drawing/2016/SVG/main" r:embed="rId3"/>
+              </a:ext>
+            </a:extLst>
+          </a:blip>
+          <a:stretch>
+            <a:fillRect/>
+          </a:stretch>
+        </p:blipFill>
+        <p:spPr>
+          <a:xfrm>
+            <a:off x="647700" y="2045345"/>
+            <a:ext cx="10892453" cy="2860030"/>
+          </a:xfrm>
+          <a:prstGeom prst="rect">
+            <a:avLst/>
+          </a:prstGeom>
+        </p:spPr>
+      </p:pic>
     </p:spTree>
     <p:extLst>
       <p:ext uri="{BB962C8B-B14F-4D97-AF65-F5344CB8AC3E}">
-        <p14:creationId xmlns:p14="http://schemas.microsoft.com/office/powerpoint/2010/main" val="2198032440"/>
+        <p14:creationId xmlns:p14="http://schemas.microsoft.com/office/powerpoint/2010/main" val="1470438773"/>
+      </p:ext>
+    </p:extLst>
+  </p:cSld>
+  <p:clrMapOvr>
+    <a:masterClrMapping/>
+  </p:clrMapOvr>
+</p:sld>
+</file>
+
+<file path=ppt/slides/slide11.xml><?xml version="1.0" encoding="utf-8"?>
+<p:sld xmlns:a="http://schemas.openxmlformats.org/drawingml/2006/main" xmlns:r="http://schemas.openxmlformats.org/officeDocument/2006/relationships" xmlns:p="http://schemas.openxmlformats.org/presentationml/2006/main">
+  <p:cSld>
+    <p:spTree>
+      <p:nvGrpSpPr>
+        <p:cNvPr id="1" name=""/>
+        <p:cNvGrpSpPr/>
+        <p:nvPr/>
+      </p:nvGrpSpPr>
+      <p:grpSpPr>
+        <a:xfrm>
+          <a:off x="0" y="0"/>
+          <a:ext cx="0" cy="0"/>
+          <a:chOff x="0" y="0"/>
+          <a:chExt cx="0" cy="0"/>
+        </a:xfrm>
+      </p:grpSpPr>
+      <p:sp>
+        <p:nvSpPr>
+          <p:cNvPr id="2" name="Rectángulo 1">
+            <a:extLst>
+              <a:ext uri="{FF2B5EF4-FFF2-40B4-BE49-F238E27FC236}">
+                <a16:creationId xmlns:a16="http://schemas.microsoft.com/office/drawing/2014/main" id="{33B43DF0-55BF-79E0-2273-FD3CA4767423}"/>
+              </a:ext>
+            </a:extLst>
+          </p:cNvPr>
+          <p:cNvSpPr/>
+          <p:nvPr/>
+        </p:nvSpPr>
+        <p:spPr>
+          <a:xfrm>
+            <a:off x="0" y="0"/>
+            <a:ext cx="12192000" cy="6858000"/>
+          </a:xfrm>
+          <a:prstGeom prst="rect">
+            <a:avLst/>
+          </a:prstGeom>
+          <a:solidFill>
+            <a:schemeClr val="accent1">
+              <a:lumMod val="75000"/>
+            </a:schemeClr>
+          </a:solidFill>
+          <a:ln>
+            <a:noFill/>
+          </a:ln>
+        </p:spPr>
+        <p:style>
+          <a:lnRef idx="2">
+            <a:schemeClr val="accent1">
+              <a:shade val="15000"/>
+            </a:schemeClr>
+          </a:lnRef>
+          <a:fillRef idx="1">
+            <a:schemeClr val="accent1"/>
+          </a:fillRef>
+          <a:effectRef idx="0">
+            <a:schemeClr val="accent1"/>
+          </a:effectRef>
+          <a:fontRef idx="minor">
+            <a:schemeClr val="lt1"/>
+          </a:fontRef>
+        </p:style>
+        <p:txBody>
+          <a:bodyPr rtlCol="0" anchor="ctr"/>
+          <a:lstStyle/>
+          <a:p>
+            <a:pPr algn="ctr"/>
+            <a:endParaRPr lang="es-CO"/>
+          </a:p>
+        </p:txBody>
+      </p:sp>
+      <p:sp>
+        <p:nvSpPr>
+          <p:cNvPr id="3" name="CuadroTexto 2">
+            <a:extLst>
+              <a:ext uri="{FF2B5EF4-FFF2-40B4-BE49-F238E27FC236}">
+                <a16:creationId xmlns:a16="http://schemas.microsoft.com/office/drawing/2014/main" id="{254F0281-F108-BD43-3A10-671B6D0CB599}"/>
+              </a:ext>
+            </a:extLst>
+          </p:cNvPr>
+          <p:cNvSpPr txBox="1"/>
+          <p:nvPr/>
+        </p:nvSpPr>
+        <p:spPr>
+          <a:xfrm>
+            <a:off x="2520696" y="457200"/>
+            <a:ext cx="7150608" cy="461665"/>
+          </a:xfrm>
+          <a:prstGeom prst="rect">
+            <a:avLst/>
+          </a:prstGeom>
+          <a:noFill/>
+        </p:spPr>
+        <p:txBody>
+          <a:bodyPr wrap="square" rtlCol="0">
+            <a:spAutoFit/>
+          </a:bodyPr>
+          <a:lstStyle/>
+          <a:p>
+            <a:pPr algn="ctr"/>
+            <a:r>
+              <a:rPr lang="es-CO" sz="2400" b="1">
+                <a:solidFill>
+                  <a:schemeClr val="bg1"/>
+                </a:solidFill>
+                <a:latin typeface="Arial" panose="020B0604020202020204" pitchFamily="34" charset="0"/>
+                <a:ea typeface="Source Sans Pro" panose="020B0503030403020204" pitchFamily="34" charset="0"/>
+                <a:cs typeface="Arial" panose="020B0604020202020204" pitchFamily="34" charset="0"/>
+              </a:rPr>
+              <a:t>Ventajas / Desvantajas </a:t>
+            </a:r>
+          </a:p>
+        </p:txBody>
+      </p:sp>
+    </p:spTree>
+    <p:extLst>
+      <p:ext uri="{BB962C8B-B14F-4D97-AF65-F5344CB8AC3E}">
+        <p14:creationId xmlns:p14="http://schemas.microsoft.com/office/powerpoint/2010/main" val="2764051299"/>
       </p:ext>
     </p:extLst>
   </p:cSld>
@@ -3679,7 +4754,7 @@
           <a:lstStyle/>
           <a:p>
             <a:pPr algn="ctr"/>
-            <a:endParaRPr lang="es-CO" dirty="0"/>
+            <a:endParaRPr lang="es-CO"/>
           </a:p>
         </p:txBody>
       </p:sp>
@@ -3698,7 +4773,7 @@
         <p:spPr>
           <a:xfrm>
             <a:off x="2520696" y="457200"/>
-            <a:ext cx="7150608" cy="400110"/>
+            <a:ext cx="7150608" cy="461665"/>
           </a:xfrm>
           <a:prstGeom prst="rect">
             <a:avLst/>
@@ -3713,7 +4788,7 @@
           <a:p>
             <a:pPr algn="ctr"/>
             <a:r>
-              <a:rPr lang="es-CO" sz="2000" b="1" dirty="0">
+              <a:rPr lang="es-CO" sz="2400" b="1">
                 <a:solidFill>
                   <a:schemeClr val="bg1"/>
                 </a:solidFill>
@@ -3721,17 +4796,53 @@
                 <a:ea typeface="Source Sans Pro" panose="020B0503030403020204" pitchFamily="34" charset="0"/>
                 <a:cs typeface="Arial" panose="020B0604020202020204" pitchFamily="34" charset="0"/>
               </a:rPr>
-              <a:t>Contenido</a:t>
-            </a:r>
-          </a:p>
-        </p:txBody>
-      </p:sp>
-      <p:sp>
-        <p:nvSpPr>
-          <p:cNvPr id="8" name="CuadroTexto 7">
-            <a:extLst>
-              <a:ext uri="{FF2B5EF4-FFF2-40B4-BE49-F238E27FC236}">
-                <a16:creationId xmlns:a16="http://schemas.microsoft.com/office/drawing/2014/main" id="{AB805A34-242C-3C12-31BC-70CADF1AAA01}"/>
+              <a:t>Introduction</a:t>
+            </a:r>
+          </a:p>
+        </p:txBody>
+      </p:sp>
+      <p:pic>
+        <p:nvPicPr>
+          <p:cNvPr id="10" name="Gráfico 9">
+            <a:extLst>
+              <a:ext uri="{FF2B5EF4-FFF2-40B4-BE49-F238E27FC236}">
+                <a16:creationId xmlns:a16="http://schemas.microsoft.com/office/drawing/2014/main" id="{E2566563-CEC1-1550-121C-345DC36DCDF5}"/>
+              </a:ext>
+            </a:extLst>
+          </p:cNvPr>
+          <p:cNvPicPr>
+            <a:picLocks noChangeAspect="1"/>
+          </p:cNvPicPr>
+          <p:nvPr/>
+        </p:nvPicPr>
+        <p:blipFill>
+          <a:blip r:embed="rId2">
+            <a:extLst>
+              <a:ext uri="{96DAC541-7B7A-43D3-8B79-37D633B846F1}">
+                <asvg:svgBlip xmlns:asvg="http://schemas.microsoft.com/office/drawing/2016/SVG/main" r:embed="rId3"/>
+              </a:ext>
+            </a:extLst>
+          </a:blip>
+          <a:stretch>
+            <a:fillRect/>
+          </a:stretch>
+        </p:blipFill>
+        <p:spPr>
+          <a:xfrm>
+            <a:off x="3350999" y="2222756"/>
+            <a:ext cx="5269126" cy="3518957"/>
+          </a:xfrm>
+          <a:prstGeom prst="rect">
+            <a:avLst/>
+          </a:prstGeom>
+        </p:spPr>
+      </p:pic>
+      <p:sp>
+        <p:nvSpPr>
+          <p:cNvPr id="142" name="CuadroTexto 141">
+            <a:extLst>
+              <a:ext uri="{FF2B5EF4-FFF2-40B4-BE49-F238E27FC236}">
+                <a16:creationId xmlns:a16="http://schemas.microsoft.com/office/drawing/2014/main" id="{05A1B72F-A3E0-D3C6-90D0-707E4D805AE0}"/>
               </a:ext>
             </a:extLst>
           </p:cNvPr>
@@ -3740,8 +4851,8 @@
         </p:nvSpPr>
         <p:spPr>
           <a:xfrm>
-            <a:off x="1757934" y="1739360"/>
-            <a:ext cx="6094476" cy="1477328"/>
+            <a:off x="1000125" y="1116287"/>
+            <a:ext cx="10020299" cy="646331"/>
           </a:xfrm>
           <a:prstGeom prst="rect">
             <a:avLst/>
@@ -3754,74 +4865,173 @@
           </a:bodyPr>
           <a:lstStyle/>
           <a:p>
-            <a:pPr marL="342900" indent="-342900">
-              <a:buFontTx/>
-              <a:buChar char="-"/>
-            </a:pPr>
-            <a:r>
-              <a:rPr lang="es-CO" sz="1800" dirty="0">
+            <a:r>
+              <a:rPr lang="es-CO">
                 <a:solidFill>
                   <a:schemeClr val="bg1"/>
                 </a:solidFill>
-                <a:latin typeface="Arial" panose="020B0604020202020204" pitchFamily="34" charset="0"/>
-                <a:ea typeface="Source Sans Pro" panose="020B0503030403020204" pitchFamily="34" charset="0"/>
-                <a:cs typeface="Arial" panose="020B0604020202020204" pitchFamily="34" charset="0"/>
               </a:rPr>
-              <a:t>Revisión de literatura</a:t>
-            </a:r>
-          </a:p>
-          <a:p>
-            <a:endParaRPr lang="es-CO" sz="1800" dirty="0">
-              <a:solidFill>
-                <a:schemeClr val="bg1"/>
-              </a:solidFill>
-              <a:latin typeface="Arial" panose="020B0604020202020204" pitchFamily="34" charset="0"/>
-              <a:ea typeface="Source Sans Pro" panose="020B0503030403020204" pitchFamily="34" charset="0"/>
-              <a:cs typeface="Arial" panose="020B0604020202020204" pitchFamily="34" charset="0"/>
-            </a:endParaRPr>
-          </a:p>
-          <a:p>
-            <a:pPr marL="342900" indent="-342900">
-              <a:buFontTx/>
-              <a:buChar char="-"/>
-            </a:pPr>
-            <a:r>
-              <a:rPr lang="es-CO" sz="1800" dirty="0">
+              <a:t>"machine </a:t>
+            </a:r>
+            <a:r>
+              <a:rPr lang="es-CO" err="1">
                 <a:solidFill>
                   <a:schemeClr val="bg1"/>
                 </a:solidFill>
-                <a:latin typeface="Arial" panose="020B0604020202020204" pitchFamily="34" charset="0"/>
-                <a:ea typeface="Source Sans Pro" panose="020B0503030403020204" pitchFamily="34" charset="0"/>
-                <a:cs typeface="Arial" panose="020B0604020202020204" pitchFamily="34" charset="0"/>
               </a:rPr>
-              <a:t>Reproducción de Raissi et al. (2019)</a:t>
-            </a:r>
-          </a:p>
-          <a:p>
-            <a:endParaRPr lang="es-CO" sz="1800" dirty="0">
-              <a:solidFill>
-                <a:schemeClr val="bg1"/>
-              </a:solidFill>
-              <a:latin typeface="Arial" panose="020B0604020202020204" pitchFamily="34" charset="0"/>
-              <a:ea typeface="Source Sans Pro" panose="020B0503030403020204" pitchFamily="34" charset="0"/>
-              <a:cs typeface="Arial" panose="020B0604020202020204" pitchFamily="34" charset="0"/>
-            </a:endParaRPr>
-          </a:p>
-          <a:p>
-            <a:pPr marL="342900" indent="-342900">
-              <a:buFontTx/>
-              <a:buChar char="-"/>
-            </a:pPr>
-            <a:r>
-              <a:rPr lang="es-CO" sz="1800" dirty="0">
+              <a:t>learning</a:t>
+            </a:r>
+            <a:r>
+              <a:rPr lang="es-CO">
                 <a:solidFill>
                   <a:schemeClr val="bg1"/>
                 </a:solidFill>
-                <a:latin typeface="Arial" panose="020B0604020202020204" pitchFamily="34" charset="0"/>
-                <a:ea typeface="Source Sans Pro" panose="020B0503030403020204" pitchFamily="34" charset="0"/>
-                <a:cs typeface="Arial" panose="020B0604020202020204" pitchFamily="34" charset="0"/>
               </a:rPr>
-              <a:t>Planteamiento del problema</a:t>
+              <a:t>" OR "</a:t>
+            </a:r>
+            <a:r>
+              <a:rPr lang="es-CO" err="1">
+                <a:solidFill>
+                  <a:schemeClr val="bg1"/>
+                </a:solidFill>
+              </a:rPr>
+              <a:t>deep</a:t>
+            </a:r>
+            <a:r>
+              <a:rPr lang="es-CO">
+                <a:solidFill>
+                  <a:schemeClr val="bg1"/>
+                </a:solidFill>
+              </a:rPr>
+              <a:t> </a:t>
+            </a:r>
+            <a:r>
+              <a:rPr lang="es-CO" err="1">
+                <a:solidFill>
+                  <a:schemeClr val="bg1"/>
+                </a:solidFill>
+              </a:rPr>
+              <a:t>learning</a:t>
+            </a:r>
+            <a:r>
+              <a:rPr lang="es-CO">
+                <a:solidFill>
+                  <a:schemeClr val="bg1"/>
+                </a:solidFill>
+              </a:rPr>
+              <a:t>" OR "neural </a:t>
+            </a:r>
+            <a:r>
+              <a:rPr lang="es-CO" err="1">
+                <a:solidFill>
+                  <a:schemeClr val="bg1"/>
+                </a:solidFill>
+              </a:rPr>
+              <a:t>networks</a:t>
+            </a:r>
+            <a:r>
+              <a:rPr lang="es-CO">
+                <a:solidFill>
+                  <a:schemeClr val="bg1"/>
+                </a:solidFill>
+              </a:rPr>
+              <a:t>" AND "wave </a:t>
+            </a:r>
+            <a:r>
+              <a:rPr lang="es-CO" err="1">
+                <a:solidFill>
+                  <a:schemeClr val="bg1"/>
+                </a:solidFill>
+              </a:rPr>
+              <a:t>propagation</a:t>
+            </a:r>
+            <a:r>
+              <a:rPr lang="es-CO">
+                <a:solidFill>
+                  <a:schemeClr val="bg1"/>
+                </a:solidFill>
+              </a:rPr>
+              <a:t>" OR "wave </a:t>
+            </a:r>
+            <a:r>
+              <a:rPr lang="es-CO" err="1">
+                <a:solidFill>
+                  <a:schemeClr val="bg1"/>
+                </a:solidFill>
+              </a:rPr>
+              <a:t>equation</a:t>
+            </a:r>
+            <a:r>
+              <a:rPr lang="es-CO">
+                <a:solidFill>
+                  <a:schemeClr val="bg1"/>
+                </a:solidFill>
+              </a:rPr>
+              <a:t>" AND (</a:t>
+            </a:r>
+            <a:r>
+              <a:rPr lang="es-CO" err="1">
+                <a:solidFill>
+                  <a:schemeClr val="bg1"/>
+                </a:solidFill>
+              </a:rPr>
+              <a:t>modeling</a:t>
+            </a:r>
+            <a:r>
+              <a:rPr lang="es-CO">
+                <a:solidFill>
+                  <a:schemeClr val="bg1"/>
+                </a:solidFill>
+              </a:rPr>
+              <a:t> OR </a:t>
+            </a:r>
+            <a:r>
+              <a:rPr lang="es-CO" err="1">
+                <a:solidFill>
+                  <a:schemeClr val="bg1"/>
+                </a:solidFill>
+              </a:rPr>
+              <a:t>modelling</a:t>
+            </a:r>
+            <a:r>
+              <a:rPr lang="es-CO">
+                <a:solidFill>
+                  <a:schemeClr val="bg1"/>
+                </a:solidFill>
+              </a:rPr>
+              <a:t> OR </a:t>
+            </a:r>
+            <a:r>
+              <a:rPr lang="es-CO" err="1">
+                <a:solidFill>
+                  <a:schemeClr val="bg1"/>
+                </a:solidFill>
+              </a:rPr>
+              <a:t>model</a:t>
+            </a:r>
+            <a:r>
+              <a:rPr lang="es-CO">
+                <a:solidFill>
+                  <a:schemeClr val="bg1"/>
+                </a:solidFill>
+              </a:rPr>
+              <a:t> OR </a:t>
+            </a:r>
+            <a:r>
+              <a:rPr lang="es-CO" err="1">
+                <a:solidFill>
+                  <a:schemeClr val="bg1"/>
+                </a:solidFill>
+              </a:rPr>
+              <a:t>simulation</a:t>
+            </a:r>
+            <a:r>
+              <a:rPr lang="es-CO">
+                <a:solidFill>
+                  <a:schemeClr val="bg1"/>
+                </a:solidFill>
+              </a:rPr>
+              <a:t>)</a:t>
             </a:r>
           </a:p>
         </p:txBody>
@@ -3829,7 +5039,7 @@
     </p:spTree>
     <p:extLst>
       <p:ext uri="{BB962C8B-B14F-4D97-AF65-F5344CB8AC3E}">
-        <p14:creationId xmlns:p14="http://schemas.microsoft.com/office/powerpoint/2010/main" val="3177409519"/>
+        <p14:creationId xmlns:p14="http://schemas.microsoft.com/office/powerpoint/2010/main" val="1476158871"/>
       </p:ext>
     </p:extLst>
   </p:cSld>
@@ -3906,7 +5116,7 @@
           <a:lstStyle/>
           <a:p>
             <a:pPr algn="ctr"/>
-            <a:endParaRPr lang="es-CO" dirty="0"/>
+            <a:endParaRPr lang="es-CO"/>
           </a:p>
         </p:txBody>
       </p:sp>
@@ -3925,7 +5135,7 @@
         <p:spPr>
           <a:xfrm>
             <a:off x="2520696" y="457200"/>
-            <a:ext cx="7150608" cy="400110"/>
+            <a:ext cx="7150608" cy="461665"/>
           </a:xfrm>
           <a:prstGeom prst="rect">
             <a:avLst/>
@@ -3940,7 +5150,7 @@
           <a:p>
             <a:pPr algn="ctr"/>
             <a:r>
-              <a:rPr lang="es-CO" sz="2000" b="1" dirty="0">
+              <a:rPr lang="en-US" sz="2400" b="1">
                 <a:solidFill>
                   <a:schemeClr val="bg1"/>
                 </a:solidFill>
@@ -3948,17 +5158,25 @@
                 <a:ea typeface="Source Sans Pro" panose="020B0503030403020204" pitchFamily="34" charset="0"/>
                 <a:cs typeface="Arial" panose="020B0604020202020204" pitchFamily="34" charset="0"/>
               </a:rPr>
-              <a:t>Estructura de artículo de revisión</a:t>
-            </a:r>
-          </a:p>
-        </p:txBody>
-      </p:sp>
-      <p:sp>
-        <p:nvSpPr>
-          <p:cNvPr id="8" name="CuadroTexto 7">
-            <a:extLst>
-              <a:ext uri="{FF2B5EF4-FFF2-40B4-BE49-F238E27FC236}">
-                <a16:creationId xmlns:a16="http://schemas.microsoft.com/office/drawing/2014/main" id="{AB805A34-242C-3C12-31BC-70CADF1AAA01}"/>
+              <a:t>Modeling of Mechanical Wave Propagation</a:t>
+            </a:r>
+            <a:endParaRPr lang="es-CO" sz="2400" b="1">
+              <a:solidFill>
+                <a:schemeClr val="bg1"/>
+              </a:solidFill>
+              <a:latin typeface="Arial" panose="020B0604020202020204" pitchFamily="34" charset="0"/>
+              <a:ea typeface="Source Sans Pro" panose="020B0503030403020204" pitchFamily="34" charset="0"/>
+              <a:cs typeface="Arial" panose="020B0604020202020204" pitchFamily="34" charset="0"/>
+            </a:endParaRPr>
+          </a:p>
+        </p:txBody>
+      </p:sp>
+      <p:sp>
+        <p:nvSpPr>
+          <p:cNvPr id="142" name="CuadroTexto 141">
+            <a:extLst>
+              <a:ext uri="{FF2B5EF4-FFF2-40B4-BE49-F238E27FC236}">
+                <a16:creationId xmlns:a16="http://schemas.microsoft.com/office/drawing/2014/main" id="{05A1B72F-A3E0-D3C6-90D0-707E4D805AE0}"/>
               </a:ext>
             </a:extLst>
           </p:cNvPr>
@@ -3967,8 +5185,8 @@
         </p:nvSpPr>
         <p:spPr>
           <a:xfrm>
-            <a:off x="1757934" y="1739360"/>
-            <a:ext cx="6094476" cy="1477328"/>
+            <a:off x="752475" y="1116287"/>
+            <a:ext cx="10448925" cy="923330"/>
           </a:xfrm>
           <a:prstGeom prst="rect">
             <a:avLst/>
@@ -3981,12 +5199,226 @@
           </a:bodyPr>
           <a:lstStyle/>
           <a:p>
-            <a:pPr marL="342900" indent="-342900">
-              <a:buFontTx/>
-              <a:buChar char="-"/>
-            </a:pPr>
-            <a:r>
-              <a:rPr lang="es-CO" sz="1800" dirty="0">
+            <a:pPr algn="just"/>
+            <a:r>
+              <a:rPr lang="en-US">
+                <a:solidFill>
+                  <a:schemeClr val="bg1"/>
+                </a:solidFill>
+              </a:rPr>
+              <a:t>The process of determining the causes of a set of observations is known as the inverse problem (Tarantola, 2005), aiming to infer, for example, the properties of a medium based on its reaction to mechanical wave propagation. </a:t>
+            </a:r>
+            <a:endParaRPr lang="es-CO">
+              <a:solidFill>
+                <a:schemeClr val="bg1"/>
+              </a:solidFill>
+            </a:endParaRPr>
+          </a:p>
+        </p:txBody>
+      </p:sp>
+      <p:sp>
+        <p:nvSpPr>
+          <p:cNvPr id="6" name="Rectángulo 5">
+            <a:extLst>
+              <a:ext uri="{FF2B5EF4-FFF2-40B4-BE49-F238E27FC236}">
+                <a16:creationId xmlns:a16="http://schemas.microsoft.com/office/drawing/2014/main" id="{B0E8069C-D6AF-FE2E-8A1A-970681F330D4}"/>
+              </a:ext>
+            </a:extLst>
+          </p:cNvPr>
+          <p:cNvSpPr/>
+          <p:nvPr/>
+        </p:nvSpPr>
+        <p:spPr>
+          <a:xfrm>
+            <a:off x="1990725" y="2675981"/>
+            <a:ext cx="7753349" cy="2725238"/>
+          </a:xfrm>
+          <a:prstGeom prst="rect">
+            <a:avLst/>
+          </a:prstGeom>
+          <a:solidFill>
+            <a:schemeClr val="bg1"/>
+          </a:solidFill>
+          <a:ln>
+            <a:noFill/>
+          </a:ln>
+        </p:spPr>
+        <p:style>
+          <a:lnRef idx="2">
+            <a:schemeClr val="accent1">
+              <a:shade val="15000"/>
+            </a:schemeClr>
+          </a:lnRef>
+          <a:fillRef idx="1">
+            <a:schemeClr val="accent1"/>
+          </a:fillRef>
+          <a:effectRef idx="0">
+            <a:schemeClr val="accent1"/>
+          </a:effectRef>
+          <a:fontRef idx="minor">
+            <a:schemeClr val="lt1"/>
+          </a:fontRef>
+        </p:style>
+        <p:txBody>
+          <a:bodyPr rtlCol="0" anchor="ctr"/>
+          <a:lstStyle/>
+          <a:p>
+            <a:pPr algn="ctr"/>
+            <a:endParaRPr lang="es-CO"/>
+          </a:p>
+        </p:txBody>
+      </p:sp>
+      <p:pic>
+        <p:nvPicPr>
+          <p:cNvPr id="5" name="Gráfico 4">
+            <a:extLst>
+              <a:ext uri="{FF2B5EF4-FFF2-40B4-BE49-F238E27FC236}">
+                <a16:creationId xmlns:a16="http://schemas.microsoft.com/office/drawing/2014/main" id="{A38B8CC5-FC92-F762-FBEB-4335E1F0FD02}"/>
+              </a:ext>
+            </a:extLst>
+          </p:cNvPr>
+          <p:cNvPicPr>
+            <a:picLocks noChangeAspect="1"/>
+          </p:cNvPicPr>
+          <p:nvPr/>
+        </p:nvPicPr>
+        <p:blipFill>
+          <a:blip r:embed="rId2">
+            <a:extLst>
+              <a:ext uri="{96DAC541-7B7A-43D3-8B79-37D633B846F1}">
+                <asvg:svgBlip xmlns:asvg="http://schemas.microsoft.com/office/drawing/2016/SVG/main" r:embed="rId3"/>
+              </a:ext>
+            </a:extLst>
+          </a:blip>
+          <a:stretch>
+            <a:fillRect/>
+          </a:stretch>
+        </p:blipFill>
+        <p:spPr>
+          <a:xfrm>
+            <a:off x="1652962" y="2843887"/>
+            <a:ext cx="8886076" cy="2389426"/>
+          </a:xfrm>
+          <a:prstGeom prst="rect">
+            <a:avLst/>
+          </a:prstGeom>
+        </p:spPr>
+      </p:pic>
+    </p:spTree>
+    <p:extLst>
+      <p:ext uri="{BB962C8B-B14F-4D97-AF65-F5344CB8AC3E}">
+        <p14:creationId xmlns:p14="http://schemas.microsoft.com/office/powerpoint/2010/main" val="3976370894"/>
+      </p:ext>
+    </p:extLst>
+  </p:cSld>
+  <p:clrMapOvr>
+    <a:masterClrMapping/>
+  </p:clrMapOvr>
+</p:sld>
+</file>
+
+<file path=ppt/slides/slide4.xml><?xml version="1.0" encoding="utf-8"?>
+<p:sld xmlns:a="http://schemas.openxmlformats.org/drawingml/2006/main" xmlns:r="http://schemas.openxmlformats.org/officeDocument/2006/relationships" xmlns:p="http://schemas.openxmlformats.org/presentationml/2006/main">
+  <p:cSld>
+    <p:spTree>
+      <p:nvGrpSpPr>
+        <p:cNvPr id="1" name=""/>
+        <p:cNvGrpSpPr/>
+        <p:nvPr/>
+      </p:nvGrpSpPr>
+      <p:grpSpPr>
+        <a:xfrm>
+          <a:off x="0" y="0"/>
+          <a:ext cx="0" cy="0"/>
+          <a:chOff x="0" y="0"/>
+          <a:chExt cx="0" cy="0"/>
+        </a:xfrm>
+      </p:grpSpPr>
+      <p:sp>
+        <p:nvSpPr>
+          <p:cNvPr id="2" name="Rectángulo 1">
+            <a:extLst>
+              <a:ext uri="{FF2B5EF4-FFF2-40B4-BE49-F238E27FC236}">
+                <a16:creationId xmlns:a16="http://schemas.microsoft.com/office/drawing/2014/main" id="{3405F8D3-8425-2526-113B-58DEA4170481}"/>
+              </a:ext>
+            </a:extLst>
+          </p:cNvPr>
+          <p:cNvSpPr/>
+          <p:nvPr/>
+        </p:nvSpPr>
+        <p:spPr>
+          <a:xfrm>
+            <a:off x="0" y="0"/>
+            <a:ext cx="12192000" cy="6858000"/>
+          </a:xfrm>
+          <a:prstGeom prst="rect">
+            <a:avLst/>
+          </a:prstGeom>
+          <a:solidFill>
+            <a:schemeClr val="accent1">
+              <a:lumMod val="75000"/>
+            </a:schemeClr>
+          </a:solidFill>
+          <a:ln>
+            <a:noFill/>
+          </a:ln>
+        </p:spPr>
+        <p:style>
+          <a:lnRef idx="2">
+            <a:schemeClr val="accent1">
+              <a:shade val="15000"/>
+            </a:schemeClr>
+          </a:lnRef>
+          <a:fillRef idx="1">
+            <a:schemeClr val="accent1"/>
+          </a:fillRef>
+          <a:effectRef idx="0">
+            <a:schemeClr val="accent1"/>
+          </a:effectRef>
+          <a:fontRef idx="minor">
+            <a:schemeClr val="lt1"/>
+          </a:fontRef>
+        </p:style>
+        <p:txBody>
+          <a:bodyPr rtlCol="0" anchor="ctr"/>
+          <a:lstStyle/>
+          <a:p>
+            <a:pPr algn="ctr"/>
+            <a:endParaRPr lang="es-CO"/>
+          </a:p>
+        </p:txBody>
+      </p:sp>
+      <p:sp>
+        <p:nvSpPr>
+          <p:cNvPr id="3" name="CuadroTexto 2">
+            <a:extLst>
+              <a:ext uri="{FF2B5EF4-FFF2-40B4-BE49-F238E27FC236}">
+                <a16:creationId xmlns:a16="http://schemas.microsoft.com/office/drawing/2014/main" id="{BDA77A03-7817-99E9-95F4-C31F632E1A3A}"/>
+              </a:ext>
+            </a:extLst>
+          </p:cNvPr>
+          <p:cNvSpPr txBox="1"/>
+          <p:nvPr/>
+        </p:nvSpPr>
+        <p:spPr>
+          <a:xfrm>
+            <a:off x="1524000" y="561975"/>
+            <a:ext cx="8839200" cy="461665"/>
+          </a:xfrm>
+          <a:prstGeom prst="rect">
+            <a:avLst/>
+          </a:prstGeom>
+          <a:noFill/>
+        </p:spPr>
+        <p:txBody>
+          <a:bodyPr wrap="square" rtlCol="0">
+            <a:spAutoFit/>
+          </a:bodyPr>
+          <a:lstStyle/>
+          <a:p>
+            <a:pPr algn="ctr"/>
+            <a:r>
+              <a:rPr lang="en-US" sz="2400" b="1">
                 <a:solidFill>
                   <a:schemeClr val="bg1"/>
                 </a:solidFill>
@@ -3994,11 +5426,9 @@
                 <a:ea typeface="Source Sans Pro" panose="020B0503030403020204" pitchFamily="34" charset="0"/>
                 <a:cs typeface="Arial" panose="020B0604020202020204" pitchFamily="34" charset="0"/>
               </a:rPr>
-              <a:t>Revisión de literatura</a:t>
-            </a:r>
-          </a:p>
-          <a:p>
-            <a:endParaRPr lang="es-CO" sz="1800" dirty="0">
+              <a:t>Machine learning Methods to solve Diferential Equations</a:t>
+            </a:r>
+            <a:endParaRPr lang="es-CO" sz="2400" b="1">
               <a:solidFill>
                 <a:schemeClr val="bg1"/>
               </a:solidFill>
@@ -4007,13 +5437,159 @@
               <a:cs typeface="Arial" panose="020B0604020202020204" pitchFamily="34" charset="0"/>
             </a:endParaRPr>
           </a:p>
-          <a:p>
-            <a:pPr marL="342900" indent="-342900">
-              <a:buFontTx/>
-              <a:buChar char="-"/>
-            </a:pPr>
-            <a:r>
-              <a:rPr lang="es-CO" sz="1800" dirty="0">
+        </p:txBody>
+      </p:sp>
+      <p:pic>
+        <p:nvPicPr>
+          <p:cNvPr id="9" name="Gráfico 8">
+            <a:extLst>
+              <a:ext uri="{FF2B5EF4-FFF2-40B4-BE49-F238E27FC236}">
+                <a16:creationId xmlns:a16="http://schemas.microsoft.com/office/drawing/2014/main" id="{C765EF87-CCAA-3EB8-63C6-FAD0231739B9}"/>
+              </a:ext>
+            </a:extLst>
+          </p:cNvPr>
+          <p:cNvPicPr>
+            <a:picLocks noChangeAspect="1"/>
+          </p:cNvPicPr>
+          <p:nvPr/>
+        </p:nvPicPr>
+        <p:blipFill>
+          <a:blip r:embed="rId2">
+            <a:extLst>
+              <a:ext uri="{96DAC541-7B7A-43D3-8B79-37D633B846F1}">
+                <asvg:svgBlip xmlns:asvg="http://schemas.microsoft.com/office/drawing/2016/SVG/main" r:embed="rId3"/>
+              </a:ext>
+            </a:extLst>
+          </a:blip>
+          <a:stretch>
+            <a:fillRect/>
+          </a:stretch>
+        </p:blipFill>
+        <p:spPr>
+          <a:xfrm>
+            <a:off x="1378176" y="2771774"/>
+            <a:ext cx="8834441" cy="2619376"/>
+          </a:xfrm>
+          <a:prstGeom prst="rect">
+            <a:avLst/>
+          </a:prstGeom>
+        </p:spPr>
+      </p:pic>
+    </p:spTree>
+    <p:extLst>
+      <p:ext uri="{BB962C8B-B14F-4D97-AF65-F5344CB8AC3E}">
+        <p14:creationId xmlns:p14="http://schemas.microsoft.com/office/powerpoint/2010/main" val="11445360"/>
+      </p:ext>
+    </p:extLst>
+  </p:cSld>
+  <p:clrMapOvr>
+    <a:masterClrMapping/>
+  </p:clrMapOvr>
+</p:sld>
+</file>
+
+<file path=ppt/slides/slide5.xml><?xml version="1.0" encoding="utf-8"?>
+<p:sld xmlns:a="http://schemas.openxmlformats.org/drawingml/2006/main" xmlns:r="http://schemas.openxmlformats.org/officeDocument/2006/relationships" xmlns:p="http://schemas.openxmlformats.org/presentationml/2006/main">
+  <p:cSld>
+    <p:spTree>
+      <p:nvGrpSpPr>
+        <p:cNvPr id="1" name=""/>
+        <p:cNvGrpSpPr/>
+        <p:nvPr/>
+      </p:nvGrpSpPr>
+      <p:grpSpPr>
+        <a:xfrm>
+          <a:off x="0" y="0"/>
+          <a:ext cx="0" cy="0"/>
+          <a:chOff x="0" y="0"/>
+          <a:chExt cx="0" cy="0"/>
+        </a:xfrm>
+      </p:grpSpPr>
+      <p:sp>
+        <p:nvSpPr>
+          <p:cNvPr id="2" name="Rectángulo 1">
+            <a:extLst>
+              <a:ext uri="{FF2B5EF4-FFF2-40B4-BE49-F238E27FC236}">
+                <a16:creationId xmlns:a16="http://schemas.microsoft.com/office/drawing/2014/main" id="{3405F8D3-8425-2526-113B-58DEA4170481}"/>
+              </a:ext>
+            </a:extLst>
+          </p:cNvPr>
+          <p:cNvSpPr/>
+          <p:nvPr/>
+        </p:nvSpPr>
+        <p:spPr>
+          <a:xfrm>
+            <a:off x="0" y="0"/>
+            <a:ext cx="12192000" cy="6858000"/>
+          </a:xfrm>
+          <a:prstGeom prst="rect">
+            <a:avLst/>
+          </a:prstGeom>
+          <a:solidFill>
+            <a:schemeClr val="accent1">
+              <a:lumMod val="75000"/>
+            </a:schemeClr>
+          </a:solidFill>
+          <a:ln>
+            <a:noFill/>
+          </a:ln>
+        </p:spPr>
+        <p:style>
+          <a:lnRef idx="2">
+            <a:schemeClr val="accent1">
+              <a:shade val="15000"/>
+            </a:schemeClr>
+          </a:lnRef>
+          <a:fillRef idx="1">
+            <a:schemeClr val="accent1"/>
+          </a:fillRef>
+          <a:effectRef idx="0">
+            <a:schemeClr val="accent1"/>
+          </a:effectRef>
+          <a:fontRef idx="minor">
+            <a:schemeClr val="lt1"/>
+          </a:fontRef>
+        </p:style>
+        <p:txBody>
+          <a:bodyPr rtlCol="0" anchor="ctr"/>
+          <a:lstStyle/>
+          <a:p>
+            <a:pPr algn="ctr"/>
+            <a:endParaRPr lang="es-CO"/>
+          </a:p>
+        </p:txBody>
+      </p:sp>
+      <p:sp>
+        <p:nvSpPr>
+          <p:cNvPr id="3" name="CuadroTexto 2">
+            <a:extLst>
+              <a:ext uri="{FF2B5EF4-FFF2-40B4-BE49-F238E27FC236}">
+                <a16:creationId xmlns:a16="http://schemas.microsoft.com/office/drawing/2014/main" id="{BDA77A03-7817-99E9-95F4-C31F632E1A3A}"/>
+              </a:ext>
+            </a:extLst>
+          </p:cNvPr>
+          <p:cNvSpPr txBox="1"/>
+          <p:nvPr/>
+        </p:nvSpPr>
+        <p:spPr>
+          <a:xfrm>
+            <a:off x="1772590" y="561975"/>
+            <a:ext cx="8342017" cy="461665"/>
+          </a:xfrm>
+          <a:prstGeom prst="rect">
+            <a:avLst/>
+          </a:prstGeom>
+          <a:noFill/>
+        </p:spPr>
+        <p:txBody>
+          <a:bodyPr wrap="square" rtlCol="0">
+            <a:spAutoFit/>
+          </a:bodyPr>
+          <a:lstStyle/>
+          <a:p>
+            <a:pPr algn="ctr"/>
+            <a:r>
+              <a:rPr lang="en-US" sz="2400" b="1">
                 <a:solidFill>
                   <a:schemeClr val="bg1"/>
                 </a:solidFill>
@@ -4021,11 +5597,9 @@
                 <a:ea typeface="Source Sans Pro" panose="020B0503030403020204" pitchFamily="34" charset="0"/>
                 <a:cs typeface="Arial" panose="020B0604020202020204" pitchFamily="34" charset="0"/>
               </a:rPr>
-              <a:t>Reproducción de Raissi et al. (2019)</a:t>
-            </a:r>
-          </a:p>
-          <a:p>
-            <a:endParaRPr lang="es-CO" sz="1800" dirty="0">
+              <a:t>Physics-informed neural networks</a:t>
+            </a:r>
+            <a:endParaRPr lang="es-CO" sz="2400" b="1">
               <a:solidFill>
                 <a:schemeClr val="bg1"/>
               </a:solidFill>
@@ -4034,13 +5608,159 @@
               <a:cs typeface="Arial" panose="020B0604020202020204" pitchFamily="34" charset="0"/>
             </a:endParaRPr>
           </a:p>
-          <a:p>
-            <a:pPr marL="342900" indent="-342900">
-              <a:buFontTx/>
-              <a:buChar char="-"/>
-            </a:pPr>
-            <a:r>
-              <a:rPr lang="es-CO" sz="1800" dirty="0">
+        </p:txBody>
+      </p:sp>
+      <p:pic>
+        <p:nvPicPr>
+          <p:cNvPr id="5" name="Gráfico 4">
+            <a:extLst>
+              <a:ext uri="{FF2B5EF4-FFF2-40B4-BE49-F238E27FC236}">
+                <a16:creationId xmlns:a16="http://schemas.microsoft.com/office/drawing/2014/main" id="{9632E97E-8EA7-9033-AA10-DC0DB673A68A}"/>
+              </a:ext>
+            </a:extLst>
+          </p:cNvPr>
+          <p:cNvPicPr>
+            <a:picLocks noChangeAspect="1"/>
+          </p:cNvPicPr>
+          <p:nvPr/>
+        </p:nvPicPr>
+        <p:blipFill>
+          <a:blip r:embed="rId2">
+            <a:extLst>
+              <a:ext uri="{96DAC541-7B7A-43D3-8B79-37D633B846F1}">
+                <asvg:svgBlip xmlns:asvg="http://schemas.microsoft.com/office/drawing/2016/SVG/main" r:embed="rId3"/>
+              </a:ext>
+            </a:extLst>
+          </a:blip>
+          <a:stretch>
+            <a:fillRect/>
+          </a:stretch>
+        </p:blipFill>
+        <p:spPr>
+          <a:xfrm>
+            <a:off x="1772592" y="1585615"/>
+            <a:ext cx="8342016" cy="4229100"/>
+          </a:xfrm>
+          <a:prstGeom prst="rect">
+            <a:avLst/>
+          </a:prstGeom>
+        </p:spPr>
+      </p:pic>
+    </p:spTree>
+    <p:extLst>
+      <p:ext uri="{BB962C8B-B14F-4D97-AF65-F5344CB8AC3E}">
+        <p14:creationId xmlns:p14="http://schemas.microsoft.com/office/powerpoint/2010/main" val="351438787"/>
+      </p:ext>
+    </p:extLst>
+  </p:cSld>
+  <p:clrMapOvr>
+    <a:masterClrMapping/>
+  </p:clrMapOvr>
+</p:sld>
+</file>
+
+<file path=ppt/slides/slide6.xml><?xml version="1.0" encoding="utf-8"?>
+<p:sld xmlns:a="http://schemas.openxmlformats.org/drawingml/2006/main" xmlns:r="http://schemas.openxmlformats.org/officeDocument/2006/relationships" xmlns:p="http://schemas.openxmlformats.org/presentationml/2006/main">
+  <p:cSld>
+    <p:spTree>
+      <p:nvGrpSpPr>
+        <p:cNvPr id="1" name=""/>
+        <p:cNvGrpSpPr/>
+        <p:nvPr/>
+      </p:nvGrpSpPr>
+      <p:grpSpPr>
+        <a:xfrm>
+          <a:off x="0" y="0"/>
+          <a:ext cx="0" cy="0"/>
+          <a:chOff x="0" y="0"/>
+          <a:chExt cx="0" cy="0"/>
+        </a:xfrm>
+      </p:grpSpPr>
+      <p:sp>
+        <p:nvSpPr>
+          <p:cNvPr id="2" name="Rectángulo 1">
+            <a:extLst>
+              <a:ext uri="{FF2B5EF4-FFF2-40B4-BE49-F238E27FC236}">
+                <a16:creationId xmlns:a16="http://schemas.microsoft.com/office/drawing/2014/main" id="{33B43DF0-55BF-79E0-2273-FD3CA4767423}"/>
+              </a:ext>
+            </a:extLst>
+          </p:cNvPr>
+          <p:cNvSpPr/>
+          <p:nvPr/>
+        </p:nvSpPr>
+        <p:spPr>
+          <a:xfrm>
+            <a:off x="0" y="0"/>
+            <a:ext cx="12192000" cy="6858000"/>
+          </a:xfrm>
+          <a:prstGeom prst="rect">
+            <a:avLst/>
+          </a:prstGeom>
+          <a:solidFill>
+            <a:schemeClr val="accent1">
+              <a:lumMod val="75000"/>
+            </a:schemeClr>
+          </a:solidFill>
+          <a:ln>
+            <a:noFill/>
+          </a:ln>
+        </p:spPr>
+        <p:style>
+          <a:lnRef idx="2">
+            <a:schemeClr val="accent1">
+              <a:shade val="15000"/>
+            </a:schemeClr>
+          </a:lnRef>
+          <a:fillRef idx="1">
+            <a:schemeClr val="accent1"/>
+          </a:fillRef>
+          <a:effectRef idx="0">
+            <a:schemeClr val="accent1"/>
+          </a:effectRef>
+          <a:fontRef idx="minor">
+            <a:schemeClr val="lt1"/>
+          </a:fontRef>
+        </p:style>
+        <p:txBody>
+          <a:bodyPr rtlCol="0" anchor="ctr"/>
+          <a:lstStyle/>
+          <a:p>
+            <a:pPr algn="ctr"/>
+            <a:endParaRPr lang="es-CO"/>
+          </a:p>
+        </p:txBody>
+      </p:sp>
+      <p:sp>
+        <p:nvSpPr>
+          <p:cNvPr id="3" name="CuadroTexto 2">
+            <a:extLst>
+              <a:ext uri="{FF2B5EF4-FFF2-40B4-BE49-F238E27FC236}">
+                <a16:creationId xmlns:a16="http://schemas.microsoft.com/office/drawing/2014/main" id="{254F0281-F108-BD43-3A10-671B6D0CB599}"/>
+              </a:ext>
+            </a:extLst>
+          </p:cNvPr>
+          <p:cNvSpPr txBox="1"/>
+          <p:nvPr/>
+        </p:nvSpPr>
+        <p:spPr>
+          <a:xfrm>
+            <a:off x="2520696" y="300433"/>
+            <a:ext cx="7150608" cy="461665"/>
+          </a:xfrm>
+          <a:prstGeom prst="rect">
+            <a:avLst/>
+          </a:prstGeom>
+          <a:noFill/>
+        </p:spPr>
+        <p:txBody>
+          <a:bodyPr wrap="square" rtlCol="0">
+            <a:spAutoFit/>
+          </a:bodyPr>
+          <a:lstStyle/>
+          <a:p>
+            <a:pPr algn="ctr"/>
+            <a:r>
+              <a:rPr lang="es-CO" sz="2400" b="1">
                 <a:solidFill>
                   <a:schemeClr val="bg1"/>
                 </a:solidFill>
@@ -4048,7 +5768,126 @@
                 <a:ea typeface="Source Sans Pro" panose="020B0503030403020204" pitchFamily="34" charset="0"/>
                 <a:cs typeface="Arial" panose="020B0604020202020204" pitchFamily="34" charset="0"/>
               </a:rPr>
-              <a:t>Planteamiento del problema</a:t>
+              <a:t>Raissi et al. (2019)</a:t>
+            </a:r>
+          </a:p>
+        </p:txBody>
+      </p:sp>
+      <p:pic>
+        <p:nvPicPr>
+          <p:cNvPr id="5" name="Imagen 4" descr="Interfaz de usuario gráfica, Gráfico, Diagrama&#10;&#10;Descripción generada automáticamente">
+            <a:extLst>
+              <a:ext uri="{FF2B5EF4-FFF2-40B4-BE49-F238E27FC236}">
+                <a16:creationId xmlns:a16="http://schemas.microsoft.com/office/drawing/2014/main" id="{D65CCECC-04E8-D4E6-730A-B2A198B58293}"/>
+              </a:ext>
+            </a:extLst>
+          </p:cNvPr>
+          <p:cNvPicPr>
+            <a:picLocks noChangeAspect="1"/>
+          </p:cNvPicPr>
+          <p:nvPr/>
+        </p:nvPicPr>
+        <p:blipFill>
+          <a:blip r:embed="rId3">
+            <a:extLst>
+              <a:ext uri="{28A0092B-C50C-407E-A947-70E740481C1C}">
+                <a14:useLocalDpi xmlns:a14="http://schemas.microsoft.com/office/drawing/2010/main" val="0"/>
+              </a:ext>
+            </a:extLst>
+          </a:blip>
+          <a:stretch>
+            <a:fillRect/>
+          </a:stretch>
+        </p:blipFill>
+        <p:spPr>
+          <a:xfrm>
+            <a:off x="6691093" y="2021951"/>
+            <a:ext cx="4900831" cy="2726892"/>
+          </a:xfrm>
+          <a:prstGeom prst="rect">
+            <a:avLst/>
+          </a:prstGeom>
+        </p:spPr>
+      </p:pic>
+      <p:sp>
+        <p:nvSpPr>
+          <p:cNvPr id="14" name="CuadroTexto 13">
+            <a:extLst>
+              <a:ext uri="{FF2B5EF4-FFF2-40B4-BE49-F238E27FC236}">
+                <a16:creationId xmlns:a16="http://schemas.microsoft.com/office/drawing/2014/main" id="{DAFA9663-830E-7BE6-4551-95B423A3AFCA}"/>
+              </a:ext>
+            </a:extLst>
+          </p:cNvPr>
+          <p:cNvSpPr txBox="1"/>
+          <p:nvPr/>
+        </p:nvSpPr>
+        <p:spPr>
+          <a:xfrm>
+            <a:off x="268197" y="6473279"/>
+            <a:ext cx="5227728" cy="338554"/>
+          </a:xfrm>
+          <a:prstGeom prst="rect">
+            <a:avLst/>
+          </a:prstGeom>
+          <a:noFill/>
+        </p:spPr>
+        <p:txBody>
+          <a:bodyPr wrap="square" rtlCol="0">
+            <a:spAutoFit/>
+          </a:bodyPr>
+          <a:lstStyle/>
+          <a:p>
+            <a:r>
+              <a:rPr lang="es-CO" sz="1600">
+                <a:solidFill>
+                  <a:schemeClr val="bg1"/>
+                </a:solidFill>
+                <a:latin typeface="Arial" panose="020B0604020202020204" pitchFamily="34" charset="0"/>
+                <a:ea typeface="Source Sans Pro" panose="020B0503030403020204" pitchFamily="34" charset="0"/>
+                <a:cs typeface="Arial" panose="020B0604020202020204" pitchFamily="34" charset="0"/>
+              </a:rPr>
+              <a:t>https://github.com/oscar-rincon/ReScience-PINNs</a:t>
+            </a:r>
+          </a:p>
+        </p:txBody>
+      </p:sp>
+      <p:sp>
+        <p:nvSpPr>
+          <p:cNvPr id="18" name="CuadroTexto 17">
+            <a:extLst>
+              <a:ext uri="{FF2B5EF4-FFF2-40B4-BE49-F238E27FC236}">
+                <a16:creationId xmlns:a16="http://schemas.microsoft.com/office/drawing/2014/main" id="{544D6CFF-490F-F937-B0AF-A56C0EBBB26A}"/>
+              </a:ext>
+            </a:extLst>
+          </p:cNvPr>
+          <p:cNvSpPr txBox="1"/>
+          <p:nvPr/>
+        </p:nvSpPr>
+        <p:spPr>
+          <a:xfrm>
+            <a:off x="4291013" y="762098"/>
+            <a:ext cx="3609974" cy="369332"/>
+          </a:xfrm>
+          <a:prstGeom prst="rect">
+            <a:avLst/>
+          </a:prstGeom>
+          <a:noFill/>
+        </p:spPr>
+        <p:txBody>
+          <a:bodyPr wrap="square" rtlCol="0">
+            <a:spAutoFit/>
+          </a:bodyPr>
+          <a:lstStyle/>
+          <a:p>
+            <a:r>
+              <a:rPr lang="es-CO" b="1">
+                <a:solidFill>
+                  <a:schemeClr val="bg1"/>
+                </a:solidFill>
+                <a:latin typeface="Arial" panose="020B0604020202020204" pitchFamily="34" charset="0"/>
+                <a:cs typeface="Arial" panose="020B0604020202020204" pitchFamily="34" charset="0"/>
+              </a:rPr>
+              <a:t>Continuous time identification</a:t>
             </a:r>
           </a:p>
         </p:txBody>
@@ -4056,7 +5895,748 @@
     </p:spTree>
     <p:extLst>
       <p:ext uri="{BB962C8B-B14F-4D97-AF65-F5344CB8AC3E}">
-        <p14:creationId xmlns:p14="http://schemas.microsoft.com/office/powerpoint/2010/main" val="1476158871"/>
+        <p14:creationId xmlns:p14="http://schemas.microsoft.com/office/powerpoint/2010/main" val="2477313963"/>
+      </p:ext>
+    </p:extLst>
+  </p:cSld>
+  <p:clrMapOvr>
+    <a:masterClrMapping/>
+  </p:clrMapOvr>
+</p:sld>
+</file>
+
+<file path=ppt/slides/slide7.xml><?xml version="1.0" encoding="utf-8"?>
+<p:sld xmlns:a="http://schemas.openxmlformats.org/drawingml/2006/main" xmlns:r="http://schemas.openxmlformats.org/officeDocument/2006/relationships" xmlns:p="http://schemas.openxmlformats.org/presentationml/2006/main">
+  <p:cSld>
+    <p:spTree>
+      <p:nvGrpSpPr>
+        <p:cNvPr id="1" name=""/>
+        <p:cNvGrpSpPr/>
+        <p:nvPr/>
+      </p:nvGrpSpPr>
+      <p:grpSpPr>
+        <a:xfrm>
+          <a:off x="0" y="0"/>
+          <a:ext cx="0" cy="0"/>
+          <a:chOff x="0" y="0"/>
+          <a:chExt cx="0" cy="0"/>
+        </a:xfrm>
+      </p:grpSpPr>
+      <p:sp>
+        <p:nvSpPr>
+          <p:cNvPr id="2" name="Rectángulo 1">
+            <a:extLst>
+              <a:ext uri="{FF2B5EF4-FFF2-40B4-BE49-F238E27FC236}">
+                <a16:creationId xmlns:a16="http://schemas.microsoft.com/office/drawing/2014/main" id="{33B43DF0-55BF-79E0-2273-FD3CA4767423}"/>
+              </a:ext>
+            </a:extLst>
+          </p:cNvPr>
+          <p:cNvSpPr/>
+          <p:nvPr/>
+        </p:nvSpPr>
+        <p:spPr>
+          <a:xfrm>
+            <a:off x="0" y="0"/>
+            <a:ext cx="12192000" cy="6858000"/>
+          </a:xfrm>
+          <a:prstGeom prst="rect">
+            <a:avLst/>
+          </a:prstGeom>
+          <a:solidFill>
+            <a:schemeClr val="accent1">
+              <a:lumMod val="75000"/>
+            </a:schemeClr>
+          </a:solidFill>
+          <a:ln>
+            <a:noFill/>
+          </a:ln>
+        </p:spPr>
+        <p:style>
+          <a:lnRef idx="2">
+            <a:schemeClr val="accent1">
+              <a:shade val="15000"/>
+            </a:schemeClr>
+          </a:lnRef>
+          <a:fillRef idx="1">
+            <a:schemeClr val="accent1"/>
+          </a:fillRef>
+          <a:effectRef idx="0">
+            <a:schemeClr val="accent1"/>
+          </a:effectRef>
+          <a:fontRef idx="minor">
+            <a:schemeClr val="lt1"/>
+          </a:fontRef>
+        </p:style>
+        <p:txBody>
+          <a:bodyPr rtlCol="0" anchor="ctr"/>
+          <a:lstStyle/>
+          <a:p>
+            <a:pPr algn="ctr"/>
+            <a:endParaRPr lang="es-CO"/>
+          </a:p>
+        </p:txBody>
+      </p:sp>
+      <p:sp>
+        <p:nvSpPr>
+          <p:cNvPr id="3" name="CuadroTexto 2">
+            <a:extLst>
+              <a:ext uri="{FF2B5EF4-FFF2-40B4-BE49-F238E27FC236}">
+                <a16:creationId xmlns:a16="http://schemas.microsoft.com/office/drawing/2014/main" id="{254F0281-F108-BD43-3A10-671B6D0CB599}"/>
+              </a:ext>
+            </a:extLst>
+          </p:cNvPr>
+          <p:cNvSpPr txBox="1"/>
+          <p:nvPr/>
+        </p:nvSpPr>
+        <p:spPr>
+          <a:xfrm>
+            <a:off x="2520696" y="300433"/>
+            <a:ext cx="7150608" cy="461665"/>
+          </a:xfrm>
+          <a:prstGeom prst="rect">
+            <a:avLst/>
+          </a:prstGeom>
+          <a:noFill/>
+        </p:spPr>
+        <p:txBody>
+          <a:bodyPr wrap="square" rtlCol="0">
+            <a:spAutoFit/>
+          </a:bodyPr>
+          <a:lstStyle/>
+          <a:p>
+            <a:pPr algn="ctr"/>
+            <a:r>
+              <a:rPr lang="es-CO" sz="2400" b="1">
+                <a:solidFill>
+                  <a:schemeClr val="bg1"/>
+                </a:solidFill>
+                <a:latin typeface="Arial" panose="020B0604020202020204" pitchFamily="34" charset="0"/>
+                <a:ea typeface="Source Sans Pro" panose="020B0503030403020204" pitchFamily="34" charset="0"/>
+                <a:cs typeface="Arial" panose="020B0604020202020204" pitchFamily="34" charset="0"/>
+              </a:rPr>
+              <a:t>Raissi et al. (2019)</a:t>
+            </a:r>
+          </a:p>
+        </p:txBody>
+      </p:sp>
+      <p:pic>
+        <p:nvPicPr>
+          <p:cNvPr id="9" name="Imagen 8" descr="Interfaz de usuario gráfica, Gráfico&#10;&#10;Descripción generada automáticamente">
+            <a:extLst>
+              <a:ext uri="{FF2B5EF4-FFF2-40B4-BE49-F238E27FC236}">
+                <a16:creationId xmlns:a16="http://schemas.microsoft.com/office/drawing/2014/main" id="{5F2BCF5D-D929-5E31-6D1E-059E877CE14B}"/>
+              </a:ext>
+            </a:extLst>
+          </p:cNvPr>
+          <p:cNvPicPr>
+            <a:picLocks noChangeAspect="1"/>
+          </p:cNvPicPr>
+          <p:nvPr/>
+        </p:nvPicPr>
+        <p:blipFill>
+          <a:blip r:embed="rId3">
+            <a:extLst>
+              <a:ext uri="{28A0092B-C50C-407E-A947-70E740481C1C}">
+                <a14:useLocalDpi xmlns:a14="http://schemas.microsoft.com/office/drawing/2010/main" val="0"/>
+              </a:ext>
+            </a:extLst>
+          </a:blip>
+          <a:stretch>
+            <a:fillRect/>
+          </a:stretch>
+        </p:blipFill>
+        <p:spPr>
+          <a:xfrm>
+            <a:off x="7053423" y="1726562"/>
+            <a:ext cx="4500402" cy="3782252"/>
+          </a:xfrm>
+          <a:prstGeom prst="rect">
+            <a:avLst/>
+          </a:prstGeom>
+        </p:spPr>
+      </p:pic>
+      <p:sp>
+        <p:nvSpPr>
+          <p:cNvPr id="14" name="CuadroTexto 13">
+            <a:extLst>
+              <a:ext uri="{FF2B5EF4-FFF2-40B4-BE49-F238E27FC236}">
+                <a16:creationId xmlns:a16="http://schemas.microsoft.com/office/drawing/2014/main" id="{DAFA9663-830E-7BE6-4551-95B423A3AFCA}"/>
+              </a:ext>
+            </a:extLst>
+          </p:cNvPr>
+          <p:cNvSpPr txBox="1"/>
+          <p:nvPr/>
+        </p:nvSpPr>
+        <p:spPr>
+          <a:xfrm>
+            <a:off x="268197" y="6473279"/>
+            <a:ext cx="5227728" cy="338554"/>
+          </a:xfrm>
+          <a:prstGeom prst="rect">
+            <a:avLst/>
+          </a:prstGeom>
+          <a:noFill/>
+        </p:spPr>
+        <p:txBody>
+          <a:bodyPr wrap="square" rtlCol="0">
+            <a:spAutoFit/>
+          </a:bodyPr>
+          <a:lstStyle/>
+          <a:p>
+            <a:r>
+              <a:rPr lang="es-CO" sz="1600">
+                <a:solidFill>
+                  <a:schemeClr val="bg1"/>
+                </a:solidFill>
+                <a:latin typeface="Arial" panose="020B0604020202020204" pitchFamily="34" charset="0"/>
+                <a:ea typeface="Source Sans Pro" panose="020B0503030403020204" pitchFamily="34" charset="0"/>
+                <a:cs typeface="Arial" panose="020B0604020202020204" pitchFamily="34" charset="0"/>
+              </a:rPr>
+              <a:t>https://github.com/oscar-rincon/ReScience-PINNs</a:t>
+            </a:r>
+          </a:p>
+        </p:txBody>
+      </p:sp>
+      <p:sp>
+        <p:nvSpPr>
+          <p:cNvPr id="21" name="CuadroTexto 20">
+            <a:extLst>
+              <a:ext uri="{FF2B5EF4-FFF2-40B4-BE49-F238E27FC236}">
+                <a16:creationId xmlns:a16="http://schemas.microsoft.com/office/drawing/2014/main" id="{7D83E3A4-B02D-BC94-4E49-07EACAD4A2DD}"/>
+              </a:ext>
+            </a:extLst>
+          </p:cNvPr>
+          <p:cNvSpPr txBox="1"/>
+          <p:nvPr/>
+        </p:nvSpPr>
+        <p:spPr>
+          <a:xfrm>
+            <a:off x="4067175" y="1029988"/>
+            <a:ext cx="4019550" cy="369332"/>
+          </a:xfrm>
+          <a:prstGeom prst="rect">
+            <a:avLst/>
+          </a:prstGeom>
+          <a:noFill/>
+        </p:spPr>
+        <p:txBody>
+          <a:bodyPr wrap="square" rtlCol="0">
+            <a:spAutoFit/>
+          </a:bodyPr>
+          <a:lstStyle/>
+          <a:p>
+            <a:pPr algn="ctr"/>
+            <a:r>
+              <a:rPr lang="es-CO" b="1">
+                <a:solidFill>
+                  <a:schemeClr val="bg1"/>
+                </a:solidFill>
+                <a:latin typeface="Arial" panose="020B0604020202020204" pitchFamily="34" charset="0"/>
+                <a:cs typeface="Arial" panose="020B0604020202020204" pitchFamily="34" charset="0"/>
+              </a:rPr>
+              <a:t>Discrete time inference</a:t>
+            </a:r>
+          </a:p>
+        </p:txBody>
+      </p:sp>
+    </p:spTree>
+    <p:extLst>
+      <p:ext uri="{BB962C8B-B14F-4D97-AF65-F5344CB8AC3E}">
+        <p14:creationId xmlns:p14="http://schemas.microsoft.com/office/powerpoint/2010/main" val="1277491028"/>
+      </p:ext>
+    </p:extLst>
+  </p:cSld>
+  <p:clrMapOvr>
+    <a:masterClrMapping/>
+  </p:clrMapOvr>
+</p:sld>
+</file>
+
+<file path=ppt/slides/slide8.xml><?xml version="1.0" encoding="utf-8"?>
+<p:sld xmlns:a="http://schemas.openxmlformats.org/drawingml/2006/main" xmlns:r="http://schemas.openxmlformats.org/officeDocument/2006/relationships" xmlns:p="http://schemas.openxmlformats.org/presentationml/2006/main">
+  <p:cSld>
+    <p:spTree>
+      <p:nvGrpSpPr>
+        <p:cNvPr id="1" name=""/>
+        <p:cNvGrpSpPr/>
+        <p:nvPr/>
+      </p:nvGrpSpPr>
+      <p:grpSpPr>
+        <a:xfrm>
+          <a:off x="0" y="0"/>
+          <a:ext cx="0" cy="0"/>
+          <a:chOff x="0" y="0"/>
+          <a:chExt cx="0" cy="0"/>
+        </a:xfrm>
+      </p:grpSpPr>
+      <p:sp>
+        <p:nvSpPr>
+          <p:cNvPr id="2" name="Rectángulo 1">
+            <a:extLst>
+              <a:ext uri="{FF2B5EF4-FFF2-40B4-BE49-F238E27FC236}">
+                <a16:creationId xmlns:a16="http://schemas.microsoft.com/office/drawing/2014/main" id="{33B43DF0-55BF-79E0-2273-FD3CA4767423}"/>
+              </a:ext>
+            </a:extLst>
+          </p:cNvPr>
+          <p:cNvSpPr/>
+          <p:nvPr/>
+        </p:nvSpPr>
+        <p:spPr>
+          <a:xfrm>
+            <a:off x="0" y="0"/>
+            <a:ext cx="12192000" cy="6858000"/>
+          </a:xfrm>
+          <a:prstGeom prst="rect">
+            <a:avLst/>
+          </a:prstGeom>
+          <a:solidFill>
+            <a:schemeClr val="accent1">
+              <a:lumMod val="75000"/>
+            </a:schemeClr>
+          </a:solidFill>
+          <a:ln>
+            <a:noFill/>
+          </a:ln>
+        </p:spPr>
+        <p:style>
+          <a:lnRef idx="2">
+            <a:schemeClr val="accent1">
+              <a:shade val="15000"/>
+            </a:schemeClr>
+          </a:lnRef>
+          <a:fillRef idx="1">
+            <a:schemeClr val="accent1"/>
+          </a:fillRef>
+          <a:effectRef idx="0">
+            <a:schemeClr val="accent1"/>
+          </a:effectRef>
+          <a:fontRef idx="minor">
+            <a:schemeClr val="lt1"/>
+          </a:fontRef>
+        </p:style>
+        <p:txBody>
+          <a:bodyPr rtlCol="0" anchor="ctr"/>
+          <a:lstStyle/>
+          <a:p>
+            <a:pPr algn="ctr"/>
+            <a:endParaRPr lang="es-CO"/>
+          </a:p>
+        </p:txBody>
+      </p:sp>
+      <p:sp>
+        <p:nvSpPr>
+          <p:cNvPr id="3" name="CuadroTexto 2">
+            <a:extLst>
+              <a:ext uri="{FF2B5EF4-FFF2-40B4-BE49-F238E27FC236}">
+                <a16:creationId xmlns:a16="http://schemas.microsoft.com/office/drawing/2014/main" id="{254F0281-F108-BD43-3A10-671B6D0CB599}"/>
+              </a:ext>
+            </a:extLst>
+          </p:cNvPr>
+          <p:cNvSpPr txBox="1"/>
+          <p:nvPr/>
+        </p:nvSpPr>
+        <p:spPr>
+          <a:xfrm>
+            <a:off x="2520696" y="300433"/>
+            <a:ext cx="7150608" cy="461665"/>
+          </a:xfrm>
+          <a:prstGeom prst="rect">
+            <a:avLst/>
+          </a:prstGeom>
+          <a:noFill/>
+        </p:spPr>
+        <p:txBody>
+          <a:bodyPr wrap="square" rtlCol="0">
+            <a:spAutoFit/>
+          </a:bodyPr>
+          <a:lstStyle/>
+          <a:p>
+            <a:pPr algn="ctr"/>
+            <a:r>
+              <a:rPr lang="es-CO" sz="2400" b="1">
+                <a:solidFill>
+                  <a:schemeClr val="bg1"/>
+                </a:solidFill>
+                <a:latin typeface="Arial" panose="020B0604020202020204" pitchFamily="34" charset="0"/>
+                <a:ea typeface="Source Sans Pro" panose="020B0503030403020204" pitchFamily="34" charset="0"/>
+                <a:cs typeface="Arial" panose="020B0604020202020204" pitchFamily="34" charset="0"/>
+              </a:rPr>
+              <a:t>Raissi et al. (2019)</a:t>
+            </a:r>
+          </a:p>
+        </p:txBody>
+      </p:sp>
+      <p:pic>
+        <p:nvPicPr>
+          <p:cNvPr id="7" name="Imagen 6" descr="Interfaz de usuario gráfica, Gráfico&#10;&#10;Descripción generada automáticamente">
+            <a:extLst>
+              <a:ext uri="{FF2B5EF4-FFF2-40B4-BE49-F238E27FC236}">
+                <a16:creationId xmlns:a16="http://schemas.microsoft.com/office/drawing/2014/main" id="{382565E3-9DF2-B471-A65B-0098D9AFF2FA}"/>
+              </a:ext>
+            </a:extLst>
+          </p:cNvPr>
+          <p:cNvPicPr>
+            <a:picLocks noChangeAspect="1"/>
+          </p:cNvPicPr>
+          <p:nvPr/>
+        </p:nvPicPr>
+        <p:blipFill>
+          <a:blip r:embed="rId3">
+            <a:extLst>
+              <a:ext uri="{28A0092B-C50C-407E-A947-70E740481C1C}">
+                <a14:useLocalDpi xmlns:a14="http://schemas.microsoft.com/office/drawing/2010/main" val="0"/>
+              </a:ext>
+            </a:extLst>
+          </a:blip>
+          <a:stretch>
+            <a:fillRect/>
+          </a:stretch>
+        </p:blipFill>
+        <p:spPr>
+          <a:xfrm>
+            <a:off x="6415620" y="2019300"/>
+            <a:ext cx="5157912" cy="2517665"/>
+          </a:xfrm>
+          <a:prstGeom prst="rect">
+            <a:avLst/>
+          </a:prstGeom>
+        </p:spPr>
+      </p:pic>
+      <p:sp>
+        <p:nvSpPr>
+          <p:cNvPr id="14" name="CuadroTexto 13">
+            <a:extLst>
+              <a:ext uri="{FF2B5EF4-FFF2-40B4-BE49-F238E27FC236}">
+                <a16:creationId xmlns:a16="http://schemas.microsoft.com/office/drawing/2014/main" id="{DAFA9663-830E-7BE6-4551-95B423A3AFCA}"/>
+              </a:ext>
+            </a:extLst>
+          </p:cNvPr>
+          <p:cNvSpPr txBox="1"/>
+          <p:nvPr/>
+        </p:nvSpPr>
+        <p:spPr>
+          <a:xfrm>
+            <a:off x="268197" y="6473279"/>
+            <a:ext cx="5227728" cy="369332"/>
+          </a:xfrm>
+          <a:prstGeom prst="rect">
+            <a:avLst/>
+          </a:prstGeom>
+          <a:noFill/>
+        </p:spPr>
+        <p:txBody>
+          <a:bodyPr wrap="square" rtlCol="0">
+            <a:spAutoFit/>
+          </a:bodyPr>
+          <a:lstStyle/>
+          <a:p>
+            <a:r>
+              <a:rPr lang="es-CO">
+                <a:solidFill>
+                  <a:schemeClr val="bg1"/>
+                </a:solidFill>
+                <a:latin typeface="Arial" panose="020B0604020202020204" pitchFamily="34" charset="0"/>
+                <a:ea typeface="Source Sans Pro" panose="020B0503030403020204" pitchFamily="34" charset="0"/>
+                <a:cs typeface="Arial" panose="020B0604020202020204" pitchFamily="34" charset="0"/>
+              </a:rPr>
+              <a:t>https://github.com/oscar-rincon/ReScience-PINNs</a:t>
+            </a:r>
+          </a:p>
+        </p:txBody>
+      </p:sp>
+      <p:sp>
+        <p:nvSpPr>
+          <p:cNvPr id="20" name="CuadroTexto 19">
+            <a:extLst>
+              <a:ext uri="{FF2B5EF4-FFF2-40B4-BE49-F238E27FC236}">
+                <a16:creationId xmlns:a16="http://schemas.microsoft.com/office/drawing/2014/main" id="{EFEB8EF5-3DCD-0074-D058-CF5D6FA76061}"/>
+              </a:ext>
+            </a:extLst>
+          </p:cNvPr>
+          <p:cNvSpPr txBox="1"/>
+          <p:nvPr/>
+        </p:nvSpPr>
+        <p:spPr>
+          <a:xfrm>
+            <a:off x="4531624" y="910376"/>
+            <a:ext cx="2953301" cy="369332"/>
+          </a:xfrm>
+          <a:prstGeom prst="rect">
+            <a:avLst/>
+          </a:prstGeom>
+          <a:noFill/>
+        </p:spPr>
+        <p:txBody>
+          <a:bodyPr wrap="square" rtlCol="0">
+            <a:spAutoFit/>
+          </a:bodyPr>
+          <a:lstStyle/>
+          <a:p>
+            <a:pPr algn="ctr"/>
+            <a:r>
+              <a:rPr lang="es-CO" b="1">
+                <a:solidFill>
+                  <a:schemeClr val="bg1"/>
+                </a:solidFill>
+                <a:latin typeface="Arial" panose="020B0604020202020204" pitchFamily="34" charset="0"/>
+                <a:cs typeface="Arial" panose="020B0604020202020204" pitchFamily="34" charset="0"/>
+              </a:rPr>
+              <a:t>Discrete time inference</a:t>
+            </a:r>
+          </a:p>
+        </p:txBody>
+      </p:sp>
+    </p:spTree>
+    <p:extLst>
+      <p:ext uri="{BB962C8B-B14F-4D97-AF65-F5344CB8AC3E}">
+        <p14:creationId xmlns:p14="http://schemas.microsoft.com/office/powerpoint/2010/main" val="2695735504"/>
+      </p:ext>
+    </p:extLst>
+  </p:cSld>
+  <p:clrMapOvr>
+    <a:masterClrMapping/>
+  </p:clrMapOvr>
+</p:sld>
+</file>
+
+<file path=ppt/slides/slide9.xml><?xml version="1.0" encoding="utf-8"?>
+<p:sld xmlns:a="http://schemas.openxmlformats.org/drawingml/2006/main" xmlns:r="http://schemas.openxmlformats.org/officeDocument/2006/relationships" xmlns:p="http://schemas.openxmlformats.org/presentationml/2006/main">
+  <p:cSld>
+    <p:spTree>
+      <p:nvGrpSpPr>
+        <p:cNvPr id="1" name=""/>
+        <p:cNvGrpSpPr/>
+        <p:nvPr/>
+      </p:nvGrpSpPr>
+      <p:grpSpPr>
+        <a:xfrm>
+          <a:off x="0" y="0"/>
+          <a:ext cx="0" cy="0"/>
+          <a:chOff x="0" y="0"/>
+          <a:chExt cx="0" cy="0"/>
+        </a:xfrm>
+      </p:grpSpPr>
+      <p:sp>
+        <p:nvSpPr>
+          <p:cNvPr id="2" name="Rectángulo 1">
+            <a:extLst>
+              <a:ext uri="{FF2B5EF4-FFF2-40B4-BE49-F238E27FC236}">
+                <a16:creationId xmlns:a16="http://schemas.microsoft.com/office/drawing/2014/main" id="{33B43DF0-55BF-79E0-2273-FD3CA4767423}"/>
+              </a:ext>
+            </a:extLst>
+          </p:cNvPr>
+          <p:cNvSpPr/>
+          <p:nvPr/>
+        </p:nvSpPr>
+        <p:spPr>
+          <a:xfrm>
+            <a:off x="0" y="0"/>
+            <a:ext cx="12192000" cy="6858000"/>
+          </a:xfrm>
+          <a:prstGeom prst="rect">
+            <a:avLst/>
+          </a:prstGeom>
+          <a:solidFill>
+            <a:schemeClr val="accent1">
+              <a:lumMod val="75000"/>
+            </a:schemeClr>
+          </a:solidFill>
+          <a:ln>
+            <a:noFill/>
+          </a:ln>
+        </p:spPr>
+        <p:style>
+          <a:lnRef idx="2">
+            <a:schemeClr val="accent1">
+              <a:shade val="15000"/>
+            </a:schemeClr>
+          </a:lnRef>
+          <a:fillRef idx="1">
+            <a:schemeClr val="accent1"/>
+          </a:fillRef>
+          <a:effectRef idx="0">
+            <a:schemeClr val="accent1"/>
+          </a:effectRef>
+          <a:fontRef idx="minor">
+            <a:schemeClr val="lt1"/>
+          </a:fontRef>
+        </p:style>
+        <p:txBody>
+          <a:bodyPr rtlCol="0" anchor="ctr"/>
+          <a:lstStyle/>
+          <a:p>
+            <a:pPr algn="ctr"/>
+            <a:endParaRPr lang="es-CO"/>
+          </a:p>
+        </p:txBody>
+      </p:sp>
+      <p:sp>
+        <p:nvSpPr>
+          <p:cNvPr id="3" name="CuadroTexto 2">
+            <a:extLst>
+              <a:ext uri="{FF2B5EF4-FFF2-40B4-BE49-F238E27FC236}">
+                <a16:creationId xmlns:a16="http://schemas.microsoft.com/office/drawing/2014/main" id="{254F0281-F108-BD43-3A10-671B6D0CB599}"/>
+              </a:ext>
+            </a:extLst>
+          </p:cNvPr>
+          <p:cNvSpPr txBox="1"/>
+          <p:nvPr/>
+        </p:nvSpPr>
+        <p:spPr>
+          <a:xfrm>
+            <a:off x="2520696" y="300433"/>
+            <a:ext cx="7150608" cy="461665"/>
+          </a:xfrm>
+          <a:prstGeom prst="rect">
+            <a:avLst/>
+          </a:prstGeom>
+          <a:noFill/>
+        </p:spPr>
+        <p:txBody>
+          <a:bodyPr wrap="square" rtlCol="0">
+            <a:spAutoFit/>
+          </a:bodyPr>
+          <a:lstStyle/>
+          <a:p>
+            <a:pPr algn="ctr"/>
+            <a:r>
+              <a:rPr lang="es-CO" sz="2400" b="1">
+                <a:solidFill>
+                  <a:schemeClr val="bg1"/>
+                </a:solidFill>
+                <a:latin typeface="Arial" panose="020B0604020202020204" pitchFamily="34" charset="0"/>
+                <a:ea typeface="Source Sans Pro" panose="020B0503030403020204" pitchFamily="34" charset="0"/>
+                <a:cs typeface="Arial" panose="020B0604020202020204" pitchFamily="34" charset="0"/>
+              </a:rPr>
+              <a:t>Raissi et al. (2019)</a:t>
+            </a:r>
+          </a:p>
+        </p:txBody>
+      </p:sp>
+      <p:pic>
+        <p:nvPicPr>
+          <p:cNvPr id="11" name="Imagen 10" descr="Interfaz de usuario gráfica, Gráfico&#10;&#10;Descripción generada automáticamente">
+            <a:extLst>
+              <a:ext uri="{FF2B5EF4-FFF2-40B4-BE49-F238E27FC236}">
+                <a16:creationId xmlns:a16="http://schemas.microsoft.com/office/drawing/2014/main" id="{961F5FC4-4FC9-CFD1-8B64-5CDDFA343736}"/>
+              </a:ext>
+            </a:extLst>
+          </p:cNvPr>
+          <p:cNvPicPr>
+            <a:picLocks noChangeAspect="1"/>
+          </p:cNvPicPr>
+          <p:nvPr/>
+        </p:nvPicPr>
+        <p:blipFill>
+          <a:blip r:embed="rId3">
+            <a:extLst>
+              <a:ext uri="{28A0092B-C50C-407E-A947-70E740481C1C}">
+                <a14:useLocalDpi xmlns:a14="http://schemas.microsoft.com/office/drawing/2010/main" val="0"/>
+              </a:ext>
+            </a:extLst>
+          </a:blip>
+          <a:stretch>
+            <a:fillRect/>
+          </a:stretch>
+        </p:blipFill>
+        <p:spPr>
+          <a:xfrm>
+            <a:off x="7362825" y="1686917"/>
+            <a:ext cx="3905250" cy="4161052"/>
+          </a:xfrm>
+          <a:prstGeom prst="rect">
+            <a:avLst/>
+          </a:prstGeom>
+        </p:spPr>
+      </p:pic>
+      <p:sp>
+        <p:nvSpPr>
+          <p:cNvPr id="14" name="CuadroTexto 13">
+            <a:extLst>
+              <a:ext uri="{FF2B5EF4-FFF2-40B4-BE49-F238E27FC236}">
+                <a16:creationId xmlns:a16="http://schemas.microsoft.com/office/drawing/2014/main" id="{DAFA9663-830E-7BE6-4551-95B423A3AFCA}"/>
+              </a:ext>
+            </a:extLst>
+          </p:cNvPr>
+          <p:cNvSpPr txBox="1"/>
+          <p:nvPr/>
+        </p:nvSpPr>
+        <p:spPr>
+          <a:xfrm>
+            <a:off x="268197" y="6473279"/>
+            <a:ext cx="5227728" cy="338554"/>
+          </a:xfrm>
+          <a:prstGeom prst="rect">
+            <a:avLst/>
+          </a:prstGeom>
+          <a:noFill/>
+        </p:spPr>
+        <p:txBody>
+          <a:bodyPr wrap="square" rtlCol="0">
+            <a:spAutoFit/>
+          </a:bodyPr>
+          <a:lstStyle/>
+          <a:p>
+            <a:r>
+              <a:rPr lang="es-CO" sz="1600">
+                <a:solidFill>
+                  <a:schemeClr val="bg1"/>
+                </a:solidFill>
+                <a:latin typeface="Arial" panose="020B0604020202020204" pitchFamily="34" charset="0"/>
+                <a:ea typeface="Source Sans Pro" panose="020B0503030403020204" pitchFamily="34" charset="0"/>
+                <a:cs typeface="Arial" panose="020B0604020202020204" pitchFamily="34" charset="0"/>
+              </a:rPr>
+              <a:t>https://github.com/oscar-rincon/ReScience-PINNs</a:t>
+            </a:r>
+          </a:p>
+        </p:txBody>
+      </p:sp>
+      <p:sp>
+        <p:nvSpPr>
+          <p:cNvPr id="19" name="CuadroTexto 18">
+            <a:extLst>
+              <a:ext uri="{FF2B5EF4-FFF2-40B4-BE49-F238E27FC236}">
+                <a16:creationId xmlns:a16="http://schemas.microsoft.com/office/drawing/2014/main" id="{10B90926-A640-2CE3-E012-B15F9A63E8C3}"/>
+              </a:ext>
+            </a:extLst>
+          </p:cNvPr>
+          <p:cNvSpPr txBox="1"/>
+          <p:nvPr/>
+        </p:nvSpPr>
+        <p:spPr>
+          <a:xfrm>
+            <a:off x="4210050" y="825365"/>
+            <a:ext cx="3638550" cy="369332"/>
+          </a:xfrm>
+          <a:prstGeom prst="rect">
+            <a:avLst/>
+          </a:prstGeom>
+          <a:noFill/>
+        </p:spPr>
+        <p:txBody>
+          <a:bodyPr wrap="square" rtlCol="0">
+            <a:spAutoFit/>
+          </a:bodyPr>
+          <a:lstStyle/>
+          <a:p>
+            <a:pPr algn="ctr"/>
+            <a:r>
+              <a:rPr lang="es-CO" b="1">
+                <a:solidFill>
+                  <a:schemeClr val="bg1"/>
+                </a:solidFill>
+                <a:latin typeface="Arial" panose="020B0604020202020204" pitchFamily="34" charset="0"/>
+                <a:cs typeface="Arial" panose="020B0604020202020204" pitchFamily="34" charset="0"/>
+              </a:rPr>
+              <a:t>Continuous time inference</a:t>
+            </a:r>
+          </a:p>
+        </p:txBody>
+      </p:sp>
+    </p:spTree>
+    <p:extLst>
+      <p:ext uri="{BB962C8B-B14F-4D97-AF65-F5344CB8AC3E}">
+        <p14:creationId xmlns:p14="http://schemas.microsoft.com/office/powerpoint/2010/main" val="2116195075"/>
       </p:ext>
     </p:extLst>
   </p:cSld>
@@ -4379,4 +6959,319 @@
     </a:ext>
   </a:extLst>
 </a:theme>
+</file>
+
+<file path=ppt/theme/theme2.xml><?xml version="1.0" encoding="utf-8"?>
+<a:theme xmlns:a="http://schemas.openxmlformats.org/drawingml/2006/main" name="Tema de Office">
+  <a:themeElements>
+    <a:clrScheme name="Office">
+      <a:dk1>
+        <a:sysClr val="windowText" lastClr="000000"/>
+      </a:dk1>
+      <a:lt1>
+        <a:sysClr val="window" lastClr="FFFFFF"/>
+      </a:lt1>
+      <a:dk2>
+        <a:srgbClr val="0E2841"/>
+      </a:dk2>
+      <a:lt2>
+        <a:srgbClr val="E8E8E8"/>
+      </a:lt2>
+      <a:accent1>
+        <a:srgbClr val="156082"/>
+      </a:accent1>
+      <a:accent2>
+        <a:srgbClr val="E97132"/>
+      </a:accent2>
+      <a:accent3>
+        <a:srgbClr val="196B24"/>
+      </a:accent3>
+      <a:accent4>
+        <a:srgbClr val="0F9ED5"/>
+      </a:accent4>
+      <a:accent5>
+        <a:srgbClr val="A02B93"/>
+      </a:accent5>
+      <a:accent6>
+        <a:srgbClr val="4EA72E"/>
+      </a:accent6>
+      <a:hlink>
+        <a:srgbClr val="467886"/>
+      </a:hlink>
+      <a:folHlink>
+        <a:srgbClr val="96607D"/>
+      </a:folHlink>
+    </a:clrScheme>
+    <a:fontScheme name="Office">
+      <a:majorFont>
+        <a:latin typeface="Aptos Display" panose="02110004020202020204"/>
+        <a:ea typeface=""/>
+        <a:cs typeface=""/>
+        <a:font script="Jpan" typeface="游ゴシック Light"/>
+        <a:font script="Hang" typeface="맑은 고딕"/>
+        <a:font script="Hans" typeface="等线 Light"/>
+        <a:font script="Hant" typeface="新細明體"/>
+        <a:font script="Arab" typeface="Times New Roman"/>
+        <a:font script="Hebr" typeface="Times New Roman"/>
+        <a:font script="Thai" typeface="Angsana New"/>
+        <a:font script="Ethi" typeface="Nyala"/>
+        <a:font script="Beng" typeface="Vrinda"/>
+        <a:font script="Gujr" typeface="Shruti"/>
+        <a:font script="Khmr" typeface="MoolBoran"/>
+        <a:font script="Knda" typeface="Tunga"/>
+        <a:font script="Guru" typeface="Raavi"/>
+        <a:font script="Cans" typeface="Euphemia"/>
+        <a:font script="Cher" typeface="Plantagenet Cherokee"/>
+        <a:font script="Yiii" typeface="Microsoft Yi Baiti"/>
+        <a:font script="Tibt" typeface="Microsoft Himalaya"/>
+        <a:font script="Thaa" typeface="MV Boli"/>
+        <a:font script="Deva" typeface="Mangal"/>
+        <a:font script="Telu" typeface="Gautami"/>
+        <a:font script="Taml" typeface="Latha"/>
+        <a:font script="Syrc" typeface="Estrangelo Edessa"/>
+        <a:font script="Orya" typeface="Kalinga"/>
+        <a:font script="Mlym" typeface="Kartika"/>
+        <a:font script="Laoo" typeface="DokChampa"/>
+        <a:font script="Sinh" typeface="Iskoola Pota"/>
+        <a:font script="Mong" typeface="Mongolian Baiti"/>
+        <a:font script="Viet" typeface="Times New Roman"/>
+        <a:font script="Uigh" typeface="Microsoft Uighur"/>
+        <a:font script="Geor" typeface="Sylfaen"/>
+        <a:font script="Armn" typeface="Arial"/>
+        <a:font script="Bugi" typeface="Leelawadee UI"/>
+        <a:font script="Bopo" typeface="Microsoft JhengHei"/>
+        <a:font script="Java" typeface="Javanese Text"/>
+        <a:font script="Lisu" typeface="Segoe UI"/>
+        <a:font script="Mymr" typeface="Myanmar Text"/>
+        <a:font script="Nkoo" typeface="Ebrima"/>
+        <a:font script="Olck" typeface="Nirmala UI"/>
+        <a:font script="Osma" typeface="Ebrima"/>
+        <a:font script="Phag" typeface="Phagspa"/>
+        <a:font script="Syrn" typeface="Estrangelo Edessa"/>
+        <a:font script="Syrj" typeface="Estrangelo Edessa"/>
+        <a:font script="Syre" typeface="Estrangelo Edessa"/>
+        <a:font script="Sora" typeface="Nirmala UI"/>
+        <a:font script="Tale" typeface="Microsoft Tai Le"/>
+        <a:font script="Talu" typeface="Microsoft New Tai Lue"/>
+        <a:font script="Tfng" typeface="Ebrima"/>
+      </a:majorFont>
+      <a:minorFont>
+        <a:latin typeface="Aptos" panose="02110004020202020204"/>
+        <a:ea typeface=""/>
+        <a:cs typeface=""/>
+        <a:font script="Jpan" typeface="游ゴシック"/>
+        <a:font script="Hang" typeface="맑은 고딕"/>
+        <a:font script="Hans" typeface="等线"/>
+        <a:font script="Hant" typeface="新細明體"/>
+        <a:font script="Arab" typeface="Arial"/>
+        <a:font script="Hebr" typeface="Arial"/>
+        <a:font script="Thai" typeface="Cordia New"/>
+        <a:font script="Ethi" typeface="Nyala"/>
+        <a:font script="Beng" typeface="Vrinda"/>
+        <a:font script="Gujr" typeface="Shruti"/>
+        <a:font script="Khmr" typeface="DaunPenh"/>
+        <a:font script="Knda" typeface="Tunga"/>
+        <a:font script="Guru" typeface="Raavi"/>
+        <a:font script="Cans" typeface="Euphemia"/>
+        <a:font script="Cher" typeface="Plantagenet Cherokee"/>
+        <a:font script="Yiii" typeface="Microsoft Yi Baiti"/>
+        <a:font script="Tibt" typeface="Microsoft Himalaya"/>
+        <a:font script="Thaa" typeface="MV Boli"/>
+        <a:font script="Deva" typeface="Mangal"/>
+        <a:font script="Telu" typeface="Gautami"/>
+        <a:font script="Taml" typeface="Latha"/>
+        <a:font script="Syrc" typeface="Estrangelo Edessa"/>
+        <a:font script="Orya" typeface="Kalinga"/>
+        <a:font script="Mlym" typeface="Kartika"/>
+        <a:font script="Laoo" typeface="DokChampa"/>
+        <a:font script="Sinh" typeface="Iskoola Pota"/>
+        <a:font script="Mong" typeface="Mongolian Baiti"/>
+        <a:font script="Viet" typeface="Arial"/>
+        <a:font script="Uigh" typeface="Microsoft Uighur"/>
+        <a:font script="Geor" typeface="Sylfaen"/>
+        <a:font script="Armn" typeface="Arial"/>
+        <a:font script="Bugi" typeface="Leelawadee UI"/>
+        <a:font script="Bopo" typeface="Microsoft JhengHei"/>
+        <a:font script="Java" typeface="Javanese Text"/>
+        <a:font script="Lisu" typeface="Segoe UI"/>
+        <a:font script="Mymr" typeface="Myanmar Text"/>
+        <a:font script="Nkoo" typeface="Ebrima"/>
+        <a:font script="Olck" typeface="Nirmala UI"/>
+        <a:font script="Osma" typeface="Ebrima"/>
+        <a:font script="Phag" typeface="Phagspa"/>
+        <a:font script="Syrn" typeface="Estrangelo Edessa"/>
+        <a:font script="Syrj" typeface="Estrangelo Edessa"/>
+        <a:font script="Syre" typeface="Estrangelo Edessa"/>
+        <a:font script="Sora" typeface="Nirmala UI"/>
+        <a:font script="Tale" typeface="Microsoft Tai Le"/>
+        <a:font script="Talu" typeface="Microsoft New Tai Lue"/>
+        <a:font script="Tfng" typeface="Ebrima"/>
+      </a:minorFont>
+    </a:fontScheme>
+    <a:fmtScheme name="Office">
+      <a:fillStyleLst>
+        <a:solidFill>
+          <a:schemeClr val="phClr"/>
+        </a:solidFill>
+        <a:gradFill rotWithShape="1">
+          <a:gsLst>
+            <a:gs pos="0">
+              <a:schemeClr val="phClr">
+                <a:lumMod val="110000"/>
+                <a:satMod val="105000"/>
+                <a:tint val="67000"/>
+              </a:schemeClr>
+            </a:gs>
+            <a:gs pos="50000">
+              <a:schemeClr val="phClr">
+                <a:lumMod val="105000"/>
+                <a:satMod val="103000"/>
+                <a:tint val="73000"/>
+              </a:schemeClr>
+            </a:gs>
+            <a:gs pos="100000">
+              <a:schemeClr val="phClr">
+                <a:lumMod val="105000"/>
+                <a:satMod val="109000"/>
+                <a:tint val="81000"/>
+              </a:schemeClr>
+            </a:gs>
+          </a:gsLst>
+          <a:lin ang="5400000" scaled="0"/>
+        </a:gradFill>
+        <a:gradFill rotWithShape="1">
+          <a:gsLst>
+            <a:gs pos="0">
+              <a:schemeClr val="phClr">
+                <a:satMod val="103000"/>
+                <a:lumMod val="102000"/>
+                <a:tint val="94000"/>
+              </a:schemeClr>
+            </a:gs>
+            <a:gs pos="50000">
+              <a:schemeClr val="phClr">
+                <a:satMod val="110000"/>
+                <a:lumMod val="100000"/>
+                <a:shade val="100000"/>
+              </a:schemeClr>
+            </a:gs>
+            <a:gs pos="100000">
+              <a:schemeClr val="phClr">
+                <a:lumMod val="99000"/>
+                <a:satMod val="120000"/>
+                <a:shade val="78000"/>
+              </a:schemeClr>
+            </a:gs>
+          </a:gsLst>
+          <a:lin ang="5400000" scaled="0"/>
+        </a:gradFill>
+      </a:fillStyleLst>
+      <a:lnStyleLst>
+        <a:ln w="12700" cap="flat" cmpd="sng" algn="ctr">
+          <a:solidFill>
+            <a:schemeClr val="phClr"/>
+          </a:solidFill>
+          <a:prstDash val="solid"/>
+          <a:miter lim="800000"/>
+        </a:ln>
+        <a:ln w="19050" cap="flat" cmpd="sng" algn="ctr">
+          <a:solidFill>
+            <a:schemeClr val="phClr"/>
+          </a:solidFill>
+          <a:prstDash val="solid"/>
+          <a:miter lim="800000"/>
+        </a:ln>
+        <a:ln w="25400" cap="flat" cmpd="sng" algn="ctr">
+          <a:solidFill>
+            <a:schemeClr val="phClr"/>
+          </a:solidFill>
+          <a:prstDash val="solid"/>
+          <a:miter lim="800000"/>
+        </a:ln>
+      </a:lnStyleLst>
+      <a:effectStyleLst>
+        <a:effectStyle>
+          <a:effectLst/>
+        </a:effectStyle>
+        <a:effectStyle>
+          <a:effectLst/>
+        </a:effectStyle>
+        <a:effectStyle>
+          <a:effectLst>
+            <a:outerShdw blurRad="57150" dist="19050" dir="5400000" algn="ctr" rotWithShape="0">
+              <a:srgbClr val="000000">
+                <a:alpha val="63000"/>
+              </a:srgbClr>
+            </a:outerShdw>
+          </a:effectLst>
+        </a:effectStyle>
+      </a:effectStyleLst>
+      <a:bgFillStyleLst>
+        <a:solidFill>
+          <a:schemeClr val="phClr"/>
+        </a:solidFill>
+        <a:solidFill>
+          <a:schemeClr val="phClr">
+            <a:tint val="95000"/>
+            <a:satMod val="170000"/>
+          </a:schemeClr>
+        </a:solidFill>
+        <a:gradFill rotWithShape="1">
+          <a:gsLst>
+            <a:gs pos="0">
+              <a:schemeClr val="phClr">
+                <a:tint val="93000"/>
+                <a:satMod val="150000"/>
+                <a:shade val="98000"/>
+                <a:lumMod val="102000"/>
+              </a:schemeClr>
+            </a:gs>
+            <a:gs pos="50000">
+              <a:schemeClr val="phClr">
+                <a:tint val="98000"/>
+                <a:satMod val="130000"/>
+                <a:shade val="90000"/>
+                <a:lumMod val="103000"/>
+              </a:schemeClr>
+            </a:gs>
+            <a:gs pos="100000">
+              <a:schemeClr val="phClr">
+                <a:shade val="63000"/>
+                <a:satMod val="120000"/>
+              </a:schemeClr>
+            </a:gs>
+          </a:gsLst>
+          <a:lin ang="5400000" scaled="0"/>
+        </a:gradFill>
+      </a:bgFillStyleLst>
+    </a:fmtScheme>
+  </a:themeElements>
+  <a:objectDefaults>
+    <a:lnDef>
+      <a:spPr/>
+      <a:bodyPr/>
+      <a:lstStyle/>
+      <a:style>
+        <a:lnRef idx="2">
+          <a:schemeClr val="accent1"/>
+        </a:lnRef>
+        <a:fillRef idx="0">
+          <a:schemeClr val="accent1"/>
+        </a:fillRef>
+        <a:effectRef idx="1">
+          <a:schemeClr val="accent1"/>
+        </a:effectRef>
+        <a:fontRef idx="minor">
+          <a:schemeClr val="tx1"/>
+        </a:fontRef>
+      </a:style>
+    </a:lnDef>
+  </a:objectDefaults>
+  <a:extraClrSchemeLst/>
+  <a:extLst>
+    <a:ext uri="{05A4C25C-085E-4340-85A3-A5531E510DB2}">
+      <thm15:themeFamily xmlns:thm15="http://schemas.microsoft.com/office/thememl/2012/main" name="Office Theme" id="{2E142A2C-CD16-42D6-873A-C26D2A0506FA}" vid="{1BDDFF52-6CD6-40A5-AB3C-68EB2F1E4D0A}"/>
+    </a:ext>
+  </a:extLst>
+</a:theme>
 </file>
--- a/slides/reunión_27_07_2024.pptx
+++ b/slides/reunión_27_07_2024.pptx
@@ -5,20 +5,22 @@
     <p:sldMasterId id="2147483648" r:id="rId1"/>
   </p:sldMasterIdLst>
   <p:notesMasterIdLst>
-    <p:notesMasterId r:id="rId13"/>
+    <p:notesMasterId r:id="rId15"/>
   </p:notesMasterIdLst>
   <p:sldIdLst>
     <p:sldId id="256" r:id="rId2"/>
-    <p:sldId id="258" r:id="rId3"/>
-    <p:sldId id="261" r:id="rId4"/>
-    <p:sldId id="262" r:id="rId5"/>
-    <p:sldId id="263" r:id="rId6"/>
-    <p:sldId id="259" r:id="rId7"/>
-    <p:sldId id="266" r:id="rId8"/>
-    <p:sldId id="268" r:id="rId9"/>
-    <p:sldId id="267" r:id="rId10"/>
-    <p:sldId id="260" r:id="rId11"/>
-    <p:sldId id="265" r:id="rId12"/>
+    <p:sldId id="269" r:id="rId3"/>
+    <p:sldId id="270" r:id="rId4"/>
+    <p:sldId id="258" r:id="rId5"/>
+    <p:sldId id="261" r:id="rId6"/>
+    <p:sldId id="262" r:id="rId7"/>
+    <p:sldId id="263" r:id="rId8"/>
+    <p:sldId id="259" r:id="rId9"/>
+    <p:sldId id="266" r:id="rId10"/>
+    <p:sldId id="268" r:id="rId11"/>
+    <p:sldId id="267" r:id="rId12"/>
+    <p:sldId id="260" r:id="rId13"/>
+    <p:sldId id="265" r:id="rId14"/>
   </p:sldIdLst>
   <p:sldSz cx="12192000" cy="6858000"/>
   <p:notesSz cx="6858000" cy="9144000"/>
@@ -207,7 +209,7 @@
           <a:p>
             <a:fld id="{69C27F49-51D1-454D-A7B1-9FD3EAB0CF1E}" type="datetimeFigureOut">
               <a:rPr lang="es-CO" smtClean="0"/>
-              <a:t>27/07/2024</a:t>
+              <a:t>29/07/2024</a:t>
             </a:fld>
             <a:endParaRPr lang="es-CO"/>
           </a:p>
@@ -540,7 +542,7 @@
           <a:p>
             <a:fld id="{E745C70F-B179-4FD5-8C48-3F5C0CA2B965}" type="slidenum">
               <a:rPr lang="es-CO" smtClean="0"/>
-              <a:t>6</a:t>
+              <a:t>8</a:t>
             </a:fld>
             <a:endParaRPr lang="es-CO"/>
           </a:p>
@@ -624,7 +626,7 @@
           <a:p>
             <a:fld id="{E745C70F-B179-4FD5-8C48-3F5C0CA2B965}" type="slidenum">
               <a:rPr lang="es-CO" smtClean="0"/>
-              <a:t>7</a:t>
+              <a:t>9</a:t>
             </a:fld>
             <a:endParaRPr lang="es-CO"/>
           </a:p>
@@ -708,7 +710,7 @@
           <a:p>
             <a:fld id="{E745C70F-B179-4FD5-8C48-3F5C0CA2B965}" type="slidenum">
               <a:rPr lang="es-CO" smtClean="0"/>
-              <a:t>8</a:t>
+              <a:t>10</a:t>
             </a:fld>
             <a:endParaRPr lang="es-CO"/>
           </a:p>
@@ -792,7 +794,7 @@
           <a:p>
             <a:fld id="{E745C70F-B179-4FD5-8C48-3F5C0CA2B965}" type="slidenum">
               <a:rPr lang="es-CO" smtClean="0"/>
-              <a:t>9</a:t>
+              <a:t>11</a:t>
             </a:fld>
             <a:endParaRPr lang="es-CO"/>
           </a:p>
@@ -960,7 +962,7 @@
           <a:p>
             <a:fld id="{2316A240-B631-47CA-B4A0-30DC1445D38C}" type="datetimeFigureOut">
               <a:rPr lang="es-CO" smtClean="0"/>
-              <a:t>27/07/2024</a:t>
+              <a:t>29/07/2024</a:t>
             </a:fld>
             <a:endParaRPr lang="es-CO"/>
           </a:p>
@@ -1160,7 +1162,7 @@
           <a:p>
             <a:fld id="{2316A240-B631-47CA-B4A0-30DC1445D38C}" type="datetimeFigureOut">
               <a:rPr lang="es-CO" smtClean="0"/>
-              <a:t>27/07/2024</a:t>
+              <a:t>29/07/2024</a:t>
             </a:fld>
             <a:endParaRPr lang="es-CO"/>
           </a:p>
@@ -1370,7 +1372,7 @@
           <a:p>
             <a:fld id="{2316A240-B631-47CA-B4A0-30DC1445D38C}" type="datetimeFigureOut">
               <a:rPr lang="es-CO" smtClean="0"/>
-              <a:t>27/07/2024</a:t>
+              <a:t>29/07/2024</a:t>
             </a:fld>
             <a:endParaRPr lang="es-CO"/>
           </a:p>
@@ -1570,7 +1572,7 @@
           <a:p>
             <a:fld id="{2316A240-B631-47CA-B4A0-30DC1445D38C}" type="datetimeFigureOut">
               <a:rPr lang="es-CO" smtClean="0"/>
-              <a:t>27/07/2024</a:t>
+              <a:t>29/07/2024</a:t>
             </a:fld>
             <a:endParaRPr lang="es-CO"/>
           </a:p>
@@ -1846,7 +1848,7 @@
           <a:p>
             <a:fld id="{2316A240-B631-47CA-B4A0-30DC1445D38C}" type="datetimeFigureOut">
               <a:rPr lang="es-CO" smtClean="0"/>
-              <a:t>27/07/2024</a:t>
+              <a:t>29/07/2024</a:t>
             </a:fld>
             <a:endParaRPr lang="es-CO"/>
           </a:p>
@@ -2114,7 +2116,7 @@
           <a:p>
             <a:fld id="{2316A240-B631-47CA-B4A0-30DC1445D38C}" type="datetimeFigureOut">
               <a:rPr lang="es-CO" smtClean="0"/>
-              <a:t>27/07/2024</a:t>
+              <a:t>29/07/2024</a:t>
             </a:fld>
             <a:endParaRPr lang="es-CO"/>
           </a:p>
@@ -2529,7 +2531,7 @@
           <a:p>
             <a:fld id="{2316A240-B631-47CA-B4A0-30DC1445D38C}" type="datetimeFigureOut">
               <a:rPr lang="es-CO" smtClean="0"/>
-              <a:t>27/07/2024</a:t>
+              <a:t>29/07/2024</a:t>
             </a:fld>
             <a:endParaRPr lang="es-CO"/>
           </a:p>
@@ -2671,7 +2673,7 @@
           <a:p>
             <a:fld id="{2316A240-B631-47CA-B4A0-30DC1445D38C}" type="datetimeFigureOut">
               <a:rPr lang="es-CO" smtClean="0"/>
-              <a:t>27/07/2024</a:t>
+              <a:t>29/07/2024</a:t>
             </a:fld>
             <a:endParaRPr lang="es-CO"/>
           </a:p>
@@ -2784,7 +2786,7 @@
           <a:p>
             <a:fld id="{2316A240-B631-47CA-B4A0-30DC1445D38C}" type="datetimeFigureOut">
               <a:rPr lang="es-CO" smtClean="0"/>
-              <a:t>27/07/2024</a:t>
+              <a:t>29/07/2024</a:t>
             </a:fld>
             <a:endParaRPr lang="es-CO"/>
           </a:p>
@@ -3097,7 +3099,7 @@
           <a:p>
             <a:fld id="{2316A240-B631-47CA-B4A0-30DC1445D38C}" type="datetimeFigureOut">
               <a:rPr lang="es-CO" smtClean="0"/>
-              <a:t>27/07/2024</a:t>
+              <a:t>29/07/2024</a:t>
             </a:fld>
             <a:endParaRPr lang="es-CO"/>
           </a:p>
@@ -3386,7 +3388,7 @@
           <a:p>
             <a:fld id="{2316A240-B631-47CA-B4A0-30DC1445D38C}" type="datetimeFigureOut">
               <a:rPr lang="es-CO" smtClean="0"/>
-              <a:t>27/07/2024</a:t>
+              <a:t>29/07/2024</a:t>
             </a:fld>
             <a:endParaRPr lang="es-CO"/>
           </a:p>
@@ -3629,7 +3631,7 @@
           <a:p>
             <a:fld id="{2316A240-B631-47CA-B4A0-30DC1445D38C}" type="datetimeFigureOut">
               <a:rPr lang="es-CO" smtClean="0"/>
-              <a:t>27/07/2024</a:t>
+              <a:t>29/07/2024</a:t>
             </a:fld>
             <a:endParaRPr lang="es-CO"/>
           </a:p>
@@ -4482,6 +4484,500 @@
         </p:nvSpPr>
         <p:spPr>
           <a:xfrm>
+            <a:off x="2520696" y="300433"/>
+            <a:ext cx="7150608" cy="461665"/>
+          </a:xfrm>
+          <a:prstGeom prst="rect">
+            <a:avLst/>
+          </a:prstGeom>
+          <a:noFill/>
+        </p:spPr>
+        <p:txBody>
+          <a:bodyPr wrap="square" rtlCol="0">
+            <a:spAutoFit/>
+          </a:bodyPr>
+          <a:lstStyle/>
+          <a:p>
+            <a:pPr algn="ctr"/>
+            <a:r>
+              <a:rPr lang="es-CO" sz="2400" b="1">
+                <a:solidFill>
+                  <a:schemeClr val="bg1"/>
+                </a:solidFill>
+                <a:latin typeface="Arial" panose="020B0604020202020204" pitchFamily="34" charset="0"/>
+                <a:ea typeface="Source Sans Pro" panose="020B0503030403020204" pitchFamily="34" charset="0"/>
+                <a:cs typeface="Arial" panose="020B0604020202020204" pitchFamily="34" charset="0"/>
+              </a:rPr>
+              <a:t>Raissi et al. (2019)</a:t>
+            </a:r>
+          </a:p>
+        </p:txBody>
+      </p:sp>
+      <p:pic>
+        <p:nvPicPr>
+          <p:cNvPr id="7" name="Imagen 6" descr="Interfaz de usuario gráfica, Gráfico&#10;&#10;Descripción generada automáticamente">
+            <a:extLst>
+              <a:ext uri="{FF2B5EF4-FFF2-40B4-BE49-F238E27FC236}">
+                <a16:creationId xmlns:a16="http://schemas.microsoft.com/office/drawing/2014/main" id="{382565E3-9DF2-B471-A65B-0098D9AFF2FA}"/>
+              </a:ext>
+            </a:extLst>
+          </p:cNvPr>
+          <p:cNvPicPr>
+            <a:picLocks noChangeAspect="1"/>
+          </p:cNvPicPr>
+          <p:nvPr/>
+        </p:nvPicPr>
+        <p:blipFill>
+          <a:blip r:embed="rId3">
+            <a:extLst>
+              <a:ext uri="{28A0092B-C50C-407E-A947-70E740481C1C}">
+                <a14:useLocalDpi xmlns:a14="http://schemas.microsoft.com/office/drawing/2010/main" val="0"/>
+              </a:ext>
+            </a:extLst>
+          </a:blip>
+          <a:stretch>
+            <a:fillRect/>
+          </a:stretch>
+        </p:blipFill>
+        <p:spPr>
+          <a:xfrm>
+            <a:off x="6415620" y="2019300"/>
+            <a:ext cx="5157912" cy="2517665"/>
+          </a:xfrm>
+          <a:prstGeom prst="rect">
+            <a:avLst/>
+          </a:prstGeom>
+        </p:spPr>
+      </p:pic>
+      <p:sp>
+        <p:nvSpPr>
+          <p:cNvPr id="14" name="CuadroTexto 13">
+            <a:extLst>
+              <a:ext uri="{FF2B5EF4-FFF2-40B4-BE49-F238E27FC236}">
+                <a16:creationId xmlns:a16="http://schemas.microsoft.com/office/drawing/2014/main" id="{DAFA9663-830E-7BE6-4551-95B423A3AFCA}"/>
+              </a:ext>
+            </a:extLst>
+          </p:cNvPr>
+          <p:cNvSpPr txBox="1"/>
+          <p:nvPr/>
+        </p:nvSpPr>
+        <p:spPr>
+          <a:xfrm>
+            <a:off x="268197" y="6473279"/>
+            <a:ext cx="5227728" cy="369332"/>
+          </a:xfrm>
+          <a:prstGeom prst="rect">
+            <a:avLst/>
+          </a:prstGeom>
+          <a:noFill/>
+        </p:spPr>
+        <p:txBody>
+          <a:bodyPr wrap="square" rtlCol="0">
+            <a:spAutoFit/>
+          </a:bodyPr>
+          <a:lstStyle/>
+          <a:p>
+            <a:r>
+              <a:rPr lang="es-CO">
+                <a:solidFill>
+                  <a:schemeClr val="bg1"/>
+                </a:solidFill>
+                <a:latin typeface="Arial" panose="020B0604020202020204" pitchFamily="34" charset="0"/>
+                <a:ea typeface="Source Sans Pro" panose="020B0503030403020204" pitchFamily="34" charset="0"/>
+                <a:cs typeface="Arial" panose="020B0604020202020204" pitchFamily="34" charset="0"/>
+              </a:rPr>
+              <a:t>https://github.com/oscar-rincon/ReScience-PINNs</a:t>
+            </a:r>
+          </a:p>
+        </p:txBody>
+      </p:sp>
+      <p:sp>
+        <p:nvSpPr>
+          <p:cNvPr id="20" name="CuadroTexto 19">
+            <a:extLst>
+              <a:ext uri="{FF2B5EF4-FFF2-40B4-BE49-F238E27FC236}">
+                <a16:creationId xmlns:a16="http://schemas.microsoft.com/office/drawing/2014/main" id="{EFEB8EF5-3DCD-0074-D058-CF5D6FA76061}"/>
+              </a:ext>
+            </a:extLst>
+          </p:cNvPr>
+          <p:cNvSpPr txBox="1"/>
+          <p:nvPr/>
+        </p:nvSpPr>
+        <p:spPr>
+          <a:xfrm>
+            <a:off x="4531624" y="910376"/>
+            <a:ext cx="2953301" cy="369332"/>
+          </a:xfrm>
+          <a:prstGeom prst="rect">
+            <a:avLst/>
+          </a:prstGeom>
+          <a:noFill/>
+        </p:spPr>
+        <p:txBody>
+          <a:bodyPr wrap="square" rtlCol="0">
+            <a:spAutoFit/>
+          </a:bodyPr>
+          <a:lstStyle/>
+          <a:p>
+            <a:pPr algn="ctr"/>
+            <a:r>
+              <a:rPr lang="es-CO" b="1">
+                <a:solidFill>
+                  <a:schemeClr val="bg1"/>
+                </a:solidFill>
+                <a:latin typeface="Arial" panose="020B0604020202020204" pitchFamily="34" charset="0"/>
+                <a:cs typeface="Arial" panose="020B0604020202020204" pitchFamily="34" charset="0"/>
+              </a:rPr>
+              <a:t>Discrete time inference</a:t>
+            </a:r>
+          </a:p>
+        </p:txBody>
+      </p:sp>
+    </p:spTree>
+    <p:extLst>
+      <p:ext uri="{BB962C8B-B14F-4D97-AF65-F5344CB8AC3E}">
+        <p14:creationId xmlns:p14="http://schemas.microsoft.com/office/powerpoint/2010/main" val="2695735504"/>
+      </p:ext>
+    </p:extLst>
+  </p:cSld>
+  <p:clrMapOvr>
+    <a:masterClrMapping/>
+  </p:clrMapOvr>
+</p:sld>
+</file>
+
+<file path=ppt/slides/slide11.xml><?xml version="1.0" encoding="utf-8"?>
+<p:sld xmlns:a="http://schemas.openxmlformats.org/drawingml/2006/main" xmlns:r="http://schemas.openxmlformats.org/officeDocument/2006/relationships" xmlns:p="http://schemas.openxmlformats.org/presentationml/2006/main">
+  <p:cSld>
+    <p:spTree>
+      <p:nvGrpSpPr>
+        <p:cNvPr id="1" name=""/>
+        <p:cNvGrpSpPr/>
+        <p:nvPr/>
+      </p:nvGrpSpPr>
+      <p:grpSpPr>
+        <a:xfrm>
+          <a:off x="0" y="0"/>
+          <a:ext cx="0" cy="0"/>
+          <a:chOff x="0" y="0"/>
+          <a:chExt cx="0" cy="0"/>
+        </a:xfrm>
+      </p:grpSpPr>
+      <p:sp>
+        <p:nvSpPr>
+          <p:cNvPr id="2" name="Rectángulo 1">
+            <a:extLst>
+              <a:ext uri="{FF2B5EF4-FFF2-40B4-BE49-F238E27FC236}">
+                <a16:creationId xmlns:a16="http://schemas.microsoft.com/office/drawing/2014/main" id="{33B43DF0-55BF-79E0-2273-FD3CA4767423}"/>
+              </a:ext>
+            </a:extLst>
+          </p:cNvPr>
+          <p:cNvSpPr/>
+          <p:nvPr/>
+        </p:nvSpPr>
+        <p:spPr>
+          <a:xfrm>
+            <a:off x="0" y="0"/>
+            <a:ext cx="12192000" cy="6858000"/>
+          </a:xfrm>
+          <a:prstGeom prst="rect">
+            <a:avLst/>
+          </a:prstGeom>
+          <a:solidFill>
+            <a:schemeClr val="accent1">
+              <a:lumMod val="75000"/>
+            </a:schemeClr>
+          </a:solidFill>
+          <a:ln>
+            <a:noFill/>
+          </a:ln>
+        </p:spPr>
+        <p:style>
+          <a:lnRef idx="2">
+            <a:schemeClr val="accent1">
+              <a:shade val="15000"/>
+            </a:schemeClr>
+          </a:lnRef>
+          <a:fillRef idx="1">
+            <a:schemeClr val="accent1"/>
+          </a:fillRef>
+          <a:effectRef idx="0">
+            <a:schemeClr val="accent1"/>
+          </a:effectRef>
+          <a:fontRef idx="minor">
+            <a:schemeClr val="lt1"/>
+          </a:fontRef>
+        </p:style>
+        <p:txBody>
+          <a:bodyPr rtlCol="0" anchor="ctr"/>
+          <a:lstStyle/>
+          <a:p>
+            <a:pPr algn="ctr"/>
+            <a:endParaRPr lang="es-CO"/>
+          </a:p>
+        </p:txBody>
+      </p:sp>
+      <p:sp>
+        <p:nvSpPr>
+          <p:cNvPr id="3" name="CuadroTexto 2">
+            <a:extLst>
+              <a:ext uri="{FF2B5EF4-FFF2-40B4-BE49-F238E27FC236}">
+                <a16:creationId xmlns:a16="http://schemas.microsoft.com/office/drawing/2014/main" id="{254F0281-F108-BD43-3A10-671B6D0CB599}"/>
+              </a:ext>
+            </a:extLst>
+          </p:cNvPr>
+          <p:cNvSpPr txBox="1"/>
+          <p:nvPr/>
+        </p:nvSpPr>
+        <p:spPr>
+          <a:xfrm>
+            <a:off x="2520696" y="300433"/>
+            <a:ext cx="7150608" cy="461665"/>
+          </a:xfrm>
+          <a:prstGeom prst="rect">
+            <a:avLst/>
+          </a:prstGeom>
+          <a:noFill/>
+        </p:spPr>
+        <p:txBody>
+          <a:bodyPr wrap="square" rtlCol="0">
+            <a:spAutoFit/>
+          </a:bodyPr>
+          <a:lstStyle/>
+          <a:p>
+            <a:pPr algn="ctr"/>
+            <a:r>
+              <a:rPr lang="es-CO" sz="2400" b="1">
+                <a:solidFill>
+                  <a:schemeClr val="bg1"/>
+                </a:solidFill>
+                <a:latin typeface="Arial" panose="020B0604020202020204" pitchFamily="34" charset="0"/>
+                <a:ea typeface="Source Sans Pro" panose="020B0503030403020204" pitchFamily="34" charset="0"/>
+                <a:cs typeface="Arial" panose="020B0604020202020204" pitchFamily="34" charset="0"/>
+              </a:rPr>
+              <a:t>Raissi et al. (2019)</a:t>
+            </a:r>
+          </a:p>
+        </p:txBody>
+      </p:sp>
+      <p:pic>
+        <p:nvPicPr>
+          <p:cNvPr id="11" name="Imagen 10" descr="Interfaz de usuario gráfica, Gráfico&#10;&#10;Descripción generada automáticamente">
+            <a:extLst>
+              <a:ext uri="{FF2B5EF4-FFF2-40B4-BE49-F238E27FC236}">
+                <a16:creationId xmlns:a16="http://schemas.microsoft.com/office/drawing/2014/main" id="{961F5FC4-4FC9-CFD1-8B64-5CDDFA343736}"/>
+              </a:ext>
+            </a:extLst>
+          </p:cNvPr>
+          <p:cNvPicPr>
+            <a:picLocks noChangeAspect="1"/>
+          </p:cNvPicPr>
+          <p:nvPr/>
+        </p:nvPicPr>
+        <p:blipFill>
+          <a:blip r:embed="rId3">
+            <a:extLst>
+              <a:ext uri="{28A0092B-C50C-407E-A947-70E740481C1C}">
+                <a14:useLocalDpi xmlns:a14="http://schemas.microsoft.com/office/drawing/2010/main" val="0"/>
+              </a:ext>
+            </a:extLst>
+          </a:blip>
+          <a:stretch>
+            <a:fillRect/>
+          </a:stretch>
+        </p:blipFill>
+        <p:spPr>
+          <a:xfrm>
+            <a:off x="7362825" y="1686917"/>
+            <a:ext cx="3905250" cy="4161052"/>
+          </a:xfrm>
+          <a:prstGeom prst="rect">
+            <a:avLst/>
+          </a:prstGeom>
+        </p:spPr>
+      </p:pic>
+      <p:sp>
+        <p:nvSpPr>
+          <p:cNvPr id="14" name="CuadroTexto 13">
+            <a:extLst>
+              <a:ext uri="{FF2B5EF4-FFF2-40B4-BE49-F238E27FC236}">
+                <a16:creationId xmlns:a16="http://schemas.microsoft.com/office/drawing/2014/main" id="{DAFA9663-830E-7BE6-4551-95B423A3AFCA}"/>
+              </a:ext>
+            </a:extLst>
+          </p:cNvPr>
+          <p:cNvSpPr txBox="1"/>
+          <p:nvPr/>
+        </p:nvSpPr>
+        <p:spPr>
+          <a:xfrm>
+            <a:off x="268197" y="6473279"/>
+            <a:ext cx="5227728" cy="338554"/>
+          </a:xfrm>
+          <a:prstGeom prst="rect">
+            <a:avLst/>
+          </a:prstGeom>
+          <a:noFill/>
+        </p:spPr>
+        <p:txBody>
+          <a:bodyPr wrap="square" rtlCol="0">
+            <a:spAutoFit/>
+          </a:bodyPr>
+          <a:lstStyle/>
+          <a:p>
+            <a:r>
+              <a:rPr lang="es-CO" sz="1600">
+                <a:solidFill>
+                  <a:schemeClr val="bg1"/>
+                </a:solidFill>
+                <a:latin typeface="Arial" panose="020B0604020202020204" pitchFamily="34" charset="0"/>
+                <a:ea typeface="Source Sans Pro" panose="020B0503030403020204" pitchFamily="34" charset="0"/>
+                <a:cs typeface="Arial" panose="020B0604020202020204" pitchFamily="34" charset="0"/>
+              </a:rPr>
+              <a:t>https://github.com/oscar-rincon/ReScience-PINNs</a:t>
+            </a:r>
+          </a:p>
+        </p:txBody>
+      </p:sp>
+      <p:sp>
+        <p:nvSpPr>
+          <p:cNvPr id="19" name="CuadroTexto 18">
+            <a:extLst>
+              <a:ext uri="{FF2B5EF4-FFF2-40B4-BE49-F238E27FC236}">
+                <a16:creationId xmlns:a16="http://schemas.microsoft.com/office/drawing/2014/main" id="{10B90926-A640-2CE3-E012-B15F9A63E8C3}"/>
+              </a:ext>
+            </a:extLst>
+          </p:cNvPr>
+          <p:cNvSpPr txBox="1"/>
+          <p:nvPr/>
+        </p:nvSpPr>
+        <p:spPr>
+          <a:xfrm>
+            <a:off x="4210050" y="825365"/>
+            <a:ext cx="3638550" cy="369332"/>
+          </a:xfrm>
+          <a:prstGeom prst="rect">
+            <a:avLst/>
+          </a:prstGeom>
+          <a:noFill/>
+        </p:spPr>
+        <p:txBody>
+          <a:bodyPr wrap="square" rtlCol="0">
+            <a:spAutoFit/>
+          </a:bodyPr>
+          <a:lstStyle/>
+          <a:p>
+            <a:pPr algn="ctr"/>
+            <a:r>
+              <a:rPr lang="es-CO" b="1">
+                <a:solidFill>
+                  <a:schemeClr val="bg1"/>
+                </a:solidFill>
+                <a:latin typeface="Arial" panose="020B0604020202020204" pitchFamily="34" charset="0"/>
+                <a:cs typeface="Arial" panose="020B0604020202020204" pitchFamily="34" charset="0"/>
+              </a:rPr>
+              <a:t>Continuous time inference</a:t>
+            </a:r>
+          </a:p>
+        </p:txBody>
+      </p:sp>
+    </p:spTree>
+    <p:extLst>
+      <p:ext uri="{BB962C8B-B14F-4D97-AF65-F5344CB8AC3E}">
+        <p14:creationId xmlns:p14="http://schemas.microsoft.com/office/powerpoint/2010/main" val="2116195075"/>
+      </p:ext>
+    </p:extLst>
+  </p:cSld>
+  <p:clrMapOvr>
+    <a:masterClrMapping/>
+  </p:clrMapOvr>
+</p:sld>
+</file>
+
+<file path=ppt/slides/slide12.xml><?xml version="1.0" encoding="utf-8"?>
+<p:sld xmlns:a="http://schemas.openxmlformats.org/drawingml/2006/main" xmlns:r="http://schemas.openxmlformats.org/officeDocument/2006/relationships" xmlns:p="http://schemas.openxmlformats.org/presentationml/2006/main">
+  <p:cSld>
+    <p:spTree>
+      <p:nvGrpSpPr>
+        <p:cNvPr id="1" name=""/>
+        <p:cNvGrpSpPr/>
+        <p:nvPr/>
+      </p:nvGrpSpPr>
+      <p:grpSpPr>
+        <a:xfrm>
+          <a:off x="0" y="0"/>
+          <a:ext cx="0" cy="0"/>
+          <a:chOff x="0" y="0"/>
+          <a:chExt cx="0" cy="0"/>
+        </a:xfrm>
+      </p:grpSpPr>
+      <p:sp>
+        <p:nvSpPr>
+          <p:cNvPr id="2" name="Rectángulo 1">
+            <a:extLst>
+              <a:ext uri="{FF2B5EF4-FFF2-40B4-BE49-F238E27FC236}">
+                <a16:creationId xmlns:a16="http://schemas.microsoft.com/office/drawing/2014/main" id="{33B43DF0-55BF-79E0-2273-FD3CA4767423}"/>
+              </a:ext>
+            </a:extLst>
+          </p:cNvPr>
+          <p:cNvSpPr/>
+          <p:nvPr/>
+        </p:nvSpPr>
+        <p:spPr>
+          <a:xfrm>
+            <a:off x="0" y="0"/>
+            <a:ext cx="12192000" cy="6858000"/>
+          </a:xfrm>
+          <a:prstGeom prst="rect">
+            <a:avLst/>
+          </a:prstGeom>
+          <a:solidFill>
+            <a:schemeClr val="accent1">
+              <a:lumMod val="75000"/>
+            </a:schemeClr>
+          </a:solidFill>
+          <a:ln>
+            <a:noFill/>
+          </a:ln>
+        </p:spPr>
+        <p:style>
+          <a:lnRef idx="2">
+            <a:schemeClr val="accent1">
+              <a:shade val="15000"/>
+            </a:schemeClr>
+          </a:lnRef>
+          <a:fillRef idx="1">
+            <a:schemeClr val="accent1"/>
+          </a:fillRef>
+          <a:effectRef idx="0">
+            <a:schemeClr val="accent1"/>
+          </a:effectRef>
+          <a:fontRef idx="minor">
+            <a:schemeClr val="lt1"/>
+          </a:fontRef>
+        </p:style>
+        <p:txBody>
+          <a:bodyPr rtlCol="0" anchor="ctr"/>
+          <a:lstStyle/>
+          <a:p>
+            <a:pPr algn="ctr"/>
+            <a:endParaRPr lang="es-CO"/>
+          </a:p>
+        </p:txBody>
+      </p:sp>
+      <p:sp>
+        <p:nvSpPr>
+          <p:cNvPr id="3" name="CuadroTexto 2">
+            <a:extLst>
+              <a:ext uri="{FF2B5EF4-FFF2-40B4-BE49-F238E27FC236}">
+                <a16:creationId xmlns:a16="http://schemas.microsoft.com/office/drawing/2014/main" id="{254F0281-F108-BD43-3A10-671B6D0CB599}"/>
+              </a:ext>
+            </a:extLst>
+          </p:cNvPr>
+          <p:cNvSpPr txBox="1"/>
+          <p:nvPr/>
+        </p:nvSpPr>
+        <p:spPr>
+          <a:xfrm>
             <a:off x="2520696" y="457200"/>
             <a:ext cx="7150608" cy="461665"/>
           </a:xfrm>
@@ -4560,7 +5056,7 @@
 </p:sld>
 </file>
 
-<file path=ppt/slides/slide11.xml><?xml version="1.0" encoding="utf-8"?>
+<file path=ppt/slides/slide13.xml><?xml version="1.0" encoding="utf-8"?>
 <p:sld xmlns:a="http://schemas.openxmlformats.org/drawingml/2006/main" xmlns:r="http://schemas.openxmlformats.org/officeDocument/2006/relationships" xmlns:p="http://schemas.openxmlformats.org/presentationml/2006/main">
   <p:cSld>
     <p:spTree>
@@ -4796,47 +5292,11 @@
                 <a:ea typeface="Source Sans Pro" panose="020B0503030403020204" pitchFamily="34" charset="0"/>
                 <a:cs typeface="Arial" panose="020B0604020202020204" pitchFamily="34" charset="0"/>
               </a:rPr>
-              <a:t>Introduction</a:t>
-            </a:r>
-          </a:p>
-        </p:txBody>
-      </p:sp>
-      <p:pic>
-        <p:nvPicPr>
-          <p:cNvPr id="10" name="Gráfico 9">
-            <a:extLst>
-              <a:ext uri="{FF2B5EF4-FFF2-40B4-BE49-F238E27FC236}">
-                <a16:creationId xmlns:a16="http://schemas.microsoft.com/office/drawing/2014/main" id="{E2566563-CEC1-1550-121C-345DC36DCDF5}"/>
-              </a:ext>
-            </a:extLst>
-          </p:cNvPr>
-          <p:cNvPicPr>
-            <a:picLocks noChangeAspect="1"/>
-          </p:cNvPicPr>
-          <p:nvPr/>
-        </p:nvPicPr>
-        <p:blipFill>
-          <a:blip r:embed="rId2">
-            <a:extLst>
-              <a:ext uri="{96DAC541-7B7A-43D3-8B79-37D633B846F1}">
-                <asvg:svgBlip xmlns:asvg="http://schemas.microsoft.com/office/drawing/2016/SVG/main" r:embed="rId3"/>
-              </a:ext>
-            </a:extLst>
-          </a:blip>
-          <a:stretch>
-            <a:fillRect/>
-          </a:stretch>
-        </p:blipFill>
-        <p:spPr>
-          <a:xfrm>
-            <a:off x="3350999" y="2222756"/>
-            <a:ext cx="5269126" cy="3518957"/>
-          </a:xfrm>
-          <a:prstGeom prst="rect">
-            <a:avLst/>
-          </a:prstGeom>
-        </p:spPr>
-      </p:pic>
+              <a:t>Content</a:t>
+            </a:r>
+          </a:p>
+        </p:txBody>
+      </p:sp>
       <p:sp>
         <p:nvSpPr>
           <p:cNvPr id="142" name="CuadroTexto 141">
@@ -4851,8 +5311,8 @@
         </p:nvSpPr>
         <p:spPr>
           <a:xfrm>
-            <a:off x="1000125" y="1116287"/>
-            <a:ext cx="10020299" cy="646331"/>
+            <a:off x="1000125" y="1827803"/>
+            <a:ext cx="10020299" cy="2060629"/>
           </a:xfrm>
           <a:prstGeom prst="rect">
             <a:avLst/>
@@ -4865,181 +5325,75 @@
           </a:bodyPr>
           <a:lstStyle/>
           <a:p>
-            <a:r>
-              <a:rPr lang="es-CO">
+            <a:pPr marL="285750" indent="-285750">
+              <a:lnSpc>
+                <a:spcPct val="250000"/>
+              </a:lnSpc>
+              <a:buFont typeface="Wingdings" panose="05000000000000000000" pitchFamily="2" charset="2"/>
+              <a:buChar char="v"/>
+            </a:pPr>
+            <a:r>
+              <a:rPr lang="en-US">
                 <a:solidFill>
                   <a:schemeClr val="bg1"/>
                 </a:solidFill>
+                <a:latin typeface="Arial" panose="020B0604020202020204" pitchFamily="34" charset="0"/>
+                <a:cs typeface="Arial" panose="020B0604020202020204" pitchFamily="34" charset="0"/>
               </a:rPr>
-              <a:t>"machine </a:t>
-            </a:r>
-            <a:r>
-              <a:rPr lang="es-CO" err="1">
+              <a:t>Literature review</a:t>
+            </a:r>
+          </a:p>
+          <a:p>
+            <a:pPr marL="285750" indent="-285750">
+              <a:lnSpc>
+                <a:spcPct val="250000"/>
+              </a:lnSpc>
+              <a:buFont typeface="Wingdings" panose="05000000000000000000" pitchFamily="2" charset="2"/>
+              <a:buChar char="v"/>
+            </a:pPr>
+            <a:r>
+              <a:rPr lang="en-US">
                 <a:solidFill>
                   <a:schemeClr val="bg1"/>
                 </a:solidFill>
+                <a:latin typeface="Arial" panose="020B0604020202020204" pitchFamily="34" charset="0"/>
+                <a:cs typeface="Arial" panose="020B0604020202020204" pitchFamily="34" charset="0"/>
               </a:rPr>
-              <a:t>learning</a:t>
-            </a:r>
-            <a:r>
-              <a:rPr lang="es-CO">
+              <a:t>Reproduction of the results presented in Raissi et al. (2019)</a:t>
+            </a:r>
+          </a:p>
+          <a:p>
+            <a:pPr marL="285750" indent="-285750">
+              <a:lnSpc>
+                <a:spcPct val="250000"/>
+              </a:lnSpc>
+              <a:buFont typeface="Wingdings" panose="05000000000000000000" pitchFamily="2" charset="2"/>
+              <a:buChar char="v"/>
+            </a:pPr>
+            <a:r>
+              <a:rPr lang="en-US">
                 <a:solidFill>
                   <a:schemeClr val="bg1"/>
                 </a:solidFill>
+                <a:latin typeface="Arial" panose="020B0604020202020204" pitchFamily="34" charset="0"/>
+                <a:cs typeface="Arial" panose="020B0604020202020204" pitchFamily="34" charset="0"/>
               </a:rPr>
-              <a:t>" OR "</a:t>
-            </a:r>
-            <a:r>
-              <a:rPr lang="es-CO" err="1">
-                <a:solidFill>
-                  <a:schemeClr val="bg1"/>
-                </a:solidFill>
-              </a:rPr>
-              <a:t>deep</a:t>
-            </a:r>
-            <a:r>
-              <a:rPr lang="es-CO">
-                <a:solidFill>
-                  <a:schemeClr val="bg1"/>
-                </a:solidFill>
-              </a:rPr>
-              <a:t> </a:t>
-            </a:r>
-            <a:r>
-              <a:rPr lang="es-CO" err="1">
-                <a:solidFill>
-                  <a:schemeClr val="bg1"/>
-                </a:solidFill>
-              </a:rPr>
-              <a:t>learning</a:t>
-            </a:r>
-            <a:r>
-              <a:rPr lang="es-CO">
-                <a:solidFill>
-                  <a:schemeClr val="bg1"/>
-                </a:solidFill>
-              </a:rPr>
-              <a:t>" OR "neural </a:t>
-            </a:r>
-            <a:r>
-              <a:rPr lang="es-CO" err="1">
-                <a:solidFill>
-                  <a:schemeClr val="bg1"/>
-                </a:solidFill>
-              </a:rPr>
-              <a:t>networks</a:t>
-            </a:r>
-            <a:r>
-              <a:rPr lang="es-CO">
-                <a:solidFill>
-                  <a:schemeClr val="bg1"/>
-                </a:solidFill>
-              </a:rPr>
-              <a:t>" AND "wave </a:t>
-            </a:r>
-            <a:r>
-              <a:rPr lang="es-CO" err="1">
-                <a:solidFill>
-                  <a:schemeClr val="bg1"/>
-                </a:solidFill>
-              </a:rPr>
-              <a:t>propagation</a:t>
-            </a:r>
-            <a:r>
-              <a:rPr lang="es-CO">
-                <a:solidFill>
-                  <a:schemeClr val="bg1"/>
-                </a:solidFill>
-              </a:rPr>
-              <a:t>" OR "wave </a:t>
-            </a:r>
-            <a:r>
-              <a:rPr lang="es-CO" err="1">
-                <a:solidFill>
-                  <a:schemeClr val="bg1"/>
-                </a:solidFill>
-              </a:rPr>
-              <a:t>equation</a:t>
-            </a:r>
-            <a:r>
-              <a:rPr lang="es-CO">
-                <a:solidFill>
-                  <a:schemeClr val="bg1"/>
-                </a:solidFill>
-              </a:rPr>
-              <a:t>" AND (</a:t>
-            </a:r>
-            <a:r>
-              <a:rPr lang="es-CO" err="1">
-                <a:solidFill>
-                  <a:schemeClr val="bg1"/>
-                </a:solidFill>
-              </a:rPr>
-              <a:t>modeling</a:t>
-            </a:r>
-            <a:r>
-              <a:rPr lang="es-CO">
-                <a:solidFill>
-                  <a:schemeClr val="bg1"/>
-                </a:solidFill>
-              </a:rPr>
-              <a:t> OR </a:t>
-            </a:r>
-            <a:r>
-              <a:rPr lang="es-CO" err="1">
-                <a:solidFill>
-                  <a:schemeClr val="bg1"/>
-                </a:solidFill>
-              </a:rPr>
-              <a:t>modelling</a:t>
-            </a:r>
-            <a:r>
-              <a:rPr lang="es-CO">
-                <a:solidFill>
-                  <a:schemeClr val="bg1"/>
-                </a:solidFill>
-              </a:rPr>
-              <a:t> OR </a:t>
-            </a:r>
-            <a:r>
-              <a:rPr lang="es-CO" err="1">
-                <a:solidFill>
-                  <a:schemeClr val="bg1"/>
-                </a:solidFill>
-              </a:rPr>
-              <a:t>model</a:t>
-            </a:r>
-            <a:r>
-              <a:rPr lang="es-CO">
-                <a:solidFill>
-                  <a:schemeClr val="bg1"/>
-                </a:solidFill>
-              </a:rPr>
-              <a:t> OR </a:t>
-            </a:r>
-            <a:r>
-              <a:rPr lang="es-CO" err="1">
-                <a:solidFill>
-                  <a:schemeClr val="bg1"/>
-                </a:solidFill>
-              </a:rPr>
-              <a:t>simulation</a:t>
-            </a:r>
-            <a:r>
-              <a:rPr lang="es-CO">
-                <a:solidFill>
-                  <a:schemeClr val="bg1"/>
-                </a:solidFill>
-              </a:rPr>
-              <a:t>)</a:t>
-            </a:r>
+              <a:t>Problem statement</a:t>
+            </a:r>
+            <a:endParaRPr lang="es-CO">
+              <a:solidFill>
+                <a:schemeClr val="bg1"/>
+              </a:solidFill>
+              <a:latin typeface="Arial" panose="020B0604020202020204" pitchFamily="34" charset="0"/>
+              <a:cs typeface="Arial" panose="020B0604020202020204" pitchFamily="34" charset="0"/>
+            </a:endParaRPr>
           </a:p>
         </p:txBody>
       </p:sp>
     </p:spTree>
     <p:extLst>
       <p:ext uri="{BB962C8B-B14F-4D97-AF65-F5344CB8AC3E}">
-        <p14:creationId xmlns:p14="http://schemas.microsoft.com/office/powerpoint/2010/main" val="1476158871"/>
+        <p14:creationId xmlns:p14="http://schemas.microsoft.com/office/powerpoint/2010/main" val="948888447"/>
       </p:ext>
     </p:extLst>
   </p:cSld>
@@ -5155,19 +5509,10 @@
                   <a:schemeClr val="bg1"/>
                 </a:solidFill>
                 <a:latin typeface="Arial" panose="020B0604020202020204" pitchFamily="34" charset="0"/>
-                <a:ea typeface="Source Sans Pro" panose="020B0503030403020204" pitchFamily="34" charset="0"/>
                 <a:cs typeface="Arial" panose="020B0604020202020204" pitchFamily="34" charset="0"/>
               </a:rPr>
-              <a:t>Modeling of Mechanical Wave Propagation</a:t>
-            </a:r>
-            <a:endParaRPr lang="es-CO" sz="2400" b="1">
-              <a:solidFill>
-                <a:schemeClr val="bg1"/>
-              </a:solidFill>
-              <a:latin typeface="Arial" panose="020B0604020202020204" pitchFamily="34" charset="0"/>
-              <a:ea typeface="Source Sans Pro" panose="020B0503030403020204" pitchFamily="34" charset="0"/>
-              <a:cs typeface="Arial" panose="020B0604020202020204" pitchFamily="34" charset="0"/>
-            </a:endParaRPr>
+              <a:t>Literature review</a:t>
+            </a:r>
           </a:p>
         </p:txBody>
       </p:sp>
@@ -5185,8 +5530,8 @@
         </p:nvSpPr>
         <p:spPr>
           <a:xfrm>
-            <a:off x="752475" y="1116287"/>
-            <a:ext cx="10448925" cy="923330"/>
+            <a:off x="1000125" y="1827803"/>
+            <a:ext cx="10020299" cy="2741776"/>
           </a:xfrm>
           <a:prstGeom prst="rect">
             <a:avLst/>
@@ -5199,14 +5544,175 @@
           </a:bodyPr>
           <a:lstStyle/>
           <a:p>
-            <a:pPr algn="just"/>
+            <a:pPr marL="342900" indent="-342900">
+              <a:lnSpc>
+                <a:spcPct val="250000"/>
+              </a:lnSpc>
+              <a:buFont typeface="+mj-lt"/>
+              <a:buAutoNum type="arabicPeriod"/>
+            </a:pPr>
             <a:r>
               <a:rPr lang="en-US">
                 <a:solidFill>
                   <a:schemeClr val="bg1"/>
                 </a:solidFill>
+                <a:latin typeface="Arial" panose="020B0604020202020204" pitchFamily="34" charset="0"/>
+                <a:cs typeface="Arial" panose="020B0604020202020204" pitchFamily="34" charset="0"/>
               </a:rPr>
-              <a:t>The process of determining the causes of a set of observations is known as the inverse problem (Tarantola, 2005), aiming to infer, for example, the properties of a medium based on its reaction to mechanical wave propagation. </a:t>
+              <a:t>Modeling of Mechanical Wave Propagation - </a:t>
+            </a:r>
+            <a:r>
+              <a:rPr lang="en-US">
+                <a:solidFill>
+                  <a:srgbClr val="FF0000"/>
+                </a:solidFill>
+                <a:latin typeface="Arial" panose="020B0604020202020204" pitchFamily="34" charset="0"/>
+                <a:cs typeface="Arial" panose="020B0604020202020204" pitchFamily="34" charset="0"/>
+              </a:rPr>
+              <a:t>Narrative</a:t>
+            </a:r>
+          </a:p>
+          <a:p>
+            <a:pPr marL="342900" indent="-342900">
+              <a:lnSpc>
+                <a:spcPct val="250000"/>
+              </a:lnSpc>
+              <a:buFont typeface="+mj-lt"/>
+              <a:buAutoNum type="arabicPeriod"/>
+            </a:pPr>
+            <a:r>
+              <a:rPr lang="en-US">
+                <a:solidFill>
+                  <a:schemeClr val="bg1"/>
+                </a:solidFill>
+                <a:latin typeface="Arial" panose="020B0604020202020204" pitchFamily="34" charset="0"/>
+                <a:cs typeface="Arial" panose="020B0604020202020204" pitchFamily="34" charset="0"/>
+              </a:rPr>
+              <a:t>Standard Numerical Methods to Model Wave Equation - </a:t>
+            </a:r>
+            <a:r>
+              <a:rPr lang="en-US">
+                <a:solidFill>
+                  <a:srgbClr val="FF0000"/>
+                </a:solidFill>
+                <a:latin typeface="Arial" panose="020B0604020202020204" pitchFamily="34" charset="0"/>
+                <a:cs typeface="Arial" panose="020B0604020202020204" pitchFamily="34" charset="0"/>
+              </a:rPr>
+              <a:t>Narrative</a:t>
+            </a:r>
+          </a:p>
+          <a:p>
+            <a:pPr marL="342900" indent="-342900">
+              <a:lnSpc>
+                <a:spcPct val="250000"/>
+              </a:lnSpc>
+              <a:buFont typeface="+mj-lt"/>
+              <a:buAutoNum type="arabicPeriod"/>
+            </a:pPr>
+            <a:r>
+              <a:rPr lang="en-US">
+                <a:solidFill>
+                  <a:schemeClr val="bg1"/>
+                </a:solidFill>
+                <a:latin typeface="Arial" panose="020B0604020202020204" pitchFamily="34" charset="0"/>
+                <a:cs typeface="Arial" panose="020B0604020202020204" pitchFamily="34" charset="0"/>
+              </a:rPr>
+              <a:t>Machine learning Methods to Model Mechanical Wave Propagation - </a:t>
+            </a:r>
+            <a:r>
+              <a:rPr lang="en-US">
+                <a:solidFill>
+                  <a:srgbClr val="FF0000"/>
+                </a:solidFill>
+                <a:latin typeface="Arial" panose="020B0604020202020204" pitchFamily="34" charset="0"/>
+                <a:cs typeface="Arial" panose="020B0604020202020204" pitchFamily="34" charset="0"/>
+              </a:rPr>
+              <a:t>Narrative</a:t>
+            </a:r>
+          </a:p>
+          <a:p>
+            <a:pPr marL="342900" indent="-342900">
+              <a:lnSpc>
+                <a:spcPct val="250000"/>
+              </a:lnSpc>
+              <a:buFont typeface="+mj-lt"/>
+              <a:buAutoNum type="arabicPeriod"/>
+            </a:pPr>
+            <a:r>
+              <a:rPr lang="es-CO">
+                <a:solidFill>
+                  <a:schemeClr val="bg1"/>
+                </a:solidFill>
+                <a:latin typeface="Arial" panose="020B0604020202020204" pitchFamily="34" charset="0"/>
+                <a:cs typeface="Arial" panose="020B0604020202020204" pitchFamily="34" charset="0"/>
+              </a:rPr>
+              <a:t>Applications</a:t>
+            </a:r>
+            <a:r>
+              <a:rPr lang="en-US">
+                <a:solidFill>
+                  <a:schemeClr val="bg1"/>
+                </a:solidFill>
+                <a:latin typeface="Arial" panose="020B0604020202020204" pitchFamily="34" charset="0"/>
+                <a:cs typeface="Arial" panose="020B0604020202020204" pitchFamily="34" charset="0"/>
+              </a:rPr>
+              <a:t>- </a:t>
+            </a:r>
+            <a:r>
+              <a:rPr lang="en-US">
+                <a:solidFill>
+                  <a:srgbClr val="00B050"/>
+                </a:solidFill>
+                <a:latin typeface="Arial" panose="020B0604020202020204" pitchFamily="34" charset="0"/>
+                <a:cs typeface="Arial" panose="020B0604020202020204" pitchFamily="34" charset="0"/>
+              </a:rPr>
+              <a:t>Systematic</a:t>
+            </a:r>
+          </a:p>
+        </p:txBody>
+      </p:sp>
+      <p:sp>
+        <p:nvSpPr>
+          <p:cNvPr id="5" name="CuadroTexto 4">
+            <a:extLst>
+              <a:ext uri="{FF2B5EF4-FFF2-40B4-BE49-F238E27FC236}">
+                <a16:creationId xmlns:a16="http://schemas.microsoft.com/office/drawing/2014/main" id="{9BBDC748-51F3-C2A8-7460-F6A7B4776F38}"/>
+              </a:ext>
+            </a:extLst>
+          </p:cNvPr>
+          <p:cNvSpPr txBox="1"/>
+          <p:nvPr/>
+        </p:nvSpPr>
+        <p:spPr>
+          <a:xfrm>
+            <a:off x="112014" y="6397382"/>
+            <a:ext cx="6094476" cy="369332"/>
+          </a:xfrm>
+          <a:prstGeom prst="rect">
+            <a:avLst/>
+          </a:prstGeom>
+          <a:noFill/>
+        </p:spPr>
+        <p:txBody>
+          <a:bodyPr wrap="square">
+            <a:spAutoFit/>
+          </a:bodyPr>
+          <a:lstStyle/>
+          <a:p>
+            <a:r>
+              <a:rPr lang="es-CO">
+                <a:solidFill>
+                  <a:schemeClr val="bg1"/>
+                </a:solidFill>
+                <a:hlinkClick r:id="rId2">
+                  <a:extLst>
+                    <a:ext uri="{A12FA001-AC4F-418D-AE19-62706E023703}">
+                      <ahyp:hlinkClr xmlns:ahyp="http://schemas.microsoft.com/office/drawing/2018/hyperlinkcolor" val="tx"/>
+                    </a:ext>
+                  </a:extLst>
+                </a:hlinkClick>
+              </a:rPr>
+              <a:t>https://github.com/oscar-rincon/review-elastic-waves</a:t>
             </a:r>
             <a:endParaRPr lang="es-CO">
               <a:solidFill>
@@ -5216,98 +5722,10 @@
           </a:p>
         </p:txBody>
       </p:sp>
-      <p:sp>
-        <p:nvSpPr>
-          <p:cNvPr id="6" name="Rectángulo 5">
-            <a:extLst>
-              <a:ext uri="{FF2B5EF4-FFF2-40B4-BE49-F238E27FC236}">
-                <a16:creationId xmlns:a16="http://schemas.microsoft.com/office/drawing/2014/main" id="{B0E8069C-D6AF-FE2E-8A1A-970681F330D4}"/>
-              </a:ext>
-            </a:extLst>
-          </p:cNvPr>
-          <p:cNvSpPr/>
-          <p:nvPr/>
-        </p:nvSpPr>
-        <p:spPr>
-          <a:xfrm>
-            <a:off x="1990725" y="2675981"/>
-            <a:ext cx="7753349" cy="2725238"/>
-          </a:xfrm>
-          <a:prstGeom prst="rect">
-            <a:avLst/>
-          </a:prstGeom>
-          <a:solidFill>
-            <a:schemeClr val="bg1"/>
-          </a:solidFill>
-          <a:ln>
-            <a:noFill/>
-          </a:ln>
-        </p:spPr>
-        <p:style>
-          <a:lnRef idx="2">
-            <a:schemeClr val="accent1">
-              <a:shade val="15000"/>
-            </a:schemeClr>
-          </a:lnRef>
-          <a:fillRef idx="1">
-            <a:schemeClr val="accent1"/>
-          </a:fillRef>
-          <a:effectRef idx="0">
-            <a:schemeClr val="accent1"/>
-          </a:effectRef>
-          <a:fontRef idx="minor">
-            <a:schemeClr val="lt1"/>
-          </a:fontRef>
-        </p:style>
-        <p:txBody>
-          <a:bodyPr rtlCol="0" anchor="ctr"/>
-          <a:lstStyle/>
-          <a:p>
-            <a:pPr algn="ctr"/>
-            <a:endParaRPr lang="es-CO"/>
-          </a:p>
-        </p:txBody>
-      </p:sp>
-      <p:pic>
-        <p:nvPicPr>
-          <p:cNvPr id="5" name="Gráfico 4">
-            <a:extLst>
-              <a:ext uri="{FF2B5EF4-FFF2-40B4-BE49-F238E27FC236}">
-                <a16:creationId xmlns:a16="http://schemas.microsoft.com/office/drawing/2014/main" id="{A38B8CC5-FC92-F762-FBEB-4335E1F0FD02}"/>
-              </a:ext>
-            </a:extLst>
-          </p:cNvPr>
-          <p:cNvPicPr>
-            <a:picLocks noChangeAspect="1"/>
-          </p:cNvPicPr>
-          <p:nvPr/>
-        </p:nvPicPr>
-        <p:blipFill>
-          <a:blip r:embed="rId2">
-            <a:extLst>
-              <a:ext uri="{96DAC541-7B7A-43D3-8B79-37D633B846F1}">
-                <asvg:svgBlip xmlns:asvg="http://schemas.microsoft.com/office/drawing/2016/SVG/main" r:embed="rId3"/>
-              </a:ext>
-            </a:extLst>
-          </a:blip>
-          <a:stretch>
-            <a:fillRect/>
-          </a:stretch>
-        </p:blipFill>
-        <p:spPr>
-          <a:xfrm>
-            <a:off x="1652962" y="2843887"/>
-            <a:ext cx="8886076" cy="2389426"/>
-          </a:xfrm>
-          <a:prstGeom prst="rect">
-            <a:avLst/>
-          </a:prstGeom>
-        </p:spPr>
-      </p:pic>
     </p:spTree>
     <p:extLst>
       <p:ext uri="{BB962C8B-B14F-4D97-AF65-F5344CB8AC3E}">
-        <p14:creationId xmlns:p14="http://schemas.microsoft.com/office/powerpoint/2010/main" val="3976370894"/>
+        <p14:creationId xmlns:p14="http://schemas.microsoft.com/office/powerpoint/2010/main" val="979287115"/>
       </p:ext>
     </p:extLst>
   </p:cSld>
@@ -5339,7 +5757,7 @@
           <p:cNvPr id="2" name="Rectángulo 1">
             <a:extLst>
               <a:ext uri="{FF2B5EF4-FFF2-40B4-BE49-F238E27FC236}">
-                <a16:creationId xmlns:a16="http://schemas.microsoft.com/office/drawing/2014/main" id="{3405F8D3-8425-2526-113B-58DEA4170481}"/>
+                <a16:creationId xmlns:a16="http://schemas.microsoft.com/office/drawing/2014/main" id="{33B43DF0-55BF-79E0-2273-FD3CA4767423}"/>
               </a:ext>
             </a:extLst>
           </p:cNvPr>
@@ -5393,7 +5811,7 @@
           <p:cNvPr id="3" name="CuadroTexto 2">
             <a:extLst>
               <a:ext uri="{FF2B5EF4-FFF2-40B4-BE49-F238E27FC236}">
-                <a16:creationId xmlns:a16="http://schemas.microsoft.com/office/drawing/2014/main" id="{BDA77A03-7817-99E9-95F4-C31F632E1A3A}"/>
+                <a16:creationId xmlns:a16="http://schemas.microsoft.com/office/drawing/2014/main" id="{254F0281-F108-BD43-3A10-671B6D0CB599}"/>
               </a:ext>
             </a:extLst>
           </p:cNvPr>
@@ -5402,8 +5820,8 @@
         </p:nvSpPr>
         <p:spPr>
           <a:xfrm>
-            <a:off x="1524000" y="561975"/>
-            <a:ext cx="8839200" cy="461665"/>
+            <a:off x="2520696" y="457200"/>
+            <a:ext cx="7150608" cy="461665"/>
           </a:xfrm>
           <a:prstGeom prst="rect">
             <a:avLst/>
@@ -5418,7 +5836,7 @@
           <a:p>
             <a:pPr algn="ctr"/>
             <a:r>
-              <a:rPr lang="en-US" sz="2400" b="1">
+              <a:rPr lang="es-CO" sz="2400" b="1">
                 <a:solidFill>
                   <a:schemeClr val="bg1"/>
                 </a:solidFill>
@@ -5426,25 +5844,17 @@
                 <a:ea typeface="Source Sans Pro" panose="020B0503030403020204" pitchFamily="34" charset="0"/>
                 <a:cs typeface="Arial" panose="020B0604020202020204" pitchFamily="34" charset="0"/>
               </a:rPr>
-              <a:t>Machine learning Methods to solve Diferential Equations</a:t>
-            </a:r>
-            <a:endParaRPr lang="es-CO" sz="2400" b="1">
-              <a:solidFill>
-                <a:schemeClr val="bg1"/>
-              </a:solidFill>
-              <a:latin typeface="Arial" panose="020B0604020202020204" pitchFamily="34" charset="0"/>
-              <a:ea typeface="Source Sans Pro" panose="020B0503030403020204" pitchFamily="34" charset="0"/>
-              <a:cs typeface="Arial" panose="020B0604020202020204" pitchFamily="34" charset="0"/>
-            </a:endParaRPr>
+              <a:t>Introduction</a:t>
+            </a:r>
           </a:p>
         </p:txBody>
       </p:sp>
       <p:pic>
         <p:nvPicPr>
-          <p:cNvPr id="9" name="Gráfico 8">
-            <a:extLst>
-              <a:ext uri="{FF2B5EF4-FFF2-40B4-BE49-F238E27FC236}">
-                <a16:creationId xmlns:a16="http://schemas.microsoft.com/office/drawing/2014/main" id="{C765EF87-CCAA-3EB8-63C6-FAD0231739B9}"/>
+          <p:cNvPr id="10" name="Gráfico 9">
+            <a:extLst>
+              <a:ext uri="{FF2B5EF4-FFF2-40B4-BE49-F238E27FC236}">
+                <a16:creationId xmlns:a16="http://schemas.microsoft.com/office/drawing/2014/main" id="{E2566563-CEC1-1550-121C-345DC36DCDF5}"/>
               </a:ext>
             </a:extLst>
           </p:cNvPr>
@@ -5467,18 +5877,217 @@
         </p:blipFill>
         <p:spPr>
           <a:xfrm>
-            <a:off x="1378176" y="2771774"/>
-            <a:ext cx="8834441" cy="2619376"/>
+            <a:off x="3350999" y="2222756"/>
+            <a:ext cx="5269126" cy="3518957"/>
           </a:xfrm>
           <a:prstGeom prst="rect">
             <a:avLst/>
           </a:prstGeom>
         </p:spPr>
       </p:pic>
+      <p:sp>
+        <p:nvSpPr>
+          <p:cNvPr id="142" name="CuadroTexto 141">
+            <a:extLst>
+              <a:ext uri="{FF2B5EF4-FFF2-40B4-BE49-F238E27FC236}">
+                <a16:creationId xmlns:a16="http://schemas.microsoft.com/office/drawing/2014/main" id="{05A1B72F-A3E0-D3C6-90D0-707E4D805AE0}"/>
+              </a:ext>
+            </a:extLst>
+          </p:cNvPr>
+          <p:cNvSpPr txBox="1"/>
+          <p:nvPr/>
+        </p:nvSpPr>
+        <p:spPr>
+          <a:xfrm>
+            <a:off x="1000125" y="1116287"/>
+            <a:ext cx="10020299" cy="646331"/>
+          </a:xfrm>
+          <a:prstGeom prst="rect">
+            <a:avLst/>
+          </a:prstGeom>
+          <a:noFill/>
+        </p:spPr>
+        <p:txBody>
+          <a:bodyPr wrap="square">
+            <a:spAutoFit/>
+          </a:bodyPr>
+          <a:lstStyle/>
+          <a:p>
+            <a:r>
+              <a:rPr lang="es-CO">
+                <a:solidFill>
+                  <a:schemeClr val="bg1"/>
+                </a:solidFill>
+              </a:rPr>
+              <a:t>"machine </a:t>
+            </a:r>
+            <a:r>
+              <a:rPr lang="es-CO" err="1">
+                <a:solidFill>
+                  <a:schemeClr val="bg1"/>
+                </a:solidFill>
+              </a:rPr>
+              <a:t>learning</a:t>
+            </a:r>
+            <a:r>
+              <a:rPr lang="es-CO">
+                <a:solidFill>
+                  <a:schemeClr val="bg1"/>
+                </a:solidFill>
+              </a:rPr>
+              <a:t>" OR "</a:t>
+            </a:r>
+            <a:r>
+              <a:rPr lang="es-CO" err="1">
+                <a:solidFill>
+                  <a:schemeClr val="bg1"/>
+                </a:solidFill>
+              </a:rPr>
+              <a:t>deep</a:t>
+            </a:r>
+            <a:r>
+              <a:rPr lang="es-CO">
+                <a:solidFill>
+                  <a:schemeClr val="bg1"/>
+                </a:solidFill>
+              </a:rPr>
+              <a:t> </a:t>
+            </a:r>
+            <a:r>
+              <a:rPr lang="es-CO" err="1">
+                <a:solidFill>
+                  <a:schemeClr val="bg1"/>
+                </a:solidFill>
+              </a:rPr>
+              <a:t>learning</a:t>
+            </a:r>
+            <a:r>
+              <a:rPr lang="es-CO">
+                <a:solidFill>
+                  <a:schemeClr val="bg1"/>
+                </a:solidFill>
+              </a:rPr>
+              <a:t>" OR "neural </a:t>
+            </a:r>
+            <a:r>
+              <a:rPr lang="es-CO" err="1">
+                <a:solidFill>
+                  <a:schemeClr val="bg1"/>
+                </a:solidFill>
+              </a:rPr>
+              <a:t>networks</a:t>
+            </a:r>
+            <a:r>
+              <a:rPr lang="es-CO">
+                <a:solidFill>
+                  <a:schemeClr val="bg1"/>
+                </a:solidFill>
+              </a:rPr>
+              <a:t>" AND "wave </a:t>
+            </a:r>
+            <a:r>
+              <a:rPr lang="es-CO" err="1">
+                <a:solidFill>
+                  <a:schemeClr val="bg1"/>
+                </a:solidFill>
+              </a:rPr>
+              <a:t>propagation</a:t>
+            </a:r>
+            <a:r>
+              <a:rPr lang="es-CO">
+                <a:solidFill>
+                  <a:schemeClr val="bg1"/>
+                </a:solidFill>
+              </a:rPr>
+              <a:t>" OR "wave </a:t>
+            </a:r>
+            <a:r>
+              <a:rPr lang="es-CO" err="1">
+                <a:solidFill>
+                  <a:schemeClr val="bg1"/>
+                </a:solidFill>
+              </a:rPr>
+              <a:t>equation</a:t>
+            </a:r>
+            <a:r>
+              <a:rPr lang="es-CO">
+                <a:solidFill>
+                  <a:schemeClr val="bg1"/>
+                </a:solidFill>
+              </a:rPr>
+              <a:t>" AND (</a:t>
+            </a:r>
+            <a:r>
+              <a:rPr lang="es-CO" err="1">
+                <a:solidFill>
+                  <a:schemeClr val="bg1"/>
+                </a:solidFill>
+              </a:rPr>
+              <a:t>modeling</a:t>
+            </a:r>
+            <a:r>
+              <a:rPr lang="es-CO">
+                <a:solidFill>
+                  <a:schemeClr val="bg1"/>
+                </a:solidFill>
+              </a:rPr>
+              <a:t> OR </a:t>
+            </a:r>
+            <a:r>
+              <a:rPr lang="es-CO" err="1">
+                <a:solidFill>
+                  <a:schemeClr val="bg1"/>
+                </a:solidFill>
+              </a:rPr>
+              <a:t>modelling</a:t>
+            </a:r>
+            <a:r>
+              <a:rPr lang="es-CO">
+                <a:solidFill>
+                  <a:schemeClr val="bg1"/>
+                </a:solidFill>
+              </a:rPr>
+              <a:t> OR </a:t>
+            </a:r>
+            <a:r>
+              <a:rPr lang="es-CO" err="1">
+                <a:solidFill>
+                  <a:schemeClr val="bg1"/>
+                </a:solidFill>
+              </a:rPr>
+              <a:t>model</a:t>
+            </a:r>
+            <a:r>
+              <a:rPr lang="es-CO">
+                <a:solidFill>
+                  <a:schemeClr val="bg1"/>
+                </a:solidFill>
+              </a:rPr>
+              <a:t> OR </a:t>
+            </a:r>
+            <a:r>
+              <a:rPr lang="es-CO" err="1">
+                <a:solidFill>
+                  <a:schemeClr val="bg1"/>
+                </a:solidFill>
+              </a:rPr>
+              <a:t>simulation</a:t>
+            </a:r>
+            <a:r>
+              <a:rPr lang="es-CO">
+                <a:solidFill>
+                  <a:schemeClr val="bg1"/>
+                </a:solidFill>
+              </a:rPr>
+              <a:t>)</a:t>
+            </a:r>
+          </a:p>
+        </p:txBody>
+      </p:sp>
     </p:spTree>
     <p:extLst>
       <p:ext uri="{BB962C8B-B14F-4D97-AF65-F5344CB8AC3E}">
-        <p14:creationId xmlns:p14="http://schemas.microsoft.com/office/powerpoint/2010/main" val="11445360"/>
+        <p14:creationId xmlns:p14="http://schemas.microsoft.com/office/powerpoint/2010/main" val="1476158871"/>
       </p:ext>
     </p:extLst>
   </p:cSld>
@@ -5510,7 +6119,7 @@
           <p:cNvPr id="2" name="Rectángulo 1">
             <a:extLst>
               <a:ext uri="{FF2B5EF4-FFF2-40B4-BE49-F238E27FC236}">
-                <a16:creationId xmlns:a16="http://schemas.microsoft.com/office/drawing/2014/main" id="{3405F8D3-8425-2526-113B-58DEA4170481}"/>
+                <a16:creationId xmlns:a16="http://schemas.microsoft.com/office/drawing/2014/main" id="{33B43DF0-55BF-79E0-2273-FD3CA4767423}"/>
               </a:ext>
             </a:extLst>
           </p:cNvPr>
@@ -5564,7 +6173,7 @@
           <p:cNvPr id="3" name="CuadroTexto 2">
             <a:extLst>
               <a:ext uri="{FF2B5EF4-FFF2-40B4-BE49-F238E27FC236}">
-                <a16:creationId xmlns:a16="http://schemas.microsoft.com/office/drawing/2014/main" id="{BDA77A03-7817-99E9-95F4-C31F632E1A3A}"/>
+                <a16:creationId xmlns:a16="http://schemas.microsoft.com/office/drawing/2014/main" id="{254F0281-F108-BD43-3A10-671B6D0CB599}"/>
               </a:ext>
             </a:extLst>
           </p:cNvPr>
@@ -5573,8 +6182,8 @@
         </p:nvSpPr>
         <p:spPr>
           <a:xfrm>
-            <a:off x="1772590" y="561975"/>
-            <a:ext cx="8342017" cy="461665"/>
+            <a:off x="2520696" y="457200"/>
+            <a:ext cx="7150608" cy="461665"/>
           </a:xfrm>
           <a:prstGeom prst="rect">
             <a:avLst/>
@@ -5597,7 +6206,7 @@
                 <a:ea typeface="Source Sans Pro" panose="020B0503030403020204" pitchFamily="34" charset="0"/>
                 <a:cs typeface="Arial" panose="020B0604020202020204" pitchFamily="34" charset="0"/>
               </a:rPr>
-              <a:t>Physics-informed neural networks</a:t>
+              <a:t>Modeling of Mechanical Wave Propagation</a:t>
             </a:r>
             <a:endParaRPr lang="es-CO" sz="2400" b="1">
               <a:solidFill>
@@ -5610,12 +6219,109 @@
           </a:p>
         </p:txBody>
       </p:sp>
+      <p:sp>
+        <p:nvSpPr>
+          <p:cNvPr id="142" name="CuadroTexto 141">
+            <a:extLst>
+              <a:ext uri="{FF2B5EF4-FFF2-40B4-BE49-F238E27FC236}">
+                <a16:creationId xmlns:a16="http://schemas.microsoft.com/office/drawing/2014/main" id="{05A1B72F-A3E0-D3C6-90D0-707E4D805AE0}"/>
+              </a:ext>
+            </a:extLst>
+          </p:cNvPr>
+          <p:cNvSpPr txBox="1"/>
+          <p:nvPr/>
+        </p:nvSpPr>
+        <p:spPr>
+          <a:xfrm>
+            <a:off x="752475" y="1116287"/>
+            <a:ext cx="10448925" cy="923330"/>
+          </a:xfrm>
+          <a:prstGeom prst="rect">
+            <a:avLst/>
+          </a:prstGeom>
+          <a:noFill/>
+        </p:spPr>
+        <p:txBody>
+          <a:bodyPr wrap="square">
+            <a:spAutoFit/>
+          </a:bodyPr>
+          <a:lstStyle/>
+          <a:p>
+            <a:pPr algn="just"/>
+            <a:r>
+              <a:rPr lang="en-US">
+                <a:solidFill>
+                  <a:schemeClr val="bg1"/>
+                </a:solidFill>
+              </a:rPr>
+              <a:t>The process of determining the causes of a set of observations is known as the inverse problem (Tarantola, 2005), aiming to infer, for example, the properties of a medium based on its reaction to mechanical wave propagation. </a:t>
+            </a:r>
+            <a:endParaRPr lang="es-CO">
+              <a:solidFill>
+                <a:schemeClr val="bg1"/>
+              </a:solidFill>
+            </a:endParaRPr>
+          </a:p>
+        </p:txBody>
+      </p:sp>
+      <p:sp>
+        <p:nvSpPr>
+          <p:cNvPr id="6" name="Rectángulo 5">
+            <a:extLst>
+              <a:ext uri="{FF2B5EF4-FFF2-40B4-BE49-F238E27FC236}">
+                <a16:creationId xmlns:a16="http://schemas.microsoft.com/office/drawing/2014/main" id="{B0E8069C-D6AF-FE2E-8A1A-970681F330D4}"/>
+              </a:ext>
+            </a:extLst>
+          </p:cNvPr>
+          <p:cNvSpPr/>
+          <p:nvPr/>
+        </p:nvSpPr>
+        <p:spPr>
+          <a:xfrm>
+            <a:off x="1990725" y="2675981"/>
+            <a:ext cx="7753349" cy="2725238"/>
+          </a:xfrm>
+          <a:prstGeom prst="rect">
+            <a:avLst/>
+          </a:prstGeom>
+          <a:solidFill>
+            <a:schemeClr val="bg1"/>
+          </a:solidFill>
+          <a:ln>
+            <a:noFill/>
+          </a:ln>
+        </p:spPr>
+        <p:style>
+          <a:lnRef idx="2">
+            <a:schemeClr val="accent1">
+              <a:shade val="15000"/>
+            </a:schemeClr>
+          </a:lnRef>
+          <a:fillRef idx="1">
+            <a:schemeClr val="accent1"/>
+          </a:fillRef>
+          <a:effectRef idx="0">
+            <a:schemeClr val="accent1"/>
+          </a:effectRef>
+          <a:fontRef idx="minor">
+            <a:schemeClr val="lt1"/>
+          </a:fontRef>
+        </p:style>
+        <p:txBody>
+          <a:bodyPr rtlCol="0" anchor="ctr"/>
+          <a:lstStyle/>
+          <a:p>
+            <a:pPr algn="ctr"/>
+            <a:endParaRPr lang="es-CO"/>
+          </a:p>
+        </p:txBody>
+      </p:sp>
       <p:pic>
         <p:nvPicPr>
           <p:cNvPr id="5" name="Gráfico 4">
             <a:extLst>
               <a:ext uri="{FF2B5EF4-FFF2-40B4-BE49-F238E27FC236}">
-                <a16:creationId xmlns:a16="http://schemas.microsoft.com/office/drawing/2014/main" id="{9632E97E-8EA7-9033-AA10-DC0DB673A68A}"/>
+                <a16:creationId xmlns:a16="http://schemas.microsoft.com/office/drawing/2014/main" id="{A38B8CC5-FC92-F762-FBEB-4335E1F0FD02}"/>
               </a:ext>
             </a:extLst>
           </p:cNvPr>
@@ -5638,8 +6344,8 @@
         </p:blipFill>
         <p:spPr>
           <a:xfrm>
-            <a:off x="1772592" y="1585615"/>
-            <a:ext cx="8342016" cy="4229100"/>
+            <a:off x="1652962" y="2843887"/>
+            <a:ext cx="8886076" cy="2389426"/>
           </a:xfrm>
           <a:prstGeom prst="rect">
             <a:avLst/>
@@ -5649,7 +6355,7 @@
     </p:spTree>
     <p:extLst>
       <p:ext uri="{BB962C8B-B14F-4D97-AF65-F5344CB8AC3E}">
-        <p14:creationId xmlns:p14="http://schemas.microsoft.com/office/powerpoint/2010/main" val="351438787"/>
+        <p14:creationId xmlns:p14="http://schemas.microsoft.com/office/powerpoint/2010/main" val="3976370894"/>
       </p:ext>
     </p:extLst>
   </p:cSld>
@@ -5681,7 +6387,7 @@
           <p:cNvPr id="2" name="Rectángulo 1">
             <a:extLst>
               <a:ext uri="{FF2B5EF4-FFF2-40B4-BE49-F238E27FC236}">
-                <a16:creationId xmlns:a16="http://schemas.microsoft.com/office/drawing/2014/main" id="{33B43DF0-55BF-79E0-2273-FD3CA4767423}"/>
+                <a16:creationId xmlns:a16="http://schemas.microsoft.com/office/drawing/2014/main" id="{3405F8D3-8425-2526-113B-58DEA4170481}"/>
               </a:ext>
             </a:extLst>
           </p:cNvPr>
@@ -5735,7 +6441,7 @@
           <p:cNvPr id="3" name="CuadroTexto 2">
             <a:extLst>
               <a:ext uri="{FF2B5EF4-FFF2-40B4-BE49-F238E27FC236}">
-                <a16:creationId xmlns:a16="http://schemas.microsoft.com/office/drawing/2014/main" id="{254F0281-F108-BD43-3A10-671B6D0CB599}"/>
+                <a16:creationId xmlns:a16="http://schemas.microsoft.com/office/drawing/2014/main" id="{BDA77A03-7817-99E9-95F4-C31F632E1A3A}"/>
               </a:ext>
             </a:extLst>
           </p:cNvPr>
@@ -5744,8 +6450,8 @@
         </p:nvSpPr>
         <p:spPr>
           <a:xfrm>
-            <a:off x="2520696" y="300433"/>
-            <a:ext cx="7150608" cy="461665"/>
+            <a:off x="1524000" y="561975"/>
+            <a:ext cx="8839200" cy="461665"/>
           </a:xfrm>
           <a:prstGeom prst="rect">
             <a:avLst/>
@@ -5760,7 +6466,7 @@
           <a:p>
             <a:pPr algn="ctr"/>
             <a:r>
-              <a:rPr lang="es-CO" sz="2400" b="1">
+              <a:rPr lang="en-US" sz="2400" b="1">
                 <a:solidFill>
                   <a:schemeClr val="bg1"/>
                 </a:solidFill>
@@ -5768,17 +6474,25 @@
                 <a:ea typeface="Source Sans Pro" panose="020B0503030403020204" pitchFamily="34" charset="0"/>
                 <a:cs typeface="Arial" panose="020B0604020202020204" pitchFamily="34" charset="0"/>
               </a:rPr>
-              <a:t>Raissi et al. (2019)</a:t>
-            </a:r>
+              <a:t>Machine learning Methods to solve Diferential Equations</a:t>
+            </a:r>
+            <a:endParaRPr lang="es-CO" sz="2400" b="1">
+              <a:solidFill>
+                <a:schemeClr val="bg1"/>
+              </a:solidFill>
+              <a:latin typeface="Arial" panose="020B0604020202020204" pitchFamily="34" charset="0"/>
+              <a:ea typeface="Source Sans Pro" panose="020B0503030403020204" pitchFamily="34" charset="0"/>
+              <a:cs typeface="Arial" panose="020B0604020202020204" pitchFamily="34" charset="0"/>
+            </a:endParaRPr>
           </a:p>
         </p:txBody>
       </p:sp>
       <p:pic>
         <p:nvPicPr>
-          <p:cNvPr id="5" name="Imagen 4" descr="Interfaz de usuario gráfica, Gráfico, Diagrama&#10;&#10;Descripción generada automáticamente">
-            <a:extLst>
-              <a:ext uri="{FF2B5EF4-FFF2-40B4-BE49-F238E27FC236}">
-                <a16:creationId xmlns:a16="http://schemas.microsoft.com/office/drawing/2014/main" id="{D65CCECC-04E8-D4E6-730A-B2A198B58293}"/>
+          <p:cNvPr id="9" name="Gráfico 8">
+            <a:extLst>
+              <a:ext uri="{FF2B5EF4-FFF2-40B4-BE49-F238E27FC236}">
+                <a16:creationId xmlns:a16="http://schemas.microsoft.com/office/drawing/2014/main" id="{C765EF87-CCAA-3EB8-63C6-FAD0231739B9}"/>
               </a:ext>
             </a:extLst>
           </p:cNvPr>
@@ -5788,10 +6502,10 @@
           <p:nvPr/>
         </p:nvPicPr>
         <p:blipFill>
-          <a:blip r:embed="rId3">
-            <a:extLst>
-              <a:ext uri="{28A0092B-C50C-407E-A947-70E740481C1C}">
-                <a14:useLocalDpi xmlns:a14="http://schemas.microsoft.com/office/drawing/2010/main" val="0"/>
+          <a:blip r:embed="rId2">
+            <a:extLst>
+              <a:ext uri="{96DAC541-7B7A-43D3-8B79-37D633B846F1}">
+                <asvg:svgBlip xmlns:asvg="http://schemas.microsoft.com/office/drawing/2016/SVG/main" r:embed="rId3"/>
               </a:ext>
             </a:extLst>
           </a:blip>
@@ -5801,101 +6515,18 @@
         </p:blipFill>
         <p:spPr>
           <a:xfrm>
-            <a:off x="6691093" y="2021951"/>
-            <a:ext cx="4900831" cy="2726892"/>
+            <a:off x="1378176" y="2771774"/>
+            <a:ext cx="8834441" cy="2619376"/>
           </a:xfrm>
           <a:prstGeom prst="rect">
             <a:avLst/>
           </a:prstGeom>
         </p:spPr>
       </p:pic>
-      <p:sp>
-        <p:nvSpPr>
-          <p:cNvPr id="14" name="CuadroTexto 13">
-            <a:extLst>
-              <a:ext uri="{FF2B5EF4-FFF2-40B4-BE49-F238E27FC236}">
-                <a16:creationId xmlns:a16="http://schemas.microsoft.com/office/drawing/2014/main" id="{DAFA9663-830E-7BE6-4551-95B423A3AFCA}"/>
-              </a:ext>
-            </a:extLst>
-          </p:cNvPr>
-          <p:cNvSpPr txBox="1"/>
-          <p:nvPr/>
-        </p:nvSpPr>
-        <p:spPr>
-          <a:xfrm>
-            <a:off x="268197" y="6473279"/>
-            <a:ext cx="5227728" cy="338554"/>
-          </a:xfrm>
-          <a:prstGeom prst="rect">
-            <a:avLst/>
-          </a:prstGeom>
-          <a:noFill/>
-        </p:spPr>
-        <p:txBody>
-          <a:bodyPr wrap="square" rtlCol="0">
-            <a:spAutoFit/>
-          </a:bodyPr>
-          <a:lstStyle/>
-          <a:p>
-            <a:r>
-              <a:rPr lang="es-CO" sz="1600">
-                <a:solidFill>
-                  <a:schemeClr val="bg1"/>
-                </a:solidFill>
-                <a:latin typeface="Arial" panose="020B0604020202020204" pitchFamily="34" charset="0"/>
-                <a:ea typeface="Source Sans Pro" panose="020B0503030403020204" pitchFamily="34" charset="0"/>
-                <a:cs typeface="Arial" panose="020B0604020202020204" pitchFamily="34" charset="0"/>
-              </a:rPr>
-              <a:t>https://github.com/oscar-rincon/ReScience-PINNs</a:t>
-            </a:r>
-          </a:p>
-        </p:txBody>
-      </p:sp>
-      <p:sp>
-        <p:nvSpPr>
-          <p:cNvPr id="18" name="CuadroTexto 17">
-            <a:extLst>
-              <a:ext uri="{FF2B5EF4-FFF2-40B4-BE49-F238E27FC236}">
-                <a16:creationId xmlns:a16="http://schemas.microsoft.com/office/drawing/2014/main" id="{544D6CFF-490F-F937-B0AF-A56C0EBBB26A}"/>
-              </a:ext>
-            </a:extLst>
-          </p:cNvPr>
-          <p:cNvSpPr txBox="1"/>
-          <p:nvPr/>
-        </p:nvSpPr>
-        <p:spPr>
-          <a:xfrm>
-            <a:off x="4291013" y="762098"/>
-            <a:ext cx="3609974" cy="369332"/>
-          </a:xfrm>
-          <a:prstGeom prst="rect">
-            <a:avLst/>
-          </a:prstGeom>
-          <a:noFill/>
-        </p:spPr>
-        <p:txBody>
-          <a:bodyPr wrap="square" rtlCol="0">
-            <a:spAutoFit/>
-          </a:bodyPr>
-          <a:lstStyle/>
-          <a:p>
-            <a:r>
-              <a:rPr lang="es-CO" b="1">
-                <a:solidFill>
-                  <a:schemeClr val="bg1"/>
-                </a:solidFill>
-                <a:latin typeface="Arial" panose="020B0604020202020204" pitchFamily="34" charset="0"/>
-                <a:cs typeface="Arial" panose="020B0604020202020204" pitchFamily="34" charset="0"/>
-              </a:rPr>
-              <a:t>Continuous time identification</a:t>
-            </a:r>
-          </a:p>
-        </p:txBody>
-      </p:sp>
     </p:spTree>
     <p:extLst>
       <p:ext uri="{BB962C8B-B14F-4D97-AF65-F5344CB8AC3E}">
-        <p14:creationId xmlns:p14="http://schemas.microsoft.com/office/powerpoint/2010/main" val="2477313963"/>
+        <p14:creationId xmlns:p14="http://schemas.microsoft.com/office/powerpoint/2010/main" val="11445360"/>
       </p:ext>
     </p:extLst>
   </p:cSld>
@@ -5927,7 +6558,7 @@
           <p:cNvPr id="2" name="Rectángulo 1">
             <a:extLst>
               <a:ext uri="{FF2B5EF4-FFF2-40B4-BE49-F238E27FC236}">
-                <a16:creationId xmlns:a16="http://schemas.microsoft.com/office/drawing/2014/main" id="{33B43DF0-55BF-79E0-2273-FD3CA4767423}"/>
+                <a16:creationId xmlns:a16="http://schemas.microsoft.com/office/drawing/2014/main" id="{3405F8D3-8425-2526-113B-58DEA4170481}"/>
               </a:ext>
             </a:extLst>
           </p:cNvPr>
@@ -5981,7 +6612,7 @@
           <p:cNvPr id="3" name="CuadroTexto 2">
             <a:extLst>
               <a:ext uri="{FF2B5EF4-FFF2-40B4-BE49-F238E27FC236}">
-                <a16:creationId xmlns:a16="http://schemas.microsoft.com/office/drawing/2014/main" id="{254F0281-F108-BD43-3A10-671B6D0CB599}"/>
+                <a16:creationId xmlns:a16="http://schemas.microsoft.com/office/drawing/2014/main" id="{BDA77A03-7817-99E9-95F4-C31F632E1A3A}"/>
               </a:ext>
             </a:extLst>
           </p:cNvPr>
@@ -5990,8 +6621,8 @@
         </p:nvSpPr>
         <p:spPr>
           <a:xfrm>
-            <a:off x="2520696" y="300433"/>
-            <a:ext cx="7150608" cy="461665"/>
+            <a:off x="1772590" y="561975"/>
+            <a:ext cx="8342017" cy="461665"/>
           </a:xfrm>
           <a:prstGeom prst="rect">
             <a:avLst/>
@@ -6006,7 +6637,7 @@
           <a:p>
             <a:pPr algn="ctr"/>
             <a:r>
-              <a:rPr lang="es-CO" sz="2400" b="1">
+              <a:rPr lang="en-US" sz="2400" b="1">
                 <a:solidFill>
                   <a:schemeClr val="bg1"/>
                 </a:solidFill>
@@ -6014,17 +6645,25 @@
                 <a:ea typeface="Source Sans Pro" panose="020B0503030403020204" pitchFamily="34" charset="0"/>
                 <a:cs typeface="Arial" panose="020B0604020202020204" pitchFamily="34" charset="0"/>
               </a:rPr>
-              <a:t>Raissi et al. (2019)</a:t>
-            </a:r>
+              <a:t>Physics-informed neural networks</a:t>
+            </a:r>
+            <a:endParaRPr lang="es-CO" sz="2400" b="1">
+              <a:solidFill>
+                <a:schemeClr val="bg1"/>
+              </a:solidFill>
+              <a:latin typeface="Arial" panose="020B0604020202020204" pitchFamily="34" charset="0"/>
+              <a:ea typeface="Source Sans Pro" panose="020B0503030403020204" pitchFamily="34" charset="0"/>
+              <a:cs typeface="Arial" panose="020B0604020202020204" pitchFamily="34" charset="0"/>
+            </a:endParaRPr>
           </a:p>
         </p:txBody>
       </p:sp>
       <p:pic>
         <p:nvPicPr>
-          <p:cNvPr id="9" name="Imagen 8" descr="Interfaz de usuario gráfica, Gráfico&#10;&#10;Descripción generada automáticamente">
-            <a:extLst>
-              <a:ext uri="{FF2B5EF4-FFF2-40B4-BE49-F238E27FC236}">
-                <a16:creationId xmlns:a16="http://schemas.microsoft.com/office/drawing/2014/main" id="{5F2BCF5D-D929-5E31-6D1E-059E877CE14B}"/>
+          <p:cNvPr id="5" name="Gráfico 4">
+            <a:extLst>
+              <a:ext uri="{FF2B5EF4-FFF2-40B4-BE49-F238E27FC236}">
+                <a16:creationId xmlns:a16="http://schemas.microsoft.com/office/drawing/2014/main" id="{9632E97E-8EA7-9033-AA10-DC0DB673A68A}"/>
               </a:ext>
             </a:extLst>
           </p:cNvPr>
@@ -6034,10 +6673,10 @@
           <p:nvPr/>
         </p:nvPicPr>
         <p:blipFill>
-          <a:blip r:embed="rId3">
-            <a:extLst>
-              <a:ext uri="{28A0092B-C50C-407E-A947-70E740481C1C}">
-                <a14:useLocalDpi xmlns:a14="http://schemas.microsoft.com/office/drawing/2010/main" val="0"/>
+          <a:blip r:embed="rId2">
+            <a:extLst>
+              <a:ext uri="{96DAC541-7B7A-43D3-8B79-37D633B846F1}">
+                <asvg:svgBlip xmlns:asvg="http://schemas.microsoft.com/office/drawing/2016/SVG/main" r:embed="rId3"/>
               </a:ext>
             </a:extLst>
           </a:blip>
@@ -6047,102 +6686,18 @@
         </p:blipFill>
         <p:spPr>
           <a:xfrm>
-            <a:off x="7053423" y="1726562"/>
-            <a:ext cx="4500402" cy="3782252"/>
+            <a:off x="1772592" y="1585615"/>
+            <a:ext cx="8342016" cy="4229100"/>
           </a:xfrm>
           <a:prstGeom prst="rect">
             <a:avLst/>
           </a:prstGeom>
         </p:spPr>
       </p:pic>
-      <p:sp>
-        <p:nvSpPr>
-          <p:cNvPr id="14" name="CuadroTexto 13">
-            <a:extLst>
-              <a:ext uri="{FF2B5EF4-FFF2-40B4-BE49-F238E27FC236}">
-                <a16:creationId xmlns:a16="http://schemas.microsoft.com/office/drawing/2014/main" id="{DAFA9663-830E-7BE6-4551-95B423A3AFCA}"/>
-              </a:ext>
-            </a:extLst>
-          </p:cNvPr>
-          <p:cNvSpPr txBox="1"/>
-          <p:nvPr/>
-        </p:nvSpPr>
-        <p:spPr>
-          <a:xfrm>
-            <a:off x="268197" y="6473279"/>
-            <a:ext cx="5227728" cy="338554"/>
-          </a:xfrm>
-          <a:prstGeom prst="rect">
-            <a:avLst/>
-          </a:prstGeom>
-          <a:noFill/>
-        </p:spPr>
-        <p:txBody>
-          <a:bodyPr wrap="square" rtlCol="0">
-            <a:spAutoFit/>
-          </a:bodyPr>
-          <a:lstStyle/>
-          <a:p>
-            <a:r>
-              <a:rPr lang="es-CO" sz="1600">
-                <a:solidFill>
-                  <a:schemeClr val="bg1"/>
-                </a:solidFill>
-                <a:latin typeface="Arial" panose="020B0604020202020204" pitchFamily="34" charset="0"/>
-                <a:ea typeface="Source Sans Pro" panose="020B0503030403020204" pitchFamily="34" charset="0"/>
-                <a:cs typeface="Arial" panose="020B0604020202020204" pitchFamily="34" charset="0"/>
-              </a:rPr>
-              <a:t>https://github.com/oscar-rincon/ReScience-PINNs</a:t>
-            </a:r>
-          </a:p>
-        </p:txBody>
-      </p:sp>
-      <p:sp>
-        <p:nvSpPr>
-          <p:cNvPr id="21" name="CuadroTexto 20">
-            <a:extLst>
-              <a:ext uri="{FF2B5EF4-FFF2-40B4-BE49-F238E27FC236}">
-                <a16:creationId xmlns:a16="http://schemas.microsoft.com/office/drawing/2014/main" id="{7D83E3A4-B02D-BC94-4E49-07EACAD4A2DD}"/>
-              </a:ext>
-            </a:extLst>
-          </p:cNvPr>
-          <p:cNvSpPr txBox="1"/>
-          <p:nvPr/>
-        </p:nvSpPr>
-        <p:spPr>
-          <a:xfrm>
-            <a:off x="4067175" y="1029988"/>
-            <a:ext cx="4019550" cy="369332"/>
-          </a:xfrm>
-          <a:prstGeom prst="rect">
-            <a:avLst/>
-          </a:prstGeom>
-          <a:noFill/>
-        </p:spPr>
-        <p:txBody>
-          <a:bodyPr wrap="square" rtlCol="0">
-            <a:spAutoFit/>
-          </a:bodyPr>
-          <a:lstStyle/>
-          <a:p>
-            <a:pPr algn="ctr"/>
-            <a:r>
-              <a:rPr lang="es-CO" b="1">
-                <a:solidFill>
-                  <a:schemeClr val="bg1"/>
-                </a:solidFill>
-                <a:latin typeface="Arial" panose="020B0604020202020204" pitchFamily="34" charset="0"/>
-                <a:cs typeface="Arial" panose="020B0604020202020204" pitchFamily="34" charset="0"/>
-              </a:rPr>
-              <a:t>Discrete time inference</a:t>
-            </a:r>
-          </a:p>
-        </p:txBody>
-      </p:sp>
     </p:spTree>
     <p:extLst>
       <p:ext uri="{BB962C8B-B14F-4D97-AF65-F5344CB8AC3E}">
-        <p14:creationId xmlns:p14="http://schemas.microsoft.com/office/powerpoint/2010/main" val="1277491028"/>
+        <p14:creationId xmlns:p14="http://schemas.microsoft.com/office/powerpoint/2010/main" val="351438787"/>
       </p:ext>
     </p:extLst>
   </p:cSld>
@@ -6268,10 +6823,10 @@
       </p:sp>
       <p:pic>
         <p:nvPicPr>
-          <p:cNvPr id="7" name="Imagen 6" descr="Interfaz de usuario gráfica, Gráfico&#10;&#10;Descripción generada automáticamente">
-            <a:extLst>
-              <a:ext uri="{FF2B5EF4-FFF2-40B4-BE49-F238E27FC236}">
-                <a16:creationId xmlns:a16="http://schemas.microsoft.com/office/drawing/2014/main" id="{382565E3-9DF2-B471-A65B-0098D9AFF2FA}"/>
+          <p:cNvPr id="5" name="Imagen 4" descr="Interfaz de usuario gráfica, Gráfico, Diagrama&#10;&#10;Descripción generada automáticamente">
+            <a:extLst>
+              <a:ext uri="{FF2B5EF4-FFF2-40B4-BE49-F238E27FC236}">
+                <a16:creationId xmlns:a16="http://schemas.microsoft.com/office/drawing/2014/main" id="{D65CCECC-04E8-D4E6-730A-B2A198B58293}"/>
               </a:ext>
             </a:extLst>
           </p:cNvPr>
@@ -6294,8 +6849,8 @@
         </p:blipFill>
         <p:spPr>
           <a:xfrm>
-            <a:off x="6415620" y="2019300"/>
-            <a:ext cx="5157912" cy="2517665"/>
+            <a:off x="6691093" y="2021951"/>
+            <a:ext cx="4900831" cy="2726892"/>
           </a:xfrm>
           <a:prstGeom prst="rect">
             <a:avLst/>
@@ -6317,7 +6872,7 @@
         <p:spPr>
           <a:xfrm>
             <a:off x="268197" y="6473279"/>
-            <a:ext cx="5227728" cy="369332"/>
+            <a:ext cx="5227728" cy="338554"/>
           </a:xfrm>
           <a:prstGeom prst="rect">
             <a:avLst/>
@@ -6331,7 +6886,7 @@
           <a:lstStyle/>
           <a:p>
             <a:r>
-              <a:rPr lang="es-CO">
+              <a:rPr lang="es-CO" sz="1600">
                 <a:solidFill>
                   <a:schemeClr val="bg1"/>
                 </a:solidFill>
@@ -6346,10 +6901,10 @@
       </p:sp>
       <p:sp>
         <p:nvSpPr>
-          <p:cNvPr id="20" name="CuadroTexto 19">
-            <a:extLst>
-              <a:ext uri="{FF2B5EF4-FFF2-40B4-BE49-F238E27FC236}">
-                <a16:creationId xmlns:a16="http://schemas.microsoft.com/office/drawing/2014/main" id="{EFEB8EF5-3DCD-0074-D058-CF5D6FA76061}"/>
+          <p:cNvPr id="18" name="CuadroTexto 17">
+            <a:extLst>
+              <a:ext uri="{FF2B5EF4-FFF2-40B4-BE49-F238E27FC236}">
+                <a16:creationId xmlns:a16="http://schemas.microsoft.com/office/drawing/2014/main" id="{544D6CFF-490F-F937-B0AF-A56C0EBBB26A}"/>
               </a:ext>
             </a:extLst>
           </p:cNvPr>
@@ -6358,8 +6913,8 @@
         </p:nvSpPr>
         <p:spPr>
           <a:xfrm>
-            <a:off x="4531624" y="910376"/>
-            <a:ext cx="2953301" cy="369332"/>
+            <a:off x="4291013" y="762098"/>
+            <a:ext cx="3609974" cy="369332"/>
           </a:xfrm>
           <a:prstGeom prst="rect">
             <a:avLst/>
@@ -6372,7 +6927,6 @@
           </a:bodyPr>
           <a:lstStyle/>
           <a:p>
-            <a:pPr algn="ctr"/>
             <a:r>
               <a:rPr lang="es-CO" b="1">
                 <a:solidFill>
@@ -6381,7 +6935,7 @@
                 <a:latin typeface="Arial" panose="020B0604020202020204" pitchFamily="34" charset="0"/>
                 <a:cs typeface="Arial" panose="020B0604020202020204" pitchFamily="34" charset="0"/>
               </a:rPr>
-              <a:t>Discrete time inference</a:t>
+              <a:t>Continuous time identification</a:t>
             </a:r>
           </a:p>
         </p:txBody>
@@ -6389,7 +6943,7 @@
     </p:spTree>
     <p:extLst>
       <p:ext uri="{BB962C8B-B14F-4D97-AF65-F5344CB8AC3E}">
-        <p14:creationId xmlns:p14="http://schemas.microsoft.com/office/powerpoint/2010/main" val="2695735504"/>
+        <p14:creationId xmlns:p14="http://schemas.microsoft.com/office/powerpoint/2010/main" val="2477313963"/>
       </p:ext>
     </p:extLst>
   </p:cSld>
@@ -6515,10 +7069,10 @@
       </p:sp>
       <p:pic>
         <p:nvPicPr>
-          <p:cNvPr id="11" name="Imagen 10" descr="Interfaz de usuario gráfica, Gráfico&#10;&#10;Descripción generada automáticamente">
-            <a:extLst>
-              <a:ext uri="{FF2B5EF4-FFF2-40B4-BE49-F238E27FC236}">
-                <a16:creationId xmlns:a16="http://schemas.microsoft.com/office/drawing/2014/main" id="{961F5FC4-4FC9-CFD1-8B64-5CDDFA343736}"/>
+          <p:cNvPr id="9" name="Imagen 8" descr="Interfaz de usuario gráfica, Gráfico&#10;&#10;Descripción generada automáticamente">
+            <a:extLst>
+              <a:ext uri="{FF2B5EF4-FFF2-40B4-BE49-F238E27FC236}">
+                <a16:creationId xmlns:a16="http://schemas.microsoft.com/office/drawing/2014/main" id="{5F2BCF5D-D929-5E31-6D1E-059E877CE14B}"/>
               </a:ext>
             </a:extLst>
           </p:cNvPr>
@@ -6541,8 +7095,8 @@
         </p:blipFill>
         <p:spPr>
           <a:xfrm>
-            <a:off x="7362825" y="1686917"/>
-            <a:ext cx="3905250" cy="4161052"/>
+            <a:off x="7053423" y="1726562"/>
+            <a:ext cx="4500402" cy="3782252"/>
           </a:xfrm>
           <a:prstGeom prst="rect">
             <a:avLst/>
@@ -6593,10 +7147,10 @@
       </p:sp>
       <p:sp>
         <p:nvSpPr>
-          <p:cNvPr id="19" name="CuadroTexto 18">
-            <a:extLst>
-              <a:ext uri="{FF2B5EF4-FFF2-40B4-BE49-F238E27FC236}">
-                <a16:creationId xmlns:a16="http://schemas.microsoft.com/office/drawing/2014/main" id="{10B90926-A640-2CE3-E012-B15F9A63E8C3}"/>
+          <p:cNvPr id="21" name="CuadroTexto 20">
+            <a:extLst>
+              <a:ext uri="{FF2B5EF4-FFF2-40B4-BE49-F238E27FC236}">
+                <a16:creationId xmlns:a16="http://schemas.microsoft.com/office/drawing/2014/main" id="{7D83E3A4-B02D-BC94-4E49-07EACAD4A2DD}"/>
               </a:ext>
             </a:extLst>
           </p:cNvPr>
@@ -6605,8 +7159,8 @@
         </p:nvSpPr>
         <p:spPr>
           <a:xfrm>
-            <a:off x="4210050" y="825365"/>
-            <a:ext cx="3638550" cy="369332"/>
+            <a:off x="4067175" y="1029988"/>
+            <a:ext cx="4019550" cy="369332"/>
           </a:xfrm>
           <a:prstGeom prst="rect">
             <a:avLst/>
@@ -6628,7 +7182,7 @@
                 <a:latin typeface="Arial" panose="020B0604020202020204" pitchFamily="34" charset="0"/>
                 <a:cs typeface="Arial" panose="020B0604020202020204" pitchFamily="34" charset="0"/>
               </a:rPr>
-              <a:t>Continuous time inference</a:t>
+              <a:t>Discrete time inference</a:t>
             </a:r>
           </a:p>
         </p:txBody>
@@ -6636,7 +7190,7 @@
     </p:spTree>
     <p:extLst>
       <p:ext uri="{BB962C8B-B14F-4D97-AF65-F5344CB8AC3E}">
-        <p14:creationId xmlns:p14="http://schemas.microsoft.com/office/powerpoint/2010/main" val="2116195075"/>
+        <p14:creationId xmlns:p14="http://schemas.microsoft.com/office/powerpoint/2010/main" val="1277491028"/>
       </p:ext>
     </p:extLst>
   </p:cSld>

--- a/slides/reunión_27_07_2024.pptx
+++ b/slides/reunión_27_07_2024.pptx
@@ -5,7 +5,7 @@
     <p:sldMasterId id="2147483648" r:id="rId1"/>
   </p:sldMasterIdLst>
   <p:notesMasterIdLst>
-    <p:notesMasterId r:id="rId15"/>
+    <p:notesMasterId r:id="rId16"/>
   </p:notesMasterIdLst>
   <p:sldIdLst>
     <p:sldId id="256" r:id="rId2"/>
@@ -13,14 +13,15 @@
     <p:sldId id="270" r:id="rId4"/>
     <p:sldId id="258" r:id="rId5"/>
     <p:sldId id="261" r:id="rId6"/>
-    <p:sldId id="262" r:id="rId7"/>
-    <p:sldId id="263" r:id="rId8"/>
-    <p:sldId id="259" r:id="rId9"/>
-    <p:sldId id="266" r:id="rId10"/>
-    <p:sldId id="268" r:id="rId11"/>
-    <p:sldId id="267" r:id="rId12"/>
-    <p:sldId id="260" r:id="rId13"/>
-    <p:sldId id="265" r:id="rId14"/>
+    <p:sldId id="271" r:id="rId7"/>
+    <p:sldId id="262" r:id="rId8"/>
+    <p:sldId id="263" r:id="rId9"/>
+    <p:sldId id="259" r:id="rId10"/>
+    <p:sldId id="266" r:id="rId11"/>
+    <p:sldId id="268" r:id="rId12"/>
+    <p:sldId id="267" r:id="rId13"/>
+    <p:sldId id="260" r:id="rId14"/>
+    <p:sldId id="265" r:id="rId15"/>
   </p:sldIdLst>
   <p:sldSz cx="12192000" cy="6858000"/>
   <p:notesSz cx="6858000" cy="9144000"/>
@@ -542,7 +543,7 @@
           <a:p>
             <a:fld id="{E745C70F-B179-4FD5-8C48-3F5C0CA2B965}" type="slidenum">
               <a:rPr lang="es-CO" smtClean="0"/>
-              <a:t>8</a:t>
+              <a:t>4</a:t>
             </a:fld>
             <a:endParaRPr lang="es-CO"/>
           </a:p>
@@ -551,7 +552,7 @@
     </p:spTree>
     <p:extLst>
       <p:ext uri="{BB962C8B-B14F-4D97-AF65-F5344CB8AC3E}">
-        <p14:creationId xmlns:p14="http://schemas.microsoft.com/office/powerpoint/2010/main" val="2343931025"/>
+        <p14:creationId xmlns:p14="http://schemas.microsoft.com/office/powerpoint/2010/main" val="1105693462"/>
       </p:ext>
     </p:extLst>
   </p:cSld>
@@ -635,7 +636,7 @@
     </p:spTree>
     <p:extLst>
       <p:ext uri="{BB962C8B-B14F-4D97-AF65-F5344CB8AC3E}">
-        <p14:creationId xmlns:p14="http://schemas.microsoft.com/office/powerpoint/2010/main" val="1960273686"/>
+        <p14:creationId xmlns:p14="http://schemas.microsoft.com/office/powerpoint/2010/main" val="2343931025"/>
       </p:ext>
     </p:extLst>
   </p:cSld>
@@ -719,7 +720,7 @@
     </p:spTree>
     <p:extLst>
       <p:ext uri="{BB962C8B-B14F-4D97-AF65-F5344CB8AC3E}">
-        <p14:creationId xmlns:p14="http://schemas.microsoft.com/office/powerpoint/2010/main" val="1916965640"/>
+        <p14:creationId xmlns:p14="http://schemas.microsoft.com/office/powerpoint/2010/main" val="1960273686"/>
       </p:ext>
     </p:extLst>
   </p:cSld>
@@ -795,6 +796,90 @@
             <a:fld id="{E745C70F-B179-4FD5-8C48-3F5C0CA2B965}" type="slidenum">
               <a:rPr lang="es-CO" smtClean="0"/>
               <a:t>11</a:t>
+            </a:fld>
+            <a:endParaRPr lang="es-CO"/>
+          </a:p>
+        </p:txBody>
+      </p:sp>
+    </p:spTree>
+    <p:extLst>
+      <p:ext uri="{BB962C8B-B14F-4D97-AF65-F5344CB8AC3E}">
+        <p14:creationId xmlns:p14="http://schemas.microsoft.com/office/powerpoint/2010/main" val="1916965640"/>
+      </p:ext>
+    </p:extLst>
+  </p:cSld>
+  <p:clrMapOvr>
+    <a:masterClrMapping/>
+  </p:clrMapOvr>
+</p:notes>
+</file>
+
+<file path=ppt/notesSlides/notesSlide5.xml><?xml version="1.0" encoding="utf-8"?>
+<p:notes xmlns:a="http://schemas.openxmlformats.org/drawingml/2006/main" xmlns:r="http://schemas.openxmlformats.org/officeDocument/2006/relationships" xmlns:p="http://schemas.openxmlformats.org/presentationml/2006/main">
+  <p:cSld>
+    <p:spTree>
+      <p:nvGrpSpPr>
+        <p:cNvPr id="1" name=""/>
+        <p:cNvGrpSpPr/>
+        <p:nvPr/>
+      </p:nvGrpSpPr>
+      <p:grpSpPr>
+        <a:xfrm>
+          <a:off x="0" y="0"/>
+          <a:ext cx="0" cy="0"/>
+          <a:chOff x="0" y="0"/>
+          <a:chExt cx="0" cy="0"/>
+        </a:xfrm>
+      </p:grpSpPr>
+      <p:sp>
+        <p:nvSpPr>
+          <p:cNvPr id="2" name="Marcador de imagen de diapositiva 1"/>
+          <p:cNvSpPr>
+            <a:spLocks noGrp="1" noRot="1" noChangeAspect="1"/>
+          </p:cNvSpPr>
+          <p:nvPr>
+            <p:ph type="sldImg"/>
+          </p:nvPr>
+        </p:nvSpPr>
+        <p:spPr/>
+      </p:sp>
+      <p:sp>
+        <p:nvSpPr>
+          <p:cNvPr id="3" name="Marcador de notas 2"/>
+          <p:cNvSpPr>
+            <a:spLocks noGrp="1"/>
+          </p:cNvSpPr>
+          <p:nvPr>
+            <p:ph type="body" idx="1"/>
+          </p:nvPr>
+        </p:nvSpPr>
+        <p:spPr/>
+        <p:txBody>
+          <a:bodyPr/>
+          <a:lstStyle/>
+          <a:p>
+            <a:endParaRPr lang="es-CO"/>
+          </a:p>
+        </p:txBody>
+      </p:sp>
+      <p:sp>
+        <p:nvSpPr>
+          <p:cNvPr id="4" name="Marcador de número de diapositiva 3"/>
+          <p:cNvSpPr>
+            <a:spLocks noGrp="1"/>
+          </p:cNvSpPr>
+          <p:nvPr>
+            <p:ph type="sldNum" sz="quarter" idx="5"/>
+          </p:nvPr>
+        </p:nvSpPr>
+        <p:spPr/>
+        <p:txBody>
+          <a:bodyPr/>
+          <a:lstStyle/>
+          <a:p>
+            <a:fld id="{E745C70F-B179-4FD5-8C48-3F5C0CA2B965}" type="slidenum">
+              <a:rPr lang="es-CO" smtClean="0"/>
+              <a:t>12</a:t>
             </a:fld>
             <a:endParaRPr lang="es-CO"/>
           </a:p>
@@ -4331,7 +4416,7 @@
         </p:blipFill>
         <p:spPr>
           <a:xfrm>
-            <a:off x="10375201" y="5971603"/>
+            <a:off x="9419843" y="4973658"/>
             <a:ext cx="1609725" cy="657225"/>
           </a:xfrm>
           <a:prstGeom prst="rect">
@@ -4368,7 +4453,7 @@
         </p:blipFill>
         <p:spPr bwMode="auto">
           <a:xfrm>
-            <a:off x="207074" y="4812751"/>
+            <a:off x="1283399" y="4231726"/>
             <a:ext cx="1905000" cy="1905000"/>
           </a:xfrm>
           <a:prstGeom prst="rect">
@@ -4515,10 +4600,10 @@
       </p:sp>
       <p:pic>
         <p:nvPicPr>
-          <p:cNvPr id="7" name="Imagen 6" descr="Interfaz de usuario gráfica, Gráfico&#10;&#10;Descripción generada automáticamente">
-            <a:extLst>
-              <a:ext uri="{FF2B5EF4-FFF2-40B4-BE49-F238E27FC236}">
-                <a16:creationId xmlns:a16="http://schemas.microsoft.com/office/drawing/2014/main" id="{382565E3-9DF2-B471-A65B-0098D9AFF2FA}"/>
+          <p:cNvPr id="9" name="Imagen 8" descr="Interfaz de usuario gráfica, Gráfico&#10;&#10;Descripción generada automáticamente">
+            <a:extLst>
+              <a:ext uri="{FF2B5EF4-FFF2-40B4-BE49-F238E27FC236}">
+                <a16:creationId xmlns:a16="http://schemas.microsoft.com/office/drawing/2014/main" id="{5F2BCF5D-D929-5E31-6D1E-059E877CE14B}"/>
               </a:ext>
             </a:extLst>
           </p:cNvPr>
@@ -4541,8 +4626,8 @@
         </p:blipFill>
         <p:spPr>
           <a:xfrm>
-            <a:off x="6415620" y="2019300"/>
-            <a:ext cx="5157912" cy="2517665"/>
+            <a:off x="7053423" y="1726562"/>
+            <a:ext cx="4500402" cy="3782252"/>
           </a:xfrm>
           <a:prstGeom prst="rect">
             <a:avLst/>
@@ -4564,7 +4649,7 @@
         <p:spPr>
           <a:xfrm>
             <a:off x="268197" y="6473279"/>
-            <a:ext cx="5227728" cy="369332"/>
+            <a:ext cx="5227728" cy="338554"/>
           </a:xfrm>
           <a:prstGeom prst="rect">
             <a:avLst/>
@@ -4578,7 +4663,7 @@
           <a:lstStyle/>
           <a:p>
             <a:r>
-              <a:rPr lang="es-CO">
+              <a:rPr lang="es-CO" sz="1600">
                 <a:solidFill>
                   <a:schemeClr val="bg1"/>
                 </a:solidFill>
@@ -4593,10 +4678,10 @@
       </p:sp>
       <p:sp>
         <p:nvSpPr>
-          <p:cNvPr id="20" name="CuadroTexto 19">
-            <a:extLst>
-              <a:ext uri="{FF2B5EF4-FFF2-40B4-BE49-F238E27FC236}">
-                <a16:creationId xmlns:a16="http://schemas.microsoft.com/office/drawing/2014/main" id="{EFEB8EF5-3DCD-0074-D058-CF5D6FA76061}"/>
+          <p:cNvPr id="21" name="CuadroTexto 20">
+            <a:extLst>
+              <a:ext uri="{FF2B5EF4-FFF2-40B4-BE49-F238E27FC236}">
+                <a16:creationId xmlns:a16="http://schemas.microsoft.com/office/drawing/2014/main" id="{7D83E3A4-B02D-BC94-4E49-07EACAD4A2DD}"/>
               </a:ext>
             </a:extLst>
           </p:cNvPr>
@@ -4605,8 +4690,8 @@
         </p:nvSpPr>
         <p:spPr>
           <a:xfrm>
-            <a:off x="4531624" y="910376"/>
-            <a:ext cx="2953301" cy="369332"/>
+            <a:off x="4067175" y="1029988"/>
+            <a:ext cx="4019550" cy="369332"/>
           </a:xfrm>
           <a:prstGeom prst="rect">
             <a:avLst/>
@@ -4636,7 +4721,7 @@
     </p:spTree>
     <p:extLst>
       <p:ext uri="{BB962C8B-B14F-4D97-AF65-F5344CB8AC3E}">
-        <p14:creationId xmlns:p14="http://schemas.microsoft.com/office/powerpoint/2010/main" val="2695735504"/>
+        <p14:creationId xmlns:p14="http://schemas.microsoft.com/office/powerpoint/2010/main" val="1277491028"/>
       </p:ext>
     </p:extLst>
   </p:cSld>
@@ -4762,10 +4847,10 @@
       </p:sp>
       <p:pic>
         <p:nvPicPr>
-          <p:cNvPr id="11" name="Imagen 10" descr="Interfaz de usuario gráfica, Gráfico&#10;&#10;Descripción generada automáticamente">
-            <a:extLst>
-              <a:ext uri="{FF2B5EF4-FFF2-40B4-BE49-F238E27FC236}">
-                <a16:creationId xmlns:a16="http://schemas.microsoft.com/office/drawing/2014/main" id="{961F5FC4-4FC9-CFD1-8B64-5CDDFA343736}"/>
+          <p:cNvPr id="7" name="Imagen 6" descr="Interfaz de usuario gráfica, Gráfico&#10;&#10;Descripción generada automáticamente">
+            <a:extLst>
+              <a:ext uri="{FF2B5EF4-FFF2-40B4-BE49-F238E27FC236}">
+                <a16:creationId xmlns:a16="http://schemas.microsoft.com/office/drawing/2014/main" id="{382565E3-9DF2-B471-A65B-0098D9AFF2FA}"/>
               </a:ext>
             </a:extLst>
           </p:cNvPr>
@@ -4788,8 +4873,8 @@
         </p:blipFill>
         <p:spPr>
           <a:xfrm>
-            <a:off x="7362825" y="1686917"/>
-            <a:ext cx="3905250" cy="4161052"/>
+            <a:off x="6415620" y="2019300"/>
+            <a:ext cx="5157912" cy="2517665"/>
           </a:xfrm>
           <a:prstGeom prst="rect">
             <a:avLst/>
@@ -4811,7 +4896,7 @@
         <p:spPr>
           <a:xfrm>
             <a:off x="268197" y="6473279"/>
-            <a:ext cx="5227728" cy="338554"/>
+            <a:ext cx="5227728" cy="369332"/>
           </a:xfrm>
           <a:prstGeom prst="rect">
             <a:avLst/>
@@ -4825,7 +4910,7 @@
           <a:lstStyle/>
           <a:p>
             <a:r>
-              <a:rPr lang="es-CO" sz="1600">
+              <a:rPr lang="es-CO">
                 <a:solidFill>
                   <a:schemeClr val="bg1"/>
                 </a:solidFill>
@@ -4840,10 +4925,10 @@
       </p:sp>
       <p:sp>
         <p:nvSpPr>
-          <p:cNvPr id="19" name="CuadroTexto 18">
-            <a:extLst>
-              <a:ext uri="{FF2B5EF4-FFF2-40B4-BE49-F238E27FC236}">
-                <a16:creationId xmlns:a16="http://schemas.microsoft.com/office/drawing/2014/main" id="{10B90926-A640-2CE3-E012-B15F9A63E8C3}"/>
+          <p:cNvPr id="20" name="CuadroTexto 19">
+            <a:extLst>
+              <a:ext uri="{FF2B5EF4-FFF2-40B4-BE49-F238E27FC236}">
+                <a16:creationId xmlns:a16="http://schemas.microsoft.com/office/drawing/2014/main" id="{EFEB8EF5-3DCD-0074-D058-CF5D6FA76061}"/>
               </a:ext>
             </a:extLst>
           </p:cNvPr>
@@ -4852,8 +4937,8 @@
         </p:nvSpPr>
         <p:spPr>
           <a:xfrm>
-            <a:off x="4210050" y="825365"/>
-            <a:ext cx="3638550" cy="369332"/>
+            <a:off x="4531624" y="910376"/>
+            <a:ext cx="2953301" cy="369332"/>
           </a:xfrm>
           <a:prstGeom prst="rect">
             <a:avLst/>
@@ -4875,7 +4960,7 @@
                 <a:latin typeface="Arial" panose="020B0604020202020204" pitchFamily="34" charset="0"/>
                 <a:cs typeface="Arial" panose="020B0604020202020204" pitchFamily="34" charset="0"/>
               </a:rPr>
-              <a:t>Continuous time inference</a:t>
+              <a:t>Discrete time inference</a:t>
             </a:r>
           </a:p>
         </p:txBody>
@@ -4883,7 +4968,7 @@
     </p:spTree>
     <p:extLst>
       <p:ext uri="{BB962C8B-B14F-4D97-AF65-F5344CB8AC3E}">
-        <p14:creationId xmlns:p14="http://schemas.microsoft.com/office/powerpoint/2010/main" val="2116195075"/>
+        <p14:creationId xmlns:p14="http://schemas.microsoft.com/office/powerpoint/2010/main" val="2695735504"/>
       </p:ext>
     </p:extLst>
   </p:cSld>
@@ -4978,7 +5063,7 @@
         </p:nvSpPr>
         <p:spPr>
           <a:xfrm>
-            <a:off x="2520696" y="457200"/>
+            <a:off x="2520696" y="300433"/>
             <a:ext cx="7150608" cy="461665"/>
           </a:xfrm>
           <a:prstGeom prst="rect">
@@ -5002,17 +5087,17 @@
                 <a:ea typeface="Source Sans Pro" panose="020B0503030403020204" pitchFamily="34" charset="0"/>
                 <a:cs typeface="Arial" panose="020B0604020202020204" pitchFamily="34" charset="0"/>
               </a:rPr>
-              <a:t>Revisión Sistemática de aplicaciones</a:t>
+              <a:t>Raissi et al. (2019)</a:t>
             </a:r>
           </a:p>
         </p:txBody>
       </p:sp>
       <p:pic>
         <p:nvPicPr>
-          <p:cNvPr id="5" name="Gráfico 4">
-            <a:extLst>
-              <a:ext uri="{FF2B5EF4-FFF2-40B4-BE49-F238E27FC236}">
-                <a16:creationId xmlns:a16="http://schemas.microsoft.com/office/drawing/2014/main" id="{E9F2DDC7-9B0E-704A-F987-24E70FE1A9A7}"/>
+          <p:cNvPr id="11" name="Imagen 10" descr="Interfaz de usuario gráfica, Gráfico&#10;&#10;Descripción generada automáticamente">
+            <a:extLst>
+              <a:ext uri="{FF2B5EF4-FFF2-40B4-BE49-F238E27FC236}">
+                <a16:creationId xmlns:a16="http://schemas.microsoft.com/office/drawing/2014/main" id="{961F5FC4-4FC9-CFD1-8B64-5CDDFA343736}"/>
               </a:ext>
             </a:extLst>
           </p:cNvPr>
@@ -5022,10 +5107,10 @@
           <p:nvPr/>
         </p:nvPicPr>
         <p:blipFill>
-          <a:blip r:embed="rId2">
-            <a:extLst>
-              <a:ext uri="{96DAC541-7B7A-43D3-8B79-37D633B846F1}">
-                <asvg:svgBlip xmlns:asvg="http://schemas.microsoft.com/office/drawing/2016/SVG/main" r:embed="rId3"/>
+          <a:blip r:embed="rId3">
+            <a:extLst>
+              <a:ext uri="{28A0092B-C50C-407E-A947-70E740481C1C}">
+                <a14:useLocalDpi xmlns:a14="http://schemas.microsoft.com/office/drawing/2010/main" val="0"/>
               </a:ext>
             </a:extLst>
           </a:blip>
@@ -5035,18 +5120,102 @@
         </p:blipFill>
         <p:spPr>
           <a:xfrm>
-            <a:off x="647700" y="2045345"/>
-            <a:ext cx="10892453" cy="2860030"/>
+            <a:off x="7362825" y="1686917"/>
+            <a:ext cx="3905250" cy="4161052"/>
           </a:xfrm>
           <a:prstGeom prst="rect">
             <a:avLst/>
           </a:prstGeom>
         </p:spPr>
       </p:pic>
+      <p:sp>
+        <p:nvSpPr>
+          <p:cNvPr id="14" name="CuadroTexto 13">
+            <a:extLst>
+              <a:ext uri="{FF2B5EF4-FFF2-40B4-BE49-F238E27FC236}">
+                <a16:creationId xmlns:a16="http://schemas.microsoft.com/office/drawing/2014/main" id="{DAFA9663-830E-7BE6-4551-95B423A3AFCA}"/>
+              </a:ext>
+            </a:extLst>
+          </p:cNvPr>
+          <p:cNvSpPr txBox="1"/>
+          <p:nvPr/>
+        </p:nvSpPr>
+        <p:spPr>
+          <a:xfrm>
+            <a:off x="268197" y="6473279"/>
+            <a:ext cx="5227728" cy="338554"/>
+          </a:xfrm>
+          <a:prstGeom prst="rect">
+            <a:avLst/>
+          </a:prstGeom>
+          <a:noFill/>
+        </p:spPr>
+        <p:txBody>
+          <a:bodyPr wrap="square" rtlCol="0">
+            <a:spAutoFit/>
+          </a:bodyPr>
+          <a:lstStyle/>
+          <a:p>
+            <a:r>
+              <a:rPr lang="es-CO" sz="1600">
+                <a:solidFill>
+                  <a:schemeClr val="bg1"/>
+                </a:solidFill>
+                <a:latin typeface="Arial" panose="020B0604020202020204" pitchFamily="34" charset="0"/>
+                <a:ea typeface="Source Sans Pro" panose="020B0503030403020204" pitchFamily="34" charset="0"/>
+                <a:cs typeface="Arial" panose="020B0604020202020204" pitchFamily="34" charset="0"/>
+              </a:rPr>
+              <a:t>https://github.com/oscar-rincon/ReScience-PINNs</a:t>
+            </a:r>
+          </a:p>
+        </p:txBody>
+      </p:sp>
+      <p:sp>
+        <p:nvSpPr>
+          <p:cNvPr id="19" name="CuadroTexto 18">
+            <a:extLst>
+              <a:ext uri="{FF2B5EF4-FFF2-40B4-BE49-F238E27FC236}">
+                <a16:creationId xmlns:a16="http://schemas.microsoft.com/office/drawing/2014/main" id="{10B90926-A640-2CE3-E012-B15F9A63E8C3}"/>
+              </a:ext>
+            </a:extLst>
+          </p:cNvPr>
+          <p:cNvSpPr txBox="1"/>
+          <p:nvPr/>
+        </p:nvSpPr>
+        <p:spPr>
+          <a:xfrm>
+            <a:off x="4210050" y="825365"/>
+            <a:ext cx="3638550" cy="369332"/>
+          </a:xfrm>
+          <a:prstGeom prst="rect">
+            <a:avLst/>
+          </a:prstGeom>
+          <a:noFill/>
+        </p:spPr>
+        <p:txBody>
+          <a:bodyPr wrap="square" rtlCol="0">
+            <a:spAutoFit/>
+          </a:bodyPr>
+          <a:lstStyle/>
+          <a:p>
+            <a:pPr algn="ctr"/>
+            <a:r>
+              <a:rPr lang="es-CO" b="1">
+                <a:solidFill>
+                  <a:schemeClr val="bg1"/>
+                </a:solidFill>
+                <a:latin typeface="Arial" panose="020B0604020202020204" pitchFamily="34" charset="0"/>
+                <a:cs typeface="Arial" panose="020B0604020202020204" pitchFamily="34" charset="0"/>
+              </a:rPr>
+              <a:t>Continuous time inference</a:t>
+            </a:r>
+          </a:p>
+        </p:txBody>
+      </p:sp>
     </p:spTree>
     <p:extLst>
       <p:ext uri="{BB962C8B-B14F-4D97-AF65-F5344CB8AC3E}">
-        <p14:creationId xmlns:p14="http://schemas.microsoft.com/office/powerpoint/2010/main" val="1470438773"/>
+        <p14:creationId xmlns:p14="http://schemas.microsoft.com/office/powerpoint/2010/main" val="2116195075"/>
       </p:ext>
     </p:extLst>
   </p:cSld>
@@ -5165,15 +5334,51 @@
                 <a:ea typeface="Source Sans Pro" panose="020B0503030403020204" pitchFamily="34" charset="0"/>
                 <a:cs typeface="Arial" panose="020B0604020202020204" pitchFamily="34" charset="0"/>
               </a:rPr>
-              <a:t>Ventajas / Desvantajas </a:t>
-            </a:r>
-          </a:p>
-        </p:txBody>
-      </p:sp>
+              <a:t>Revisión Sistemática de aplicaciones</a:t>
+            </a:r>
+          </a:p>
+        </p:txBody>
+      </p:sp>
+      <p:pic>
+        <p:nvPicPr>
+          <p:cNvPr id="5" name="Gráfico 4">
+            <a:extLst>
+              <a:ext uri="{FF2B5EF4-FFF2-40B4-BE49-F238E27FC236}">
+                <a16:creationId xmlns:a16="http://schemas.microsoft.com/office/drawing/2014/main" id="{E9F2DDC7-9B0E-704A-F987-24E70FE1A9A7}"/>
+              </a:ext>
+            </a:extLst>
+          </p:cNvPr>
+          <p:cNvPicPr>
+            <a:picLocks noChangeAspect="1"/>
+          </p:cNvPicPr>
+          <p:nvPr/>
+        </p:nvPicPr>
+        <p:blipFill>
+          <a:blip r:embed="rId2">
+            <a:extLst>
+              <a:ext uri="{96DAC541-7B7A-43D3-8B79-37D633B846F1}">
+                <asvg:svgBlip xmlns:asvg="http://schemas.microsoft.com/office/drawing/2016/SVG/main" r:embed="rId3"/>
+              </a:ext>
+            </a:extLst>
+          </a:blip>
+          <a:stretch>
+            <a:fillRect/>
+          </a:stretch>
+        </p:blipFill>
+        <p:spPr>
+          <a:xfrm>
+            <a:off x="647700" y="2045345"/>
+            <a:ext cx="10892453" cy="2860030"/>
+          </a:xfrm>
+          <a:prstGeom prst="rect">
+            <a:avLst/>
+          </a:prstGeom>
+        </p:spPr>
+      </p:pic>
     </p:spTree>
     <p:extLst>
       <p:ext uri="{BB962C8B-B14F-4D97-AF65-F5344CB8AC3E}">
-        <p14:creationId xmlns:p14="http://schemas.microsoft.com/office/powerpoint/2010/main" val="2764051299"/>
+        <p14:creationId xmlns:p14="http://schemas.microsoft.com/office/powerpoint/2010/main" val="1470438773"/>
       </p:ext>
     </p:extLst>
   </p:cSld>
@@ -5183,7 +5388,7 @@
 </p:sld>
 </file>
 
-<file path=ppt/slides/slide2.xml><?xml version="1.0" encoding="utf-8"?>
+<file path=ppt/slides/slide14.xml><?xml version="1.0" encoding="utf-8"?>
 <p:sld xmlns:a="http://schemas.openxmlformats.org/drawingml/2006/main" xmlns:r="http://schemas.openxmlformats.org/officeDocument/2006/relationships" xmlns:p="http://schemas.openxmlformats.org/presentationml/2006/main">
   <p:cSld>
     <p:spTree>
@@ -5269,7 +5474,7 @@
         <p:spPr>
           <a:xfrm>
             <a:off x="2520696" y="457200"/>
-            <a:ext cx="7150608" cy="461665"/>
+            <a:ext cx="7150608" cy="400110"/>
           </a:xfrm>
           <a:prstGeom prst="rect">
             <a:avLst/>
@@ -5284,7 +5489,7 @@
           <a:p>
             <a:pPr algn="ctr"/>
             <a:r>
-              <a:rPr lang="es-CO" sz="2400" b="1">
+              <a:rPr lang="es-CO" sz="2000" b="1">
                 <a:solidFill>
                   <a:schemeClr val="bg1"/>
                 </a:solidFill>
@@ -5292,108 +5497,15 @@
                 <a:ea typeface="Source Sans Pro" panose="020B0503030403020204" pitchFamily="34" charset="0"/>
                 <a:cs typeface="Arial" panose="020B0604020202020204" pitchFamily="34" charset="0"/>
               </a:rPr>
-              <a:t>Content</a:t>
-            </a:r>
-          </a:p>
-        </p:txBody>
-      </p:sp>
-      <p:sp>
-        <p:nvSpPr>
-          <p:cNvPr id="142" name="CuadroTexto 141">
-            <a:extLst>
-              <a:ext uri="{FF2B5EF4-FFF2-40B4-BE49-F238E27FC236}">
-                <a16:creationId xmlns:a16="http://schemas.microsoft.com/office/drawing/2014/main" id="{05A1B72F-A3E0-D3C6-90D0-707E4D805AE0}"/>
-              </a:ext>
-            </a:extLst>
-          </p:cNvPr>
-          <p:cNvSpPr txBox="1"/>
-          <p:nvPr/>
-        </p:nvSpPr>
-        <p:spPr>
-          <a:xfrm>
-            <a:off x="1000125" y="1827803"/>
-            <a:ext cx="10020299" cy="2060629"/>
-          </a:xfrm>
-          <a:prstGeom prst="rect">
-            <a:avLst/>
-          </a:prstGeom>
-          <a:noFill/>
-        </p:spPr>
-        <p:txBody>
-          <a:bodyPr wrap="square">
-            <a:spAutoFit/>
-          </a:bodyPr>
-          <a:lstStyle/>
-          <a:p>
-            <a:pPr marL="285750" indent="-285750">
-              <a:lnSpc>
-                <a:spcPct val="250000"/>
-              </a:lnSpc>
-              <a:buFont typeface="Wingdings" panose="05000000000000000000" pitchFamily="2" charset="2"/>
-              <a:buChar char="v"/>
-            </a:pPr>
-            <a:r>
-              <a:rPr lang="en-US">
-                <a:solidFill>
-                  <a:schemeClr val="bg1"/>
-                </a:solidFill>
-                <a:latin typeface="Arial" panose="020B0604020202020204" pitchFamily="34" charset="0"/>
-                <a:cs typeface="Arial" panose="020B0604020202020204" pitchFamily="34" charset="0"/>
-              </a:rPr>
-              <a:t>Literature review</a:t>
-            </a:r>
-          </a:p>
-          <a:p>
-            <a:pPr marL="285750" indent="-285750">
-              <a:lnSpc>
-                <a:spcPct val="250000"/>
-              </a:lnSpc>
-              <a:buFont typeface="Wingdings" panose="05000000000000000000" pitchFamily="2" charset="2"/>
-              <a:buChar char="v"/>
-            </a:pPr>
-            <a:r>
-              <a:rPr lang="en-US">
-                <a:solidFill>
-                  <a:schemeClr val="bg1"/>
-                </a:solidFill>
-                <a:latin typeface="Arial" panose="020B0604020202020204" pitchFamily="34" charset="0"/>
-                <a:cs typeface="Arial" panose="020B0604020202020204" pitchFamily="34" charset="0"/>
-              </a:rPr>
-              <a:t>Reproduction of the results presented in Raissi et al. (2019)</a:t>
-            </a:r>
-          </a:p>
-          <a:p>
-            <a:pPr marL="285750" indent="-285750">
-              <a:lnSpc>
-                <a:spcPct val="250000"/>
-              </a:lnSpc>
-              <a:buFont typeface="Wingdings" panose="05000000000000000000" pitchFamily="2" charset="2"/>
-              <a:buChar char="v"/>
-            </a:pPr>
-            <a:r>
-              <a:rPr lang="en-US">
-                <a:solidFill>
-                  <a:schemeClr val="bg1"/>
-                </a:solidFill>
-                <a:latin typeface="Arial" panose="020B0604020202020204" pitchFamily="34" charset="0"/>
-                <a:cs typeface="Arial" panose="020B0604020202020204" pitchFamily="34" charset="0"/>
-              </a:rPr>
-              <a:t>Problem statement</a:t>
-            </a:r>
-            <a:endParaRPr lang="es-CO">
-              <a:solidFill>
-                <a:schemeClr val="bg1"/>
-              </a:solidFill>
-              <a:latin typeface="Arial" panose="020B0604020202020204" pitchFamily="34" charset="0"/>
-              <a:cs typeface="Arial" panose="020B0604020202020204" pitchFamily="34" charset="0"/>
-            </a:endParaRPr>
+              <a:t>Advantages / Disadvantages</a:t>
+            </a:r>
           </a:p>
         </p:txBody>
       </p:sp>
     </p:spTree>
     <p:extLst>
       <p:ext uri="{BB962C8B-B14F-4D97-AF65-F5344CB8AC3E}">
-        <p14:creationId xmlns:p14="http://schemas.microsoft.com/office/powerpoint/2010/main" val="948888447"/>
+        <p14:creationId xmlns:p14="http://schemas.microsoft.com/office/powerpoint/2010/main" val="2764051299"/>
       </p:ext>
     </p:extLst>
   </p:cSld>
@@ -5403,7 +5515,7 @@
 </p:sld>
 </file>
 
-<file path=ppt/slides/slide3.xml><?xml version="1.0" encoding="utf-8"?>
+<file path=ppt/slides/slide2.xml><?xml version="1.0" encoding="utf-8"?>
 <p:sld xmlns:a="http://schemas.openxmlformats.org/drawingml/2006/main" xmlns:r="http://schemas.openxmlformats.org/officeDocument/2006/relationships" xmlns:p="http://schemas.openxmlformats.org/presentationml/2006/main">
   <p:cSld>
     <p:spTree>
@@ -5504,7 +5616,56 @@
           <a:p>
             <a:pPr algn="ctr"/>
             <a:r>
-              <a:rPr lang="en-US" sz="2400" b="1">
+              <a:rPr lang="es-CO" sz="2400" b="1">
+                <a:solidFill>
+                  <a:schemeClr val="bg1"/>
+                </a:solidFill>
+                <a:latin typeface="Arial" panose="020B0604020202020204" pitchFamily="34" charset="0"/>
+                <a:ea typeface="Source Sans Pro" panose="020B0503030403020204" pitchFamily="34" charset="0"/>
+                <a:cs typeface="Arial" panose="020B0604020202020204" pitchFamily="34" charset="0"/>
+              </a:rPr>
+              <a:t>Content</a:t>
+            </a:r>
+          </a:p>
+        </p:txBody>
+      </p:sp>
+      <p:sp>
+        <p:nvSpPr>
+          <p:cNvPr id="142" name="CuadroTexto 141">
+            <a:extLst>
+              <a:ext uri="{FF2B5EF4-FFF2-40B4-BE49-F238E27FC236}">
+                <a16:creationId xmlns:a16="http://schemas.microsoft.com/office/drawing/2014/main" id="{05A1B72F-A3E0-D3C6-90D0-707E4D805AE0}"/>
+              </a:ext>
+            </a:extLst>
+          </p:cNvPr>
+          <p:cNvSpPr txBox="1"/>
+          <p:nvPr/>
+        </p:nvSpPr>
+        <p:spPr>
+          <a:xfrm>
+            <a:off x="1000125" y="1827803"/>
+            <a:ext cx="10020299" cy="2060629"/>
+          </a:xfrm>
+          <a:prstGeom prst="rect">
+            <a:avLst/>
+          </a:prstGeom>
+          <a:noFill/>
+        </p:spPr>
+        <p:txBody>
+          <a:bodyPr wrap="square">
+            <a:spAutoFit/>
+          </a:bodyPr>
+          <a:lstStyle/>
+          <a:p>
+            <a:pPr marL="285750" indent="-285750">
+              <a:lnSpc>
+                <a:spcPct val="250000"/>
+              </a:lnSpc>
+              <a:buFont typeface="Wingdings" panose="05000000000000000000" pitchFamily="2" charset="2"/>
+              <a:buChar char="v"/>
+            </a:pPr>
+            <a:r>
+              <a:rPr lang="en-US">
                 <a:solidFill>
                   <a:schemeClr val="bg1"/>
                 </a:solidFill>
@@ -5514,42 +5675,13 @@
               <a:t>Literature review</a:t>
             </a:r>
           </a:p>
-        </p:txBody>
-      </p:sp>
-      <p:sp>
-        <p:nvSpPr>
-          <p:cNvPr id="142" name="CuadroTexto 141">
-            <a:extLst>
-              <a:ext uri="{FF2B5EF4-FFF2-40B4-BE49-F238E27FC236}">
-                <a16:creationId xmlns:a16="http://schemas.microsoft.com/office/drawing/2014/main" id="{05A1B72F-A3E0-D3C6-90D0-707E4D805AE0}"/>
-              </a:ext>
-            </a:extLst>
-          </p:cNvPr>
-          <p:cNvSpPr txBox="1"/>
-          <p:nvPr/>
-        </p:nvSpPr>
-        <p:spPr>
-          <a:xfrm>
-            <a:off x="1000125" y="1827803"/>
-            <a:ext cx="10020299" cy="2741776"/>
-          </a:xfrm>
-          <a:prstGeom prst="rect">
-            <a:avLst/>
-          </a:prstGeom>
-          <a:noFill/>
-        </p:spPr>
-        <p:txBody>
-          <a:bodyPr wrap="square">
-            <a:spAutoFit/>
-          </a:bodyPr>
-          <a:lstStyle/>
-          <a:p>
-            <a:pPr marL="342900" indent="-342900">
+          <a:p>
+            <a:pPr marL="285750" indent="-285750">
               <a:lnSpc>
                 <a:spcPct val="250000"/>
               </a:lnSpc>
-              <a:buFont typeface="+mj-lt"/>
-              <a:buAutoNum type="arabicPeriod"/>
+              <a:buFont typeface="Wingdings" panose="05000000000000000000" pitchFamily="2" charset="2"/>
+              <a:buChar char="v"/>
             </a:pPr>
             <a:r>
               <a:rPr lang="en-US">
@@ -5559,26 +5691,16 @@
                 <a:latin typeface="Arial" panose="020B0604020202020204" pitchFamily="34" charset="0"/>
                 <a:cs typeface="Arial" panose="020B0604020202020204" pitchFamily="34" charset="0"/>
               </a:rPr>
-              <a:t>Modeling of Mechanical Wave Propagation - </a:t>
-            </a:r>
-            <a:r>
-              <a:rPr lang="en-US">
-                <a:solidFill>
-                  <a:srgbClr val="FF0000"/>
-                </a:solidFill>
-                <a:latin typeface="Arial" panose="020B0604020202020204" pitchFamily="34" charset="0"/>
-                <a:cs typeface="Arial" panose="020B0604020202020204" pitchFamily="34" charset="0"/>
-              </a:rPr>
-              <a:t>Narrative</a:t>
-            </a:r>
-          </a:p>
-          <a:p>
-            <a:pPr marL="342900" indent="-342900">
+              <a:t>Reproduction of the results presented in Raissi et al. (2019)</a:t>
+            </a:r>
+          </a:p>
+          <a:p>
+            <a:pPr marL="285750" indent="-285750">
               <a:lnSpc>
                 <a:spcPct val="250000"/>
               </a:lnSpc>
-              <a:buFont typeface="+mj-lt"/>
-              <a:buAutoNum type="arabicPeriod"/>
+              <a:buFont typeface="Wingdings" panose="05000000000000000000" pitchFamily="2" charset="2"/>
+              <a:buChar char="v"/>
             </a:pPr>
             <a:r>
               <a:rPr lang="en-US">
@@ -5588,136 +5710,14 @@
                 <a:latin typeface="Arial" panose="020B0604020202020204" pitchFamily="34" charset="0"/>
                 <a:cs typeface="Arial" panose="020B0604020202020204" pitchFamily="34" charset="0"/>
               </a:rPr>
-              <a:t>Standard Numerical Methods to Model Wave Equation - </a:t>
-            </a:r>
-            <a:r>
-              <a:rPr lang="en-US">
-                <a:solidFill>
-                  <a:srgbClr val="FF0000"/>
-                </a:solidFill>
-                <a:latin typeface="Arial" panose="020B0604020202020204" pitchFamily="34" charset="0"/>
-                <a:cs typeface="Arial" panose="020B0604020202020204" pitchFamily="34" charset="0"/>
-              </a:rPr>
-              <a:t>Narrative</a:t>
-            </a:r>
-          </a:p>
-          <a:p>
-            <a:pPr marL="342900" indent="-342900">
-              <a:lnSpc>
-                <a:spcPct val="250000"/>
-              </a:lnSpc>
-              <a:buFont typeface="+mj-lt"/>
-              <a:buAutoNum type="arabicPeriod"/>
-            </a:pPr>
-            <a:r>
-              <a:rPr lang="en-US">
-                <a:solidFill>
-                  <a:schemeClr val="bg1"/>
-                </a:solidFill>
-                <a:latin typeface="Arial" panose="020B0604020202020204" pitchFamily="34" charset="0"/>
-                <a:cs typeface="Arial" panose="020B0604020202020204" pitchFamily="34" charset="0"/>
-              </a:rPr>
-              <a:t>Machine learning Methods to Model Mechanical Wave Propagation - </a:t>
-            </a:r>
-            <a:r>
-              <a:rPr lang="en-US">
-                <a:solidFill>
-                  <a:srgbClr val="FF0000"/>
-                </a:solidFill>
-                <a:latin typeface="Arial" panose="020B0604020202020204" pitchFamily="34" charset="0"/>
-                <a:cs typeface="Arial" panose="020B0604020202020204" pitchFamily="34" charset="0"/>
-              </a:rPr>
-              <a:t>Narrative</a:t>
-            </a:r>
-          </a:p>
-          <a:p>
-            <a:pPr marL="342900" indent="-342900">
-              <a:lnSpc>
-                <a:spcPct val="250000"/>
-              </a:lnSpc>
-              <a:buFont typeface="+mj-lt"/>
-              <a:buAutoNum type="arabicPeriod"/>
-            </a:pPr>
-            <a:r>
-              <a:rPr lang="es-CO">
-                <a:solidFill>
-                  <a:schemeClr val="bg1"/>
-                </a:solidFill>
-                <a:latin typeface="Arial" panose="020B0604020202020204" pitchFamily="34" charset="0"/>
-                <a:cs typeface="Arial" panose="020B0604020202020204" pitchFamily="34" charset="0"/>
-              </a:rPr>
-              <a:t>Applications</a:t>
-            </a:r>
-            <a:r>
-              <a:rPr lang="en-US">
-                <a:solidFill>
-                  <a:schemeClr val="bg1"/>
-                </a:solidFill>
-                <a:latin typeface="Arial" panose="020B0604020202020204" pitchFamily="34" charset="0"/>
-                <a:cs typeface="Arial" panose="020B0604020202020204" pitchFamily="34" charset="0"/>
-              </a:rPr>
-              <a:t>- </a:t>
-            </a:r>
-            <a:r>
-              <a:rPr lang="en-US">
-                <a:solidFill>
-                  <a:srgbClr val="00B050"/>
-                </a:solidFill>
-                <a:latin typeface="Arial" panose="020B0604020202020204" pitchFamily="34" charset="0"/>
-                <a:cs typeface="Arial" panose="020B0604020202020204" pitchFamily="34" charset="0"/>
-              </a:rPr>
-              <a:t>Systematic</a:t>
-            </a:r>
-          </a:p>
-        </p:txBody>
-      </p:sp>
-      <p:sp>
-        <p:nvSpPr>
-          <p:cNvPr id="5" name="CuadroTexto 4">
-            <a:extLst>
-              <a:ext uri="{FF2B5EF4-FFF2-40B4-BE49-F238E27FC236}">
-                <a16:creationId xmlns:a16="http://schemas.microsoft.com/office/drawing/2014/main" id="{9BBDC748-51F3-C2A8-7460-F6A7B4776F38}"/>
-              </a:ext>
-            </a:extLst>
-          </p:cNvPr>
-          <p:cNvSpPr txBox="1"/>
-          <p:nvPr/>
-        </p:nvSpPr>
-        <p:spPr>
-          <a:xfrm>
-            <a:off x="112014" y="6397382"/>
-            <a:ext cx="6094476" cy="369332"/>
-          </a:xfrm>
-          <a:prstGeom prst="rect">
-            <a:avLst/>
-          </a:prstGeom>
-          <a:noFill/>
-        </p:spPr>
-        <p:txBody>
-          <a:bodyPr wrap="square">
-            <a:spAutoFit/>
-          </a:bodyPr>
-          <a:lstStyle/>
-          <a:p>
-            <a:r>
-              <a:rPr lang="es-CO">
-                <a:solidFill>
-                  <a:schemeClr val="bg1"/>
-                </a:solidFill>
-                <a:hlinkClick r:id="rId2">
-                  <a:extLst>
-                    <a:ext uri="{A12FA001-AC4F-418D-AE19-62706E023703}">
-                      <ahyp:hlinkClr xmlns:ahyp="http://schemas.microsoft.com/office/drawing/2018/hyperlinkcolor" val="tx"/>
-                    </a:ext>
-                  </a:extLst>
-                </a:hlinkClick>
-              </a:rPr>
-              <a:t>https://github.com/oscar-rincon/review-elastic-waves</a:t>
+              <a:t>Problem statement</a:t>
             </a:r>
             <a:endParaRPr lang="es-CO">
               <a:solidFill>
                 <a:schemeClr val="bg1"/>
               </a:solidFill>
+              <a:latin typeface="Arial" panose="020B0604020202020204" pitchFamily="34" charset="0"/>
+              <a:cs typeface="Arial" panose="020B0604020202020204" pitchFamily="34" charset="0"/>
             </a:endParaRPr>
           </a:p>
         </p:txBody>
@@ -5725,7 +5725,7 @@
     </p:spTree>
     <p:extLst>
       <p:ext uri="{BB962C8B-B14F-4D97-AF65-F5344CB8AC3E}">
-        <p14:creationId xmlns:p14="http://schemas.microsoft.com/office/powerpoint/2010/main" val="979287115"/>
+        <p14:creationId xmlns:p14="http://schemas.microsoft.com/office/powerpoint/2010/main" val="948888447"/>
       </p:ext>
     </p:extLst>
   </p:cSld>
@@ -5735,7 +5735,7 @@
 </p:sld>
 </file>
 
-<file path=ppt/slides/slide4.xml><?xml version="1.0" encoding="utf-8"?>
+<file path=ppt/slides/slide3.xml><?xml version="1.0" encoding="utf-8"?>
 <p:sld xmlns:a="http://schemas.openxmlformats.org/drawingml/2006/main" xmlns:r="http://schemas.openxmlformats.org/officeDocument/2006/relationships" xmlns:p="http://schemas.openxmlformats.org/presentationml/2006/main">
   <p:cSld>
     <p:spTree>
@@ -5836,71 +5836,34 @@
           <a:p>
             <a:pPr algn="ctr"/>
             <a:r>
-              <a:rPr lang="es-CO" sz="2400" b="1">
+              <a:rPr lang="en-US" sz="2400" b="1">
                 <a:solidFill>
                   <a:schemeClr val="bg1"/>
                 </a:solidFill>
                 <a:latin typeface="Arial" panose="020B0604020202020204" pitchFamily="34" charset="0"/>
-                <a:ea typeface="Source Sans Pro" panose="020B0503030403020204" pitchFamily="34" charset="0"/>
                 <a:cs typeface="Arial" panose="020B0604020202020204" pitchFamily="34" charset="0"/>
               </a:rPr>
-              <a:t>Introduction</a:t>
-            </a:r>
-          </a:p>
-        </p:txBody>
-      </p:sp>
-      <p:pic>
-        <p:nvPicPr>
-          <p:cNvPr id="10" name="Gráfico 9">
-            <a:extLst>
-              <a:ext uri="{FF2B5EF4-FFF2-40B4-BE49-F238E27FC236}">
-                <a16:creationId xmlns:a16="http://schemas.microsoft.com/office/drawing/2014/main" id="{E2566563-CEC1-1550-121C-345DC36DCDF5}"/>
-              </a:ext>
-            </a:extLst>
-          </p:cNvPr>
-          <p:cNvPicPr>
-            <a:picLocks noChangeAspect="1"/>
-          </p:cNvPicPr>
+              <a:t>Literature review</a:t>
+            </a:r>
+          </a:p>
+        </p:txBody>
+      </p:sp>
+      <p:sp>
+        <p:nvSpPr>
+          <p:cNvPr id="142" name="CuadroTexto 141">
+            <a:extLst>
+              <a:ext uri="{FF2B5EF4-FFF2-40B4-BE49-F238E27FC236}">
+                <a16:creationId xmlns:a16="http://schemas.microsoft.com/office/drawing/2014/main" id="{05A1B72F-A3E0-D3C6-90D0-707E4D805AE0}"/>
+              </a:ext>
+            </a:extLst>
+          </p:cNvPr>
+          <p:cNvSpPr txBox="1"/>
           <p:nvPr/>
-        </p:nvPicPr>
-        <p:blipFill>
-          <a:blip r:embed="rId2">
-            <a:extLst>
-              <a:ext uri="{96DAC541-7B7A-43D3-8B79-37D633B846F1}">
-                <asvg:svgBlip xmlns:asvg="http://schemas.microsoft.com/office/drawing/2016/SVG/main" r:embed="rId3"/>
-              </a:ext>
-            </a:extLst>
-          </a:blip>
-          <a:stretch>
-            <a:fillRect/>
-          </a:stretch>
-        </p:blipFill>
+        </p:nvSpPr>
         <p:spPr>
           <a:xfrm>
-            <a:off x="3350999" y="2222756"/>
-            <a:ext cx="5269126" cy="3518957"/>
-          </a:xfrm>
-          <a:prstGeom prst="rect">
-            <a:avLst/>
-          </a:prstGeom>
-        </p:spPr>
-      </p:pic>
-      <p:sp>
-        <p:nvSpPr>
-          <p:cNvPr id="142" name="CuadroTexto 141">
-            <a:extLst>
-              <a:ext uri="{FF2B5EF4-FFF2-40B4-BE49-F238E27FC236}">
-                <a16:creationId xmlns:a16="http://schemas.microsoft.com/office/drawing/2014/main" id="{05A1B72F-A3E0-D3C6-90D0-707E4D805AE0}"/>
-              </a:ext>
-            </a:extLst>
-          </p:cNvPr>
-          <p:cNvSpPr txBox="1"/>
-          <p:nvPr/>
-        </p:nvSpPr>
-        <p:spPr>
-          <a:xfrm>
-            <a:off x="1000125" y="1116287"/>
-            <a:ext cx="10020299" cy="646331"/>
+            <a:off x="1000125" y="1827803"/>
+            <a:ext cx="10020299" cy="2741776"/>
           </a:xfrm>
           <a:prstGeom prst="rect">
             <a:avLst/>
@@ -5913,181 +5876,188 @@
           </a:bodyPr>
           <a:lstStyle/>
           <a:p>
+            <a:pPr marL="342900" indent="-342900">
+              <a:lnSpc>
+                <a:spcPct val="250000"/>
+              </a:lnSpc>
+              <a:buFont typeface="+mj-lt"/>
+              <a:buAutoNum type="arabicPeriod"/>
+            </a:pPr>
+            <a:r>
+              <a:rPr lang="en-US">
+                <a:solidFill>
+                  <a:schemeClr val="bg1"/>
+                </a:solidFill>
+                <a:latin typeface="Arial" panose="020B0604020202020204" pitchFamily="34" charset="0"/>
+                <a:cs typeface="Arial" panose="020B0604020202020204" pitchFamily="34" charset="0"/>
+              </a:rPr>
+              <a:t>Modeling of Mechanical Wave Propagation - </a:t>
+            </a:r>
+            <a:r>
+              <a:rPr lang="en-US">
+                <a:solidFill>
+                  <a:srgbClr val="FF0000"/>
+                </a:solidFill>
+                <a:latin typeface="Arial" panose="020B0604020202020204" pitchFamily="34" charset="0"/>
+                <a:cs typeface="Arial" panose="020B0604020202020204" pitchFamily="34" charset="0"/>
+              </a:rPr>
+              <a:t>Narrative</a:t>
+            </a:r>
+          </a:p>
+          <a:p>
+            <a:pPr marL="342900" indent="-342900">
+              <a:lnSpc>
+                <a:spcPct val="250000"/>
+              </a:lnSpc>
+              <a:buFont typeface="+mj-lt"/>
+              <a:buAutoNum type="arabicPeriod"/>
+            </a:pPr>
+            <a:r>
+              <a:rPr lang="en-US">
+                <a:solidFill>
+                  <a:schemeClr val="bg1"/>
+                </a:solidFill>
+                <a:latin typeface="Arial" panose="020B0604020202020204" pitchFamily="34" charset="0"/>
+                <a:cs typeface="Arial" panose="020B0604020202020204" pitchFamily="34" charset="0"/>
+              </a:rPr>
+              <a:t>Standard Numerical Methods to Model Wave Equation - </a:t>
+            </a:r>
+            <a:r>
+              <a:rPr lang="en-US">
+                <a:solidFill>
+                  <a:srgbClr val="FF0000"/>
+                </a:solidFill>
+                <a:latin typeface="Arial" panose="020B0604020202020204" pitchFamily="34" charset="0"/>
+                <a:cs typeface="Arial" panose="020B0604020202020204" pitchFamily="34" charset="0"/>
+              </a:rPr>
+              <a:t>Narrative</a:t>
+            </a:r>
+          </a:p>
+          <a:p>
+            <a:pPr marL="342900" indent="-342900">
+              <a:lnSpc>
+                <a:spcPct val="250000"/>
+              </a:lnSpc>
+              <a:buFont typeface="+mj-lt"/>
+              <a:buAutoNum type="arabicPeriod"/>
+            </a:pPr>
+            <a:r>
+              <a:rPr lang="en-US">
+                <a:solidFill>
+                  <a:schemeClr val="bg1"/>
+                </a:solidFill>
+                <a:latin typeface="Arial" panose="020B0604020202020204" pitchFamily="34" charset="0"/>
+                <a:cs typeface="Arial" panose="020B0604020202020204" pitchFamily="34" charset="0"/>
+              </a:rPr>
+              <a:t>Machine learning Methods to Model Mechanical Wave Propagation - </a:t>
+            </a:r>
+            <a:r>
+              <a:rPr lang="en-US">
+                <a:solidFill>
+                  <a:srgbClr val="FF0000"/>
+                </a:solidFill>
+                <a:latin typeface="Arial" panose="020B0604020202020204" pitchFamily="34" charset="0"/>
+                <a:cs typeface="Arial" panose="020B0604020202020204" pitchFamily="34" charset="0"/>
+              </a:rPr>
+              <a:t>Narrative</a:t>
+            </a:r>
+          </a:p>
+          <a:p>
+            <a:pPr marL="342900" indent="-342900">
+              <a:lnSpc>
+                <a:spcPct val="250000"/>
+              </a:lnSpc>
+              <a:buFont typeface="+mj-lt"/>
+              <a:buAutoNum type="arabicPeriod"/>
+            </a:pPr>
             <a:r>
               <a:rPr lang="es-CO">
                 <a:solidFill>
                   <a:schemeClr val="bg1"/>
                 </a:solidFill>
+                <a:latin typeface="Arial" panose="020B0604020202020204" pitchFamily="34" charset="0"/>
+                <a:cs typeface="Arial" panose="020B0604020202020204" pitchFamily="34" charset="0"/>
               </a:rPr>
-              <a:t>"machine </a:t>
-            </a:r>
-            <a:r>
-              <a:rPr lang="es-CO" err="1">
+              <a:t>Applications</a:t>
+            </a:r>
+            <a:r>
+              <a:rPr lang="en-US">
                 <a:solidFill>
                   <a:schemeClr val="bg1"/>
                 </a:solidFill>
+                <a:latin typeface="Arial" panose="020B0604020202020204" pitchFamily="34" charset="0"/>
+                <a:cs typeface="Arial" panose="020B0604020202020204" pitchFamily="34" charset="0"/>
               </a:rPr>
-              <a:t>learning</a:t>
-            </a:r>
-            <a:r>
-              <a:rPr lang="es-CO">
+              <a:t>- </a:t>
+            </a:r>
+            <a:r>
+              <a:rPr lang="en-US">
+                <a:solidFill>
+                  <a:srgbClr val="00B050"/>
+                </a:solidFill>
+                <a:latin typeface="Arial" panose="020B0604020202020204" pitchFamily="34" charset="0"/>
+                <a:cs typeface="Arial" panose="020B0604020202020204" pitchFamily="34" charset="0"/>
+              </a:rPr>
+              <a:t>Systematic</a:t>
+            </a:r>
+          </a:p>
+        </p:txBody>
+      </p:sp>
+      <p:sp>
+        <p:nvSpPr>
+          <p:cNvPr id="5" name="CuadroTexto 4">
+            <a:extLst>
+              <a:ext uri="{FF2B5EF4-FFF2-40B4-BE49-F238E27FC236}">
+                <a16:creationId xmlns:a16="http://schemas.microsoft.com/office/drawing/2014/main" id="{9BBDC748-51F3-C2A8-7460-F6A7B4776F38}"/>
+              </a:ext>
+            </a:extLst>
+          </p:cNvPr>
+          <p:cNvSpPr txBox="1"/>
+          <p:nvPr/>
+        </p:nvSpPr>
+        <p:spPr>
+          <a:xfrm>
+            <a:off x="112014" y="6397382"/>
+            <a:ext cx="7679436" cy="338554"/>
+          </a:xfrm>
+          <a:prstGeom prst="rect">
+            <a:avLst/>
+          </a:prstGeom>
+          <a:noFill/>
+        </p:spPr>
+        <p:txBody>
+          <a:bodyPr wrap="square">
+            <a:spAutoFit/>
+          </a:bodyPr>
+          <a:lstStyle/>
+          <a:p>
+            <a:r>
+              <a:rPr lang="es-CO" sz="1600">
                 <a:solidFill>
                   <a:schemeClr val="bg1"/>
                 </a:solidFill>
+                <a:hlinkClick r:id="rId2">
+                  <a:extLst>
+                    <a:ext uri="{A12FA001-AC4F-418D-AE19-62706E023703}">
+                      <ahyp:hlinkClr xmlns:ahyp="http://schemas.microsoft.com/office/drawing/2018/hyperlinkcolor" val="tx"/>
+                    </a:ext>
+                  </a:extLst>
+                </a:hlinkClick>
               </a:rPr>
-              <a:t>" OR "</a:t>
-            </a:r>
-            <a:r>
-              <a:rPr lang="es-CO" err="1">
-                <a:solidFill>
-                  <a:schemeClr val="bg1"/>
-                </a:solidFill>
-              </a:rPr>
-              <a:t>deep</a:t>
-            </a:r>
-            <a:r>
-              <a:rPr lang="es-CO">
-                <a:solidFill>
-                  <a:schemeClr val="bg1"/>
-                </a:solidFill>
-              </a:rPr>
-              <a:t> </a:t>
-            </a:r>
-            <a:r>
-              <a:rPr lang="es-CO" err="1">
-                <a:solidFill>
-                  <a:schemeClr val="bg1"/>
-                </a:solidFill>
-              </a:rPr>
-              <a:t>learning</a:t>
-            </a:r>
-            <a:r>
-              <a:rPr lang="es-CO">
-                <a:solidFill>
-                  <a:schemeClr val="bg1"/>
-                </a:solidFill>
-              </a:rPr>
-              <a:t>" OR "neural </a:t>
-            </a:r>
-            <a:r>
-              <a:rPr lang="es-CO" err="1">
-                <a:solidFill>
-                  <a:schemeClr val="bg1"/>
-                </a:solidFill>
-              </a:rPr>
-              <a:t>networks</a:t>
-            </a:r>
-            <a:r>
-              <a:rPr lang="es-CO">
-                <a:solidFill>
-                  <a:schemeClr val="bg1"/>
-                </a:solidFill>
-              </a:rPr>
-              <a:t>" AND "wave </a:t>
-            </a:r>
-            <a:r>
-              <a:rPr lang="es-CO" err="1">
-                <a:solidFill>
-                  <a:schemeClr val="bg1"/>
-                </a:solidFill>
-              </a:rPr>
-              <a:t>propagation</a:t>
-            </a:r>
-            <a:r>
-              <a:rPr lang="es-CO">
-                <a:solidFill>
-                  <a:schemeClr val="bg1"/>
-                </a:solidFill>
-              </a:rPr>
-              <a:t>" OR "wave </a:t>
-            </a:r>
-            <a:r>
-              <a:rPr lang="es-CO" err="1">
-                <a:solidFill>
-                  <a:schemeClr val="bg1"/>
-                </a:solidFill>
-              </a:rPr>
-              <a:t>equation</a:t>
-            </a:r>
-            <a:r>
-              <a:rPr lang="es-CO">
-                <a:solidFill>
-                  <a:schemeClr val="bg1"/>
-                </a:solidFill>
-              </a:rPr>
-              <a:t>" AND (</a:t>
-            </a:r>
-            <a:r>
-              <a:rPr lang="es-CO" err="1">
-                <a:solidFill>
-                  <a:schemeClr val="bg1"/>
-                </a:solidFill>
-              </a:rPr>
-              <a:t>modeling</a:t>
-            </a:r>
-            <a:r>
-              <a:rPr lang="es-CO">
-                <a:solidFill>
-                  <a:schemeClr val="bg1"/>
-                </a:solidFill>
-              </a:rPr>
-              <a:t> OR </a:t>
-            </a:r>
-            <a:r>
-              <a:rPr lang="es-CO" err="1">
-                <a:solidFill>
-                  <a:schemeClr val="bg1"/>
-                </a:solidFill>
-              </a:rPr>
-              <a:t>modelling</a:t>
-            </a:r>
-            <a:r>
-              <a:rPr lang="es-CO">
-                <a:solidFill>
-                  <a:schemeClr val="bg1"/>
-                </a:solidFill>
-              </a:rPr>
-              <a:t> OR </a:t>
-            </a:r>
-            <a:r>
-              <a:rPr lang="es-CO" err="1">
-                <a:solidFill>
-                  <a:schemeClr val="bg1"/>
-                </a:solidFill>
-              </a:rPr>
-              <a:t>model</a:t>
-            </a:r>
-            <a:r>
-              <a:rPr lang="es-CO">
-                <a:solidFill>
-                  <a:schemeClr val="bg1"/>
-                </a:solidFill>
-              </a:rPr>
-              <a:t> OR </a:t>
-            </a:r>
-            <a:r>
-              <a:rPr lang="es-CO" err="1">
-                <a:solidFill>
-                  <a:schemeClr val="bg1"/>
-                </a:solidFill>
-              </a:rPr>
-              <a:t>simulation</a:t>
-            </a:r>
-            <a:r>
-              <a:rPr lang="es-CO">
-                <a:solidFill>
-                  <a:schemeClr val="bg1"/>
-                </a:solidFill>
-              </a:rPr>
-              <a:t>)</a:t>
-            </a:r>
+              <a:t>https://github.com/oscar-rincon/review-elastic-waves/tree/main/refs</a:t>
+            </a:r>
+            <a:endParaRPr lang="es-CO" sz="1600">
+              <a:solidFill>
+                <a:schemeClr val="bg1"/>
+              </a:solidFill>
+            </a:endParaRPr>
           </a:p>
         </p:txBody>
       </p:sp>
     </p:spTree>
     <p:extLst>
       <p:ext uri="{BB962C8B-B14F-4D97-AF65-F5344CB8AC3E}">
-        <p14:creationId xmlns:p14="http://schemas.microsoft.com/office/powerpoint/2010/main" val="1476158871"/>
+        <p14:creationId xmlns:p14="http://schemas.microsoft.com/office/powerpoint/2010/main" val="979287115"/>
       </p:ext>
     </p:extLst>
   </p:cSld>
@@ -6097,7 +6067,7 @@
 </p:sld>
 </file>
 
-<file path=ppt/slides/slide5.xml><?xml version="1.0" encoding="utf-8"?>
+<file path=ppt/slides/slide4.xml><?xml version="1.0" encoding="utf-8"?>
 <p:sld xmlns:a="http://schemas.openxmlformats.org/drawingml/2006/main" xmlns:r="http://schemas.openxmlformats.org/officeDocument/2006/relationships" xmlns:p="http://schemas.openxmlformats.org/presentationml/2006/main">
   <p:cSld>
     <p:spTree>
@@ -6182,7 +6152,7 @@
         </p:nvSpPr>
         <p:spPr>
           <a:xfrm>
-            <a:off x="2520696" y="457200"/>
+            <a:off x="2520696" y="143821"/>
             <a:ext cx="7150608" cy="461665"/>
           </a:xfrm>
           <a:prstGeom prst="rect">
@@ -6198,7 +6168,7 @@
           <a:p>
             <a:pPr algn="ctr"/>
             <a:r>
-              <a:rPr lang="en-US" sz="2400" b="1">
+              <a:rPr lang="es-CO" sz="2400" b="1">
                 <a:solidFill>
                   <a:schemeClr val="bg1"/>
                 </a:solidFill>
@@ -6206,122 +6176,17 @@
                 <a:ea typeface="Source Sans Pro" panose="020B0503030403020204" pitchFamily="34" charset="0"/>
                 <a:cs typeface="Arial" panose="020B0604020202020204" pitchFamily="34" charset="0"/>
               </a:rPr>
-              <a:t>Modeling of Mechanical Wave Propagation</a:t>
-            </a:r>
-            <a:endParaRPr lang="es-CO" sz="2400" b="1">
-              <a:solidFill>
-                <a:schemeClr val="bg1"/>
-              </a:solidFill>
-              <a:latin typeface="Arial" panose="020B0604020202020204" pitchFamily="34" charset="0"/>
-              <a:ea typeface="Source Sans Pro" panose="020B0503030403020204" pitchFamily="34" charset="0"/>
-              <a:cs typeface="Arial" panose="020B0604020202020204" pitchFamily="34" charset="0"/>
-            </a:endParaRPr>
-          </a:p>
-        </p:txBody>
-      </p:sp>
-      <p:sp>
-        <p:nvSpPr>
-          <p:cNvPr id="142" name="CuadroTexto 141">
-            <a:extLst>
-              <a:ext uri="{FF2B5EF4-FFF2-40B4-BE49-F238E27FC236}">
-                <a16:creationId xmlns:a16="http://schemas.microsoft.com/office/drawing/2014/main" id="{05A1B72F-A3E0-D3C6-90D0-707E4D805AE0}"/>
-              </a:ext>
-            </a:extLst>
-          </p:cNvPr>
-          <p:cNvSpPr txBox="1"/>
-          <p:nvPr/>
-        </p:nvSpPr>
-        <p:spPr>
-          <a:xfrm>
-            <a:off x="752475" y="1116287"/>
-            <a:ext cx="10448925" cy="923330"/>
-          </a:xfrm>
-          <a:prstGeom prst="rect">
-            <a:avLst/>
-          </a:prstGeom>
-          <a:noFill/>
-        </p:spPr>
-        <p:txBody>
-          <a:bodyPr wrap="square">
-            <a:spAutoFit/>
-          </a:bodyPr>
-          <a:lstStyle/>
-          <a:p>
-            <a:pPr algn="just"/>
-            <a:r>
-              <a:rPr lang="en-US">
-                <a:solidFill>
-                  <a:schemeClr val="bg1"/>
-                </a:solidFill>
-              </a:rPr>
-              <a:t>The process of determining the causes of a set of observations is known as the inverse problem (Tarantola, 2005), aiming to infer, for example, the properties of a medium based on its reaction to mechanical wave propagation. </a:t>
-            </a:r>
-            <a:endParaRPr lang="es-CO">
-              <a:solidFill>
-                <a:schemeClr val="bg1"/>
-              </a:solidFill>
-            </a:endParaRPr>
-          </a:p>
-        </p:txBody>
-      </p:sp>
-      <p:sp>
-        <p:nvSpPr>
-          <p:cNvPr id="6" name="Rectángulo 5">
-            <a:extLst>
-              <a:ext uri="{FF2B5EF4-FFF2-40B4-BE49-F238E27FC236}">
-                <a16:creationId xmlns:a16="http://schemas.microsoft.com/office/drawing/2014/main" id="{B0E8069C-D6AF-FE2E-8A1A-970681F330D4}"/>
-              </a:ext>
-            </a:extLst>
-          </p:cNvPr>
-          <p:cNvSpPr/>
-          <p:nvPr/>
-        </p:nvSpPr>
-        <p:spPr>
-          <a:xfrm>
-            <a:off x="1990725" y="2675981"/>
-            <a:ext cx="7753349" cy="2725238"/>
-          </a:xfrm>
-          <a:prstGeom prst="rect">
-            <a:avLst/>
-          </a:prstGeom>
-          <a:solidFill>
-            <a:schemeClr val="bg1"/>
-          </a:solidFill>
-          <a:ln>
-            <a:noFill/>
-          </a:ln>
-        </p:spPr>
-        <p:style>
-          <a:lnRef idx="2">
-            <a:schemeClr val="accent1">
-              <a:shade val="15000"/>
-            </a:schemeClr>
-          </a:lnRef>
-          <a:fillRef idx="1">
-            <a:schemeClr val="accent1"/>
-          </a:fillRef>
-          <a:effectRef idx="0">
-            <a:schemeClr val="accent1"/>
-          </a:effectRef>
-          <a:fontRef idx="minor">
-            <a:schemeClr val="lt1"/>
-          </a:fontRef>
-        </p:style>
-        <p:txBody>
-          <a:bodyPr rtlCol="0" anchor="ctr"/>
-          <a:lstStyle/>
-          <a:p>
-            <a:pPr algn="ctr"/>
-            <a:endParaRPr lang="es-CO"/>
+              <a:t>Introduction</a:t>
+            </a:r>
           </a:p>
         </p:txBody>
       </p:sp>
       <p:pic>
         <p:nvPicPr>
-          <p:cNvPr id="5" name="Gráfico 4">
-            <a:extLst>
-              <a:ext uri="{FF2B5EF4-FFF2-40B4-BE49-F238E27FC236}">
-                <a16:creationId xmlns:a16="http://schemas.microsoft.com/office/drawing/2014/main" id="{A38B8CC5-FC92-F762-FBEB-4335E1F0FD02}"/>
+          <p:cNvPr id="10" name="Gráfico 9">
+            <a:extLst>
+              <a:ext uri="{FF2B5EF4-FFF2-40B4-BE49-F238E27FC236}">
+                <a16:creationId xmlns:a16="http://schemas.microsoft.com/office/drawing/2014/main" id="{E2566563-CEC1-1550-121C-345DC36DCDF5}"/>
               </a:ext>
             </a:extLst>
           </p:cNvPr>
@@ -6331,10 +6196,10 @@
           <p:nvPr/>
         </p:nvPicPr>
         <p:blipFill>
-          <a:blip r:embed="rId2">
+          <a:blip r:embed="rId3">
             <a:extLst>
               <a:ext uri="{96DAC541-7B7A-43D3-8B79-37D633B846F1}">
-                <asvg:svgBlip xmlns:asvg="http://schemas.microsoft.com/office/drawing/2016/SVG/main" r:embed="rId3"/>
+                <asvg:svgBlip xmlns:asvg="http://schemas.microsoft.com/office/drawing/2016/SVG/main" r:embed="rId4"/>
               </a:ext>
             </a:extLst>
           </a:blip>
@@ -6344,18 +6209,370 @@
         </p:blipFill>
         <p:spPr>
           <a:xfrm>
-            <a:off x="1652962" y="2843887"/>
-            <a:ext cx="8886076" cy="2389426"/>
+            <a:off x="930506" y="2518283"/>
+            <a:ext cx="5269126" cy="3518957"/>
           </a:xfrm>
           <a:prstGeom prst="rect">
             <a:avLst/>
           </a:prstGeom>
         </p:spPr>
       </p:pic>
+      <p:sp>
+        <p:nvSpPr>
+          <p:cNvPr id="142" name="CuadroTexto 141">
+            <a:extLst>
+              <a:ext uri="{FF2B5EF4-FFF2-40B4-BE49-F238E27FC236}">
+                <a16:creationId xmlns:a16="http://schemas.microsoft.com/office/drawing/2014/main" id="{05A1B72F-A3E0-D3C6-90D0-707E4D805AE0}"/>
+              </a:ext>
+            </a:extLst>
+          </p:cNvPr>
+          <p:cNvSpPr txBox="1"/>
+          <p:nvPr/>
+        </p:nvSpPr>
+        <p:spPr>
+          <a:xfrm>
+            <a:off x="903490" y="605486"/>
+            <a:ext cx="5296142" cy="1877437"/>
+          </a:xfrm>
+          <a:prstGeom prst="rect">
+            <a:avLst/>
+          </a:prstGeom>
+          <a:noFill/>
+        </p:spPr>
+        <p:txBody>
+          <a:bodyPr wrap="square">
+            <a:spAutoFit/>
+          </a:bodyPr>
+          <a:lstStyle/>
+          <a:p>
+            <a:r>
+              <a:rPr lang="es-CO" b="1">
+                <a:solidFill>
+                  <a:schemeClr val="bg1"/>
+                </a:solidFill>
+              </a:rPr>
+              <a:t>Queries:</a:t>
+            </a:r>
+          </a:p>
+          <a:p>
+            <a:pPr marL="285750" indent="-285750">
+              <a:buFont typeface="Arial" panose="020B0604020202020204" pitchFamily="34" charset="0"/>
+              <a:buChar char="•"/>
+            </a:pPr>
+            <a:endParaRPr lang="es-CO" sz="1400" b="1">
+              <a:solidFill>
+                <a:schemeClr val="bg1"/>
+              </a:solidFill>
+              <a:latin typeface="Courier New" panose="02070309020205020404" pitchFamily="49" charset="0"/>
+              <a:cs typeface="Courier New" panose="02070309020205020404" pitchFamily="49" charset="0"/>
+            </a:endParaRPr>
+          </a:p>
+          <a:p>
+            <a:pPr marL="285750" indent="-285750">
+              <a:buFont typeface="Arial" panose="020B0604020202020204" pitchFamily="34" charset="0"/>
+              <a:buChar char="•"/>
+            </a:pPr>
+            <a:r>
+              <a:rPr lang="es-CO" sz="1400" b="1">
+                <a:solidFill>
+                  <a:schemeClr val="bg1"/>
+                </a:solidFill>
+                <a:latin typeface="Courier New" panose="02070309020205020404" pitchFamily="49" charset="0"/>
+                <a:cs typeface="Courier New" panose="02070309020205020404" pitchFamily="49" charset="0"/>
+              </a:rPr>
+              <a:t>"machine learning" OR "deep learning" OR "neural networks" AND "wave propagation" OR "wave equation" AND (modeling OR modelling OR model OR simulation)</a:t>
+            </a:r>
+          </a:p>
+          <a:p>
+            <a:pPr marL="285750" indent="-285750">
+              <a:buFont typeface="Arial" panose="020B0604020202020204" pitchFamily="34" charset="0"/>
+              <a:buChar char="•"/>
+            </a:pPr>
+            <a:endParaRPr lang="es-CO" sz="1400" b="1">
+              <a:solidFill>
+                <a:schemeClr val="bg1"/>
+              </a:solidFill>
+              <a:latin typeface="Courier New" panose="02070309020205020404" pitchFamily="49" charset="0"/>
+              <a:cs typeface="Courier New" panose="02070309020205020404" pitchFamily="49" charset="0"/>
+            </a:endParaRPr>
+          </a:p>
+          <a:p>
+            <a:pPr marL="285750" indent="-285750">
+              <a:buFont typeface="Arial" panose="020B0604020202020204" pitchFamily="34" charset="0"/>
+              <a:buChar char="•"/>
+            </a:pPr>
+            <a:r>
+              <a:rPr lang="en-US" sz="1400" b="1">
+                <a:solidFill>
+                  <a:schemeClr val="bg1"/>
+                </a:solidFill>
+                <a:latin typeface="Courier New" panose="02070309020205020404" pitchFamily="49" charset="0"/>
+                <a:cs typeface="Courier New" panose="02070309020205020404" pitchFamily="49" charset="0"/>
+              </a:rPr>
+              <a:t>PUBYEAR &gt; 2009 AND PUBYEAR &lt; 2024</a:t>
+            </a:r>
+            <a:endParaRPr lang="es-CO" sz="1400" b="1">
+              <a:solidFill>
+                <a:schemeClr val="bg1"/>
+              </a:solidFill>
+              <a:latin typeface="Courier New" panose="02070309020205020404" pitchFamily="49" charset="0"/>
+              <a:cs typeface="Courier New" panose="02070309020205020404" pitchFamily="49" charset="0"/>
+            </a:endParaRPr>
+          </a:p>
+        </p:txBody>
+      </p:sp>
+      <p:sp>
+        <p:nvSpPr>
+          <p:cNvPr id="7" name="CuadroTexto 6">
+            <a:extLst>
+              <a:ext uri="{FF2B5EF4-FFF2-40B4-BE49-F238E27FC236}">
+                <a16:creationId xmlns:a16="http://schemas.microsoft.com/office/drawing/2014/main" id="{44AFBF72-A81D-F29D-4BC8-964C2A81AB48}"/>
+              </a:ext>
+            </a:extLst>
+          </p:cNvPr>
+          <p:cNvSpPr txBox="1"/>
+          <p:nvPr/>
+        </p:nvSpPr>
+        <p:spPr>
+          <a:xfrm>
+            <a:off x="7354443" y="1005263"/>
+            <a:ext cx="4633722" cy="3796360"/>
+          </a:xfrm>
+          <a:prstGeom prst="rect">
+            <a:avLst/>
+          </a:prstGeom>
+          <a:noFill/>
+        </p:spPr>
+        <p:txBody>
+          <a:bodyPr wrap="square">
+            <a:spAutoFit/>
+          </a:bodyPr>
+          <a:lstStyle/>
+          <a:p>
+            <a:pPr>
+              <a:lnSpc>
+                <a:spcPct val="150000"/>
+              </a:lnSpc>
+            </a:pPr>
+            <a:r>
+              <a:rPr lang="es-CO" b="1">
+                <a:solidFill>
+                  <a:schemeClr val="bg1"/>
+                </a:solidFill>
+              </a:rPr>
+              <a:t>Possible causes</a:t>
+            </a:r>
+          </a:p>
+          <a:p>
+            <a:pPr>
+              <a:lnSpc>
+                <a:spcPct val="150000"/>
+              </a:lnSpc>
+            </a:pPr>
+            <a:endParaRPr lang="en-US" sz="1600">
+              <a:solidFill>
+                <a:schemeClr val="bg1"/>
+              </a:solidFill>
+            </a:endParaRPr>
+          </a:p>
+          <a:p>
+            <a:pPr marL="285750" indent="-285750">
+              <a:lnSpc>
+                <a:spcPct val="150000"/>
+              </a:lnSpc>
+              <a:buFont typeface="Wingdings" panose="05000000000000000000" pitchFamily="2" charset="2"/>
+              <a:buChar char="q"/>
+            </a:pPr>
+            <a:r>
+              <a:rPr lang="en-US" sz="1600">
+                <a:solidFill>
+                  <a:schemeClr val="bg1"/>
+                </a:solidFill>
+              </a:rPr>
+              <a:t>Hardware </a:t>
+            </a:r>
+          </a:p>
+          <a:p>
+            <a:pPr marL="742950" lvl="1" indent="-285750">
+              <a:lnSpc>
+                <a:spcPct val="150000"/>
+              </a:lnSpc>
+              <a:buFont typeface="Wingdings" panose="05000000000000000000" pitchFamily="2" charset="2"/>
+              <a:buChar char="§"/>
+            </a:pPr>
+            <a:r>
+              <a:rPr lang="en-US" sz="1600">
+                <a:solidFill>
+                  <a:schemeClr val="bg1"/>
+                </a:solidFill>
+              </a:rPr>
+              <a:t>GPU</a:t>
+            </a:r>
+          </a:p>
+          <a:p>
+            <a:pPr marL="742950" lvl="1" indent="-285750">
+              <a:lnSpc>
+                <a:spcPct val="150000"/>
+              </a:lnSpc>
+              <a:buFont typeface="Wingdings" panose="05000000000000000000" pitchFamily="2" charset="2"/>
+              <a:buChar char="§"/>
+            </a:pPr>
+            <a:r>
+              <a:rPr lang="en-US" sz="1600">
+                <a:solidFill>
+                  <a:schemeClr val="bg1"/>
+                </a:solidFill>
+              </a:rPr>
+              <a:t>Storage</a:t>
+            </a:r>
+          </a:p>
+          <a:p>
+            <a:pPr marL="285750" indent="-285750">
+              <a:lnSpc>
+                <a:spcPct val="150000"/>
+              </a:lnSpc>
+              <a:buFont typeface="Wingdings" panose="05000000000000000000" pitchFamily="2" charset="2"/>
+              <a:buChar char="q"/>
+            </a:pPr>
+            <a:r>
+              <a:rPr lang="en-US" sz="1600">
+                <a:solidFill>
+                  <a:schemeClr val="bg1"/>
+                </a:solidFill>
+              </a:rPr>
+              <a:t>Available data</a:t>
+            </a:r>
+          </a:p>
+          <a:p>
+            <a:pPr marL="285750" indent="-285750">
+              <a:lnSpc>
+                <a:spcPct val="150000"/>
+              </a:lnSpc>
+              <a:buFont typeface="Wingdings" panose="05000000000000000000" pitchFamily="2" charset="2"/>
+              <a:buChar char="q"/>
+            </a:pPr>
+            <a:r>
+              <a:rPr lang="en-US" sz="1600">
+                <a:solidFill>
+                  <a:schemeClr val="bg1"/>
+                </a:solidFill>
+              </a:rPr>
+              <a:t>Open-source packages</a:t>
+            </a:r>
+          </a:p>
+          <a:p>
+            <a:pPr marL="742950" lvl="1" indent="-285750">
+              <a:lnSpc>
+                <a:spcPct val="150000"/>
+              </a:lnSpc>
+              <a:buFont typeface="Wingdings" panose="05000000000000000000" pitchFamily="2" charset="2"/>
+              <a:buChar char="§"/>
+            </a:pPr>
+            <a:r>
+              <a:rPr lang="en-US" sz="1600">
+                <a:solidFill>
+                  <a:schemeClr val="bg1"/>
+                </a:solidFill>
+              </a:rPr>
+              <a:t>Tensorflow</a:t>
+            </a:r>
+          </a:p>
+          <a:p>
+            <a:pPr marL="742950" lvl="1" indent="-285750">
+              <a:lnSpc>
+                <a:spcPct val="150000"/>
+              </a:lnSpc>
+              <a:buFont typeface="Wingdings" panose="05000000000000000000" pitchFamily="2" charset="2"/>
+              <a:buChar char="§"/>
+            </a:pPr>
+            <a:r>
+              <a:rPr lang="en-US" sz="1600">
+                <a:solidFill>
+                  <a:schemeClr val="bg1"/>
+                </a:solidFill>
+              </a:rPr>
+              <a:t> PyTorch</a:t>
+            </a:r>
+          </a:p>
+          <a:p>
+            <a:pPr marL="742950" lvl="1" indent="-285750">
+              <a:lnSpc>
+                <a:spcPct val="150000"/>
+              </a:lnSpc>
+              <a:buFont typeface="Wingdings" panose="05000000000000000000" pitchFamily="2" charset="2"/>
+              <a:buChar char="§"/>
+            </a:pPr>
+            <a:r>
+              <a:rPr lang="en-US" sz="1600">
+                <a:solidFill>
+                  <a:schemeClr val="bg1"/>
+                </a:solidFill>
+              </a:rPr>
+              <a:t> JAX</a:t>
+            </a:r>
+            <a:endParaRPr lang="es-CO" sz="1600">
+              <a:solidFill>
+                <a:schemeClr val="bg1"/>
+              </a:solidFill>
+            </a:endParaRPr>
+          </a:p>
+        </p:txBody>
+      </p:sp>
+      <p:sp>
+        <p:nvSpPr>
+          <p:cNvPr id="16" name="CuadroTexto 15">
+            <a:extLst>
+              <a:ext uri="{FF2B5EF4-FFF2-40B4-BE49-F238E27FC236}">
+                <a16:creationId xmlns:a16="http://schemas.microsoft.com/office/drawing/2014/main" id="{4A3BD2B9-35C8-CAEA-4DE2-3F4D5FBEC9E5}"/>
+              </a:ext>
+            </a:extLst>
+          </p:cNvPr>
+          <p:cNvSpPr txBox="1"/>
+          <p:nvPr/>
+        </p:nvSpPr>
+        <p:spPr>
+          <a:xfrm>
+            <a:off x="123824" y="6488668"/>
+            <a:ext cx="10201275" cy="338554"/>
+          </a:xfrm>
+          <a:prstGeom prst="rect">
+            <a:avLst/>
+          </a:prstGeom>
+          <a:noFill/>
+        </p:spPr>
+        <p:txBody>
+          <a:bodyPr wrap="square">
+            <a:spAutoFit/>
+          </a:bodyPr>
+          <a:lstStyle/>
+          <a:p>
+            <a:r>
+              <a:rPr lang="es-CO" sz="1600">
+                <a:solidFill>
+                  <a:schemeClr val="bg1"/>
+                </a:solidFill>
+                <a:hlinkClick r:id="rId5">
+                  <a:extLst>
+                    <a:ext uri="{A12FA001-AC4F-418D-AE19-62706E023703}">
+                      <ahyp:hlinkClr xmlns:ahyp="http://schemas.microsoft.com/office/drawing/2018/hyperlinkcolor" val="tx"/>
+                    </a:ext>
+                  </a:extLst>
+                </a:hlinkClick>
+              </a:rPr>
+              <a:t>https://github.com/oscar-rincon/review-elastic-waves/tree/main/main/publications_number_year</a:t>
+            </a:r>
+            <a:endParaRPr lang="es-CO" sz="1600">
+              <a:solidFill>
+                <a:schemeClr val="bg1"/>
+              </a:solidFill>
+            </a:endParaRPr>
+          </a:p>
+        </p:txBody>
+      </p:sp>
     </p:spTree>
     <p:extLst>
       <p:ext uri="{BB962C8B-B14F-4D97-AF65-F5344CB8AC3E}">
-        <p14:creationId xmlns:p14="http://schemas.microsoft.com/office/powerpoint/2010/main" val="3976370894"/>
+        <p14:creationId xmlns:p14="http://schemas.microsoft.com/office/powerpoint/2010/main" val="1476158871"/>
       </p:ext>
     </p:extLst>
   </p:cSld>
@@ -6365,7 +6582,7 @@
 </p:sld>
 </file>
 
-<file path=ppt/slides/slide6.xml><?xml version="1.0" encoding="utf-8"?>
+<file path=ppt/slides/slide5.xml><?xml version="1.0" encoding="utf-8"?>
 <p:sld xmlns:a="http://schemas.openxmlformats.org/drawingml/2006/main" xmlns:r="http://schemas.openxmlformats.org/officeDocument/2006/relationships" xmlns:p="http://schemas.openxmlformats.org/presentationml/2006/main">
   <p:cSld>
     <p:spTree>
@@ -6387,7 +6604,7 @@
           <p:cNvPr id="2" name="Rectángulo 1">
             <a:extLst>
               <a:ext uri="{FF2B5EF4-FFF2-40B4-BE49-F238E27FC236}">
-                <a16:creationId xmlns:a16="http://schemas.microsoft.com/office/drawing/2014/main" id="{3405F8D3-8425-2526-113B-58DEA4170481}"/>
+                <a16:creationId xmlns:a16="http://schemas.microsoft.com/office/drawing/2014/main" id="{33B43DF0-55BF-79E0-2273-FD3CA4767423}"/>
               </a:ext>
             </a:extLst>
           </p:cNvPr>
@@ -6441,7 +6658,7 @@
           <p:cNvPr id="3" name="CuadroTexto 2">
             <a:extLst>
               <a:ext uri="{FF2B5EF4-FFF2-40B4-BE49-F238E27FC236}">
-                <a16:creationId xmlns:a16="http://schemas.microsoft.com/office/drawing/2014/main" id="{BDA77A03-7817-99E9-95F4-C31F632E1A3A}"/>
+                <a16:creationId xmlns:a16="http://schemas.microsoft.com/office/drawing/2014/main" id="{254F0281-F108-BD43-3A10-671B6D0CB599}"/>
               </a:ext>
             </a:extLst>
           </p:cNvPr>
@@ -6450,8 +6667,8 @@
         </p:nvSpPr>
         <p:spPr>
           <a:xfrm>
-            <a:off x="1524000" y="561975"/>
-            <a:ext cx="8839200" cy="461665"/>
+            <a:off x="2520696" y="457200"/>
+            <a:ext cx="7150608" cy="461665"/>
           </a:xfrm>
           <a:prstGeom prst="rect">
             <a:avLst/>
@@ -6474,7 +6691,7 @@
                 <a:ea typeface="Source Sans Pro" panose="020B0503030403020204" pitchFamily="34" charset="0"/>
                 <a:cs typeface="Arial" panose="020B0604020202020204" pitchFamily="34" charset="0"/>
               </a:rPr>
-              <a:t>Machine learning Methods to solve Diferential Equations</a:t>
+              <a:t>Modeling of Mechanical Wave Propagation</a:t>
             </a:r>
             <a:endParaRPr lang="es-CO" sz="2400" b="1">
               <a:solidFill>
@@ -6487,46 +6704,3307 @@
           </a:p>
         </p:txBody>
       </p:sp>
-      <p:pic>
-        <p:nvPicPr>
-          <p:cNvPr id="9" name="Gráfico 8">
-            <a:extLst>
-              <a:ext uri="{FF2B5EF4-FFF2-40B4-BE49-F238E27FC236}">
-                <a16:creationId xmlns:a16="http://schemas.microsoft.com/office/drawing/2014/main" id="{C765EF87-CCAA-3EB8-63C6-FAD0231739B9}"/>
-              </a:ext>
-            </a:extLst>
-          </p:cNvPr>
-          <p:cNvPicPr>
-            <a:picLocks noChangeAspect="1"/>
-          </p:cNvPicPr>
+      <p:grpSp>
+        <p:nvGrpSpPr>
+          <p:cNvPr id="17" name="Gráfico 15">
+            <a:extLst>
+              <a:ext uri="{FF2B5EF4-FFF2-40B4-BE49-F238E27FC236}">
+                <a16:creationId xmlns:a16="http://schemas.microsoft.com/office/drawing/2014/main" id="{6F2A1AE8-A572-6C7F-9891-D8C9CDFA3797}"/>
+              </a:ext>
+            </a:extLst>
+          </p:cNvPr>
+          <p:cNvGrpSpPr/>
           <p:nvPr/>
-        </p:nvPicPr>
-        <p:blipFill>
-          <a:blip r:embed="rId2">
-            <a:extLst>
-              <a:ext uri="{96DAC541-7B7A-43D3-8B79-37D633B846F1}">
-                <asvg:svgBlip xmlns:asvg="http://schemas.microsoft.com/office/drawing/2016/SVG/main" r:embed="rId3"/>
-              </a:ext>
-            </a:extLst>
-          </a:blip>
-          <a:stretch>
-            <a:fillRect/>
-          </a:stretch>
-        </p:blipFill>
-        <p:spPr>
+        </p:nvGrpSpPr>
+        <p:grpSpPr>
           <a:xfrm>
-            <a:off x="1378176" y="2771774"/>
-            <a:ext cx="8834441" cy="2619376"/>
+            <a:off x="2272615" y="918863"/>
+            <a:ext cx="7843327" cy="5327156"/>
+            <a:chOff x="2272615" y="918863"/>
+            <a:chExt cx="7843327" cy="5327156"/>
           </a:xfrm>
-          <a:prstGeom prst="rect">
-            <a:avLst/>
-          </a:prstGeom>
-        </p:spPr>
-      </p:pic>
+        </p:grpSpPr>
+        <p:sp>
+          <p:nvSpPr>
+            <p:cNvPr id="18" name="Forma libre: forma 17">
+              <a:extLst>
+                <a:ext uri="{FF2B5EF4-FFF2-40B4-BE49-F238E27FC236}">
+                  <a16:creationId xmlns:a16="http://schemas.microsoft.com/office/drawing/2014/main" id="{E47B2C29-FBF5-6243-C3BD-1A0C0DE60817}"/>
+                </a:ext>
+              </a:extLst>
+            </p:cNvPr>
+            <p:cNvSpPr/>
+            <p:nvPr/>
+          </p:nvSpPr>
+          <p:spPr>
+            <a:xfrm>
+              <a:off x="2272615" y="918863"/>
+              <a:ext cx="7842723" cy="5327156"/>
+            </a:xfrm>
+            <a:custGeom>
+              <a:avLst/>
+              <a:gdLst>
+                <a:gd name="connsiteX0" fmla="*/ 162 w 7842723"/>
+                <a:gd name="connsiteY0" fmla="*/ 119 h 5327156"/>
+                <a:gd name="connsiteX1" fmla="*/ 7842886 w 7842723"/>
+                <a:gd name="connsiteY1" fmla="*/ 119 h 5327156"/>
+                <a:gd name="connsiteX2" fmla="*/ 7842886 w 7842723"/>
+                <a:gd name="connsiteY2" fmla="*/ 5327277 h 5327156"/>
+                <a:gd name="connsiteX3" fmla="*/ 162 w 7842723"/>
+                <a:gd name="connsiteY3" fmla="*/ 5327277 h 5327156"/>
+              </a:gdLst>
+              <a:ahLst/>
+              <a:cxnLst>
+                <a:cxn ang="0">
+                  <a:pos x="connsiteX0" y="connsiteY0"/>
+                </a:cxn>
+                <a:cxn ang="0">
+                  <a:pos x="connsiteX1" y="connsiteY1"/>
+                </a:cxn>
+                <a:cxn ang="0">
+                  <a:pos x="connsiteX2" y="connsiteY2"/>
+                </a:cxn>
+                <a:cxn ang="0">
+                  <a:pos x="connsiteX3" y="connsiteY3"/>
+                </a:cxn>
+              </a:cxnLst>
+              <a:rect l="l" t="t" r="r" b="b"/>
+              <a:pathLst>
+                <a:path w="7842723" h="5327156">
+                  <a:moveTo>
+                    <a:pt x="162" y="119"/>
+                  </a:moveTo>
+                  <a:lnTo>
+                    <a:pt x="7842886" y="119"/>
+                  </a:lnTo>
+                  <a:lnTo>
+                    <a:pt x="7842886" y="5327277"/>
+                  </a:lnTo>
+                  <a:lnTo>
+                    <a:pt x="162" y="5327277"/>
+                  </a:lnTo>
+                  <a:close/>
+                </a:path>
+              </a:pathLst>
+            </a:custGeom>
+            <a:solidFill>
+              <a:srgbClr val="FFFFFF"/>
+            </a:solidFill>
+            <a:ln w="9422" cap="flat">
+              <a:noFill/>
+              <a:prstDash val="solid"/>
+              <a:miter/>
+            </a:ln>
+          </p:spPr>
+          <p:txBody>
+            <a:bodyPr rtlCol="0" anchor="ctr"/>
+            <a:lstStyle/>
+            <a:p>
+              <a:endParaRPr lang="es-CO"/>
+            </a:p>
+          </p:txBody>
+        </p:sp>
+        <p:sp>
+          <p:nvSpPr>
+            <p:cNvPr id="19" name="Forma libre: forma 18">
+              <a:extLst>
+                <a:ext uri="{FF2B5EF4-FFF2-40B4-BE49-F238E27FC236}">
+                  <a16:creationId xmlns:a16="http://schemas.microsoft.com/office/drawing/2014/main" id="{5E85B239-B6D2-2530-420D-4EC15CA87929}"/>
+                </a:ext>
+              </a:extLst>
+            </p:cNvPr>
+            <p:cNvSpPr/>
+            <p:nvPr/>
+          </p:nvSpPr>
+          <p:spPr>
+            <a:xfrm>
+              <a:off x="9592788" y="4223537"/>
+              <a:ext cx="13951" cy="219175"/>
+            </a:xfrm>
+            <a:custGeom>
+              <a:avLst/>
+              <a:gdLst>
+                <a:gd name="connsiteX0" fmla="*/ 342 w 13951"/>
+                <a:gd name="connsiteY0" fmla="*/ 159 h 219175"/>
+                <a:gd name="connsiteX1" fmla="*/ 342 w 13951"/>
+                <a:gd name="connsiteY1" fmla="*/ 219335 h 219175"/>
+              </a:gdLst>
+              <a:ahLst/>
+              <a:cxnLst>
+                <a:cxn ang="0">
+                  <a:pos x="connsiteX0" y="connsiteY0"/>
+                </a:cxn>
+                <a:cxn ang="0">
+                  <a:pos x="connsiteX1" y="connsiteY1"/>
+                </a:cxn>
+              </a:cxnLst>
+              <a:rect l="l" t="t" r="r" b="b"/>
+              <a:pathLst>
+                <a:path w="13951" h="219175">
+                  <a:moveTo>
+                    <a:pt x="342" y="159"/>
+                  </a:moveTo>
+                  <a:lnTo>
+                    <a:pt x="342" y="219335"/>
+                  </a:lnTo>
+                </a:path>
+              </a:pathLst>
+            </a:custGeom>
+            <a:noFill/>
+            <a:ln w="9037" cap="flat">
+              <a:solidFill>
+                <a:srgbClr val="000000"/>
+              </a:solidFill>
+              <a:prstDash val="solid"/>
+              <a:miter/>
+            </a:ln>
+          </p:spPr>
+          <p:txBody>
+            <a:bodyPr rtlCol="0" anchor="ctr"/>
+            <a:lstStyle/>
+            <a:p>
+              <a:endParaRPr lang="es-CO"/>
+            </a:p>
+          </p:txBody>
+        </p:sp>
+        <p:sp>
+          <p:nvSpPr>
+            <p:cNvPr id="20" name="Forma libre: forma 19">
+              <a:extLst>
+                <a:ext uri="{FF2B5EF4-FFF2-40B4-BE49-F238E27FC236}">
+                  <a16:creationId xmlns:a16="http://schemas.microsoft.com/office/drawing/2014/main" id="{84A41940-2DD2-CCF0-83D7-D7C68CF3C71C}"/>
+                </a:ext>
+              </a:extLst>
+            </p:cNvPr>
+            <p:cNvSpPr/>
+            <p:nvPr/>
+          </p:nvSpPr>
+          <p:spPr>
+            <a:xfrm>
+              <a:off x="8620034" y="4218792"/>
+              <a:ext cx="13951" cy="9111"/>
+            </a:xfrm>
+            <a:custGeom>
+              <a:avLst/>
+              <a:gdLst>
+                <a:gd name="connsiteX0" fmla="*/ 290 w 13951"/>
+                <a:gd name="connsiteY0" fmla="*/ 153 h 9111"/>
+                <a:gd name="connsiteX1" fmla="*/ 290 w 13951"/>
+                <a:gd name="connsiteY1" fmla="*/ 9265 h 9111"/>
+              </a:gdLst>
+              <a:ahLst/>
+              <a:cxnLst>
+                <a:cxn ang="0">
+                  <a:pos x="connsiteX0" y="connsiteY0"/>
+                </a:cxn>
+                <a:cxn ang="0">
+                  <a:pos x="connsiteX1" y="connsiteY1"/>
+                </a:cxn>
+              </a:cxnLst>
+              <a:rect l="l" t="t" r="r" b="b"/>
+              <a:pathLst>
+                <a:path w="13951" h="9111">
+                  <a:moveTo>
+                    <a:pt x="290" y="153"/>
+                  </a:moveTo>
+                  <a:lnTo>
+                    <a:pt x="290" y="9265"/>
+                  </a:lnTo>
+                </a:path>
+              </a:pathLst>
+            </a:custGeom>
+            <a:noFill/>
+            <a:ln w="1841" cap="flat">
+              <a:solidFill>
+                <a:srgbClr val="000000"/>
+              </a:solidFill>
+              <a:prstDash val="solid"/>
+              <a:miter/>
+            </a:ln>
+          </p:spPr>
+          <p:txBody>
+            <a:bodyPr rtlCol="0" anchor="ctr"/>
+            <a:lstStyle/>
+            <a:p>
+              <a:endParaRPr lang="es-CO"/>
+            </a:p>
+          </p:txBody>
+        </p:sp>
+        <p:sp>
+          <p:nvSpPr>
+            <p:cNvPr id="21" name="Forma libre: forma 20">
+              <a:extLst>
+                <a:ext uri="{FF2B5EF4-FFF2-40B4-BE49-F238E27FC236}">
+                  <a16:creationId xmlns:a16="http://schemas.microsoft.com/office/drawing/2014/main" id="{BA953ECD-99A8-03EE-F30C-AAF379A73621}"/>
+                </a:ext>
+              </a:extLst>
+            </p:cNvPr>
+            <p:cNvSpPr/>
+            <p:nvPr/>
+          </p:nvSpPr>
+          <p:spPr>
+            <a:xfrm>
+              <a:off x="7492730" y="4223421"/>
+              <a:ext cx="13951" cy="219170"/>
+            </a:xfrm>
+            <a:custGeom>
+              <a:avLst/>
+              <a:gdLst>
+                <a:gd name="connsiteX0" fmla="*/ 231 w 13951"/>
+                <a:gd name="connsiteY0" fmla="*/ 159 h 219170"/>
+                <a:gd name="connsiteX1" fmla="*/ 231 w 13951"/>
+                <a:gd name="connsiteY1" fmla="*/ 219329 h 219170"/>
+              </a:gdLst>
+              <a:ahLst/>
+              <a:cxnLst>
+                <a:cxn ang="0">
+                  <a:pos x="connsiteX0" y="connsiteY0"/>
+                </a:cxn>
+                <a:cxn ang="0">
+                  <a:pos x="connsiteX1" y="connsiteY1"/>
+                </a:cxn>
+              </a:cxnLst>
+              <a:rect l="l" t="t" r="r" b="b"/>
+              <a:pathLst>
+                <a:path w="13951" h="219170">
+                  <a:moveTo>
+                    <a:pt x="231" y="159"/>
+                  </a:moveTo>
+                  <a:lnTo>
+                    <a:pt x="231" y="219329"/>
+                  </a:lnTo>
+                </a:path>
+              </a:pathLst>
+            </a:custGeom>
+            <a:noFill/>
+            <a:ln w="10545" cap="flat">
+              <a:solidFill>
+                <a:srgbClr val="000000"/>
+              </a:solidFill>
+              <a:prstDash val="solid"/>
+              <a:miter/>
+            </a:ln>
+          </p:spPr>
+          <p:txBody>
+            <a:bodyPr rtlCol="0" anchor="ctr"/>
+            <a:lstStyle/>
+            <a:p>
+              <a:endParaRPr lang="es-CO"/>
+            </a:p>
+          </p:txBody>
+        </p:sp>
+        <p:sp>
+          <p:nvSpPr>
+            <p:cNvPr id="22" name="Forma libre: forma 21">
+              <a:extLst>
+                <a:ext uri="{FF2B5EF4-FFF2-40B4-BE49-F238E27FC236}">
+                  <a16:creationId xmlns:a16="http://schemas.microsoft.com/office/drawing/2014/main" id="{55286142-A294-0E14-0F9C-AC79D4C66F51}"/>
+                </a:ext>
+              </a:extLst>
+            </p:cNvPr>
+            <p:cNvSpPr/>
+            <p:nvPr/>
+          </p:nvSpPr>
+          <p:spPr>
+            <a:xfrm>
+              <a:off x="6301940" y="2006214"/>
+              <a:ext cx="13951" cy="383744"/>
+            </a:xfrm>
+            <a:custGeom>
+              <a:avLst/>
+              <a:gdLst>
+                <a:gd name="connsiteX0" fmla="*/ 168 w 13951"/>
+                <a:gd name="connsiteY0" fmla="*/ 46 h 383744"/>
+                <a:gd name="connsiteX1" fmla="*/ 168 w 13951"/>
+                <a:gd name="connsiteY1" fmla="*/ 383791 h 383744"/>
+              </a:gdLst>
+              <a:ahLst/>
+              <a:cxnLst>
+                <a:cxn ang="0">
+                  <a:pos x="connsiteX0" y="connsiteY0"/>
+                </a:cxn>
+                <a:cxn ang="0">
+                  <a:pos x="connsiteX1" y="connsiteY1"/>
+                </a:cxn>
+              </a:cxnLst>
+              <a:rect l="l" t="t" r="r" b="b"/>
+              <a:pathLst>
+                <a:path w="13951" h="383744">
+                  <a:moveTo>
+                    <a:pt x="168" y="46"/>
+                  </a:moveTo>
+                  <a:lnTo>
+                    <a:pt x="168" y="383791"/>
+                  </a:lnTo>
+                </a:path>
+              </a:pathLst>
+            </a:custGeom>
+            <a:noFill/>
+            <a:ln w="10545" cap="flat">
+              <a:solidFill>
+                <a:srgbClr val="000000"/>
+              </a:solidFill>
+              <a:prstDash val="solid"/>
+              <a:miter/>
+            </a:ln>
+          </p:spPr>
+          <p:txBody>
+            <a:bodyPr rtlCol="0" anchor="ctr"/>
+            <a:lstStyle/>
+            <a:p>
+              <a:endParaRPr lang="es-CO"/>
+            </a:p>
+          </p:txBody>
+        </p:sp>
+        <p:sp>
+          <p:nvSpPr>
+            <p:cNvPr id="23" name="Forma libre: forma 22">
+              <a:extLst>
+                <a:ext uri="{FF2B5EF4-FFF2-40B4-BE49-F238E27FC236}">
+                  <a16:creationId xmlns:a16="http://schemas.microsoft.com/office/drawing/2014/main" id="{EB53A76D-E01C-8D69-1957-BA3ABE55EFA2}"/>
+                </a:ext>
+              </a:extLst>
+            </p:cNvPr>
+            <p:cNvSpPr/>
+            <p:nvPr/>
+          </p:nvSpPr>
+          <p:spPr>
+            <a:xfrm>
+              <a:off x="6288125" y="3205700"/>
+              <a:ext cx="13951" cy="383744"/>
+            </a:xfrm>
+            <a:custGeom>
+              <a:avLst/>
+              <a:gdLst>
+                <a:gd name="connsiteX0" fmla="*/ 167 w 13951"/>
+                <a:gd name="connsiteY0" fmla="*/ 110 h 383744"/>
+                <a:gd name="connsiteX1" fmla="*/ 167 w 13951"/>
+                <a:gd name="connsiteY1" fmla="*/ 383854 h 383744"/>
+              </a:gdLst>
+              <a:ahLst/>
+              <a:cxnLst>
+                <a:cxn ang="0">
+                  <a:pos x="connsiteX0" y="connsiteY0"/>
+                </a:cxn>
+                <a:cxn ang="0">
+                  <a:pos x="connsiteX1" y="connsiteY1"/>
+                </a:cxn>
+              </a:cxnLst>
+              <a:rect l="l" t="t" r="r" b="b"/>
+              <a:pathLst>
+                <a:path w="13951" h="383744">
+                  <a:moveTo>
+                    <a:pt x="167" y="110"/>
+                  </a:moveTo>
+                  <a:lnTo>
+                    <a:pt x="167" y="383854"/>
+                  </a:lnTo>
+                </a:path>
+              </a:pathLst>
+            </a:custGeom>
+            <a:noFill/>
+            <a:ln w="10545" cap="flat">
+              <a:solidFill>
+                <a:srgbClr val="000000"/>
+              </a:solidFill>
+              <a:prstDash val="solid"/>
+              <a:miter/>
+            </a:ln>
+          </p:spPr>
+          <p:txBody>
+            <a:bodyPr rtlCol="0" anchor="ctr"/>
+            <a:lstStyle/>
+            <a:p>
+              <a:endParaRPr lang="es-CO"/>
+            </a:p>
+          </p:txBody>
+        </p:sp>
+        <p:sp>
+          <p:nvSpPr>
+            <p:cNvPr id="24" name="Forma libre: forma 23">
+              <a:extLst>
+                <a:ext uri="{FF2B5EF4-FFF2-40B4-BE49-F238E27FC236}">
+                  <a16:creationId xmlns:a16="http://schemas.microsoft.com/office/drawing/2014/main" id="{D9BC223C-5AC8-8E5E-D436-747E33C74DAD}"/>
+                </a:ext>
+              </a:extLst>
+            </p:cNvPr>
+            <p:cNvSpPr/>
+            <p:nvPr/>
+          </p:nvSpPr>
+          <p:spPr>
+            <a:xfrm>
+              <a:off x="4538897" y="1351050"/>
+              <a:ext cx="13951" cy="270765"/>
+            </a:xfrm>
+            <a:custGeom>
+              <a:avLst/>
+              <a:gdLst>
+                <a:gd name="connsiteX0" fmla="*/ 75 w 13951"/>
+                <a:gd name="connsiteY0" fmla="*/ 9 h 270765"/>
+                <a:gd name="connsiteX1" fmla="*/ 75 w 13951"/>
+                <a:gd name="connsiteY1" fmla="*/ 270775 h 270765"/>
+              </a:gdLst>
+              <a:ahLst/>
+              <a:cxnLst>
+                <a:cxn ang="0">
+                  <a:pos x="connsiteX0" y="connsiteY0"/>
+                </a:cxn>
+                <a:cxn ang="0">
+                  <a:pos x="connsiteX1" y="connsiteY1"/>
+                </a:cxn>
+              </a:cxnLst>
+              <a:rect l="l" t="t" r="r" b="b"/>
+              <a:pathLst>
+                <a:path w="13951" h="270765">
+                  <a:moveTo>
+                    <a:pt x="75" y="9"/>
+                  </a:moveTo>
+                  <a:lnTo>
+                    <a:pt x="75" y="270775"/>
+                  </a:lnTo>
+                </a:path>
+              </a:pathLst>
+            </a:custGeom>
+            <a:noFill/>
+            <a:ln w="10042" cap="flat">
+              <a:solidFill>
+                <a:srgbClr val="000000"/>
+              </a:solidFill>
+              <a:prstDash val="solid"/>
+              <a:miter/>
+            </a:ln>
+          </p:spPr>
+          <p:txBody>
+            <a:bodyPr rtlCol="0" anchor="ctr"/>
+            <a:lstStyle/>
+            <a:p>
+              <a:endParaRPr lang="es-CO"/>
+            </a:p>
+          </p:txBody>
+        </p:sp>
+        <p:sp>
+          <p:nvSpPr>
+            <p:cNvPr id="25" name="Forma libre: forma 24">
+              <a:extLst>
+                <a:ext uri="{FF2B5EF4-FFF2-40B4-BE49-F238E27FC236}">
+                  <a16:creationId xmlns:a16="http://schemas.microsoft.com/office/drawing/2014/main" id="{D7FD228A-6D8A-446A-76ED-9FAEEB3E8958}"/>
+                </a:ext>
+              </a:extLst>
+            </p:cNvPr>
+            <p:cNvSpPr/>
+            <p:nvPr/>
+          </p:nvSpPr>
+          <p:spPr>
+            <a:xfrm>
+              <a:off x="8602001" y="3577901"/>
+              <a:ext cx="13951" cy="130922"/>
+            </a:xfrm>
+            <a:custGeom>
+              <a:avLst/>
+              <a:gdLst>
+                <a:gd name="connsiteX0" fmla="*/ 289 w 13951"/>
+                <a:gd name="connsiteY0" fmla="*/ 123 h 130922"/>
+                <a:gd name="connsiteX1" fmla="*/ 289 w 13951"/>
+                <a:gd name="connsiteY1" fmla="*/ 131045 h 130922"/>
+              </a:gdLst>
+              <a:ahLst/>
+              <a:cxnLst>
+                <a:cxn ang="0">
+                  <a:pos x="connsiteX0" y="connsiteY0"/>
+                </a:cxn>
+                <a:cxn ang="0">
+                  <a:pos x="connsiteX1" y="connsiteY1"/>
+                </a:cxn>
+              </a:cxnLst>
+              <a:rect l="l" t="t" r="r" b="b"/>
+              <a:pathLst>
+                <a:path w="13951" h="130922">
+                  <a:moveTo>
+                    <a:pt x="289" y="123"/>
+                  </a:moveTo>
+                  <a:lnTo>
+                    <a:pt x="289" y="131045"/>
+                  </a:lnTo>
+                </a:path>
+              </a:pathLst>
+            </a:custGeom>
+            <a:noFill/>
+            <a:ln w="10545" cap="flat">
+              <a:solidFill>
+                <a:srgbClr val="000000"/>
+              </a:solidFill>
+              <a:prstDash val="solid"/>
+              <a:miter/>
+            </a:ln>
+          </p:spPr>
+          <p:txBody>
+            <a:bodyPr rtlCol="0" anchor="ctr"/>
+            <a:lstStyle/>
+            <a:p>
+              <a:endParaRPr lang="es-CO"/>
+            </a:p>
+          </p:txBody>
+        </p:sp>
+        <p:sp>
+          <p:nvSpPr>
+            <p:cNvPr id="26" name="Forma libre: forma 25">
+              <a:extLst>
+                <a:ext uri="{FF2B5EF4-FFF2-40B4-BE49-F238E27FC236}">
+                  <a16:creationId xmlns:a16="http://schemas.microsoft.com/office/drawing/2014/main" id="{9FE4790E-E6C6-9D86-DCEF-208AD137A944}"/>
+                </a:ext>
+              </a:extLst>
+            </p:cNvPr>
+            <p:cNvSpPr/>
+            <p:nvPr/>
+          </p:nvSpPr>
+          <p:spPr>
+            <a:xfrm>
+              <a:off x="2717673" y="4148250"/>
+              <a:ext cx="13951" cy="217382"/>
+            </a:xfrm>
+            <a:custGeom>
+              <a:avLst/>
+              <a:gdLst>
+                <a:gd name="connsiteX0" fmla="*/ -21 w 13951"/>
+                <a:gd name="connsiteY0" fmla="*/ 155 h 217382"/>
+                <a:gd name="connsiteX1" fmla="*/ -21 w 13951"/>
+                <a:gd name="connsiteY1" fmla="*/ 217538 h 217382"/>
+              </a:gdLst>
+              <a:ahLst/>
+              <a:cxnLst>
+                <a:cxn ang="0">
+                  <a:pos x="connsiteX0" y="connsiteY0"/>
+                </a:cxn>
+                <a:cxn ang="0">
+                  <a:pos x="connsiteX1" y="connsiteY1"/>
+                </a:cxn>
+              </a:cxnLst>
+              <a:rect l="l" t="t" r="r" b="b"/>
+              <a:pathLst>
+                <a:path w="13951" h="217382">
+                  <a:moveTo>
+                    <a:pt x="-21" y="155"/>
+                  </a:moveTo>
+                  <a:lnTo>
+                    <a:pt x="-21" y="217538"/>
+                  </a:lnTo>
+                </a:path>
+              </a:pathLst>
+            </a:custGeom>
+            <a:noFill/>
+            <a:ln w="10545" cap="flat">
+              <a:solidFill>
+                <a:srgbClr val="000000"/>
+              </a:solidFill>
+              <a:prstDash val="solid"/>
+              <a:miter/>
+            </a:ln>
+          </p:spPr>
+          <p:txBody>
+            <a:bodyPr rtlCol="0" anchor="ctr"/>
+            <a:lstStyle/>
+            <a:p>
+              <a:endParaRPr lang="es-CO"/>
+            </a:p>
+          </p:txBody>
+        </p:sp>
+        <p:sp>
+          <p:nvSpPr>
+            <p:cNvPr id="27" name="Forma libre: forma 26">
+              <a:extLst>
+                <a:ext uri="{FF2B5EF4-FFF2-40B4-BE49-F238E27FC236}">
+                  <a16:creationId xmlns:a16="http://schemas.microsoft.com/office/drawing/2014/main" id="{E83B6F57-CB15-B7B3-DD89-13C09135CDE6}"/>
+                </a:ext>
+              </a:extLst>
+            </p:cNvPr>
+            <p:cNvSpPr/>
+            <p:nvPr/>
+          </p:nvSpPr>
+          <p:spPr>
+            <a:xfrm>
+              <a:off x="2687343" y="4876713"/>
+              <a:ext cx="13951" cy="112503"/>
+            </a:xfrm>
+            <a:custGeom>
+              <a:avLst/>
+              <a:gdLst>
+                <a:gd name="connsiteX0" fmla="*/ -22 w 13951"/>
+                <a:gd name="connsiteY0" fmla="*/ 191 h 112503"/>
+                <a:gd name="connsiteX1" fmla="*/ -22 w 13951"/>
+                <a:gd name="connsiteY1" fmla="*/ 112695 h 112503"/>
+              </a:gdLst>
+              <a:ahLst/>
+              <a:cxnLst>
+                <a:cxn ang="0">
+                  <a:pos x="connsiteX0" y="connsiteY0"/>
+                </a:cxn>
+                <a:cxn ang="0">
+                  <a:pos x="connsiteX1" y="connsiteY1"/>
+                </a:cxn>
+              </a:cxnLst>
+              <a:rect l="l" t="t" r="r" b="b"/>
+              <a:pathLst>
+                <a:path w="13951" h="112503">
+                  <a:moveTo>
+                    <a:pt x="-22" y="191"/>
+                  </a:moveTo>
+                  <a:lnTo>
+                    <a:pt x="-22" y="112695"/>
+                  </a:lnTo>
+                </a:path>
+              </a:pathLst>
+            </a:custGeom>
+            <a:noFill/>
+            <a:ln w="10662" cap="flat">
+              <a:solidFill>
+                <a:srgbClr val="000000"/>
+              </a:solidFill>
+              <a:prstDash val="solid"/>
+              <a:miter/>
+            </a:ln>
+          </p:spPr>
+          <p:txBody>
+            <a:bodyPr rtlCol="0" anchor="ctr"/>
+            <a:lstStyle/>
+            <a:p>
+              <a:endParaRPr lang="es-CO"/>
+            </a:p>
+          </p:txBody>
+        </p:sp>
+        <p:sp>
+          <p:nvSpPr>
+            <p:cNvPr id="28" name="Forma libre: forma 27">
+              <a:extLst>
+                <a:ext uri="{FF2B5EF4-FFF2-40B4-BE49-F238E27FC236}">
+                  <a16:creationId xmlns:a16="http://schemas.microsoft.com/office/drawing/2014/main" id="{7F6AED61-3C04-50A2-F1EA-7AB79240ED48}"/>
+                </a:ext>
+              </a:extLst>
+            </p:cNvPr>
+            <p:cNvSpPr/>
+            <p:nvPr/>
+          </p:nvSpPr>
+          <p:spPr>
+            <a:xfrm>
+              <a:off x="4695636" y="4791740"/>
+              <a:ext cx="13951" cy="192763"/>
+            </a:xfrm>
+            <a:custGeom>
+              <a:avLst/>
+              <a:gdLst>
+                <a:gd name="connsiteX0" fmla="*/ 83 w 13951"/>
+                <a:gd name="connsiteY0" fmla="*/ 188 h 192763"/>
+                <a:gd name="connsiteX1" fmla="*/ 83 w 13951"/>
+                <a:gd name="connsiteY1" fmla="*/ 192952 h 192763"/>
+              </a:gdLst>
+              <a:ahLst/>
+              <a:cxnLst>
+                <a:cxn ang="0">
+                  <a:pos x="connsiteX0" y="connsiteY0"/>
+                </a:cxn>
+                <a:cxn ang="0">
+                  <a:pos x="connsiteX1" y="connsiteY1"/>
+                </a:cxn>
+              </a:cxnLst>
+              <a:rect l="l" t="t" r="r" b="b"/>
+              <a:pathLst>
+                <a:path w="13951" h="192763">
+                  <a:moveTo>
+                    <a:pt x="83" y="188"/>
+                  </a:moveTo>
+                  <a:lnTo>
+                    <a:pt x="83" y="192952"/>
+                  </a:lnTo>
+                </a:path>
+              </a:pathLst>
+            </a:custGeom>
+            <a:noFill/>
+            <a:ln w="10545" cap="flat">
+              <a:solidFill>
+                <a:srgbClr val="000000"/>
+              </a:solidFill>
+              <a:prstDash val="solid"/>
+              <a:miter/>
+            </a:ln>
+          </p:spPr>
+          <p:txBody>
+            <a:bodyPr rtlCol="0" anchor="ctr"/>
+            <a:lstStyle/>
+            <a:p>
+              <a:endParaRPr lang="es-CO"/>
+            </a:p>
+          </p:txBody>
+        </p:sp>
+        <p:sp>
+          <p:nvSpPr>
+            <p:cNvPr id="29" name="Forma libre: forma 28">
+              <a:extLst>
+                <a:ext uri="{FF2B5EF4-FFF2-40B4-BE49-F238E27FC236}">
+                  <a16:creationId xmlns:a16="http://schemas.microsoft.com/office/drawing/2014/main" id="{BDA5D29E-C416-98DF-96D5-E45CAFC45A89}"/>
+                </a:ext>
+              </a:extLst>
+            </p:cNvPr>
+            <p:cNvSpPr/>
+            <p:nvPr/>
+          </p:nvSpPr>
+          <p:spPr>
+            <a:xfrm>
+              <a:off x="4727010" y="4148345"/>
+              <a:ext cx="13951" cy="172261"/>
+            </a:xfrm>
+            <a:custGeom>
+              <a:avLst/>
+              <a:gdLst>
+                <a:gd name="connsiteX0" fmla="*/ 85 w 13951"/>
+                <a:gd name="connsiteY0" fmla="*/ 154 h 172261"/>
+                <a:gd name="connsiteX1" fmla="*/ 85 w 13951"/>
+                <a:gd name="connsiteY1" fmla="*/ 172416 h 172261"/>
+              </a:gdLst>
+              <a:ahLst/>
+              <a:cxnLst>
+                <a:cxn ang="0">
+                  <a:pos x="connsiteX0" y="connsiteY0"/>
+                </a:cxn>
+                <a:cxn ang="0">
+                  <a:pos x="connsiteX1" y="connsiteY1"/>
+                </a:cxn>
+              </a:cxnLst>
+              <a:rect l="l" t="t" r="r" b="b"/>
+              <a:pathLst>
+                <a:path w="13951" h="172261">
+                  <a:moveTo>
+                    <a:pt x="85" y="154"/>
+                  </a:moveTo>
+                  <a:lnTo>
+                    <a:pt x="85" y="172416"/>
+                  </a:lnTo>
+                </a:path>
+              </a:pathLst>
+            </a:custGeom>
+            <a:noFill/>
+            <a:ln w="10545" cap="flat">
+              <a:solidFill>
+                <a:srgbClr val="000000"/>
+              </a:solidFill>
+              <a:prstDash val="solid"/>
+              <a:miter/>
+            </a:ln>
+          </p:spPr>
+          <p:txBody>
+            <a:bodyPr rtlCol="0" anchor="ctr"/>
+            <a:lstStyle/>
+            <a:p>
+              <a:endParaRPr lang="es-CO"/>
+            </a:p>
+          </p:txBody>
+        </p:sp>
+        <p:sp>
+          <p:nvSpPr>
+            <p:cNvPr id="30" name="Forma libre: forma 29">
+              <a:extLst>
+                <a:ext uri="{FF2B5EF4-FFF2-40B4-BE49-F238E27FC236}">
+                  <a16:creationId xmlns:a16="http://schemas.microsoft.com/office/drawing/2014/main" id="{E112B04C-A0F8-94CE-CA57-D670A458ACFC}"/>
+                </a:ext>
+              </a:extLst>
+            </p:cNvPr>
+            <p:cNvSpPr/>
+            <p:nvPr/>
+          </p:nvSpPr>
+          <p:spPr>
+            <a:xfrm>
+              <a:off x="5528925" y="2385798"/>
+              <a:ext cx="1514707" cy="811422"/>
+            </a:xfrm>
+            <a:custGeom>
+              <a:avLst/>
+              <a:gdLst>
+                <a:gd name="connsiteX0" fmla="*/ 167 w 1514707"/>
+                <a:gd name="connsiteY0" fmla="*/ 78 h 811422"/>
+                <a:gd name="connsiteX1" fmla="*/ 1514875 w 1514707"/>
+                <a:gd name="connsiteY1" fmla="*/ 78 h 811422"/>
+                <a:gd name="connsiteX2" fmla="*/ 1514875 w 1514707"/>
+                <a:gd name="connsiteY2" fmla="*/ 811501 h 811422"/>
+                <a:gd name="connsiteX3" fmla="*/ 167 w 1514707"/>
+                <a:gd name="connsiteY3" fmla="*/ 811501 h 811422"/>
+              </a:gdLst>
+              <a:ahLst/>
+              <a:cxnLst>
+                <a:cxn ang="0">
+                  <a:pos x="connsiteX0" y="connsiteY0"/>
+                </a:cxn>
+                <a:cxn ang="0">
+                  <a:pos x="connsiteX1" y="connsiteY1"/>
+                </a:cxn>
+                <a:cxn ang="0">
+                  <a:pos x="connsiteX2" y="connsiteY2"/>
+                </a:cxn>
+                <a:cxn ang="0">
+                  <a:pos x="connsiteX3" y="connsiteY3"/>
+                </a:cxn>
+              </a:cxnLst>
+              <a:rect l="l" t="t" r="r" b="b"/>
+              <a:pathLst>
+                <a:path w="1514707" h="811422">
+                  <a:moveTo>
+                    <a:pt x="167" y="78"/>
+                  </a:moveTo>
+                  <a:lnTo>
+                    <a:pt x="1514875" y="78"/>
+                  </a:lnTo>
+                  <a:lnTo>
+                    <a:pt x="1514875" y="811501"/>
+                  </a:lnTo>
+                  <a:lnTo>
+                    <a:pt x="167" y="811501"/>
+                  </a:lnTo>
+                  <a:close/>
+                </a:path>
+              </a:pathLst>
+            </a:custGeom>
+            <a:solidFill>
+              <a:srgbClr val="F2F2F2"/>
+            </a:solidFill>
+            <a:ln w="8848" cap="flat">
+              <a:noFill/>
+              <a:prstDash val="solid"/>
+              <a:miter/>
+            </a:ln>
+          </p:spPr>
+          <p:txBody>
+            <a:bodyPr rtlCol="0" anchor="ctr"/>
+            <a:lstStyle/>
+            <a:p>
+              <a:endParaRPr lang="es-CO"/>
+            </a:p>
+          </p:txBody>
+        </p:sp>
+        <p:sp>
+          <p:nvSpPr>
+            <p:cNvPr id="31" name="Forma libre: forma 30">
+              <a:extLst>
+                <a:ext uri="{FF2B5EF4-FFF2-40B4-BE49-F238E27FC236}">
+                  <a16:creationId xmlns:a16="http://schemas.microsoft.com/office/drawing/2014/main" id="{AA84A7F7-9CCB-73A2-FE45-B0D08F40D52E}"/>
+                </a:ext>
+              </a:extLst>
+            </p:cNvPr>
+            <p:cNvSpPr/>
+            <p:nvPr/>
+          </p:nvSpPr>
+          <p:spPr>
+            <a:xfrm>
+              <a:off x="2368920" y="4360202"/>
+              <a:ext cx="1012353" cy="522435"/>
+            </a:xfrm>
+            <a:custGeom>
+              <a:avLst/>
+              <a:gdLst>
+                <a:gd name="connsiteX0" fmla="*/ -13 w 1012353"/>
+                <a:gd name="connsiteY0" fmla="*/ 174 h 522435"/>
+                <a:gd name="connsiteX1" fmla="*/ 1012341 w 1012353"/>
+                <a:gd name="connsiteY1" fmla="*/ 174 h 522435"/>
+                <a:gd name="connsiteX2" fmla="*/ 1012341 w 1012353"/>
+                <a:gd name="connsiteY2" fmla="*/ 522609 h 522435"/>
+                <a:gd name="connsiteX3" fmla="*/ -13 w 1012353"/>
+                <a:gd name="connsiteY3" fmla="*/ 522609 h 522435"/>
+              </a:gdLst>
+              <a:ahLst/>
+              <a:cxnLst>
+                <a:cxn ang="0">
+                  <a:pos x="connsiteX0" y="connsiteY0"/>
+                </a:cxn>
+                <a:cxn ang="0">
+                  <a:pos x="connsiteX1" y="connsiteY1"/>
+                </a:cxn>
+                <a:cxn ang="0">
+                  <a:pos x="connsiteX2" y="connsiteY2"/>
+                </a:cxn>
+                <a:cxn ang="0">
+                  <a:pos x="connsiteX3" y="connsiteY3"/>
+                </a:cxn>
+              </a:cxnLst>
+              <a:rect l="l" t="t" r="r" b="b"/>
+              <a:pathLst>
+                <a:path w="1012353" h="522435">
+                  <a:moveTo>
+                    <a:pt x="-13" y="174"/>
+                  </a:moveTo>
+                  <a:lnTo>
+                    <a:pt x="1012341" y="174"/>
+                  </a:lnTo>
+                  <a:lnTo>
+                    <a:pt x="1012341" y="522609"/>
+                  </a:lnTo>
+                  <a:lnTo>
+                    <a:pt x="-13" y="522609"/>
+                  </a:lnTo>
+                  <a:close/>
+                </a:path>
+              </a:pathLst>
+            </a:custGeom>
+            <a:solidFill>
+              <a:srgbClr val="F2F2F2"/>
+            </a:solidFill>
+            <a:ln w="5805" cap="flat">
+              <a:noFill/>
+              <a:prstDash val="solid"/>
+              <a:miter/>
+            </a:ln>
+          </p:spPr>
+          <p:txBody>
+            <a:bodyPr rtlCol="0" anchor="ctr"/>
+            <a:lstStyle/>
+            <a:p>
+              <a:endParaRPr lang="es-CO"/>
+            </a:p>
+          </p:txBody>
+        </p:sp>
+        <p:sp>
+          <p:nvSpPr>
+            <p:cNvPr id="32" name="Forma libre: forma 31">
+              <a:extLst>
+                <a:ext uri="{FF2B5EF4-FFF2-40B4-BE49-F238E27FC236}">
+                  <a16:creationId xmlns:a16="http://schemas.microsoft.com/office/drawing/2014/main" id="{D4A44E43-CA64-3571-1733-110C17E1A7E8}"/>
+                </a:ext>
+              </a:extLst>
+            </p:cNvPr>
+            <p:cNvSpPr/>
+            <p:nvPr/>
+          </p:nvSpPr>
+          <p:spPr>
+            <a:xfrm>
+              <a:off x="4287636" y="4315898"/>
+              <a:ext cx="1023938" cy="479305"/>
+            </a:xfrm>
+            <a:custGeom>
+              <a:avLst/>
+              <a:gdLst>
+                <a:gd name="connsiteX0" fmla="*/ 89 w 1023938"/>
+                <a:gd name="connsiteY0" fmla="*/ 171 h 479305"/>
+                <a:gd name="connsiteX1" fmla="*/ 1024027 w 1023938"/>
+                <a:gd name="connsiteY1" fmla="*/ 171 h 479305"/>
+                <a:gd name="connsiteX2" fmla="*/ 1024027 w 1023938"/>
+                <a:gd name="connsiteY2" fmla="*/ 479476 h 479305"/>
+                <a:gd name="connsiteX3" fmla="*/ 89 w 1023938"/>
+                <a:gd name="connsiteY3" fmla="*/ 479476 h 479305"/>
+              </a:gdLst>
+              <a:ahLst/>
+              <a:cxnLst>
+                <a:cxn ang="0">
+                  <a:pos x="connsiteX0" y="connsiteY0"/>
+                </a:cxn>
+                <a:cxn ang="0">
+                  <a:pos x="connsiteX1" y="connsiteY1"/>
+                </a:cxn>
+                <a:cxn ang="0">
+                  <a:pos x="connsiteX2" y="connsiteY2"/>
+                </a:cxn>
+                <a:cxn ang="0">
+                  <a:pos x="connsiteX3" y="connsiteY3"/>
+                </a:cxn>
+              </a:cxnLst>
+              <a:rect l="l" t="t" r="r" b="b"/>
+              <a:pathLst>
+                <a:path w="1023938" h="479305">
+                  <a:moveTo>
+                    <a:pt x="89" y="171"/>
+                  </a:moveTo>
+                  <a:lnTo>
+                    <a:pt x="1024027" y="171"/>
+                  </a:lnTo>
+                  <a:lnTo>
+                    <a:pt x="1024027" y="479476"/>
+                  </a:lnTo>
+                  <a:lnTo>
+                    <a:pt x="89" y="479476"/>
+                  </a:lnTo>
+                  <a:close/>
+                </a:path>
+              </a:pathLst>
+            </a:custGeom>
+            <a:solidFill>
+              <a:srgbClr val="F2F2F2"/>
+            </a:solidFill>
+            <a:ln w="5590" cap="flat">
+              <a:noFill/>
+              <a:prstDash val="solid"/>
+              <a:miter/>
+            </a:ln>
+          </p:spPr>
+          <p:txBody>
+            <a:bodyPr rtlCol="0" anchor="ctr"/>
+            <a:lstStyle/>
+            <a:p>
+              <a:endParaRPr lang="es-CO"/>
+            </a:p>
+          </p:txBody>
+        </p:sp>
+        <p:sp>
+          <p:nvSpPr>
+            <p:cNvPr id="33" name="Forma libre: forma 32">
+              <a:extLst>
+                <a:ext uri="{FF2B5EF4-FFF2-40B4-BE49-F238E27FC236}">
+                  <a16:creationId xmlns:a16="http://schemas.microsoft.com/office/drawing/2014/main" id="{FDD68A1A-FB9A-962D-3E35-1CF6C934F621}"/>
+                </a:ext>
+              </a:extLst>
+            </p:cNvPr>
+            <p:cNvSpPr/>
+            <p:nvPr/>
+          </p:nvSpPr>
+          <p:spPr>
+            <a:xfrm>
+              <a:off x="3172306" y="5428296"/>
+              <a:ext cx="1223735" cy="612305"/>
+            </a:xfrm>
+            <a:custGeom>
+              <a:avLst/>
+              <a:gdLst>
+                <a:gd name="connsiteX0" fmla="*/ 35 w 1223735"/>
+                <a:gd name="connsiteY0" fmla="*/ 233 h 612305"/>
+                <a:gd name="connsiteX1" fmla="*/ 1223771 w 1223735"/>
+                <a:gd name="connsiteY1" fmla="*/ 233 h 612305"/>
+                <a:gd name="connsiteX2" fmla="*/ 1223771 w 1223735"/>
+                <a:gd name="connsiteY2" fmla="*/ 612538 h 612305"/>
+                <a:gd name="connsiteX3" fmla="*/ 35 w 1223735"/>
+                <a:gd name="connsiteY3" fmla="*/ 612538 h 612305"/>
+              </a:gdLst>
+              <a:ahLst/>
+              <a:cxnLst>
+                <a:cxn ang="0">
+                  <a:pos x="connsiteX0" y="connsiteY0"/>
+                </a:cxn>
+                <a:cxn ang="0">
+                  <a:pos x="connsiteX1" y="connsiteY1"/>
+                </a:cxn>
+                <a:cxn ang="0">
+                  <a:pos x="connsiteX2" y="connsiteY2"/>
+                </a:cxn>
+                <a:cxn ang="0">
+                  <a:pos x="connsiteX3" y="connsiteY3"/>
+                </a:cxn>
+              </a:cxnLst>
+              <a:rect l="l" t="t" r="r" b="b"/>
+              <a:pathLst>
+                <a:path w="1223735" h="612305">
+                  <a:moveTo>
+                    <a:pt x="35" y="233"/>
+                  </a:moveTo>
+                  <a:lnTo>
+                    <a:pt x="1223771" y="233"/>
+                  </a:lnTo>
+                  <a:lnTo>
+                    <a:pt x="1223771" y="612538"/>
+                  </a:lnTo>
+                  <a:lnTo>
+                    <a:pt x="35" y="612538"/>
+                  </a:lnTo>
+                  <a:close/>
+                </a:path>
+              </a:pathLst>
+            </a:custGeom>
+            <a:solidFill>
+              <a:srgbClr val="F2F2F2"/>
+            </a:solidFill>
+            <a:ln w="6909" cap="flat">
+              <a:noFill/>
+              <a:prstDash val="solid"/>
+              <a:miter/>
+            </a:ln>
+          </p:spPr>
+          <p:txBody>
+            <a:bodyPr rtlCol="0" anchor="ctr"/>
+            <a:lstStyle/>
+            <a:p>
+              <a:endParaRPr lang="es-CO"/>
+            </a:p>
+          </p:txBody>
+        </p:sp>
+        <p:sp>
+          <p:nvSpPr>
+            <p:cNvPr id="34" name="Forma libre: forma 33">
+              <a:extLst>
+                <a:ext uri="{FF2B5EF4-FFF2-40B4-BE49-F238E27FC236}">
+                  <a16:creationId xmlns:a16="http://schemas.microsoft.com/office/drawing/2014/main" id="{64BBDD31-14EE-B114-F726-B050E1BEF9D8}"/>
+                </a:ext>
+              </a:extLst>
+            </p:cNvPr>
+            <p:cNvSpPr/>
+            <p:nvPr/>
+          </p:nvSpPr>
+          <p:spPr>
+            <a:xfrm>
+              <a:off x="7235094" y="3705813"/>
+              <a:ext cx="2705413" cy="326498"/>
+            </a:xfrm>
+            <a:custGeom>
+              <a:avLst/>
+              <a:gdLst>
+                <a:gd name="connsiteX0" fmla="*/ 288 w 2705413"/>
+                <a:gd name="connsiteY0" fmla="*/ 135 h 326498"/>
+                <a:gd name="connsiteX1" fmla="*/ 2705703 w 2705413"/>
+                <a:gd name="connsiteY1" fmla="*/ 135 h 326498"/>
+                <a:gd name="connsiteX2" fmla="*/ 2705703 w 2705413"/>
+                <a:gd name="connsiteY2" fmla="*/ 326633 h 326498"/>
+                <a:gd name="connsiteX3" fmla="*/ 288 w 2705413"/>
+                <a:gd name="connsiteY3" fmla="*/ 326633 h 326498"/>
+              </a:gdLst>
+              <a:ahLst/>
+              <a:cxnLst>
+                <a:cxn ang="0">
+                  <a:pos x="connsiteX0" y="connsiteY0"/>
+                </a:cxn>
+                <a:cxn ang="0">
+                  <a:pos x="connsiteX1" y="connsiteY1"/>
+                </a:cxn>
+                <a:cxn ang="0">
+                  <a:pos x="connsiteX2" y="connsiteY2"/>
+                </a:cxn>
+                <a:cxn ang="0">
+                  <a:pos x="connsiteX3" y="connsiteY3"/>
+                </a:cxn>
+              </a:cxnLst>
+              <a:rect l="l" t="t" r="r" b="b"/>
+              <a:pathLst>
+                <a:path w="2705413" h="326498">
+                  <a:moveTo>
+                    <a:pt x="288" y="135"/>
+                  </a:moveTo>
+                  <a:lnTo>
+                    <a:pt x="2705703" y="135"/>
+                  </a:lnTo>
+                  <a:lnTo>
+                    <a:pt x="2705703" y="326633"/>
+                  </a:lnTo>
+                  <a:lnTo>
+                    <a:pt x="288" y="326633"/>
+                  </a:lnTo>
+                  <a:close/>
+                </a:path>
+              </a:pathLst>
+            </a:custGeom>
+            <a:solidFill>
+              <a:srgbClr val="F2F2F2"/>
+            </a:solidFill>
+            <a:ln w="7502" cap="flat">
+              <a:noFill/>
+              <a:prstDash val="solid"/>
+              <a:miter/>
+            </a:ln>
+          </p:spPr>
+          <p:txBody>
+            <a:bodyPr rtlCol="0" anchor="ctr"/>
+            <a:lstStyle/>
+            <a:p>
+              <a:endParaRPr lang="es-CO"/>
+            </a:p>
+          </p:txBody>
+        </p:sp>
+        <p:sp>
+          <p:nvSpPr>
+            <p:cNvPr id="35" name="Forma libre: forma 34">
+              <a:extLst>
+                <a:ext uri="{FF2B5EF4-FFF2-40B4-BE49-F238E27FC236}">
+                  <a16:creationId xmlns:a16="http://schemas.microsoft.com/office/drawing/2014/main" id="{1B4B1E37-62FD-1A4E-234A-F054023E6CED}"/>
+                </a:ext>
+              </a:extLst>
+            </p:cNvPr>
+            <p:cNvSpPr/>
+            <p:nvPr/>
+          </p:nvSpPr>
+          <p:spPr>
+            <a:xfrm>
+              <a:off x="7113658" y="4434635"/>
+              <a:ext cx="733530" cy="504171"/>
+            </a:xfrm>
+            <a:custGeom>
+              <a:avLst/>
+              <a:gdLst>
+                <a:gd name="connsiteX0" fmla="*/ 230 w 733530"/>
+                <a:gd name="connsiteY0" fmla="*/ 178 h 504171"/>
+                <a:gd name="connsiteX1" fmla="*/ 733761 w 733530"/>
+                <a:gd name="connsiteY1" fmla="*/ 178 h 504171"/>
+                <a:gd name="connsiteX2" fmla="*/ 733761 w 733530"/>
+                <a:gd name="connsiteY2" fmla="*/ 504349 h 504171"/>
+                <a:gd name="connsiteX3" fmla="*/ 230 w 733530"/>
+                <a:gd name="connsiteY3" fmla="*/ 504349 h 504171"/>
+              </a:gdLst>
+              <a:ahLst/>
+              <a:cxnLst>
+                <a:cxn ang="0">
+                  <a:pos x="connsiteX0" y="connsiteY0"/>
+                </a:cxn>
+                <a:cxn ang="0">
+                  <a:pos x="connsiteX1" y="connsiteY1"/>
+                </a:cxn>
+                <a:cxn ang="0">
+                  <a:pos x="connsiteX2" y="connsiteY2"/>
+                </a:cxn>
+                <a:cxn ang="0">
+                  <a:pos x="connsiteX3" y="connsiteY3"/>
+                </a:cxn>
+              </a:cxnLst>
+              <a:rect l="l" t="t" r="r" b="b"/>
+              <a:pathLst>
+                <a:path w="733530" h="504171">
+                  <a:moveTo>
+                    <a:pt x="230" y="178"/>
+                  </a:moveTo>
+                  <a:lnTo>
+                    <a:pt x="733761" y="178"/>
+                  </a:lnTo>
+                  <a:lnTo>
+                    <a:pt x="733761" y="504349"/>
+                  </a:lnTo>
+                  <a:lnTo>
+                    <a:pt x="230" y="504349"/>
+                  </a:lnTo>
+                  <a:close/>
+                </a:path>
+              </a:pathLst>
+            </a:custGeom>
+            <a:solidFill>
+              <a:srgbClr val="F2F2F2"/>
+            </a:solidFill>
+            <a:ln w="4853" cap="flat">
+              <a:noFill/>
+              <a:prstDash val="solid"/>
+              <a:miter/>
+            </a:ln>
+          </p:spPr>
+          <p:txBody>
+            <a:bodyPr rtlCol="0" anchor="ctr"/>
+            <a:lstStyle/>
+            <a:p>
+              <a:endParaRPr lang="es-CO"/>
+            </a:p>
+          </p:txBody>
+        </p:sp>
+        <p:sp>
+          <p:nvSpPr>
+            <p:cNvPr id="36" name="Forma libre: forma 35">
+              <a:extLst>
+                <a:ext uri="{FF2B5EF4-FFF2-40B4-BE49-F238E27FC236}">
+                  <a16:creationId xmlns:a16="http://schemas.microsoft.com/office/drawing/2014/main" id="{886BB238-864A-D464-ED34-D2C5AE2DC277}"/>
+                </a:ext>
+              </a:extLst>
+            </p:cNvPr>
+            <p:cNvSpPr/>
+            <p:nvPr/>
+          </p:nvSpPr>
+          <p:spPr>
+            <a:xfrm>
+              <a:off x="9164783" y="4411892"/>
+              <a:ext cx="806286" cy="508557"/>
+            </a:xfrm>
+            <a:custGeom>
+              <a:avLst/>
+              <a:gdLst>
+                <a:gd name="connsiteX0" fmla="*/ 340 w 806286"/>
+                <a:gd name="connsiteY0" fmla="*/ 176 h 508557"/>
+                <a:gd name="connsiteX1" fmla="*/ 806627 w 806286"/>
+                <a:gd name="connsiteY1" fmla="*/ 176 h 508557"/>
+                <a:gd name="connsiteX2" fmla="*/ 806627 w 806286"/>
+                <a:gd name="connsiteY2" fmla="*/ 508733 h 508557"/>
+                <a:gd name="connsiteX3" fmla="*/ 340 w 806286"/>
+                <a:gd name="connsiteY3" fmla="*/ 508733 h 508557"/>
+              </a:gdLst>
+              <a:ahLst/>
+              <a:cxnLst>
+                <a:cxn ang="0">
+                  <a:pos x="connsiteX0" y="connsiteY0"/>
+                </a:cxn>
+                <a:cxn ang="0">
+                  <a:pos x="connsiteX1" y="connsiteY1"/>
+                </a:cxn>
+                <a:cxn ang="0">
+                  <a:pos x="connsiteX2" y="connsiteY2"/>
+                </a:cxn>
+                <a:cxn ang="0">
+                  <a:pos x="connsiteX3" y="connsiteY3"/>
+                </a:cxn>
+              </a:cxnLst>
+              <a:rect l="l" t="t" r="r" b="b"/>
+              <a:pathLst>
+                <a:path w="806286" h="508557">
+                  <a:moveTo>
+                    <a:pt x="340" y="176"/>
+                  </a:moveTo>
+                  <a:lnTo>
+                    <a:pt x="806627" y="176"/>
+                  </a:lnTo>
+                  <a:lnTo>
+                    <a:pt x="806627" y="508733"/>
+                  </a:lnTo>
+                  <a:lnTo>
+                    <a:pt x="340" y="508733"/>
+                  </a:lnTo>
+                  <a:close/>
+                </a:path>
+              </a:pathLst>
+            </a:custGeom>
+            <a:solidFill>
+              <a:srgbClr val="F2F2F2"/>
+            </a:solidFill>
+            <a:ln w="5110" cap="flat">
+              <a:noFill/>
+              <a:prstDash val="solid"/>
+              <a:miter/>
+            </a:ln>
+          </p:spPr>
+          <p:txBody>
+            <a:bodyPr rtlCol="0" anchor="ctr"/>
+            <a:lstStyle/>
+            <a:p>
+              <a:endParaRPr lang="es-CO"/>
+            </a:p>
+          </p:txBody>
+        </p:sp>
+        <p:sp>
+          <p:nvSpPr>
+            <p:cNvPr id="37" name="CuadroTexto 36">
+              <a:extLst>
+                <a:ext uri="{FF2B5EF4-FFF2-40B4-BE49-F238E27FC236}">
+                  <a16:creationId xmlns:a16="http://schemas.microsoft.com/office/drawing/2014/main" id="{F1B3111F-0686-5B98-433C-D93C6B80A167}"/>
+                </a:ext>
+              </a:extLst>
+            </p:cNvPr>
+            <p:cNvSpPr txBox="1"/>
+            <p:nvPr/>
+          </p:nvSpPr>
+          <p:spPr>
+            <a:xfrm>
+              <a:off x="5965571" y="2411313"/>
+              <a:ext cx="868363" cy="355087"/>
+            </a:xfrm>
+            <a:prstGeom prst="rect">
+              <a:avLst/>
+            </a:prstGeom>
+            <a:noFill/>
+          </p:spPr>
+          <p:txBody>
+            <a:bodyPr wrap="none" rtlCol="0">
+              <a:spAutoFit/>
+            </a:bodyPr>
+            <a:lstStyle/>
+            <a:p>
+              <a:pPr algn="l"/>
+              <a:r>
+                <a:rPr lang="es-CO" sz="1246" spc="0" baseline="0">
+                  <a:ln/>
+                  <a:solidFill>
+                    <a:srgbClr val="000000"/>
+                  </a:solidFill>
+                  <a:latin typeface="Arial"/>
+                  <a:cs typeface="Arial"/>
+                  <a:sym typeface="Arial"/>
+                  <a:rtl val="0"/>
+                </a:rPr>
+                <a:t>Partian </a:t>
+              </a:r>
+            </a:p>
+          </p:txBody>
+        </p:sp>
+        <p:sp>
+          <p:nvSpPr>
+            <p:cNvPr id="38" name="CuadroTexto 37">
+              <a:extLst>
+                <a:ext uri="{FF2B5EF4-FFF2-40B4-BE49-F238E27FC236}">
+                  <a16:creationId xmlns:a16="http://schemas.microsoft.com/office/drawing/2014/main" id="{82B1177F-E74B-35A8-BD7B-7B7F39A1AE7E}"/>
+                </a:ext>
+              </a:extLst>
+            </p:cNvPr>
+            <p:cNvSpPr txBox="1"/>
+            <p:nvPr/>
+          </p:nvSpPr>
+          <p:spPr>
+            <a:xfrm>
+              <a:off x="5858892" y="2614214"/>
+              <a:ext cx="1184740" cy="355087"/>
+            </a:xfrm>
+            <a:prstGeom prst="rect">
+              <a:avLst/>
+            </a:prstGeom>
+            <a:noFill/>
+          </p:spPr>
+          <p:txBody>
+            <a:bodyPr wrap="none" rtlCol="0">
+              <a:spAutoFit/>
+            </a:bodyPr>
+            <a:lstStyle/>
+            <a:p>
+              <a:pPr algn="l"/>
+              <a:r>
+                <a:rPr lang="es-CO" sz="1246" spc="0" baseline="0">
+                  <a:ln/>
+                  <a:solidFill>
+                    <a:srgbClr val="000000"/>
+                  </a:solidFill>
+                  <a:latin typeface="Arial"/>
+                  <a:cs typeface="Arial"/>
+                  <a:sym typeface="Arial"/>
+                  <a:rtl val="0"/>
+                </a:rPr>
+                <a:t>Differential </a:t>
+              </a:r>
+            </a:p>
+          </p:txBody>
+        </p:sp>
+        <p:sp>
+          <p:nvSpPr>
+            <p:cNvPr id="39" name="CuadroTexto 38">
+              <a:extLst>
+                <a:ext uri="{FF2B5EF4-FFF2-40B4-BE49-F238E27FC236}">
+                  <a16:creationId xmlns:a16="http://schemas.microsoft.com/office/drawing/2014/main" id="{0353C2B2-A3DC-BB70-EE06-C27157F99025}"/>
+                </a:ext>
+              </a:extLst>
+            </p:cNvPr>
+            <p:cNvSpPr txBox="1"/>
+            <p:nvPr/>
+          </p:nvSpPr>
+          <p:spPr>
+            <a:xfrm>
+              <a:off x="5887213" y="2822664"/>
+              <a:ext cx="1079281" cy="355087"/>
+            </a:xfrm>
+            <a:prstGeom prst="rect">
+              <a:avLst/>
+            </a:prstGeom>
+            <a:noFill/>
+          </p:spPr>
+          <p:txBody>
+            <a:bodyPr wrap="none" rtlCol="0">
+              <a:spAutoFit/>
+            </a:bodyPr>
+            <a:lstStyle/>
+            <a:p>
+              <a:pPr algn="l"/>
+              <a:r>
+                <a:rPr lang="es-CO" sz="1246" spc="0" baseline="0">
+                  <a:ln/>
+                  <a:solidFill>
+                    <a:srgbClr val="000000"/>
+                  </a:solidFill>
+                  <a:latin typeface="Arial"/>
+                  <a:cs typeface="Arial"/>
+                  <a:sym typeface="Arial"/>
+                  <a:rtl val="0"/>
+                </a:rPr>
+                <a:t>Equations</a:t>
+              </a:r>
+            </a:p>
+          </p:txBody>
+        </p:sp>
+        <p:sp>
+          <p:nvSpPr>
+            <p:cNvPr id="40" name="CuadroTexto 39">
+              <a:extLst>
+                <a:ext uri="{FF2B5EF4-FFF2-40B4-BE49-F238E27FC236}">
+                  <a16:creationId xmlns:a16="http://schemas.microsoft.com/office/drawing/2014/main" id="{D1D59835-668E-4924-0960-8A19E91E538C}"/>
+                </a:ext>
+              </a:extLst>
+            </p:cNvPr>
+            <p:cNvSpPr txBox="1"/>
+            <p:nvPr/>
+          </p:nvSpPr>
+          <p:spPr>
+            <a:xfrm>
+              <a:off x="2505997" y="4392414"/>
+              <a:ext cx="921093" cy="355087"/>
+            </a:xfrm>
+            <a:prstGeom prst="rect">
+              <a:avLst/>
+            </a:prstGeom>
+            <a:noFill/>
+          </p:spPr>
+          <p:txBody>
+            <a:bodyPr wrap="none" rtlCol="0">
+              <a:spAutoFit/>
+            </a:bodyPr>
+            <a:lstStyle/>
+            <a:p>
+              <a:pPr algn="l"/>
+              <a:r>
+                <a:rPr lang="es-CO" sz="1246" spc="0" baseline="0">
+                  <a:ln/>
+                  <a:solidFill>
+                    <a:srgbClr val="000000"/>
+                  </a:solidFill>
+                  <a:latin typeface="Arial"/>
+                  <a:cs typeface="Arial"/>
+                  <a:sym typeface="Arial"/>
+                  <a:rtl val="0"/>
+                </a:rPr>
+                <a:t>Forward </a:t>
+              </a:r>
+            </a:p>
+          </p:txBody>
+        </p:sp>
+        <p:sp>
+          <p:nvSpPr>
+            <p:cNvPr id="41" name="CuadroTexto 40">
+              <a:extLst>
+                <a:ext uri="{FF2B5EF4-FFF2-40B4-BE49-F238E27FC236}">
+                  <a16:creationId xmlns:a16="http://schemas.microsoft.com/office/drawing/2014/main" id="{803DBCDB-D76B-B159-138A-80BDF2110786}"/>
+                </a:ext>
+              </a:extLst>
+            </p:cNvPr>
+            <p:cNvSpPr txBox="1"/>
+            <p:nvPr/>
+          </p:nvSpPr>
+          <p:spPr>
+            <a:xfrm>
+              <a:off x="2518117" y="4588018"/>
+              <a:ext cx="921093" cy="355087"/>
+            </a:xfrm>
+            <a:prstGeom prst="rect">
+              <a:avLst/>
+            </a:prstGeom>
+            <a:noFill/>
+          </p:spPr>
+          <p:txBody>
+            <a:bodyPr wrap="none" rtlCol="0">
+              <a:spAutoFit/>
+            </a:bodyPr>
+            <a:lstStyle/>
+            <a:p>
+              <a:pPr algn="l"/>
+              <a:r>
+                <a:rPr lang="es-CO" sz="1246" spc="0" baseline="0">
+                  <a:ln/>
+                  <a:solidFill>
+                    <a:srgbClr val="000000"/>
+                  </a:solidFill>
+                  <a:latin typeface="Arial"/>
+                  <a:cs typeface="Arial"/>
+                  <a:sym typeface="Arial"/>
+                  <a:rtl val="0"/>
+                </a:rPr>
+                <a:t>Problem</a:t>
+              </a:r>
+            </a:p>
+          </p:txBody>
+        </p:sp>
+        <p:sp>
+          <p:nvSpPr>
+            <p:cNvPr id="42" name="Forma libre: forma 41">
+              <a:extLst>
+                <a:ext uri="{FF2B5EF4-FFF2-40B4-BE49-F238E27FC236}">
+                  <a16:creationId xmlns:a16="http://schemas.microsoft.com/office/drawing/2014/main" id="{64AAB0D5-8C12-48D0-3E76-0AFE7EC72FAE}"/>
+                </a:ext>
+              </a:extLst>
+            </p:cNvPr>
+            <p:cNvSpPr/>
+            <p:nvPr/>
+          </p:nvSpPr>
+          <p:spPr>
+            <a:xfrm>
+              <a:off x="5756084" y="1695347"/>
+              <a:ext cx="1028367" cy="319445"/>
+            </a:xfrm>
+            <a:custGeom>
+              <a:avLst/>
+              <a:gdLst>
+                <a:gd name="connsiteX0" fmla="*/ 166 w 1028367"/>
+                <a:gd name="connsiteY0" fmla="*/ 28 h 319445"/>
+                <a:gd name="connsiteX1" fmla="*/ 1028534 w 1028367"/>
+                <a:gd name="connsiteY1" fmla="*/ 28 h 319445"/>
+                <a:gd name="connsiteX2" fmla="*/ 1028534 w 1028367"/>
+                <a:gd name="connsiteY2" fmla="*/ 319474 h 319445"/>
+                <a:gd name="connsiteX3" fmla="*/ 166 w 1028367"/>
+                <a:gd name="connsiteY3" fmla="*/ 319474 h 319445"/>
+              </a:gdLst>
+              <a:ahLst/>
+              <a:cxnLst>
+                <a:cxn ang="0">
+                  <a:pos x="connsiteX0" y="connsiteY0"/>
+                </a:cxn>
+                <a:cxn ang="0">
+                  <a:pos x="connsiteX1" y="connsiteY1"/>
+                </a:cxn>
+                <a:cxn ang="0">
+                  <a:pos x="connsiteX2" y="connsiteY2"/>
+                </a:cxn>
+                <a:cxn ang="0">
+                  <a:pos x="connsiteX3" y="connsiteY3"/>
+                </a:cxn>
+              </a:cxnLst>
+              <a:rect l="l" t="t" r="r" b="b"/>
+              <a:pathLst>
+                <a:path w="1028367" h="319445">
+                  <a:moveTo>
+                    <a:pt x="166" y="28"/>
+                  </a:moveTo>
+                  <a:lnTo>
+                    <a:pt x="1028534" y="28"/>
+                  </a:lnTo>
+                  <a:lnTo>
+                    <a:pt x="1028534" y="319474"/>
+                  </a:lnTo>
+                  <a:lnTo>
+                    <a:pt x="166" y="319474"/>
+                  </a:lnTo>
+                  <a:close/>
+                </a:path>
+              </a:pathLst>
+            </a:custGeom>
+            <a:solidFill>
+              <a:srgbClr val="F2F2F2"/>
+            </a:solidFill>
+            <a:ln w="4573" cap="flat">
+              <a:noFill/>
+              <a:prstDash val="solid"/>
+              <a:miter/>
+            </a:ln>
+          </p:spPr>
+          <p:txBody>
+            <a:bodyPr rtlCol="0" anchor="ctr"/>
+            <a:lstStyle/>
+            <a:p>
+              <a:endParaRPr lang="es-CO"/>
+            </a:p>
+          </p:txBody>
+        </p:sp>
+        <p:sp>
+          <p:nvSpPr>
+            <p:cNvPr id="43" name="CuadroTexto 42">
+              <a:extLst>
+                <a:ext uri="{FF2B5EF4-FFF2-40B4-BE49-F238E27FC236}">
+                  <a16:creationId xmlns:a16="http://schemas.microsoft.com/office/drawing/2014/main" id="{3197D186-803C-BE42-282B-B523A88A2AED}"/>
+                </a:ext>
+              </a:extLst>
+            </p:cNvPr>
+            <p:cNvSpPr txBox="1"/>
+            <p:nvPr/>
+          </p:nvSpPr>
+          <p:spPr>
+            <a:xfrm>
+              <a:off x="5878432" y="1701506"/>
+              <a:ext cx="973822" cy="355087"/>
+            </a:xfrm>
+            <a:prstGeom prst="rect">
+              <a:avLst/>
+            </a:prstGeom>
+            <a:noFill/>
+          </p:spPr>
+          <p:txBody>
+            <a:bodyPr wrap="none" rtlCol="0">
+              <a:spAutoFit/>
+            </a:bodyPr>
+            <a:lstStyle/>
+            <a:p>
+              <a:pPr algn="l"/>
+              <a:r>
+                <a:rPr lang="es-CO" sz="1246" spc="0" baseline="0">
+                  <a:ln/>
+                  <a:solidFill>
+                    <a:srgbClr val="000000"/>
+                  </a:solidFill>
+                  <a:latin typeface="Arial"/>
+                  <a:cs typeface="Arial"/>
+                  <a:sym typeface="Arial"/>
+                  <a:rtl val="0"/>
+                </a:rPr>
+                <a:t>Dynamic</a:t>
+              </a:r>
+            </a:p>
+          </p:txBody>
+        </p:sp>
+        <p:sp>
+          <p:nvSpPr>
+            <p:cNvPr id="44" name="Forma libre: forma 43">
+              <a:extLst>
+                <a:ext uri="{FF2B5EF4-FFF2-40B4-BE49-F238E27FC236}">
+                  <a16:creationId xmlns:a16="http://schemas.microsoft.com/office/drawing/2014/main" id="{0A3C3B46-3918-7B74-A524-A3EF1F161115}"/>
+                </a:ext>
+              </a:extLst>
+            </p:cNvPr>
+            <p:cNvSpPr/>
+            <p:nvPr/>
+          </p:nvSpPr>
+          <p:spPr>
+            <a:xfrm>
+              <a:off x="2664063" y="1707791"/>
+              <a:ext cx="760565" cy="332850"/>
+            </a:xfrm>
+            <a:custGeom>
+              <a:avLst/>
+              <a:gdLst>
+                <a:gd name="connsiteX0" fmla="*/ -4 w 760565"/>
+                <a:gd name="connsiteY0" fmla="*/ 29 h 332850"/>
+                <a:gd name="connsiteX1" fmla="*/ 760561 w 760565"/>
+                <a:gd name="connsiteY1" fmla="*/ 29 h 332850"/>
+                <a:gd name="connsiteX2" fmla="*/ 760561 w 760565"/>
+                <a:gd name="connsiteY2" fmla="*/ 332880 h 332850"/>
+                <a:gd name="connsiteX3" fmla="*/ -4 w 760565"/>
+                <a:gd name="connsiteY3" fmla="*/ 332880 h 332850"/>
+              </a:gdLst>
+              <a:ahLst/>
+              <a:cxnLst>
+                <a:cxn ang="0">
+                  <a:pos x="connsiteX0" y="connsiteY0"/>
+                </a:cxn>
+                <a:cxn ang="0">
+                  <a:pos x="connsiteX1" y="connsiteY1"/>
+                </a:cxn>
+                <a:cxn ang="0">
+                  <a:pos x="connsiteX2" y="connsiteY2"/>
+                </a:cxn>
+                <a:cxn ang="0">
+                  <a:pos x="connsiteX3" y="connsiteY3"/>
+                </a:cxn>
+              </a:cxnLst>
+              <a:rect l="l" t="t" r="r" b="b"/>
+              <a:pathLst>
+                <a:path w="760565" h="332850">
+                  <a:moveTo>
+                    <a:pt x="-4" y="29"/>
+                  </a:moveTo>
+                  <a:lnTo>
+                    <a:pt x="760561" y="29"/>
+                  </a:lnTo>
+                  <a:lnTo>
+                    <a:pt x="760561" y="332880"/>
+                  </a:lnTo>
+                  <a:lnTo>
+                    <a:pt x="-4" y="332880"/>
+                  </a:lnTo>
+                  <a:close/>
+                </a:path>
+              </a:pathLst>
+            </a:custGeom>
+            <a:solidFill>
+              <a:srgbClr val="F2F2F2"/>
+            </a:solidFill>
+            <a:ln w="4018" cap="flat">
+              <a:noFill/>
+              <a:prstDash val="solid"/>
+              <a:miter/>
+            </a:ln>
+          </p:spPr>
+          <p:txBody>
+            <a:bodyPr rtlCol="0" anchor="ctr"/>
+            <a:lstStyle/>
+            <a:p>
+              <a:endParaRPr lang="es-CO"/>
+            </a:p>
+          </p:txBody>
+        </p:sp>
+        <p:sp>
+          <p:nvSpPr>
+            <p:cNvPr id="45" name="CuadroTexto 44">
+              <a:extLst>
+                <a:ext uri="{FF2B5EF4-FFF2-40B4-BE49-F238E27FC236}">
+                  <a16:creationId xmlns:a16="http://schemas.microsoft.com/office/drawing/2014/main" id="{C1A0E854-F7C7-07FA-B136-6A727BAE659A}"/>
+                </a:ext>
+              </a:extLst>
+            </p:cNvPr>
+            <p:cNvSpPr txBox="1"/>
+            <p:nvPr/>
+          </p:nvSpPr>
+          <p:spPr>
+            <a:xfrm>
+              <a:off x="2731624" y="1731732"/>
+              <a:ext cx="710174" cy="355087"/>
+            </a:xfrm>
+            <a:prstGeom prst="rect">
+              <a:avLst/>
+            </a:prstGeom>
+            <a:noFill/>
+          </p:spPr>
+          <p:txBody>
+            <a:bodyPr wrap="none" rtlCol="0">
+              <a:spAutoFit/>
+            </a:bodyPr>
+            <a:lstStyle/>
+            <a:p>
+              <a:pPr algn="l"/>
+              <a:r>
+                <a:rPr lang="es-CO" sz="1246" spc="0" baseline="0">
+                  <a:ln/>
+                  <a:solidFill>
+                    <a:srgbClr val="000000"/>
+                  </a:solidFill>
+                  <a:latin typeface="Arial"/>
+                  <a:cs typeface="Arial"/>
+                  <a:sym typeface="Arial"/>
+                  <a:rtl val="0"/>
+                </a:rPr>
+                <a:t>Static</a:t>
+              </a:r>
+            </a:p>
+          </p:txBody>
+        </p:sp>
+        <p:sp>
+          <p:nvSpPr>
+            <p:cNvPr id="46" name="CuadroTexto 45">
+              <a:extLst>
+                <a:ext uri="{FF2B5EF4-FFF2-40B4-BE49-F238E27FC236}">
+                  <a16:creationId xmlns:a16="http://schemas.microsoft.com/office/drawing/2014/main" id="{C44F79C0-F009-32C9-DC5B-000311EBCC7A}"/>
+                </a:ext>
+              </a:extLst>
+            </p:cNvPr>
+            <p:cNvSpPr txBox="1"/>
+            <p:nvPr/>
+          </p:nvSpPr>
+          <p:spPr>
+            <a:xfrm>
+              <a:off x="3381273" y="5492156"/>
+              <a:ext cx="1132011" cy="355087"/>
+            </a:xfrm>
+            <a:prstGeom prst="rect">
+              <a:avLst/>
+            </a:prstGeom>
+            <a:noFill/>
+          </p:spPr>
+          <p:txBody>
+            <a:bodyPr wrap="none" rtlCol="0">
+              <a:spAutoFit/>
+            </a:bodyPr>
+            <a:lstStyle/>
+            <a:p>
+              <a:pPr algn="l"/>
+              <a:r>
+                <a:rPr lang="es-CO" sz="1246" spc="0" baseline="0">
+                  <a:ln/>
+                  <a:solidFill>
+                    <a:srgbClr val="000000"/>
+                  </a:solidFill>
+                  <a:latin typeface="Arial"/>
+                  <a:cs typeface="Arial"/>
+                  <a:sym typeface="Arial"/>
+                  <a:rtl val="0"/>
+                </a:rPr>
+                <a:t>Numerical </a:t>
+              </a:r>
+            </a:p>
+          </p:txBody>
+        </p:sp>
+        <p:sp>
+          <p:nvSpPr>
+            <p:cNvPr id="47" name="CuadroTexto 46">
+              <a:extLst>
+                <a:ext uri="{FF2B5EF4-FFF2-40B4-BE49-F238E27FC236}">
+                  <a16:creationId xmlns:a16="http://schemas.microsoft.com/office/drawing/2014/main" id="{B23E0431-BC72-8476-CD7A-082B7DDD9C31}"/>
+                </a:ext>
+              </a:extLst>
+            </p:cNvPr>
+            <p:cNvSpPr txBox="1"/>
+            <p:nvPr/>
+          </p:nvSpPr>
+          <p:spPr>
+            <a:xfrm>
+              <a:off x="3381273" y="5703905"/>
+              <a:ext cx="921093" cy="355087"/>
+            </a:xfrm>
+            <a:prstGeom prst="rect">
+              <a:avLst/>
+            </a:prstGeom>
+            <a:noFill/>
+          </p:spPr>
+          <p:txBody>
+            <a:bodyPr wrap="none" rtlCol="0">
+              <a:spAutoFit/>
+            </a:bodyPr>
+            <a:lstStyle/>
+            <a:p>
+              <a:pPr algn="l"/>
+              <a:r>
+                <a:rPr lang="es-CO" sz="1246" spc="0" baseline="0">
+                  <a:ln/>
+                  <a:solidFill>
+                    <a:srgbClr val="000000"/>
+                  </a:solidFill>
+                  <a:latin typeface="Arial"/>
+                  <a:cs typeface="Arial"/>
+                  <a:sym typeface="Arial"/>
+                  <a:rtl val="0"/>
+                </a:rPr>
+                <a:t>Methods</a:t>
+              </a:r>
+            </a:p>
+          </p:txBody>
+        </p:sp>
+        <p:sp>
+          <p:nvSpPr>
+            <p:cNvPr id="48" name="CuadroTexto 47">
+              <a:extLst>
+                <a:ext uri="{FF2B5EF4-FFF2-40B4-BE49-F238E27FC236}">
+                  <a16:creationId xmlns:a16="http://schemas.microsoft.com/office/drawing/2014/main" id="{24577192-E41A-1C07-1401-6BC0A6C2ED55}"/>
+                </a:ext>
+              </a:extLst>
+            </p:cNvPr>
+            <p:cNvSpPr txBox="1"/>
+            <p:nvPr/>
+          </p:nvSpPr>
+          <p:spPr>
+            <a:xfrm>
+              <a:off x="4435229" y="4308160"/>
+              <a:ext cx="868363" cy="355087"/>
+            </a:xfrm>
+            <a:prstGeom prst="rect">
+              <a:avLst/>
+            </a:prstGeom>
+            <a:noFill/>
+          </p:spPr>
+          <p:txBody>
+            <a:bodyPr wrap="none" rtlCol="0">
+              <a:spAutoFit/>
+            </a:bodyPr>
+            <a:lstStyle/>
+            <a:p>
+              <a:pPr algn="l"/>
+              <a:r>
+                <a:rPr lang="es-CO" sz="1246" spc="0" baseline="0">
+                  <a:ln/>
+                  <a:solidFill>
+                    <a:srgbClr val="000000"/>
+                  </a:solidFill>
+                  <a:latin typeface="Arial"/>
+                  <a:cs typeface="Arial"/>
+                  <a:sym typeface="Arial"/>
+                  <a:rtl val="0"/>
+                </a:rPr>
+                <a:t>Inverse </a:t>
+              </a:r>
+            </a:p>
+          </p:txBody>
+        </p:sp>
+        <p:sp>
+          <p:nvSpPr>
+            <p:cNvPr id="49" name="CuadroTexto 48">
+              <a:extLst>
+                <a:ext uri="{FF2B5EF4-FFF2-40B4-BE49-F238E27FC236}">
+                  <a16:creationId xmlns:a16="http://schemas.microsoft.com/office/drawing/2014/main" id="{AE562B71-56FE-1780-ADAD-65CD72095D90}"/>
+                </a:ext>
+              </a:extLst>
+            </p:cNvPr>
+            <p:cNvSpPr txBox="1"/>
+            <p:nvPr/>
+          </p:nvSpPr>
+          <p:spPr>
+            <a:xfrm>
+              <a:off x="4403663" y="4503432"/>
+              <a:ext cx="921093" cy="355087"/>
+            </a:xfrm>
+            <a:prstGeom prst="rect">
+              <a:avLst/>
+            </a:prstGeom>
+            <a:noFill/>
+          </p:spPr>
+          <p:txBody>
+            <a:bodyPr wrap="none" rtlCol="0">
+              <a:spAutoFit/>
+            </a:bodyPr>
+            <a:lstStyle/>
+            <a:p>
+              <a:pPr algn="l"/>
+              <a:r>
+                <a:rPr lang="es-CO" sz="1246" spc="0" baseline="0">
+                  <a:ln/>
+                  <a:solidFill>
+                    <a:srgbClr val="000000"/>
+                  </a:solidFill>
+                  <a:latin typeface="Arial"/>
+                  <a:cs typeface="Arial"/>
+                  <a:sym typeface="Arial"/>
+                  <a:rtl val="0"/>
+                </a:rPr>
+                <a:t>Problem</a:t>
+              </a:r>
+            </a:p>
+          </p:txBody>
+        </p:sp>
+        <p:sp>
+          <p:nvSpPr>
+            <p:cNvPr id="50" name="CuadroTexto 49">
+              <a:extLst>
+                <a:ext uri="{FF2B5EF4-FFF2-40B4-BE49-F238E27FC236}">
+                  <a16:creationId xmlns:a16="http://schemas.microsoft.com/office/drawing/2014/main" id="{A2BBD64D-4B4F-805B-256E-F65DA5F68868}"/>
+                </a:ext>
+              </a:extLst>
+            </p:cNvPr>
+            <p:cNvSpPr txBox="1"/>
+            <p:nvPr/>
+          </p:nvSpPr>
+          <p:spPr>
+            <a:xfrm>
+              <a:off x="3750001" y="3772783"/>
+              <a:ext cx="1454244" cy="230832"/>
+            </a:xfrm>
+            <a:prstGeom prst="rect">
+              <a:avLst/>
+            </a:prstGeom>
+            <a:noFill/>
+          </p:spPr>
+          <p:txBody>
+            <a:bodyPr wrap="none" rtlCol="0">
+              <a:spAutoFit/>
+            </a:bodyPr>
+            <a:lstStyle/>
+            <a:p>
+              <a:pPr algn="l"/>
+              <a:r>
+                <a:rPr lang="es-CO" sz="900" spc="0" baseline="0">
+                  <a:ln/>
+                  <a:solidFill>
+                    <a:srgbClr val="0000FF"/>
+                  </a:solidFill>
+                  <a:latin typeface="Arial"/>
+                  <a:cs typeface="Arial"/>
+                  <a:sym typeface="Arial"/>
+                  <a:rtl val="0"/>
+                </a:rPr>
+                <a:t>Two general approaches</a:t>
+              </a:r>
+              <a:endParaRPr lang="es-CO" sz="900" spc="0" baseline="0">
+                <a:ln/>
+                <a:solidFill>
+                  <a:srgbClr val="0000FF"/>
+                </a:solidFill>
+                <a:latin typeface="Arial"/>
+                <a:cs typeface="Arial"/>
+                <a:sym typeface="Arial"/>
+                <a:rtl val="0"/>
+              </a:endParaRPr>
+            </a:p>
+          </p:txBody>
+        </p:sp>
+        <p:sp>
+          <p:nvSpPr>
+            <p:cNvPr id="51" name="CuadroTexto 50">
+              <a:extLst>
+                <a:ext uri="{FF2B5EF4-FFF2-40B4-BE49-F238E27FC236}">
+                  <a16:creationId xmlns:a16="http://schemas.microsoft.com/office/drawing/2014/main" id="{4C5EF18F-0292-4A1E-4F6F-6435A9ACC150}"/>
+                </a:ext>
+              </a:extLst>
+            </p:cNvPr>
+            <p:cNvSpPr txBox="1"/>
+            <p:nvPr/>
+          </p:nvSpPr>
+          <p:spPr>
+            <a:xfrm>
+              <a:off x="3812900" y="5085340"/>
+              <a:ext cx="1026552" cy="302358"/>
+            </a:xfrm>
+            <a:prstGeom prst="rect">
+              <a:avLst/>
+            </a:prstGeom>
+            <a:noFill/>
+          </p:spPr>
+          <p:txBody>
+            <a:bodyPr wrap="none" rtlCol="0">
+              <a:spAutoFit/>
+            </a:bodyPr>
+            <a:lstStyle/>
+            <a:p>
+              <a:pPr algn="l"/>
+              <a:r>
+                <a:rPr lang="es-CO" sz="934" spc="0" baseline="0">
+                  <a:ln/>
+                  <a:solidFill>
+                    <a:srgbClr val="0000FF"/>
+                  </a:solidFill>
+                  <a:latin typeface="Arial"/>
+                  <a:cs typeface="Arial"/>
+                  <a:sym typeface="Arial"/>
+                  <a:rtl val="0"/>
+                </a:rPr>
+                <a:t>Requiered</a:t>
+              </a:r>
+            </a:p>
+          </p:txBody>
+        </p:sp>
+        <p:sp>
+          <p:nvSpPr>
+            <p:cNvPr id="52" name="Forma libre: forma 51">
+              <a:extLst>
+                <a:ext uri="{FF2B5EF4-FFF2-40B4-BE49-F238E27FC236}">
+                  <a16:creationId xmlns:a16="http://schemas.microsoft.com/office/drawing/2014/main" id="{B3608F06-2D73-AD09-9E1B-F5FF002454E6}"/>
+                </a:ext>
+              </a:extLst>
+            </p:cNvPr>
+            <p:cNvSpPr/>
+            <p:nvPr/>
+          </p:nvSpPr>
+          <p:spPr>
+            <a:xfrm>
+              <a:off x="3422081" y="1035211"/>
+              <a:ext cx="2377916" cy="334243"/>
+            </a:xfrm>
+            <a:custGeom>
+              <a:avLst/>
+              <a:gdLst>
+                <a:gd name="connsiteX0" fmla="*/ 79 w 2377916"/>
+                <a:gd name="connsiteY0" fmla="*/ -6 h 334243"/>
+                <a:gd name="connsiteX1" fmla="*/ 2377995 w 2377916"/>
+                <a:gd name="connsiteY1" fmla="*/ -6 h 334243"/>
+                <a:gd name="connsiteX2" fmla="*/ 2377995 w 2377916"/>
+                <a:gd name="connsiteY2" fmla="*/ 334238 h 334243"/>
+                <a:gd name="connsiteX3" fmla="*/ 79 w 2377916"/>
+                <a:gd name="connsiteY3" fmla="*/ 334238 h 334243"/>
+              </a:gdLst>
+              <a:ahLst/>
+              <a:cxnLst>
+                <a:cxn ang="0">
+                  <a:pos x="connsiteX0" y="connsiteY0"/>
+                </a:cxn>
+                <a:cxn ang="0">
+                  <a:pos x="connsiteX1" y="connsiteY1"/>
+                </a:cxn>
+                <a:cxn ang="0">
+                  <a:pos x="connsiteX2" y="connsiteY2"/>
+                </a:cxn>
+                <a:cxn ang="0">
+                  <a:pos x="connsiteX3" y="connsiteY3"/>
+                </a:cxn>
+              </a:cxnLst>
+              <a:rect l="l" t="t" r="r" b="b"/>
+              <a:pathLst>
+                <a:path w="2377916" h="334243">
+                  <a:moveTo>
+                    <a:pt x="79" y="-6"/>
+                  </a:moveTo>
+                  <a:lnTo>
+                    <a:pt x="2377995" y="-6"/>
+                  </a:lnTo>
+                  <a:lnTo>
+                    <a:pt x="2377995" y="334238"/>
+                  </a:lnTo>
+                  <a:lnTo>
+                    <a:pt x="79" y="334238"/>
+                  </a:lnTo>
+                  <a:close/>
+                </a:path>
+              </a:pathLst>
+            </a:custGeom>
+            <a:solidFill>
+              <a:srgbClr val="F2F2F2"/>
+            </a:solidFill>
+            <a:ln w="7117" cap="flat">
+              <a:noFill/>
+              <a:prstDash val="solid"/>
+              <a:miter/>
+            </a:ln>
+          </p:spPr>
+          <p:txBody>
+            <a:bodyPr rtlCol="0" anchor="ctr"/>
+            <a:lstStyle/>
+            <a:p>
+              <a:endParaRPr lang="es-CO"/>
+            </a:p>
+          </p:txBody>
+        </p:sp>
+        <p:sp>
+          <p:nvSpPr>
+            <p:cNvPr id="53" name="CuadroTexto 52">
+              <a:extLst>
+                <a:ext uri="{FF2B5EF4-FFF2-40B4-BE49-F238E27FC236}">
+                  <a16:creationId xmlns:a16="http://schemas.microsoft.com/office/drawing/2014/main" id="{A56B4ADA-3BE9-8B2E-A3F4-04253D16EF0C}"/>
+                </a:ext>
+              </a:extLst>
+            </p:cNvPr>
+            <p:cNvSpPr txBox="1"/>
+            <p:nvPr/>
+          </p:nvSpPr>
+          <p:spPr>
+            <a:xfrm>
+              <a:off x="3661192" y="1054939"/>
+              <a:ext cx="2186601" cy="355087"/>
+            </a:xfrm>
+            <a:prstGeom prst="rect">
+              <a:avLst/>
+            </a:prstGeom>
+            <a:noFill/>
+          </p:spPr>
+          <p:txBody>
+            <a:bodyPr wrap="none" rtlCol="0">
+              <a:spAutoFit/>
+            </a:bodyPr>
+            <a:lstStyle/>
+            <a:p>
+              <a:pPr algn="l"/>
+              <a:r>
+                <a:rPr lang="es-CO" sz="1246" spc="0" baseline="0">
+                  <a:ln/>
+                  <a:solidFill>
+                    <a:srgbClr val="000000"/>
+                  </a:solidFill>
+                  <a:latin typeface="Arial"/>
+                  <a:cs typeface="Arial"/>
+                  <a:sym typeface="Arial"/>
+                  <a:rtl val="0"/>
+                </a:rPr>
+                <a:t>Mathematical modeling</a:t>
+              </a:r>
+            </a:p>
+          </p:txBody>
+        </p:sp>
+        <p:sp>
+          <p:nvSpPr>
+            <p:cNvPr id="54" name="CuadroTexto 53">
+              <a:extLst>
+                <a:ext uri="{FF2B5EF4-FFF2-40B4-BE49-F238E27FC236}">
+                  <a16:creationId xmlns:a16="http://schemas.microsoft.com/office/drawing/2014/main" id="{15E992A2-E6C4-E787-C5C1-E89A47088401}"/>
+                </a:ext>
+              </a:extLst>
+            </p:cNvPr>
+            <p:cNvSpPr txBox="1"/>
+            <p:nvPr/>
+          </p:nvSpPr>
+          <p:spPr>
+            <a:xfrm>
+              <a:off x="7306746" y="3661807"/>
+              <a:ext cx="2608437" cy="355087"/>
+            </a:xfrm>
+            <a:prstGeom prst="rect">
+              <a:avLst/>
+            </a:prstGeom>
+            <a:noFill/>
+          </p:spPr>
+          <p:txBody>
+            <a:bodyPr wrap="none" rtlCol="0">
+              <a:spAutoFit/>
+            </a:bodyPr>
+            <a:lstStyle/>
+            <a:p>
+              <a:pPr algn="l"/>
+              <a:r>
+                <a:rPr lang="es-CO" sz="1246" spc="0" baseline="0">
+                  <a:ln/>
+                  <a:solidFill>
+                    <a:srgbClr val="000000"/>
+                  </a:solidFill>
+                  <a:latin typeface="Arial"/>
+                  <a:cs typeface="Arial"/>
+                  <a:sym typeface="Arial"/>
+                  <a:rtl val="0"/>
+                </a:rPr>
+                <a:t>Mechanical Wave Equation</a:t>
+              </a:r>
+            </a:p>
+          </p:txBody>
+        </p:sp>
+        <p:sp>
+          <p:nvSpPr>
+            <p:cNvPr id="55" name="CuadroTexto 54">
+              <a:extLst>
+                <a:ext uri="{FF2B5EF4-FFF2-40B4-BE49-F238E27FC236}">
+                  <a16:creationId xmlns:a16="http://schemas.microsoft.com/office/drawing/2014/main" id="{A02902AD-CBB6-94E7-E100-92A5D09F0286}"/>
+                </a:ext>
+              </a:extLst>
+            </p:cNvPr>
+            <p:cNvSpPr txBox="1"/>
+            <p:nvPr/>
+          </p:nvSpPr>
+          <p:spPr>
+            <a:xfrm>
+              <a:off x="7141742" y="4431245"/>
+              <a:ext cx="815634" cy="355087"/>
+            </a:xfrm>
+            <a:prstGeom prst="rect">
+              <a:avLst/>
+            </a:prstGeom>
+            <a:noFill/>
+          </p:spPr>
+          <p:txBody>
+            <a:bodyPr wrap="none" rtlCol="0">
+              <a:spAutoFit/>
+            </a:bodyPr>
+            <a:lstStyle/>
+            <a:p>
+              <a:pPr algn="l"/>
+              <a:r>
+                <a:rPr lang="es-CO" sz="1246" spc="0" baseline="0">
+                  <a:ln/>
+                  <a:solidFill>
+                    <a:srgbClr val="000000"/>
+                  </a:solidFill>
+                  <a:latin typeface="Arial"/>
+                  <a:cs typeface="Arial"/>
+                  <a:sym typeface="Arial"/>
+                  <a:rtl val="0"/>
+                </a:rPr>
+                <a:t>Scalar </a:t>
+              </a:r>
+            </a:p>
+          </p:txBody>
+        </p:sp>
+        <p:sp>
+          <p:nvSpPr>
+            <p:cNvPr id="56" name="CuadroTexto 55">
+              <a:extLst>
+                <a:ext uri="{FF2B5EF4-FFF2-40B4-BE49-F238E27FC236}">
+                  <a16:creationId xmlns:a16="http://schemas.microsoft.com/office/drawing/2014/main" id="{32762152-5A96-8A8A-2E8A-5C2A7017383B}"/>
+                </a:ext>
+              </a:extLst>
+            </p:cNvPr>
+            <p:cNvSpPr txBox="1"/>
+            <p:nvPr/>
+          </p:nvSpPr>
+          <p:spPr>
+            <a:xfrm>
+              <a:off x="7141742" y="4618775"/>
+              <a:ext cx="815634" cy="355087"/>
+            </a:xfrm>
+            <a:prstGeom prst="rect">
+              <a:avLst/>
+            </a:prstGeom>
+            <a:noFill/>
+          </p:spPr>
+          <p:txBody>
+            <a:bodyPr wrap="none" rtlCol="0">
+              <a:spAutoFit/>
+            </a:bodyPr>
+            <a:lstStyle/>
+            <a:p>
+              <a:pPr algn="l"/>
+              <a:r>
+                <a:rPr lang="es-CO" sz="1246" spc="0" baseline="0">
+                  <a:ln/>
+                  <a:solidFill>
+                    <a:srgbClr val="000000"/>
+                  </a:solidFill>
+                  <a:latin typeface="Arial"/>
+                  <a:cs typeface="Arial"/>
+                  <a:sym typeface="Arial"/>
+                  <a:rtl val="0"/>
+                </a:rPr>
+                <a:t>Waves</a:t>
+              </a:r>
+            </a:p>
+          </p:txBody>
+        </p:sp>
+        <p:sp>
+          <p:nvSpPr>
+            <p:cNvPr id="57" name="CuadroTexto 56">
+              <a:extLst>
+                <a:ext uri="{FF2B5EF4-FFF2-40B4-BE49-F238E27FC236}">
+                  <a16:creationId xmlns:a16="http://schemas.microsoft.com/office/drawing/2014/main" id="{0AEF4858-099C-E0A7-D786-CB40903DFD7A}"/>
+                </a:ext>
+              </a:extLst>
+            </p:cNvPr>
+            <p:cNvSpPr txBox="1"/>
+            <p:nvPr/>
+          </p:nvSpPr>
+          <p:spPr>
+            <a:xfrm>
+              <a:off x="9247579" y="4397972"/>
+              <a:ext cx="868363" cy="355087"/>
+            </a:xfrm>
+            <a:prstGeom prst="rect">
+              <a:avLst/>
+            </a:prstGeom>
+            <a:noFill/>
+          </p:spPr>
+          <p:txBody>
+            <a:bodyPr wrap="none" rtlCol="0">
+              <a:spAutoFit/>
+            </a:bodyPr>
+            <a:lstStyle/>
+            <a:p>
+              <a:pPr algn="l"/>
+              <a:r>
+                <a:rPr lang="es-CO" sz="1246" spc="0" baseline="0">
+                  <a:ln/>
+                  <a:solidFill>
+                    <a:srgbClr val="000000"/>
+                  </a:solidFill>
+                  <a:latin typeface="Arial"/>
+                  <a:cs typeface="Arial"/>
+                  <a:sym typeface="Arial"/>
+                  <a:rtl val="0"/>
+                </a:rPr>
+                <a:t>Elastic </a:t>
+              </a:r>
+            </a:p>
+          </p:txBody>
+        </p:sp>
+        <p:sp>
+          <p:nvSpPr>
+            <p:cNvPr id="58" name="CuadroTexto 57">
+              <a:extLst>
+                <a:ext uri="{FF2B5EF4-FFF2-40B4-BE49-F238E27FC236}">
+                  <a16:creationId xmlns:a16="http://schemas.microsoft.com/office/drawing/2014/main" id="{5B4D864F-9AAE-A0A7-60DF-5A08FB649025}"/>
+                </a:ext>
+              </a:extLst>
+            </p:cNvPr>
+            <p:cNvSpPr txBox="1"/>
+            <p:nvPr/>
+          </p:nvSpPr>
+          <p:spPr>
+            <a:xfrm>
+              <a:off x="9251921" y="4606601"/>
+              <a:ext cx="815634" cy="355087"/>
+            </a:xfrm>
+            <a:prstGeom prst="rect">
+              <a:avLst/>
+            </a:prstGeom>
+            <a:noFill/>
+          </p:spPr>
+          <p:txBody>
+            <a:bodyPr wrap="none" rtlCol="0">
+              <a:spAutoFit/>
+            </a:bodyPr>
+            <a:lstStyle/>
+            <a:p>
+              <a:pPr algn="l"/>
+              <a:r>
+                <a:rPr lang="es-CO" sz="1246" spc="0" baseline="0">
+                  <a:ln/>
+                  <a:solidFill>
+                    <a:srgbClr val="000000"/>
+                  </a:solidFill>
+                  <a:latin typeface="Arial"/>
+                  <a:cs typeface="Arial"/>
+                  <a:sym typeface="Arial"/>
+                  <a:rtl val="0"/>
+                </a:rPr>
+                <a:t>Waves</a:t>
+              </a:r>
+            </a:p>
+          </p:txBody>
+        </p:sp>
+        <p:sp>
+          <p:nvSpPr>
+            <p:cNvPr id="59" name="Forma libre: forma 58">
+              <a:extLst>
+                <a:ext uri="{FF2B5EF4-FFF2-40B4-BE49-F238E27FC236}">
+                  <a16:creationId xmlns:a16="http://schemas.microsoft.com/office/drawing/2014/main" id="{197B3745-3051-988B-29FD-56AA6BE369BC}"/>
+                </a:ext>
+              </a:extLst>
+            </p:cNvPr>
+            <p:cNvSpPr/>
+            <p:nvPr/>
+          </p:nvSpPr>
+          <p:spPr>
+            <a:xfrm>
+              <a:off x="7489356" y="4225457"/>
+              <a:ext cx="2108073" cy="13951"/>
+            </a:xfrm>
+            <a:custGeom>
+              <a:avLst/>
+              <a:gdLst>
+                <a:gd name="connsiteX0" fmla="*/ 286 w 2108073"/>
+                <a:gd name="connsiteY0" fmla="*/ 153 h 13951"/>
+                <a:gd name="connsiteX1" fmla="*/ 2108360 w 2108073"/>
+                <a:gd name="connsiteY1" fmla="*/ 153 h 13951"/>
+              </a:gdLst>
+              <a:ahLst/>
+              <a:cxnLst>
+                <a:cxn ang="0">
+                  <a:pos x="connsiteX0" y="connsiteY0"/>
+                </a:cxn>
+                <a:cxn ang="0">
+                  <a:pos x="connsiteX1" y="connsiteY1"/>
+                </a:cxn>
+              </a:cxnLst>
+              <a:rect l="l" t="t" r="r" b="b"/>
+              <a:pathLst>
+                <a:path w="2108073" h="13951">
+                  <a:moveTo>
+                    <a:pt x="286" y="153"/>
+                  </a:moveTo>
+                  <a:lnTo>
+                    <a:pt x="2108360" y="153"/>
+                  </a:lnTo>
+                </a:path>
+              </a:pathLst>
+            </a:custGeom>
+            <a:solidFill>
+              <a:srgbClr val="000000"/>
+            </a:solidFill>
+            <a:ln w="10545" cap="flat">
+              <a:solidFill>
+                <a:srgbClr val="000000"/>
+              </a:solidFill>
+              <a:prstDash val="solid"/>
+              <a:miter/>
+            </a:ln>
+          </p:spPr>
+          <p:txBody>
+            <a:bodyPr rtlCol="0" anchor="ctr"/>
+            <a:lstStyle/>
+            <a:p>
+              <a:endParaRPr lang="es-CO"/>
+            </a:p>
+          </p:txBody>
+        </p:sp>
+        <p:sp>
+          <p:nvSpPr>
+            <p:cNvPr id="60" name="Forma libre: forma 59">
+              <a:extLst>
+                <a:ext uri="{FF2B5EF4-FFF2-40B4-BE49-F238E27FC236}">
+                  <a16:creationId xmlns:a16="http://schemas.microsoft.com/office/drawing/2014/main" id="{832F7101-8D6D-2DB6-0B05-D2F0E30B2A0F}"/>
+                </a:ext>
+              </a:extLst>
+            </p:cNvPr>
+            <p:cNvSpPr/>
+            <p:nvPr/>
+          </p:nvSpPr>
+          <p:spPr>
+            <a:xfrm>
+              <a:off x="2714456" y="4153539"/>
+              <a:ext cx="2017678" cy="13951"/>
+            </a:xfrm>
+            <a:custGeom>
+              <a:avLst/>
+              <a:gdLst>
+                <a:gd name="connsiteX0" fmla="*/ 32 w 2017678"/>
+                <a:gd name="connsiteY0" fmla="*/ 150 h 13951"/>
+                <a:gd name="connsiteX1" fmla="*/ 2017711 w 2017678"/>
+                <a:gd name="connsiteY1" fmla="*/ 150 h 13951"/>
+              </a:gdLst>
+              <a:ahLst/>
+              <a:cxnLst>
+                <a:cxn ang="0">
+                  <a:pos x="connsiteX0" y="connsiteY0"/>
+                </a:cxn>
+                <a:cxn ang="0">
+                  <a:pos x="connsiteX1" y="connsiteY1"/>
+                </a:cxn>
+              </a:cxnLst>
+              <a:rect l="l" t="t" r="r" b="b"/>
+              <a:pathLst>
+                <a:path w="2017678" h="13951">
+                  <a:moveTo>
+                    <a:pt x="32" y="150"/>
+                  </a:moveTo>
+                  <a:lnTo>
+                    <a:pt x="2017711" y="150"/>
+                  </a:lnTo>
+                </a:path>
+              </a:pathLst>
+            </a:custGeom>
+            <a:solidFill>
+              <a:srgbClr val="000000"/>
+            </a:solidFill>
+            <a:ln w="10545" cap="flat">
+              <a:solidFill>
+                <a:srgbClr val="000000"/>
+              </a:solidFill>
+              <a:prstDash val="solid"/>
+              <a:miter/>
+            </a:ln>
+          </p:spPr>
+          <p:txBody>
+            <a:bodyPr rtlCol="0" anchor="ctr"/>
+            <a:lstStyle/>
+            <a:p>
+              <a:endParaRPr lang="es-CO"/>
+            </a:p>
+          </p:txBody>
+        </p:sp>
+        <p:sp>
+          <p:nvSpPr>
+            <p:cNvPr id="61" name="Forma libre: forma 60">
+              <a:extLst>
+                <a:ext uri="{FF2B5EF4-FFF2-40B4-BE49-F238E27FC236}">
+                  <a16:creationId xmlns:a16="http://schemas.microsoft.com/office/drawing/2014/main" id="{FA29E102-CF1E-54C0-0BAC-C74715CF9666}"/>
+                </a:ext>
+              </a:extLst>
+            </p:cNvPr>
+            <p:cNvSpPr/>
+            <p:nvPr/>
+          </p:nvSpPr>
+          <p:spPr>
+            <a:xfrm>
+              <a:off x="3745039" y="4978671"/>
+              <a:ext cx="13951" cy="449941"/>
+            </a:xfrm>
+            <a:custGeom>
+              <a:avLst/>
+              <a:gdLst>
+                <a:gd name="connsiteX0" fmla="*/ 33 w 13951"/>
+                <a:gd name="connsiteY0" fmla="*/ 205 h 449941"/>
+                <a:gd name="connsiteX1" fmla="*/ 33 w 13951"/>
+                <a:gd name="connsiteY1" fmla="*/ 450146 h 449941"/>
+              </a:gdLst>
+              <a:ahLst/>
+              <a:cxnLst>
+                <a:cxn ang="0">
+                  <a:pos x="connsiteX0" y="connsiteY0"/>
+                </a:cxn>
+                <a:cxn ang="0">
+                  <a:pos x="connsiteX1" y="connsiteY1"/>
+                </a:cxn>
+              </a:cxnLst>
+              <a:rect l="l" t="t" r="r" b="b"/>
+              <a:pathLst>
+                <a:path w="13951" h="449941">
+                  <a:moveTo>
+                    <a:pt x="33" y="205"/>
+                  </a:moveTo>
+                  <a:lnTo>
+                    <a:pt x="33" y="450146"/>
+                  </a:lnTo>
+                </a:path>
+              </a:pathLst>
+            </a:custGeom>
+            <a:noFill/>
+            <a:ln w="10545" cap="flat">
+              <a:solidFill>
+                <a:srgbClr val="000000"/>
+              </a:solidFill>
+              <a:prstDash val="solid"/>
+              <a:miter/>
+            </a:ln>
+          </p:spPr>
+          <p:txBody>
+            <a:bodyPr rtlCol="0" anchor="ctr"/>
+            <a:lstStyle/>
+            <a:p>
+              <a:endParaRPr lang="es-CO"/>
+            </a:p>
+          </p:txBody>
+        </p:sp>
+        <p:sp>
+          <p:nvSpPr>
+            <p:cNvPr id="62" name="Forma libre: forma 61">
+              <a:extLst>
+                <a:ext uri="{FF2B5EF4-FFF2-40B4-BE49-F238E27FC236}">
+                  <a16:creationId xmlns:a16="http://schemas.microsoft.com/office/drawing/2014/main" id="{914B05EF-D4DE-E239-5422-98BF6994074D}"/>
+                </a:ext>
+              </a:extLst>
+            </p:cNvPr>
+            <p:cNvSpPr/>
+            <p:nvPr/>
+          </p:nvSpPr>
+          <p:spPr>
+            <a:xfrm>
+              <a:off x="2688714" y="4983997"/>
+              <a:ext cx="2009885" cy="13951"/>
+            </a:xfrm>
+            <a:custGeom>
+              <a:avLst/>
+              <a:gdLst>
+                <a:gd name="connsiteX0" fmla="*/ 31 w 2009885"/>
+                <a:gd name="connsiteY0" fmla="*/ 193 h 13951"/>
+                <a:gd name="connsiteX1" fmla="*/ 2009916 w 2009885"/>
+                <a:gd name="connsiteY1" fmla="*/ 193 h 13951"/>
+              </a:gdLst>
+              <a:ahLst/>
+              <a:cxnLst>
+                <a:cxn ang="0">
+                  <a:pos x="connsiteX0" y="connsiteY0"/>
+                </a:cxn>
+                <a:cxn ang="0">
+                  <a:pos x="connsiteX1" y="connsiteY1"/>
+                </a:cxn>
+              </a:cxnLst>
+              <a:rect l="l" t="t" r="r" b="b"/>
+              <a:pathLst>
+                <a:path w="2009885" h="13951">
+                  <a:moveTo>
+                    <a:pt x="31" y="193"/>
+                  </a:moveTo>
+                  <a:lnTo>
+                    <a:pt x="2009916" y="193"/>
+                  </a:lnTo>
+                </a:path>
+              </a:pathLst>
+            </a:custGeom>
+            <a:solidFill>
+              <a:srgbClr val="000000"/>
+            </a:solidFill>
+            <a:ln w="10545" cap="flat">
+              <a:solidFill>
+                <a:srgbClr val="000000"/>
+              </a:solidFill>
+              <a:prstDash val="solid"/>
+              <a:miter/>
+            </a:ln>
+          </p:spPr>
+          <p:txBody>
+            <a:bodyPr rtlCol="0" anchor="ctr"/>
+            <a:lstStyle/>
+            <a:p>
+              <a:endParaRPr lang="es-CO"/>
+            </a:p>
+          </p:txBody>
+        </p:sp>
+        <p:sp>
+          <p:nvSpPr>
+            <p:cNvPr id="63" name="Forma libre: forma 62">
+              <a:extLst>
+                <a:ext uri="{FF2B5EF4-FFF2-40B4-BE49-F238E27FC236}">
+                  <a16:creationId xmlns:a16="http://schemas.microsoft.com/office/drawing/2014/main" id="{204D1EEA-EA6B-B8BB-847F-66C2DB32F6FB}"/>
+                </a:ext>
+              </a:extLst>
+            </p:cNvPr>
+            <p:cNvSpPr/>
+            <p:nvPr/>
+          </p:nvSpPr>
+          <p:spPr>
+            <a:xfrm>
+              <a:off x="3699517" y="3582320"/>
+              <a:ext cx="4902799" cy="13951"/>
+            </a:xfrm>
+            <a:custGeom>
+              <a:avLst/>
+              <a:gdLst>
+                <a:gd name="connsiteX0" fmla="*/ 160 w 4902799"/>
+                <a:gd name="connsiteY0" fmla="*/ 119 h 13951"/>
+                <a:gd name="connsiteX1" fmla="*/ 4902960 w 4902799"/>
+                <a:gd name="connsiteY1" fmla="*/ 119 h 13951"/>
+              </a:gdLst>
+              <a:ahLst/>
+              <a:cxnLst>
+                <a:cxn ang="0">
+                  <a:pos x="connsiteX0" y="connsiteY0"/>
+                </a:cxn>
+                <a:cxn ang="0">
+                  <a:pos x="connsiteX1" y="connsiteY1"/>
+                </a:cxn>
+              </a:cxnLst>
+              <a:rect l="l" t="t" r="r" b="b"/>
+              <a:pathLst>
+                <a:path w="4902799" h="13951">
+                  <a:moveTo>
+                    <a:pt x="160" y="119"/>
+                  </a:moveTo>
+                  <a:lnTo>
+                    <a:pt x="4902960" y="119"/>
+                  </a:lnTo>
+                </a:path>
+              </a:pathLst>
+            </a:custGeom>
+            <a:solidFill>
+              <a:srgbClr val="000000"/>
+            </a:solidFill>
+            <a:ln w="10549" cap="flat">
+              <a:solidFill>
+                <a:srgbClr val="000000"/>
+              </a:solidFill>
+              <a:prstDash val="solid"/>
+              <a:miter/>
+            </a:ln>
+          </p:spPr>
+          <p:txBody>
+            <a:bodyPr rtlCol="0" anchor="ctr"/>
+            <a:lstStyle/>
+            <a:p>
+              <a:endParaRPr lang="es-CO"/>
+            </a:p>
+          </p:txBody>
+        </p:sp>
+        <p:sp>
+          <p:nvSpPr>
+            <p:cNvPr id="128" name="Forma libre: forma 127">
+              <a:extLst>
+                <a:ext uri="{FF2B5EF4-FFF2-40B4-BE49-F238E27FC236}">
+                  <a16:creationId xmlns:a16="http://schemas.microsoft.com/office/drawing/2014/main" id="{8161F618-1079-390F-E775-FA9E07221643}"/>
+                </a:ext>
+              </a:extLst>
+            </p:cNvPr>
+            <p:cNvSpPr/>
+            <p:nvPr/>
+          </p:nvSpPr>
+          <p:spPr>
+            <a:xfrm>
+              <a:off x="3015953" y="1619860"/>
+              <a:ext cx="3239215" cy="13951"/>
+            </a:xfrm>
+            <a:custGeom>
+              <a:avLst/>
+              <a:gdLst>
+                <a:gd name="connsiteX0" fmla="*/ 80 w 3239215"/>
+                <a:gd name="connsiteY0" fmla="*/ 16 h 13951"/>
+                <a:gd name="connsiteX1" fmla="*/ 3239296 w 3239215"/>
+                <a:gd name="connsiteY1" fmla="*/ 16 h 13951"/>
+              </a:gdLst>
+              <a:ahLst/>
+              <a:cxnLst>
+                <a:cxn ang="0">
+                  <a:pos x="connsiteX0" y="connsiteY0"/>
+                </a:cxn>
+                <a:cxn ang="0">
+                  <a:pos x="connsiteX1" y="connsiteY1"/>
+                </a:cxn>
+              </a:cxnLst>
+              <a:rect l="l" t="t" r="r" b="b"/>
+              <a:pathLst>
+                <a:path w="3239215" h="13951">
+                  <a:moveTo>
+                    <a:pt x="80" y="16"/>
+                  </a:moveTo>
+                  <a:lnTo>
+                    <a:pt x="3239296" y="16"/>
+                  </a:lnTo>
+                </a:path>
+              </a:pathLst>
+            </a:custGeom>
+            <a:solidFill>
+              <a:srgbClr val="000000"/>
+            </a:solidFill>
+            <a:ln w="10545" cap="flat">
+              <a:solidFill>
+                <a:srgbClr val="000000"/>
+              </a:solidFill>
+              <a:prstDash val="solid"/>
+              <a:miter/>
+            </a:ln>
+          </p:spPr>
+          <p:txBody>
+            <a:bodyPr rtlCol="0" anchor="ctr"/>
+            <a:lstStyle/>
+            <a:p>
+              <a:endParaRPr lang="es-CO"/>
+            </a:p>
+          </p:txBody>
+        </p:sp>
+        <p:sp>
+          <p:nvSpPr>
+            <p:cNvPr id="129" name="Forma libre: forma 128">
+              <a:extLst>
+                <a:ext uri="{FF2B5EF4-FFF2-40B4-BE49-F238E27FC236}">
+                  <a16:creationId xmlns:a16="http://schemas.microsoft.com/office/drawing/2014/main" id="{9904C748-9AF8-9A0B-E2DA-2E4D9B85DA53}"/>
+                </a:ext>
+              </a:extLst>
+            </p:cNvPr>
+            <p:cNvSpPr/>
+            <p:nvPr/>
+          </p:nvSpPr>
+          <p:spPr>
+            <a:xfrm>
+              <a:off x="3014793" y="1620239"/>
+              <a:ext cx="3232097" cy="13951"/>
+            </a:xfrm>
+            <a:custGeom>
+              <a:avLst/>
+              <a:gdLst>
+                <a:gd name="connsiteX0" fmla="*/ 80 w 3232097"/>
+                <a:gd name="connsiteY0" fmla="*/ 16 h 13951"/>
+                <a:gd name="connsiteX1" fmla="*/ 3232177 w 3232097"/>
+                <a:gd name="connsiteY1" fmla="*/ 16 h 13951"/>
+              </a:gdLst>
+              <a:ahLst/>
+              <a:cxnLst>
+                <a:cxn ang="0">
+                  <a:pos x="connsiteX0" y="connsiteY0"/>
+                </a:cxn>
+                <a:cxn ang="0">
+                  <a:pos x="connsiteX1" y="connsiteY1"/>
+                </a:cxn>
+              </a:cxnLst>
+              <a:rect l="l" t="t" r="r" b="b"/>
+              <a:pathLst>
+                <a:path w="3232097" h="13951">
+                  <a:moveTo>
+                    <a:pt x="80" y="16"/>
+                  </a:moveTo>
+                  <a:lnTo>
+                    <a:pt x="3232177" y="16"/>
+                  </a:lnTo>
+                </a:path>
+              </a:pathLst>
+            </a:custGeom>
+            <a:solidFill>
+              <a:srgbClr val="000000"/>
+            </a:solidFill>
+            <a:ln w="7181" cap="flat">
+              <a:noFill/>
+              <a:prstDash val="solid"/>
+              <a:miter/>
+            </a:ln>
+          </p:spPr>
+          <p:txBody>
+            <a:bodyPr rtlCol="0" anchor="ctr"/>
+            <a:lstStyle/>
+            <a:p>
+              <a:endParaRPr lang="es-CO"/>
+            </a:p>
+          </p:txBody>
+        </p:sp>
+        <p:sp>
+          <p:nvSpPr>
+            <p:cNvPr id="130" name="CuadroTexto 129">
+              <a:extLst>
+                <a:ext uri="{FF2B5EF4-FFF2-40B4-BE49-F238E27FC236}">
+                  <a16:creationId xmlns:a16="http://schemas.microsoft.com/office/drawing/2014/main" id="{2F042217-CAFF-356D-C78C-8ABF026243E6}"/>
+                </a:ext>
+              </a:extLst>
+            </p:cNvPr>
+            <p:cNvSpPr txBox="1"/>
+            <p:nvPr/>
+          </p:nvSpPr>
+          <p:spPr>
+            <a:xfrm>
+              <a:off x="6326136" y="3192514"/>
+              <a:ext cx="1043876" cy="230832"/>
+            </a:xfrm>
+            <a:prstGeom prst="rect">
+              <a:avLst/>
+            </a:prstGeom>
+            <a:noFill/>
+          </p:spPr>
+          <p:txBody>
+            <a:bodyPr wrap="none" rtlCol="0">
+              <a:spAutoFit/>
+            </a:bodyPr>
+            <a:lstStyle/>
+            <a:p>
+              <a:pPr algn="l"/>
+              <a:r>
+                <a:rPr lang="es-CO" sz="900" spc="0" baseline="0">
+                  <a:ln/>
+                  <a:solidFill>
+                    <a:srgbClr val="0000FF"/>
+                  </a:solidFill>
+                  <a:latin typeface="Arial"/>
+                  <a:cs typeface="Arial"/>
+                  <a:sym typeface="Arial"/>
+                  <a:rtl val="0"/>
+                </a:rPr>
+                <a:t>A particular case</a:t>
+              </a:r>
+            </a:p>
+          </p:txBody>
+        </p:sp>
+        <p:sp>
+          <p:nvSpPr>
+            <p:cNvPr id="131" name="CuadroTexto 130">
+              <a:extLst>
+                <a:ext uri="{FF2B5EF4-FFF2-40B4-BE49-F238E27FC236}">
+                  <a16:creationId xmlns:a16="http://schemas.microsoft.com/office/drawing/2014/main" id="{8B06887E-FBCE-F35C-A824-37274003B39B}"/>
+                </a:ext>
+              </a:extLst>
+            </p:cNvPr>
+            <p:cNvSpPr txBox="1"/>
+            <p:nvPr/>
+          </p:nvSpPr>
+          <p:spPr>
+            <a:xfrm>
+              <a:off x="6365947" y="2016503"/>
+              <a:ext cx="870751" cy="230832"/>
+            </a:xfrm>
+            <a:prstGeom prst="rect">
+              <a:avLst/>
+            </a:prstGeom>
+            <a:noFill/>
+          </p:spPr>
+          <p:txBody>
+            <a:bodyPr wrap="none" rtlCol="0">
+              <a:spAutoFit/>
+            </a:bodyPr>
+            <a:lstStyle/>
+            <a:p>
+              <a:pPr algn="l"/>
+              <a:r>
+                <a:rPr lang="es-CO" sz="900" spc="0" baseline="0">
+                  <a:ln/>
+                  <a:solidFill>
+                    <a:srgbClr val="0000FF"/>
+                  </a:solidFill>
+                  <a:latin typeface="Arial"/>
+                  <a:cs typeface="Arial"/>
+                  <a:sym typeface="Arial"/>
+                  <a:rtl val="0"/>
+                </a:rPr>
+                <a:t>Typically with</a:t>
+              </a:r>
+            </a:p>
+          </p:txBody>
+        </p:sp>
+        <p:sp>
+          <p:nvSpPr>
+            <p:cNvPr id="132" name="CuadroTexto 131">
+              <a:extLst>
+                <a:ext uri="{FF2B5EF4-FFF2-40B4-BE49-F238E27FC236}">
+                  <a16:creationId xmlns:a16="http://schemas.microsoft.com/office/drawing/2014/main" id="{57D2719B-19A4-DF58-3716-8CC14A45331D}"/>
+                </a:ext>
+              </a:extLst>
+            </p:cNvPr>
+            <p:cNvSpPr txBox="1"/>
+            <p:nvPr/>
+          </p:nvSpPr>
+          <p:spPr>
+            <a:xfrm>
+              <a:off x="4550177" y="1378310"/>
+              <a:ext cx="498855" cy="230832"/>
+            </a:xfrm>
+            <a:prstGeom prst="rect">
+              <a:avLst/>
+            </a:prstGeom>
+            <a:noFill/>
+          </p:spPr>
+          <p:txBody>
+            <a:bodyPr wrap="none" rtlCol="0">
+              <a:spAutoFit/>
+            </a:bodyPr>
+            <a:lstStyle/>
+            <a:p>
+              <a:pPr algn="l"/>
+              <a:r>
+                <a:rPr lang="es-CO" sz="900" spc="0" baseline="0">
+                  <a:ln/>
+                  <a:solidFill>
+                    <a:srgbClr val="0000FF"/>
+                  </a:solidFill>
+                  <a:latin typeface="Arial"/>
+                  <a:cs typeface="Arial"/>
+                  <a:sym typeface="Arial"/>
+                  <a:rtl val="0"/>
+                </a:rPr>
+                <a:t>Types</a:t>
+              </a:r>
+            </a:p>
+          </p:txBody>
+        </p:sp>
+        <p:sp>
+          <p:nvSpPr>
+            <p:cNvPr id="133" name="Forma libre: forma 132">
+              <a:extLst>
+                <a:ext uri="{FF2B5EF4-FFF2-40B4-BE49-F238E27FC236}">
+                  <a16:creationId xmlns:a16="http://schemas.microsoft.com/office/drawing/2014/main" id="{87159997-F106-B081-7F5F-2912496BF69B}"/>
+                </a:ext>
+              </a:extLst>
+            </p:cNvPr>
+            <p:cNvSpPr/>
+            <p:nvPr/>
+          </p:nvSpPr>
+          <p:spPr>
+            <a:xfrm>
+              <a:off x="3704816" y="3579715"/>
+              <a:ext cx="13951" cy="572742"/>
+            </a:xfrm>
+            <a:custGeom>
+              <a:avLst/>
+              <a:gdLst>
+                <a:gd name="connsiteX0" fmla="*/ 31 w 13951"/>
+                <a:gd name="connsiteY0" fmla="*/ 134 h 572742"/>
+                <a:gd name="connsiteX1" fmla="*/ 31 w 13951"/>
+                <a:gd name="connsiteY1" fmla="*/ 572877 h 572742"/>
+              </a:gdLst>
+              <a:ahLst/>
+              <a:cxnLst>
+                <a:cxn ang="0">
+                  <a:pos x="connsiteX0" y="connsiteY0"/>
+                </a:cxn>
+                <a:cxn ang="0">
+                  <a:pos x="connsiteX1" y="connsiteY1"/>
+                </a:cxn>
+              </a:cxnLst>
+              <a:rect l="l" t="t" r="r" b="b"/>
+              <a:pathLst>
+                <a:path w="13951" h="572742">
+                  <a:moveTo>
+                    <a:pt x="31" y="134"/>
+                  </a:moveTo>
+                  <a:lnTo>
+                    <a:pt x="31" y="572877"/>
+                  </a:lnTo>
+                </a:path>
+              </a:pathLst>
+            </a:custGeom>
+            <a:noFill/>
+            <a:ln w="10545" cap="flat">
+              <a:solidFill>
+                <a:srgbClr val="000000"/>
+              </a:solidFill>
+              <a:prstDash val="solid"/>
+              <a:miter/>
+            </a:ln>
+          </p:spPr>
+          <p:txBody>
+            <a:bodyPr rtlCol="0" anchor="ctr"/>
+            <a:lstStyle/>
+            <a:p>
+              <a:endParaRPr lang="es-CO"/>
+            </a:p>
+          </p:txBody>
+        </p:sp>
+        <p:sp>
+          <p:nvSpPr>
+            <p:cNvPr id="134" name="Forma libre: forma 133">
+              <a:extLst>
+                <a:ext uri="{FF2B5EF4-FFF2-40B4-BE49-F238E27FC236}">
+                  <a16:creationId xmlns:a16="http://schemas.microsoft.com/office/drawing/2014/main" id="{385B5DCA-BA99-A0DA-FC39-4455D8C3BFF3}"/>
+                </a:ext>
+              </a:extLst>
+            </p:cNvPr>
+            <p:cNvSpPr/>
+            <p:nvPr/>
+          </p:nvSpPr>
+          <p:spPr>
+            <a:xfrm>
+              <a:off x="3018526" y="1616538"/>
+              <a:ext cx="13951" cy="74596"/>
+            </a:xfrm>
+            <a:custGeom>
+              <a:avLst/>
+              <a:gdLst>
+                <a:gd name="connsiteX0" fmla="*/ -5 w 13951"/>
+                <a:gd name="connsiteY0" fmla="*/ 18 h 74596"/>
+                <a:gd name="connsiteX1" fmla="*/ -5 w 13951"/>
+                <a:gd name="connsiteY1" fmla="*/ 74614 h 74596"/>
+              </a:gdLst>
+              <a:ahLst/>
+              <a:cxnLst>
+                <a:cxn ang="0">
+                  <a:pos x="connsiteX0" y="connsiteY0"/>
+                </a:cxn>
+                <a:cxn ang="0">
+                  <a:pos x="connsiteX1" y="connsiteY1"/>
+                </a:cxn>
+              </a:cxnLst>
+              <a:rect l="l" t="t" r="r" b="b"/>
+              <a:pathLst>
+                <a:path w="13951" h="74596">
+                  <a:moveTo>
+                    <a:pt x="-5" y="18"/>
+                  </a:moveTo>
+                  <a:lnTo>
+                    <a:pt x="-5" y="74614"/>
+                  </a:lnTo>
+                </a:path>
+              </a:pathLst>
+            </a:custGeom>
+            <a:noFill/>
+            <a:ln w="5272" cap="flat">
+              <a:solidFill>
+                <a:srgbClr val="000000"/>
+              </a:solidFill>
+              <a:prstDash val="solid"/>
+              <a:miter/>
+            </a:ln>
+          </p:spPr>
+          <p:txBody>
+            <a:bodyPr rtlCol="0" anchor="ctr"/>
+            <a:lstStyle/>
+            <a:p>
+              <a:endParaRPr lang="es-CO"/>
+            </a:p>
+          </p:txBody>
+        </p:sp>
+        <p:sp>
+          <p:nvSpPr>
+            <p:cNvPr id="135" name="Forma libre: forma 134">
+              <a:extLst>
+                <a:ext uri="{FF2B5EF4-FFF2-40B4-BE49-F238E27FC236}">
+                  <a16:creationId xmlns:a16="http://schemas.microsoft.com/office/drawing/2014/main" id="{BB5FAD63-7514-8293-0E21-08FCE67B4550}"/>
+                </a:ext>
+              </a:extLst>
+            </p:cNvPr>
+            <p:cNvSpPr/>
+            <p:nvPr/>
+          </p:nvSpPr>
+          <p:spPr>
+            <a:xfrm>
+              <a:off x="6252269" y="1614581"/>
+              <a:ext cx="13951" cy="81029"/>
+            </a:xfrm>
+            <a:custGeom>
+              <a:avLst/>
+              <a:gdLst>
+                <a:gd name="connsiteX0" fmla="*/ 165 w 13951"/>
+                <a:gd name="connsiteY0" fmla="*/ 18 h 81029"/>
+                <a:gd name="connsiteX1" fmla="*/ 165 w 13951"/>
+                <a:gd name="connsiteY1" fmla="*/ 81047 h 81029"/>
+              </a:gdLst>
+              <a:ahLst/>
+              <a:cxnLst>
+                <a:cxn ang="0">
+                  <a:pos x="connsiteX0" y="connsiteY0"/>
+                </a:cxn>
+                <a:cxn ang="0">
+                  <a:pos x="connsiteX1" y="connsiteY1"/>
+                </a:cxn>
+              </a:cxnLst>
+              <a:rect l="l" t="t" r="r" b="b"/>
+              <a:pathLst>
+                <a:path w="13951" h="81029">
+                  <a:moveTo>
+                    <a:pt x="165" y="18"/>
+                  </a:moveTo>
+                  <a:lnTo>
+                    <a:pt x="165" y="81047"/>
+                  </a:lnTo>
+                </a:path>
+              </a:pathLst>
+            </a:custGeom>
+            <a:noFill/>
+            <a:ln w="10545" cap="flat">
+              <a:solidFill>
+                <a:srgbClr val="000000"/>
+              </a:solidFill>
+              <a:prstDash val="solid"/>
+              <a:miter/>
+            </a:ln>
+          </p:spPr>
+          <p:txBody>
+            <a:bodyPr rtlCol="0" anchor="ctr"/>
+            <a:lstStyle/>
+            <a:p>
+              <a:endParaRPr lang="es-CO"/>
+            </a:p>
+          </p:txBody>
+        </p:sp>
+        <p:sp>
+          <p:nvSpPr>
+            <p:cNvPr id="136" name="Forma libre: forma 135">
+              <a:extLst>
+                <a:ext uri="{FF2B5EF4-FFF2-40B4-BE49-F238E27FC236}">
+                  <a16:creationId xmlns:a16="http://schemas.microsoft.com/office/drawing/2014/main" id="{02528194-58CE-6530-F28E-6C89294CF55A}"/>
+                </a:ext>
+              </a:extLst>
+            </p:cNvPr>
+            <p:cNvSpPr/>
+            <p:nvPr/>
+          </p:nvSpPr>
+          <p:spPr>
+            <a:xfrm>
+              <a:off x="8618980" y="4030453"/>
+              <a:ext cx="13951" cy="191819"/>
+            </a:xfrm>
+            <a:custGeom>
+              <a:avLst/>
+              <a:gdLst>
+                <a:gd name="connsiteX0" fmla="*/ 290 w 13951"/>
+                <a:gd name="connsiteY0" fmla="*/ 148 h 191819"/>
+                <a:gd name="connsiteX1" fmla="*/ 290 w 13951"/>
+                <a:gd name="connsiteY1" fmla="*/ 191967 h 191819"/>
+              </a:gdLst>
+              <a:ahLst/>
+              <a:cxnLst>
+                <a:cxn ang="0">
+                  <a:pos x="connsiteX0" y="connsiteY0"/>
+                </a:cxn>
+                <a:cxn ang="0">
+                  <a:pos x="connsiteX1" y="connsiteY1"/>
+                </a:cxn>
+              </a:cxnLst>
+              <a:rect l="l" t="t" r="r" b="b"/>
+              <a:pathLst>
+                <a:path w="13951" h="191819">
+                  <a:moveTo>
+                    <a:pt x="290" y="148"/>
+                  </a:moveTo>
+                  <a:lnTo>
+                    <a:pt x="290" y="191967"/>
+                  </a:lnTo>
+                </a:path>
+              </a:pathLst>
+            </a:custGeom>
+            <a:noFill/>
+            <a:ln w="10545" cap="flat">
+              <a:solidFill>
+                <a:srgbClr val="000000"/>
+              </a:solidFill>
+              <a:prstDash val="solid"/>
+              <a:miter/>
+            </a:ln>
+          </p:spPr>
+          <p:txBody>
+            <a:bodyPr rtlCol="0" anchor="ctr"/>
+            <a:lstStyle/>
+            <a:p>
+              <a:endParaRPr lang="es-CO"/>
+            </a:p>
+          </p:txBody>
+        </p:sp>
+      </p:grpSp>
     </p:spTree>
     <p:extLst>
       <p:ext uri="{BB962C8B-B14F-4D97-AF65-F5344CB8AC3E}">
-        <p14:creationId xmlns:p14="http://schemas.microsoft.com/office/powerpoint/2010/main" val="11445360"/>
+        <p14:creationId xmlns:p14="http://schemas.microsoft.com/office/powerpoint/2010/main" val="3976370894"/>
       </p:ext>
     </p:extLst>
   </p:cSld>
@@ -6536,7 +10014,7 @@
 </p:sld>
 </file>
 
-<file path=ppt/slides/slide7.xml><?xml version="1.0" encoding="utf-8"?>
+<file path=ppt/slides/slide6.xml><?xml version="1.0" encoding="utf-8"?>
 <p:sld xmlns:a="http://schemas.openxmlformats.org/drawingml/2006/main" xmlns:r="http://schemas.openxmlformats.org/officeDocument/2006/relationships" xmlns:p="http://schemas.openxmlformats.org/presentationml/2006/main">
   <p:cSld>
     <p:spTree>
@@ -6558,7 +10036,7 @@
           <p:cNvPr id="2" name="Rectángulo 1">
             <a:extLst>
               <a:ext uri="{FF2B5EF4-FFF2-40B4-BE49-F238E27FC236}">
-                <a16:creationId xmlns:a16="http://schemas.microsoft.com/office/drawing/2014/main" id="{3405F8D3-8425-2526-113B-58DEA4170481}"/>
+                <a16:creationId xmlns:a16="http://schemas.microsoft.com/office/drawing/2014/main" id="{33B43DF0-55BF-79E0-2273-FD3CA4767423}"/>
               </a:ext>
             </a:extLst>
           </p:cNvPr>
@@ -6612,7 +10090,7 @@
           <p:cNvPr id="3" name="CuadroTexto 2">
             <a:extLst>
               <a:ext uri="{FF2B5EF4-FFF2-40B4-BE49-F238E27FC236}">
-                <a16:creationId xmlns:a16="http://schemas.microsoft.com/office/drawing/2014/main" id="{BDA77A03-7817-99E9-95F4-C31F632E1A3A}"/>
+                <a16:creationId xmlns:a16="http://schemas.microsoft.com/office/drawing/2014/main" id="{254F0281-F108-BD43-3A10-671B6D0CB599}"/>
               </a:ext>
             </a:extLst>
           </p:cNvPr>
@@ -6621,8 +10099,8 @@
         </p:nvSpPr>
         <p:spPr>
           <a:xfrm>
-            <a:off x="1772590" y="561975"/>
-            <a:ext cx="8342017" cy="461665"/>
+            <a:off x="2520696" y="457200"/>
+            <a:ext cx="7150608" cy="461665"/>
           </a:xfrm>
           <a:prstGeom prst="rect">
             <a:avLst/>
@@ -6645,7 +10123,7 @@
                 <a:ea typeface="Source Sans Pro" panose="020B0503030403020204" pitchFamily="34" charset="0"/>
                 <a:cs typeface="Arial" panose="020B0604020202020204" pitchFamily="34" charset="0"/>
               </a:rPr>
-              <a:t>Physics-informed neural networks</a:t>
+              <a:t>Modeling of Mechanical Wave Propagation</a:t>
             </a:r>
             <a:endParaRPr lang="es-CO" sz="2400" b="1">
               <a:solidFill>
@@ -6658,46 +10136,119 @@
           </a:p>
         </p:txBody>
       </p:sp>
-      <p:pic>
-        <p:nvPicPr>
-          <p:cNvPr id="5" name="Gráfico 4">
-            <a:extLst>
-              <a:ext uri="{FF2B5EF4-FFF2-40B4-BE49-F238E27FC236}">
-                <a16:creationId xmlns:a16="http://schemas.microsoft.com/office/drawing/2014/main" id="{9632E97E-8EA7-9033-AA10-DC0DB673A68A}"/>
-              </a:ext>
-            </a:extLst>
-          </p:cNvPr>
-          <p:cNvPicPr>
-            <a:picLocks noChangeAspect="1"/>
-          </p:cNvPicPr>
+      <p:grpSp>
+        <p:nvGrpSpPr>
+          <p:cNvPr id="4" name="Grupo 3">
+            <a:extLst>
+              <a:ext uri="{FF2B5EF4-FFF2-40B4-BE49-F238E27FC236}">
+                <a16:creationId xmlns:a16="http://schemas.microsoft.com/office/drawing/2014/main" id="{C1D4BB2C-1ADC-A071-5C87-02E6AC9E5425}"/>
+              </a:ext>
+            </a:extLst>
+          </p:cNvPr>
+          <p:cNvGrpSpPr/>
           <p:nvPr/>
-        </p:nvPicPr>
-        <p:blipFill>
-          <a:blip r:embed="rId2">
-            <a:extLst>
-              <a:ext uri="{96DAC541-7B7A-43D3-8B79-37D633B846F1}">
-                <asvg:svgBlip xmlns:asvg="http://schemas.microsoft.com/office/drawing/2016/SVG/main" r:embed="rId3"/>
-              </a:ext>
-            </a:extLst>
-          </a:blip>
-          <a:stretch>
-            <a:fillRect/>
-          </a:stretch>
-        </p:blipFill>
-        <p:spPr>
+        </p:nvGrpSpPr>
+        <p:grpSpPr>
           <a:xfrm>
-            <a:off x="1772592" y="1585615"/>
-            <a:ext cx="8342016" cy="4229100"/>
+            <a:off x="1097899" y="2009775"/>
+            <a:ext cx="10225999" cy="3136174"/>
+            <a:chOff x="1652962" y="2675981"/>
+            <a:chExt cx="8886076" cy="2725238"/>
           </a:xfrm>
-          <a:prstGeom prst="rect">
-            <a:avLst/>
-          </a:prstGeom>
-        </p:spPr>
-      </p:pic>
+        </p:grpSpPr>
+        <p:sp>
+          <p:nvSpPr>
+            <p:cNvPr id="6" name="Rectángulo 5">
+              <a:extLst>
+                <a:ext uri="{FF2B5EF4-FFF2-40B4-BE49-F238E27FC236}">
+                  <a16:creationId xmlns:a16="http://schemas.microsoft.com/office/drawing/2014/main" id="{B0E8069C-D6AF-FE2E-8A1A-970681F330D4}"/>
+                </a:ext>
+              </a:extLst>
+            </p:cNvPr>
+            <p:cNvSpPr/>
+            <p:nvPr/>
+          </p:nvSpPr>
+          <p:spPr>
+            <a:xfrm>
+              <a:off x="1990725" y="2675981"/>
+              <a:ext cx="7753349" cy="2725238"/>
+            </a:xfrm>
+            <a:prstGeom prst="rect">
+              <a:avLst/>
+            </a:prstGeom>
+            <a:solidFill>
+              <a:schemeClr val="bg1"/>
+            </a:solidFill>
+            <a:ln>
+              <a:noFill/>
+            </a:ln>
+          </p:spPr>
+          <p:style>
+            <a:lnRef idx="2">
+              <a:schemeClr val="accent1">
+                <a:shade val="15000"/>
+              </a:schemeClr>
+            </a:lnRef>
+            <a:fillRef idx="1">
+              <a:schemeClr val="accent1"/>
+            </a:fillRef>
+            <a:effectRef idx="0">
+              <a:schemeClr val="accent1"/>
+            </a:effectRef>
+            <a:fontRef idx="minor">
+              <a:schemeClr val="lt1"/>
+            </a:fontRef>
+          </p:style>
+          <p:txBody>
+            <a:bodyPr rtlCol="0" anchor="ctr"/>
+            <a:lstStyle/>
+            <a:p>
+              <a:pPr algn="ctr"/>
+              <a:endParaRPr lang="es-CO"/>
+            </a:p>
+          </p:txBody>
+        </p:sp>
+        <p:pic>
+          <p:nvPicPr>
+            <p:cNvPr id="5" name="Gráfico 4">
+              <a:extLst>
+                <a:ext uri="{FF2B5EF4-FFF2-40B4-BE49-F238E27FC236}">
+                  <a16:creationId xmlns:a16="http://schemas.microsoft.com/office/drawing/2014/main" id="{A38B8CC5-FC92-F762-FBEB-4335E1F0FD02}"/>
+                </a:ext>
+              </a:extLst>
+            </p:cNvPr>
+            <p:cNvPicPr>
+              <a:picLocks noChangeAspect="1"/>
+            </p:cNvPicPr>
+            <p:nvPr/>
+          </p:nvPicPr>
+          <p:blipFill>
+            <a:blip r:embed="rId2">
+              <a:extLst>
+                <a:ext uri="{96DAC541-7B7A-43D3-8B79-37D633B846F1}">
+                  <asvg:svgBlip xmlns:asvg="http://schemas.microsoft.com/office/drawing/2016/SVG/main" r:embed="rId3"/>
+                </a:ext>
+              </a:extLst>
+            </a:blip>
+            <a:stretch>
+              <a:fillRect/>
+            </a:stretch>
+          </p:blipFill>
+          <p:spPr>
+            <a:xfrm>
+              <a:off x="1652962" y="2843887"/>
+              <a:ext cx="8886076" cy="2389426"/>
+            </a:xfrm>
+            <a:prstGeom prst="rect">
+              <a:avLst/>
+            </a:prstGeom>
+          </p:spPr>
+        </p:pic>
+      </p:grpSp>
     </p:spTree>
     <p:extLst>
       <p:ext uri="{BB962C8B-B14F-4D97-AF65-F5344CB8AC3E}">
-        <p14:creationId xmlns:p14="http://schemas.microsoft.com/office/powerpoint/2010/main" val="351438787"/>
+        <p14:creationId xmlns:p14="http://schemas.microsoft.com/office/powerpoint/2010/main" val="3812401755"/>
       </p:ext>
     </p:extLst>
   </p:cSld>
@@ -6707,7 +10258,7 @@
 </p:sld>
 </file>
 
-<file path=ppt/slides/slide8.xml><?xml version="1.0" encoding="utf-8"?>
+<file path=ppt/slides/slide7.xml><?xml version="1.0" encoding="utf-8"?>
 <p:sld xmlns:a="http://schemas.openxmlformats.org/drawingml/2006/main" xmlns:r="http://schemas.openxmlformats.org/officeDocument/2006/relationships" xmlns:p="http://schemas.openxmlformats.org/presentationml/2006/main">
   <p:cSld>
     <p:spTree>
@@ -6729,7 +10280,7 @@
           <p:cNvPr id="2" name="Rectángulo 1">
             <a:extLst>
               <a:ext uri="{FF2B5EF4-FFF2-40B4-BE49-F238E27FC236}">
-                <a16:creationId xmlns:a16="http://schemas.microsoft.com/office/drawing/2014/main" id="{33B43DF0-55BF-79E0-2273-FD3CA4767423}"/>
+                <a16:creationId xmlns:a16="http://schemas.microsoft.com/office/drawing/2014/main" id="{3405F8D3-8425-2526-113B-58DEA4170481}"/>
               </a:ext>
             </a:extLst>
           </p:cNvPr>
@@ -6783,7 +10334,7 @@
           <p:cNvPr id="3" name="CuadroTexto 2">
             <a:extLst>
               <a:ext uri="{FF2B5EF4-FFF2-40B4-BE49-F238E27FC236}">
-                <a16:creationId xmlns:a16="http://schemas.microsoft.com/office/drawing/2014/main" id="{254F0281-F108-BD43-3A10-671B6D0CB599}"/>
+                <a16:creationId xmlns:a16="http://schemas.microsoft.com/office/drawing/2014/main" id="{BDA77A03-7817-99E9-95F4-C31F632E1A3A}"/>
               </a:ext>
             </a:extLst>
           </p:cNvPr>
@@ -6792,8 +10343,8 @@
         </p:nvSpPr>
         <p:spPr>
           <a:xfrm>
-            <a:off x="2520696" y="300433"/>
-            <a:ext cx="7150608" cy="461665"/>
+            <a:off x="1524000" y="561975"/>
+            <a:ext cx="8839200" cy="461665"/>
           </a:xfrm>
           <a:prstGeom prst="rect">
             <a:avLst/>
@@ -6808,7 +10359,7 @@
           <a:p>
             <a:pPr algn="ctr"/>
             <a:r>
-              <a:rPr lang="es-CO" sz="2400" b="1">
+              <a:rPr lang="en-US" sz="2400" b="1">
                 <a:solidFill>
                   <a:schemeClr val="bg1"/>
                 </a:solidFill>
@@ -6816,17 +10367,25 @@
                 <a:ea typeface="Source Sans Pro" panose="020B0503030403020204" pitchFamily="34" charset="0"/>
                 <a:cs typeface="Arial" panose="020B0604020202020204" pitchFamily="34" charset="0"/>
               </a:rPr>
-              <a:t>Raissi et al. (2019)</a:t>
-            </a:r>
+              <a:t>Machine learning Methods to solve Diferential Equations</a:t>
+            </a:r>
+            <a:endParaRPr lang="es-CO" sz="2400" b="1">
+              <a:solidFill>
+                <a:schemeClr val="bg1"/>
+              </a:solidFill>
+              <a:latin typeface="Arial" panose="020B0604020202020204" pitchFamily="34" charset="0"/>
+              <a:ea typeface="Source Sans Pro" panose="020B0503030403020204" pitchFamily="34" charset="0"/>
+              <a:cs typeface="Arial" panose="020B0604020202020204" pitchFamily="34" charset="0"/>
+            </a:endParaRPr>
           </a:p>
         </p:txBody>
       </p:sp>
       <p:pic>
         <p:nvPicPr>
-          <p:cNvPr id="5" name="Imagen 4" descr="Interfaz de usuario gráfica, Gráfico, Diagrama&#10;&#10;Descripción generada automáticamente">
-            <a:extLst>
-              <a:ext uri="{FF2B5EF4-FFF2-40B4-BE49-F238E27FC236}">
-                <a16:creationId xmlns:a16="http://schemas.microsoft.com/office/drawing/2014/main" id="{D65CCECC-04E8-D4E6-730A-B2A198B58293}"/>
+          <p:cNvPr id="9" name="Gráfico 8">
+            <a:extLst>
+              <a:ext uri="{FF2B5EF4-FFF2-40B4-BE49-F238E27FC236}">
+                <a16:creationId xmlns:a16="http://schemas.microsoft.com/office/drawing/2014/main" id="{C765EF87-CCAA-3EB8-63C6-FAD0231739B9}"/>
               </a:ext>
             </a:extLst>
           </p:cNvPr>
@@ -6836,10 +10395,10 @@
           <p:nvPr/>
         </p:nvPicPr>
         <p:blipFill>
-          <a:blip r:embed="rId3">
-            <a:extLst>
-              <a:ext uri="{28A0092B-C50C-407E-A947-70E740481C1C}">
-                <a14:useLocalDpi xmlns:a14="http://schemas.microsoft.com/office/drawing/2010/main" val="0"/>
+          <a:blip r:embed="rId2">
+            <a:extLst>
+              <a:ext uri="{96DAC541-7B7A-43D3-8B79-37D633B846F1}">
+                <asvg:svgBlip xmlns:asvg="http://schemas.microsoft.com/office/drawing/2016/SVG/main" r:embed="rId3"/>
               </a:ext>
             </a:extLst>
           </a:blip>
@@ -6849,8 +10408,8 @@
         </p:blipFill>
         <p:spPr>
           <a:xfrm>
-            <a:off x="6691093" y="2021951"/>
-            <a:ext cx="4900831" cy="2726892"/>
+            <a:off x="1250154" y="3627922"/>
+            <a:ext cx="8834441" cy="2619376"/>
           </a:xfrm>
           <a:prstGeom prst="rect">
             <a:avLst/>
@@ -6859,10 +10418,10 @@
       </p:pic>
       <p:sp>
         <p:nvSpPr>
-          <p:cNvPr id="14" name="CuadroTexto 13">
-            <a:extLst>
-              <a:ext uri="{FF2B5EF4-FFF2-40B4-BE49-F238E27FC236}">
-                <a16:creationId xmlns:a16="http://schemas.microsoft.com/office/drawing/2014/main" id="{DAFA9663-830E-7BE6-4551-95B423A3AFCA}"/>
+          <p:cNvPr id="4" name="CuadroTexto 3">
+            <a:extLst>
+              <a:ext uri="{FF2B5EF4-FFF2-40B4-BE49-F238E27FC236}">
+                <a16:creationId xmlns:a16="http://schemas.microsoft.com/office/drawing/2014/main" id="{DB73D920-112D-70A7-0168-6B4C40FBB9A3}"/>
               </a:ext>
             </a:extLst>
           </p:cNvPr>
@@ -6871,8 +10430,8 @@
         </p:nvSpPr>
         <p:spPr>
           <a:xfrm>
-            <a:off x="268197" y="6473279"/>
-            <a:ext cx="5227728" cy="338554"/>
+            <a:off x="629793" y="1791825"/>
+            <a:ext cx="3485007" cy="1353960"/>
           </a:xfrm>
           <a:prstGeom prst="rect">
             <a:avLst/>
@@ -6880,31 +10439,69 @@
           <a:noFill/>
         </p:spPr>
         <p:txBody>
-          <a:bodyPr wrap="square" rtlCol="0">
+          <a:bodyPr wrap="square">
             <a:spAutoFit/>
           </a:bodyPr>
           <a:lstStyle/>
           <a:p>
-            <a:r>
-              <a:rPr lang="es-CO" sz="1600">
+            <a:pPr marL="285750" indent="-285750">
+              <a:lnSpc>
+                <a:spcPct val="150000"/>
+              </a:lnSpc>
+              <a:buFont typeface="Wingdings" panose="05000000000000000000" pitchFamily="2" charset="2"/>
+              <a:buChar char="q"/>
+            </a:pPr>
+            <a:r>
+              <a:rPr lang="en-US" sz="1400">
                 <a:solidFill>
                   <a:schemeClr val="bg1"/>
                 </a:solidFill>
-                <a:latin typeface="Arial" panose="020B0604020202020204" pitchFamily="34" charset="0"/>
-                <a:ea typeface="Source Sans Pro" panose="020B0503030403020204" pitchFamily="34" charset="0"/>
-                <a:cs typeface="Arial" panose="020B0604020202020204" pitchFamily="34" charset="0"/>
               </a:rPr>
-              <a:t>https://github.com/oscar-rincon/ReScience-PINNs</a:t>
-            </a:r>
-          </a:p>
-        </p:txBody>
-      </p:sp>
-      <p:sp>
-        <p:nvSpPr>
-          <p:cNvPr id="18" name="CuadroTexto 17">
-            <a:extLst>
-              <a:ext uri="{FF2B5EF4-FFF2-40B4-BE49-F238E27FC236}">
-                <a16:creationId xmlns:a16="http://schemas.microsoft.com/office/drawing/2014/main" id="{544D6CFF-490F-F937-B0AF-A56C0EBBB26A}"/>
+              <a:t>Machine Learning </a:t>
+            </a:r>
+          </a:p>
+          <a:p>
+            <a:pPr marL="742950" lvl="1" indent="-285750">
+              <a:lnSpc>
+                <a:spcPct val="150000"/>
+              </a:lnSpc>
+              <a:buFont typeface="Wingdings" panose="05000000000000000000" pitchFamily="2" charset="2"/>
+              <a:buChar char="§"/>
+            </a:pPr>
+            <a:r>
+              <a:rPr lang="en-US" sz="1400">
+                <a:solidFill>
+                  <a:schemeClr val="bg1"/>
+                </a:solidFill>
+              </a:rPr>
+              <a:t>Reinforced Suport Vector Machine</a:t>
+            </a:r>
+          </a:p>
+          <a:p>
+            <a:pPr marL="742950" lvl="1" indent="-285750">
+              <a:lnSpc>
+                <a:spcPct val="150000"/>
+              </a:lnSpc>
+              <a:buFont typeface="Wingdings" panose="05000000000000000000" pitchFamily="2" charset="2"/>
+              <a:buChar char="§"/>
+            </a:pPr>
+            <a:r>
+              <a:rPr lang="en-US" sz="1400">
+                <a:solidFill>
+                  <a:schemeClr val="bg1"/>
+                </a:solidFill>
+              </a:rPr>
+              <a:t>Neural Networks</a:t>
+            </a:r>
+          </a:p>
+        </p:txBody>
+      </p:sp>
+      <p:sp>
+        <p:nvSpPr>
+          <p:cNvPr id="6" name="CuadroTexto 5">
+            <a:extLst>
+              <a:ext uri="{FF2B5EF4-FFF2-40B4-BE49-F238E27FC236}">
+                <a16:creationId xmlns:a16="http://schemas.microsoft.com/office/drawing/2014/main" id="{CEFB4EC8-A7BC-A0C5-9E81-CBA9A5F753B0}"/>
               </a:ext>
             </a:extLst>
           </p:cNvPr>
@@ -6913,8 +10510,8 @@
         </p:nvSpPr>
         <p:spPr>
           <a:xfrm>
-            <a:off x="4291013" y="762098"/>
-            <a:ext cx="3609974" cy="369332"/>
+            <a:off x="4343210" y="1846863"/>
+            <a:ext cx="3180780" cy="1030795"/>
           </a:xfrm>
           <a:prstGeom prst="rect">
             <a:avLst/>
@@ -6922,20 +10519,156 @@
           <a:noFill/>
         </p:spPr>
         <p:txBody>
-          <a:bodyPr wrap="square" rtlCol="0">
+          <a:bodyPr wrap="square">
             <a:spAutoFit/>
           </a:bodyPr>
           <a:lstStyle/>
           <a:p>
-            <a:r>
-              <a:rPr lang="es-CO" b="1">
+            <a:pPr marL="285750" indent="-285750">
+              <a:lnSpc>
+                <a:spcPct val="150000"/>
+              </a:lnSpc>
+              <a:buFont typeface="Wingdings" panose="05000000000000000000" pitchFamily="2" charset="2"/>
+              <a:buChar char="q"/>
+            </a:pPr>
+            <a:r>
+              <a:rPr lang="en-US" sz="1400">
                 <a:solidFill>
                   <a:schemeClr val="bg1"/>
                 </a:solidFill>
-                <a:latin typeface="Arial" panose="020B0604020202020204" pitchFamily="34" charset="0"/>
-                <a:cs typeface="Arial" panose="020B0604020202020204" pitchFamily="34" charset="0"/>
               </a:rPr>
-              <a:t>Continuous time identification</a:t>
+              <a:t>Neural Networks</a:t>
+            </a:r>
+          </a:p>
+          <a:p>
+            <a:pPr marL="742950" lvl="1" indent="-285750">
+              <a:lnSpc>
+                <a:spcPct val="150000"/>
+              </a:lnSpc>
+              <a:buFont typeface="Wingdings" panose="05000000000000000000" pitchFamily="2" charset="2"/>
+              <a:buChar char="§"/>
+            </a:pPr>
+            <a:r>
+              <a:rPr lang="en-US" sz="1400">
+                <a:solidFill>
+                  <a:schemeClr val="bg1"/>
+                </a:solidFill>
+              </a:rPr>
+              <a:t>Data Driven</a:t>
+            </a:r>
+          </a:p>
+          <a:p>
+            <a:pPr marL="742950" lvl="1" indent="-285750">
+              <a:lnSpc>
+                <a:spcPct val="150000"/>
+              </a:lnSpc>
+              <a:buFont typeface="Wingdings" panose="05000000000000000000" pitchFamily="2" charset="2"/>
+              <a:buChar char="§"/>
+            </a:pPr>
+            <a:r>
+              <a:rPr lang="en-US" sz="1400">
+                <a:solidFill>
+                  <a:schemeClr val="bg1"/>
+                </a:solidFill>
+              </a:rPr>
+              <a:t>Physics Based</a:t>
+            </a:r>
+          </a:p>
+        </p:txBody>
+      </p:sp>
+      <p:sp>
+        <p:nvSpPr>
+          <p:cNvPr id="7" name="CuadroTexto 6">
+            <a:extLst>
+              <a:ext uri="{FF2B5EF4-FFF2-40B4-BE49-F238E27FC236}">
+                <a16:creationId xmlns:a16="http://schemas.microsoft.com/office/drawing/2014/main" id="{C40DDEBF-156B-1B54-8057-C5AF0A615545}"/>
+              </a:ext>
+            </a:extLst>
+          </p:cNvPr>
+          <p:cNvSpPr txBox="1"/>
+          <p:nvPr/>
+        </p:nvSpPr>
+        <p:spPr>
+          <a:xfrm>
+            <a:off x="7752400" y="1796002"/>
+            <a:ext cx="3782376" cy="1353960"/>
+          </a:xfrm>
+          <a:prstGeom prst="rect">
+            <a:avLst/>
+          </a:prstGeom>
+          <a:noFill/>
+        </p:spPr>
+        <p:txBody>
+          <a:bodyPr wrap="square">
+            <a:spAutoFit/>
+          </a:bodyPr>
+          <a:lstStyle/>
+          <a:p>
+            <a:pPr marL="285750" indent="-285750">
+              <a:lnSpc>
+                <a:spcPct val="150000"/>
+              </a:lnSpc>
+              <a:buFont typeface="Wingdings" panose="05000000000000000000" pitchFamily="2" charset="2"/>
+              <a:buChar char="q"/>
+            </a:pPr>
+            <a:r>
+              <a:rPr lang="en-US" sz="1400">
+                <a:solidFill>
+                  <a:schemeClr val="bg1"/>
+                </a:solidFill>
+              </a:rPr>
+              <a:t>Shallow Networks</a:t>
+            </a:r>
+          </a:p>
+          <a:p>
+            <a:pPr marL="742950" lvl="1" indent="-285750">
+              <a:lnSpc>
+                <a:spcPct val="150000"/>
+              </a:lnSpc>
+              <a:buFont typeface="Wingdings" panose="05000000000000000000" pitchFamily="2" charset="2"/>
+              <a:buChar char="§"/>
+            </a:pPr>
+            <a:r>
+              <a:rPr lang="en-US" sz="1400">
+                <a:solidFill>
+                  <a:schemeClr val="bg1"/>
+                </a:solidFill>
+              </a:rPr>
+              <a:t>Extreme Learning Machine</a:t>
+            </a:r>
+          </a:p>
+          <a:p>
+            <a:pPr marL="285750" indent="-285750">
+              <a:lnSpc>
+                <a:spcPct val="150000"/>
+              </a:lnSpc>
+              <a:buFont typeface="Wingdings" panose="05000000000000000000" pitchFamily="2" charset="2"/>
+              <a:buChar char="q"/>
+            </a:pPr>
+            <a:r>
+              <a:rPr lang="en-US" sz="1400">
+                <a:solidFill>
+                  <a:schemeClr val="bg1"/>
+                </a:solidFill>
+              </a:rPr>
+              <a:t>Deep Learning</a:t>
+            </a:r>
+          </a:p>
+          <a:p>
+            <a:pPr marL="742950" lvl="1" indent="-285750">
+              <a:lnSpc>
+                <a:spcPct val="150000"/>
+              </a:lnSpc>
+              <a:buFont typeface="Wingdings" panose="05000000000000000000" pitchFamily="2" charset="2"/>
+              <a:buChar char="§"/>
+            </a:pPr>
+            <a:r>
+              <a:rPr lang="en-US" sz="1400">
+                <a:solidFill>
+                  <a:schemeClr val="bg1"/>
+                </a:solidFill>
+              </a:rPr>
+              <a:t>Backpropagation </a:t>
             </a:r>
           </a:p>
         </p:txBody>
@@ -6943,7 +10676,7 @@
     </p:spTree>
     <p:extLst>
       <p:ext uri="{BB962C8B-B14F-4D97-AF65-F5344CB8AC3E}">
-        <p14:creationId xmlns:p14="http://schemas.microsoft.com/office/powerpoint/2010/main" val="2477313963"/>
+        <p14:creationId xmlns:p14="http://schemas.microsoft.com/office/powerpoint/2010/main" val="11445360"/>
       </p:ext>
     </p:extLst>
   </p:cSld>
@@ -6953,7 +10686,7 @@
 </p:sld>
 </file>
 
-<file path=ppt/slides/slide9.xml><?xml version="1.0" encoding="utf-8"?>
+<file path=ppt/slides/slide8.xml><?xml version="1.0" encoding="utf-8"?>
 <p:sld xmlns:a="http://schemas.openxmlformats.org/drawingml/2006/main" xmlns:r="http://schemas.openxmlformats.org/officeDocument/2006/relationships" xmlns:p="http://schemas.openxmlformats.org/presentationml/2006/main">
   <p:cSld>
     <p:spTree>
@@ -6975,7 +10708,7 @@
           <p:cNvPr id="2" name="Rectángulo 1">
             <a:extLst>
               <a:ext uri="{FF2B5EF4-FFF2-40B4-BE49-F238E27FC236}">
-                <a16:creationId xmlns:a16="http://schemas.microsoft.com/office/drawing/2014/main" id="{33B43DF0-55BF-79E0-2273-FD3CA4767423}"/>
+                <a16:creationId xmlns:a16="http://schemas.microsoft.com/office/drawing/2014/main" id="{3405F8D3-8425-2526-113B-58DEA4170481}"/>
               </a:ext>
             </a:extLst>
           </p:cNvPr>
@@ -7029,6 +10762,177 @@
           <p:cNvPr id="3" name="CuadroTexto 2">
             <a:extLst>
               <a:ext uri="{FF2B5EF4-FFF2-40B4-BE49-F238E27FC236}">
+                <a16:creationId xmlns:a16="http://schemas.microsoft.com/office/drawing/2014/main" id="{BDA77A03-7817-99E9-95F4-C31F632E1A3A}"/>
+              </a:ext>
+            </a:extLst>
+          </p:cNvPr>
+          <p:cNvSpPr txBox="1"/>
+          <p:nvPr/>
+        </p:nvSpPr>
+        <p:spPr>
+          <a:xfrm>
+            <a:off x="1772590" y="561975"/>
+            <a:ext cx="8342017" cy="461665"/>
+          </a:xfrm>
+          <a:prstGeom prst="rect">
+            <a:avLst/>
+          </a:prstGeom>
+          <a:noFill/>
+        </p:spPr>
+        <p:txBody>
+          <a:bodyPr wrap="square" rtlCol="0">
+            <a:spAutoFit/>
+          </a:bodyPr>
+          <a:lstStyle/>
+          <a:p>
+            <a:pPr algn="ctr"/>
+            <a:r>
+              <a:rPr lang="en-US" sz="2400" b="1">
+                <a:solidFill>
+                  <a:schemeClr val="bg1"/>
+                </a:solidFill>
+                <a:latin typeface="Arial" panose="020B0604020202020204" pitchFamily="34" charset="0"/>
+                <a:ea typeface="Source Sans Pro" panose="020B0503030403020204" pitchFamily="34" charset="0"/>
+                <a:cs typeface="Arial" panose="020B0604020202020204" pitchFamily="34" charset="0"/>
+              </a:rPr>
+              <a:t>Physics-informed neural networks</a:t>
+            </a:r>
+            <a:endParaRPr lang="es-CO" sz="2400" b="1">
+              <a:solidFill>
+                <a:schemeClr val="bg1"/>
+              </a:solidFill>
+              <a:latin typeface="Arial" panose="020B0604020202020204" pitchFamily="34" charset="0"/>
+              <a:ea typeface="Source Sans Pro" panose="020B0503030403020204" pitchFamily="34" charset="0"/>
+              <a:cs typeface="Arial" panose="020B0604020202020204" pitchFamily="34" charset="0"/>
+            </a:endParaRPr>
+          </a:p>
+        </p:txBody>
+      </p:sp>
+      <p:pic>
+        <p:nvPicPr>
+          <p:cNvPr id="5" name="Gráfico 4">
+            <a:extLst>
+              <a:ext uri="{FF2B5EF4-FFF2-40B4-BE49-F238E27FC236}">
+                <a16:creationId xmlns:a16="http://schemas.microsoft.com/office/drawing/2014/main" id="{9632E97E-8EA7-9033-AA10-DC0DB673A68A}"/>
+              </a:ext>
+            </a:extLst>
+          </p:cNvPr>
+          <p:cNvPicPr>
+            <a:picLocks noChangeAspect="1"/>
+          </p:cNvPicPr>
+          <p:nvPr/>
+        </p:nvPicPr>
+        <p:blipFill>
+          <a:blip r:embed="rId2">
+            <a:extLst>
+              <a:ext uri="{96DAC541-7B7A-43D3-8B79-37D633B846F1}">
+                <asvg:svgBlip xmlns:asvg="http://schemas.microsoft.com/office/drawing/2016/SVG/main" r:embed="rId3"/>
+              </a:ext>
+            </a:extLst>
+          </a:blip>
+          <a:stretch>
+            <a:fillRect/>
+          </a:stretch>
+        </p:blipFill>
+        <p:spPr>
+          <a:xfrm>
+            <a:off x="1772592" y="1585615"/>
+            <a:ext cx="8342016" cy="4229100"/>
+          </a:xfrm>
+          <a:prstGeom prst="rect">
+            <a:avLst/>
+          </a:prstGeom>
+        </p:spPr>
+      </p:pic>
+    </p:spTree>
+    <p:extLst>
+      <p:ext uri="{BB962C8B-B14F-4D97-AF65-F5344CB8AC3E}">
+        <p14:creationId xmlns:p14="http://schemas.microsoft.com/office/powerpoint/2010/main" val="351438787"/>
+      </p:ext>
+    </p:extLst>
+  </p:cSld>
+  <p:clrMapOvr>
+    <a:masterClrMapping/>
+  </p:clrMapOvr>
+</p:sld>
+</file>
+
+<file path=ppt/slides/slide9.xml><?xml version="1.0" encoding="utf-8"?>
+<p:sld xmlns:a="http://schemas.openxmlformats.org/drawingml/2006/main" xmlns:r="http://schemas.openxmlformats.org/officeDocument/2006/relationships" xmlns:p="http://schemas.openxmlformats.org/presentationml/2006/main">
+  <p:cSld>
+    <p:spTree>
+      <p:nvGrpSpPr>
+        <p:cNvPr id="1" name=""/>
+        <p:cNvGrpSpPr/>
+        <p:nvPr/>
+      </p:nvGrpSpPr>
+      <p:grpSpPr>
+        <a:xfrm>
+          <a:off x="0" y="0"/>
+          <a:ext cx="0" cy="0"/>
+          <a:chOff x="0" y="0"/>
+          <a:chExt cx="0" cy="0"/>
+        </a:xfrm>
+      </p:grpSpPr>
+      <p:sp>
+        <p:nvSpPr>
+          <p:cNvPr id="2" name="Rectángulo 1">
+            <a:extLst>
+              <a:ext uri="{FF2B5EF4-FFF2-40B4-BE49-F238E27FC236}">
+                <a16:creationId xmlns:a16="http://schemas.microsoft.com/office/drawing/2014/main" id="{33B43DF0-55BF-79E0-2273-FD3CA4767423}"/>
+              </a:ext>
+            </a:extLst>
+          </p:cNvPr>
+          <p:cNvSpPr/>
+          <p:nvPr/>
+        </p:nvSpPr>
+        <p:spPr>
+          <a:xfrm>
+            <a:off x="0" y="0"/>
+            <a:ext cx="12192000" cy="6858000"/>
+          </a:xfrm>
+          <a:prstGeom prst="rect">
+            <a:avLst/>
+          </a:prstGeom>
+          <a:solidFill>
+            <a:schemeClr val="accent1">
+              <a:lumMod val="75000"/>
+            </a:schemeClr>
+          </a:solidFill>
+          <a:ln>
+            <a:noFill/>
+          </a:ln>
+        </p:spPr>
+        <p:style>
+          <a:lnRef idx="2">
+            <a:schemeClr val="accent1">
+              <a:shade val="15000"/>
+            </a:schemeClr>
+          </a:lnRef>
+          <a:fillRef idx="1">
+            <a:schemeClr val="accent1"/>
+          </a:fillRef>
+          <a:effectRef idx="0">
+            <a:schemeClr val="accent1"/>
+          </a:effectRef>
+          <a:fontRef idx="minor">
+            <a:schemeClr val="lt1"/>
+          </a:fontRef>
+        </p:style>
+        <p:txBody>
+          <a:bodyPr rtlCol="0" anchor="ctr"/>
+          <a:lstStyle/>
+          <a:p>
+            <a:pPr algn="ctr"/>
+            <a:endParaRPr lang="es-CO"/>
+          </a:p>
+        </p:txBody>
+      </p:sp>
+      <p:sp>
+        <p:nvSpPr>
+          <p:cNvPr id="3" name="CuadroTexto 2">
+            <a:extLst>
+              <a:ext uri="{FF2B5EF4-FFF2-40B4-BE49-F238E27FC236}">
                 <a16:creationId xmlns:a16="http://schemas.microsoft.com/office/drawing/2014/main" id="{254F0281-F108-BD43-3A10-671B6D0CB599}"/>
               </a:ext>
             </a:extLst>
@@ -7069,10 +10973,10 @@
       </p:sp>
       <p:pic>
         <p:nvPicPr>
-          <p:cNvPr id="9" name="Imagen 8" descr="Interfaz de usuario gráfica, Gráfico&#10;&#10;Descripción generada automáticamente">
-            <a:extLst>
-              <a:ext uri="{FF2B5EF4-FFF2-40B4-BE49-F238E27FC236}">
-                <a16:creationId xmlns:a16="http://schemas.microsoft.com/office/drawing/2014/main" id="{5F2BCF5D-D929-5E31-6D1E-059E877CE14B}"/>
+          <p:cNvPr id="5" name="Imagen 4" descr="Interfaz de usuario gráfica, Gráfico, Diagrama&#10;&#10;Descripción generada automáticamente">
+            <a:extLst>
+              <a:ext uri="{FF2B5EF4-FFF2-40B4-BE49-F238E27FC236}">
+                <a16:creationId xmlns:a16="http://schemas.microsoft.com/office/drawing/2014/main" id="{D65CCECC-04E8-D4E6-730A-B2A198B58293}"/>
               </a:ext>
             </a:extLst>
           </p:cNvPr>
@@ -7095,8 +10999,8 @@
         </p:blipFill>
         <p:spPr>
           <a:xfrm>
-            <a:off x="7053423" y="1726562"/>
-            <a:ext cx="4500402" cy="3782252"/>
+            <a:off x="6691093" y="2021951"/>
+            <a:ext cx="4900831" cy="2726892"/>
           </a:xfrm>
           <a:prstGeom prst="rect">
             <a:avLst/>
@@ -7147,10 +11051,10 @@
       </p:sp>
       <p:sp>
         <p:nvSpPr>
-          <p:cNvPr id="21" name="CuadroTexto 20">
-            <a:extLst>
-              <a:ext uri="{FF2B5EF4-FFF2-40B4-BE49-F238E27FC236}">
-                <a16:creationId xmlns:a16="http://schemas.microsoft.com/office/drawing/2014/main" id="{7D83E3A4-B02D-BC94-4E49-07EACAD4A2DD}"/>
+          <p:cNvPr id="18" name="CuadroTexto 17">
+            <a:extLst>
+              <a:ext uri="{FF2B5EF4-FFF2-40B4-BE49-F238E27FC236}">
+                <a16:creationId xmlns:a16="http://schemas.microsoft.com/office/drawing/2014/main" id="{544D6CFF-490F-F937-B0AF-A56C0EBBB26A}"/>
               </a:ext>
             </a:extLst>
           </p:cNvPr>
@@ -7159,8 +11063,8 @@
         </p:nvSpPr>
         <p:spPr>
           <a:xfrm>
-            <a:off x="4067175" y="1029988"/>
-            <a:ext cx="4019550" cy="369332"/>
+            <a:off x="4291013" y="762098"/>
+            <a:ext cx="3609974" cy="369332"/>
           </a:xfrm>
           <a:prstGeom prst="rect">
             <a:avLst/>
@@ -7173,7 +11077,6 @@
           </a:bodyPr>
           <a:lstStyle/>
           <a:p>
-            <a:pPr algn="ctr"/>
             <a:r>
               <a:rPr lang="es-CO" b="1">
                 <a:solidFill>
@@ -7182,7 +11085,7 @@
                 <a:latin typeface="Arial" panose="020B0604020202020204" pitchFamily="34" charset="0"/>
                 <a:cs typeface="Arial" panose="020B0604020202020204" pitchFamily="34" charset="0"/>
               </a:rPr>
-              <a:t>Discrete time inference</a:t>
+              <a:t>Continuous time identification</a:t>
             </a:r>
           </a:p>
         </p:txBody>
@@ -7190,7 +11093,7 @@
     </p:spTree>
     <p:extLst>
       <p:ext uri="{BB962C8B-B14F-4D97-AF65-F5344CB8AC3E}">
-        <p14:creationId xmlns:p14="http://schemas.microsoft.com/office/powerpoint/2010/main" val="1277491028"/>
+        <p14:creationId xmlns:p14="http://schemas.microsoft.com/office/powerpoint/2010/main" val="2477313963"/>
       </p:ext>
     </p:extLst>
   </p:cSld>

--- a/slides/reunión_27_07_2024.pptx
+++ b/slides/reunión_27_07_2024.pptx
@@ -5,7 +5,7 @@
     <p:sldMasterId id="2147483648" r:id="rId1"/>
   </p:sldMasterIdLst>
   <p:notesMasterIdLst>
-    <p:notesMasterId r:id="rId16"/>
+    <p:notesMasterId r:id="rId18"/>
   </p:notesMasterIdLst>
   <p:sldIdLst>
     <p:sldId id="256" r:id="rId2"/>
@@ -17,11 +17,13 @@
     <p:sldId id="262" r:id="rId8"/>
     <p:sldId id="263" r:id="rId9"/>
     <p:sldId id="259" r:id="rId10"/>
-    <p:sldId id="266" r:id="rId11"/>
-    <p:sldId id="268" r:id="rId12"/>
-    <p:sldId id="267" r:id="rId13"/>
-    <p:sldId id="260" r:id="rId14"/>
-    <p:sldId id="265" r:id="rId15"/>
+    <p:sldId id="272" r:id="rId11"/>
+    <p:sldId id="266" r:id="rId12"/>
+    <p:sldId id="268" r:id="rId13"/>
+    <p:sldId id="267" r:id="rId14"/>
+    <p:sldId id="260" r:id="rId15"/>
+    <p:sldId id="265" r:id="rId16"/>
+    <p:sldId id="273" r:id="rId17"/>
   </p:sldIdLst>
   <p:sldSz cx="12192000" cy="6858000"/>
   <p:notesSz cx="6858000" cy="9144000"/>
@@ -720,7 +722,7 @@
     </p:spTree>
     <p:extLst>
       <p:ext uri="{BB962C8B-B14F-4D97-AF65-F5344CB8AC3E}">
-        <p14:creationId xmlns:p14="http://schemas.microsoft.com/office/powerpoint/2010/main" val="1960273686"/>
+        <p14:creationId xmlns:p14="http://schemas.microsoft.com/office/powerpoint/2010/main" val="1848432556"/>
       </p:ext>
     </p:extLst>
   </p:cSld>
@@ -804,7 +806,7 @@
     </p:spTree>
     <p:extLst>
       <p:ext uri="{BB962C8B-B14F-4D97-AF65-F5344CB8AC3E}">
-        <p14:creationId xmlns:p14="http://schemas.microsoft.com/office/powerpoint/2010/main" val="1916965640"/>
+        <p14:creationId xmlns:p14="http://schemas.microsoft.com/office/powerpoint/2010/main" val="1960273686"/>
       </p:ext>
     </p:extLst>
   </p:cSld>
@@ -880,6 +882,90 @@
             <a:fld id="{E745C70F-B179-4FD5-8C48-3F5C0CA2B965}" type="slidenum">
               <a:rPr lang="es-CO" smtClean="0"/>
               <a:t>12</a:t>
+            </a:fld>
+            <a:endParaRPr lang="es-CO"/>
+          </a:p>
+        </p:txBody>
+      </p:sp>
+    </p:spTree>
+    <p:extLst>
+      <p:ext uri="{BB962C8B-B14F-4D97-AF65-F5344CB8AC3E}">
+        <p14:creationId xmlns:p14="http://schemas.microsoft.com/office/powerpoint/2010/main" val="1916965640"/>
+      </p:ext>
+    </p:extLst>
+  </p:cSld>
+  <p:clrMapOvr>
+    <a:masterClrMapping/>
+  </p:clrMapOvr>
+</p:notes>
+</file>
+
+<file path=ppt/notesSlides/notesSlide6.xml><?xml version="1.0" encoding="utf-8"?>
+<p:notes xmlns:a="http://schemas.openxmlformats.org/drawingml/2006/main" xmlns:r="http://schemas.openxmlformats.org/officeDocument/2006/relationships" xmlns:p="http://schemas.openxmlformats.org/presentationml/2006/main">
+  <p:cSld>
+    <p:spTree>
+      <p:nvGrpSpPr>
+        <p:cNvPr id="1" name=""/>
+        <p:cNvGrpSpPr/>
+        <p:nvPr/>
+      </p:nvGrpSpPr>
+      <p:grpSpPr>
+        <a:xfrm>
+          <a:off x="0" y="0"/>
+          <a:ext cx="0" cy="0"/>
+          <a:chOff x="0" y="0"/>
+          <a:chExt cx="0" cy="0"/>
+        </a:xfrm>
+      </p:grpSpPr>
+      <p:sp>
+        <p:nvSpPr>
+          <p:cNvPr id="2" name="Marcador de imagen de diapositiva 1"/>
+          <p:cNvSpPr>
+            <a:spLocks noGrp="1" noRot="1" noChangeAspect="1"/>
+          </p:cNvSpPr>
+          <p:nvPr>
+            <p:ph type="sldImg"/>
+          </p:nvPr>
+        </p:nvSpPr>
+        <p:spPr/>
+      </p:sp>
+      <p:sp>
+        <p:nvSpPr>
+          <p:cNvPr id="3" name="Marcador de notas 2"/>
+          <p:cNvSpPr>
+            <a:spLocks noGrp="1"/>
+          </p:cNvSpPr>
+          <p:nvPr>
+            <p:ph type="body" idx="1"/>
+          </p:nvPr>
+        </p:nvSpPr>
+        <p:spPr/>
+        <p:txBody>
+          <a:bodyPr/>
+          <a:lstStyle/>
+          <a:p>
+            <a:endParaRPr lang="es-CO"/>
+          </a:p>
+        </p:txBody>
+      </p:sp>
+      <p:sp>
+        <p:nvSpPr>
+          <p:cNvPr id="4" name="Marcador de número de diapositiva 3"/>
+          <p:cNvSpPr>
+            <a:spLocks noGrp="1"/>
+          </p:cNvSpPr>
+          <p:nvPr>
+            <p:ph type="sldNum" sz="quarter" idx="5"/>
+          </p:nvPr>
+        </p:nvSpPr>
+        <p:spPr/>
+        <p:txBody>
+          <a:bodyPr/>
+          <a:lstStyle/>
+          <a:p>
+            <a:fld id="{E745C70F-B179-4FD5-8C48-3F5C0CA2B965}" type="slidenum">
+              <a:rPr lang="es-CO" smtClean="0"/>
+              <a:t>13</a:t>
             </a:fld>
             <a:endParaRPr lang="es-CO"/>
           </a:p>
@@ -4555,12 +4641,48 @@
           </a:p>
         </p:txBody>
       </p:sp>
-      <p:sp>
-        <p:nvSpPr>
-          <p:cNvPr id="3" name="CuadroTexto 2">
-            <a:extLst>
-              <a:ext uri="{FF2B5EF4-FFF2-40B4-BE49-F238E27FC236}">
-                <a16:creationId xmlns:a16="http://schemas.microsoft.com/office/drawing/2014/main" id="{254F0281-F108-BD43-3A10-671B6D0CB599}"/>
+      <p:pic>
+        <p:nvPicPr>
+          <p:cNvPr id="5" name="Imagen 4" descr="Interfaz de usuario gráfica, Gráfico, Diagrama&#10;&#10;Descripción generada automáticamente">
+            <a:extLst>
+              <a:ext uri="{FF2B5EF4-FFF2-40B4-BE49-F238E27FC236}">
+                <a16:creationId xmlns:a16="http://schemas.microsoft.com/office/drawing/2014/main" id="{D65CCECC-04E8-D4E6-730A-B2A198B58293}"/>
+              </a:ext>
+            </a:extLst>
+          </p:cNvPr>
+          <p:cNvPicPr>
+            <a:picLocks noChangeAspect="1"/>
+          </p:cNvPicPr>
+          <p:nvPr/>
+        </p:nvPicPr>
+        <p:blipFill>
+          <a:blip r:embed="rId3">
+            <a:extLst>
+              <a:ext uri="{28A0092B-C50C-407E-A947-70E740481C1C}">
+                <a14:useLocalDpi xmlns:a14="http://schemas.microsoft.com/office/drawing/2010/main" val="0"/>
+              </a:ext>
+            </a:extLst>
+          </a:blip>
+          <a:stretch>
+            <a:fillRect/>
+          </a:stretch>
+        </p:blipFill>
+        <p:spPr>
+          <a:xfrm>
+            <a:off x="6770611" y="1428022"/>
+            <a:ext cx="5238622" cy="2914844"/>
+          </a:xfrm>
+          <a:prstGeom prst="rect">
+            <a:avLst/>
+          </a:prstGeom>
+        </p:spPr>
+      </p:pic>
+      <p:sp>
+        <p:nvSpPr>
+          <p:cNvPr id="14" name="CuadroTexto 13">
+            <a:extLst>
+              <a:ext uri="{FF2B5EF4-FFF2-40B4-BE49-F238E27FC236}">
+                <a16:creationId xmlns:a16="http://schemas.microsoft.com/office/drawing/2014/main" id="{DAFA9663-830E-7BE6-4551-95B423A3AFCA}"/>
               </a:ext>
             </a:extLst>
           </p:cNvPr>
@@ -4569,8 +4691,8 @@
         </p:nvSpPr>
         <p:spPr>
           <a:xfrm>
-            <a:off x="2520696" y="300433"/>
-            <a:ext cx="7150608" cy="461665"/>
+            <a:off x="268196" y="6473279"/>
+            <a:ext cx="10704604" cy="307777"/>
           </a:xfrm>
           <a:prstGeom prst="rect">
             <a:avLst/>
@@ -4583,9 +4705,8 @@
           </a:bodyPr>
           <a:lstStyle/>
           <a:p>
-            <a:pPr algn="ctr"/>
-            <a:r>
-              <a:rPr lang="es-CO" sz="2400" b="1">
+            <a:r>
+              <a:rPr lang="es-CO" sz="1400">
                 <a:solidFill>
                   <a:schemeClr val="bg1"/>
                 </a:solidFill>
@@ -4593,63 +4714,27 @@
                 <a:ea typeface="Source Sans Pro" panose="020B0503030403020204" pitchFamily="34" charset="0"/>
                 <a:cs typeface="Arial" panose="020B0604020202020204" pitchFamily="34" charset="0"/>
               </a:rPr>
-              <a:t>Raissi et al. (2019)</a:t>
-            </a:r>
-          </a:p>
-        </p:txBody>
-      </p:sp>
-      <p:pic>
-        <p:nvPicPr>
-          <p:cNvPr id="9" name="Imagen 8" descr="Interfaz de usuario gráfica, Gráfico&#10;&#10;Descripción generada automáticamente">
-            <a:extLst>
-              <a:ext uri="{FF2B5EF4-FFF2-40B4-BE49-F238E27FC236}">
-                <a16:creationId xmlns:a16="http://schemas.microsoft.com/office/drawing/2014/main" id="{5F2BCF5D-D929-5E31-6D1E-059E877CE14B}"/>
-              </a:ext>
-            </a:extLst>
-          </p:cNvPr>
-          <p:cNvPicPr>
-            <a:picLocks noChangeAspect="1"/>
-          </p:cNvPicPr>
+              <a:t>https://github.com/oscar-rincon/ReScience-PINNs/tree/main/main/continuous_time_inference%20(Schrodinger)</a:t>
+            </a:r>
+          </a:p>
+        </p:txBody>
+      </p:sp>
+      <p:sp>
+        <p:nvSpPr>
+          <p:cNvPr id="18" name="CuadroTexto 17">
+            <a:extLst>
+              <a:ext uri="{FF2B5EF4-FFF2-40B4-BE49-F238E27FC236}">
+                <a16:creationId xmlns:a16="http://schemas.microsoft.com/office/drawing/2014/main" id="{544D6CFF-490F-F937-B0AF-A56C0EBBB26A}"/>
+              </a:ext>
+            </a:extLst>
+          </p:cNvPr>
+          <p:cNvSpPr txBox="1"/>
           <p:nvPr/>
-        </p:nvPicPr>
-        <p:blipFill>
-          <a:blip r:embed="rId3">
-            <a:extLst>
-              <a:ext uri="{28A0092B-C50C-407E-A947-70E740481C1C}">
-                <a14:useLocalDpi xmlns:a14="http://schemas.microsoft.com/office/drawing/2010/main" val="0"/>
-              </a:ext>
-            </a:extLst>
-          </a:blip>
-          <a:stretch>
-            <a:fillRect/>
-          </a:stretch>
-        </p:blipFill>
+        </p:nvSpPr>
         <p:spPr>
           <a:xfrm>
-            <a:off x="7053423" y="1726562"/>
-            <a:ext cx="4500402" cy="3782252"/>
-          </a:xfrm>
-          <a:prstGeom prst="rect">
-            <a:avLst/>
-          </a:prstGeom>
-        </p:spPr>
-      </p:pic>
-      <p:sp>
-        <p:nvSpPr>
-          <p:cNvPr id="14" name="CuadroTexto 13">
-            <a:extLst>
-              <a:ext uri="{FF2B5EF4-FFF2-40B4-BE49-F238E27FC236}">
-                <a16:creationId xmlns:a16="http://schemas.microsoft.com/office/drawing/2014/main" id="{DAFA9663-830E-7BE6-4551-95B423A3AFCA}"/>
-              </a:ext>
-            </a:extLst>
-          </p:cNvPr>
-          <p:cNvSpPr txBox="1"/>
-          <p:nvPr/>
-        </p:nvSpPr>
-        <p:spPr>
-          <a:xfrm>
-            <a:off x="268197" y="6473279"/>
-            <a:ext cx="5227728" cy="338554"/>
+            <a:off x="4672013" y="174095"/>
+            <a:ext cx="3609974" cy="369332"/>
           </a:xfrm>
           <a:prstGeom prst="rect">
             <a:avLst/>
@@ -4662,49 +4747,6 @@
           </a:bodyPr>
           <a:lstStyle/>
           <a:p>
-            <a:r>
-              <a:rPr lang="es-CO" sz="1600">
-                <a:solidFill>
-                  <a:schemeClr val="bg1"/>
-                </a:solidFill>
-                <a:latin typeface="Arial" panose="020B0604020202020204" pitchFamily="34" charset="0"/>
-                <a:ea typeface="Source Sans Pro" panose="020B0503030403020204" pitchFamily="34" charset="0"/>
-                <a:cs typeface="Arial" panose="020B0604020202020204" pitchFamily="34" charset="0"/>
-              </a:rPr>
-              <a:t>https://github.com/oscar-rincon/ReScience-PINNs</a:t>
-            </a:r>
-          </a:p>
-        </p:txBody>
-      </p:sp>
-      <p:sp>
-        <p:nvSpPr>
-          <p:cNvPr id="21" name="CuadroTexto 20">
-            <a:extLst>
-              <a:ext uri="{FF2B5EF4-FFF2-40B4-BE49-F238E27FC236}">
-                <a16:creationId xmlns:a16="http://schemas.microsoft.com/office/drawing/2014/main" id="{7D83E3A4-B02D-BC94-4E49-07EACAD4A2DD}"/>
-              </a:ext>
-            </a:extLst>
-          </p:cNvPr>
-          <p:cNvSpPr txBox="1"/>
-          <p:nvPr/>
-        </p:nvSpPr>
-        <p:spPr>
-          <a:xfrm>
-            <a:off x="4067175" y="1029988"/>
-            <a:ext cx="4019550" cy="369332"/>
-          </a:xfrm>
-          <a:prstGeom prst="rect">
-            <a:avLst/>
-          </a:prstGeom>
-          <a:noFill/>
-        </p:spPr>
-        <p:txBody>
-          <a:bodyPr wrap="square" rtlCol="0">
-            <a:spAutoFit/>
-          </a:bodyPr>
-          <a:lstStyle/>
-          <a:p>
-            <a:pPr algn="ctr"/>
             <a:r>
               <a:rPr lang="es-CO" b="1">
                 <a:solidFill>
@@ -4713,15 +4755,75 @@
                 <a:latin typeface="Arial" panose="020B0604020202020204" pitchFamily="34" charset="0"/>
                 <a:cs typeface="Arial" panose="020B0604020202020204" pitchFamily="34" charset="0"/>
               </a:rPr>
-              <a:t>Discrete time inference</a:t>
-            </a:r>
-          </a:p>
-        </p:txBody>
-      </p:sp>
+              <a:t>Continuous time inference</a:t>
+            </a:r>
+          </a:p>
+        </p:txBody>
+      </p:sp>
+      <p:pic>
+        <p:nvPicPr>
+          <p:cNvPr id="8" name="Imagen 7">
+            <a:extLst>
+              <a:ext uri="{FF2B5EF4-FFF2-40B4-BE49-F238E27FC236}">
+                <a16:creationId xmlns:a16="http://schemas.microsoft.com/office/drawing/2014/main" id="{29AC5F42-FAEF-E3FD-E127-A02F66970E84}"/>
+              </a:ext>
+            </a:extLst>
+          </p:cNvPr>
+          <p:cNvPicPr>
+            <a:picLocks noChangeAspect="1"/>
+          </p:cNvPicPr>
+          <p:nvPr/>
+        </p:nvPicPr>
+        <p:blipFill>
+          <a:blip r:embed="rId4"/>
+          <a:stretch>
+            <a:fillRect/>
+          </a:stretch>
+        </p:blipFill>
+        <p:spPr>
+          <a:xfrm>
+            <a:off x="182767" y="1521998"/>
+            <a:ext cx="6502588" cy="2726892"/>
+          </a:xfrm>
+          <a:prstGeom prst="rect">
+            <a:avLst/>
+          </a:prstGeom>
+        </p:spPr>
+      </p:pic>
+      <p:pic>
+        <p:nvPicPr>
+          <p:cNvPr id="10" name="Imagen 9">
+            <a:extLst>
+              <a:ext uri="{FF2B5EF4-FFF2-40B4-BE49-F238E27FC236}">
+                <a16:creationId xmlns:a16="http://schemas.microsoft.com/office/drawing/2014/main" id="{12F018E6-9B82-CD1D-6FF6-E882CDDCA3A5}"/>
+              </a:ext>
+            </a:extLst>
+          </p:cNvPr>
+          <p:cNvPicPr>
+            <a:picLocks noChangeAspect="1"/>
+          </p:cNvPicPr>
+          <p:nvPr/>
+        </p:nvPicPr>
+        <p:blipFill>
+          <a:blip r:embed="rId5"/>
+          <a:stretch>
+            <a:fillRect/>
+          </a:stretch>
+        </p:blipFill>
+        <p:spPr>
+          <a:xfrm>
+            <a:off x="7862591" y="5058796"/>
+            <a:ext cx="3324689" cy="885949"/>
+          </a:xfrm>
+          <a:prstGeom prst="rect">
+            <a:avLst/>
+          </a:prstGeom>
+        </p:spPr>
+      </p:pic>
     </p:spTree>
     <p:extLst>
       <p:ext uri="{BB962C8B-B14F-4D97-AF65-F5344CB8AC3E}">
-        <p14:creationId xmlns:p14="http://schemas.microsoft.com/office/powerpoint/2010/main" val="1277491028"/>
+        <p14:creationId xmlns:p14="http://schemas.microsoft.com/office/powerpoint/2010/main" val="1010797268"/>
       </p:ext>
     </p:extLst>
   </p:cSld>
@@ -4802,55 +4904,12 @@
           </a:p>
         </p:txBody>
       </p:sp>
-      <p:sp>
-        <p:nvSpPr>
-          <p:cNvPr id="3" name="CuadroTexto 2">
-            <a:extLst>
-              <a:ext uri="{FF2B5EF4-FFF2-40B4-BE49-F238E27FC236}">
-                <a16:creationId xmlns:a16="http://schemas.microsoft.com/office/drawing/2014/main" id="{254F0281-F108-BD43-3A10-671B6D0CB599}"/>
-              </a:ext>
-            </a:extLst>
-          </p:cNvPr>
-          <p:cNvSpPr txBox="1"/>
-          <p:nvPr/>
-        </p:nvSpPr>
-        <p:spPr>
-          <a:xfrm>
-            <a:off x="2520696" y="300433"/>
-            <a:ext cx="7150608" cy="461665"/>
-          </a:xfrm>
-          <a:prstGeom prst="rect">
-            <a:avLst/>
-          </a:prstGeom>
-          <a:noFill/>
-        </p:spPr>
-        <p:txBody>
-          <a:bodyPr wrap="square" rtlCol="0">
-            <a:spAutoFit/>
-          </a:bodyPr>
-          <a:lstStyle/>
-          <a:p>
-            <a:pPr algn="ctr"/>
-            <a:r>
-              <a:rPr lang="es-CO" sz="2400" b="1">
-                <a:solidFill>
-                  <a:schemeClr val="bg1"/>
-                </a:solidFill>
-                <a:latin typeface="Arial" panose="020B0604020202020204" pitchFamily="34" charset="0"/>
-                <a:ea typeface="Source Sans Pro" panose="020B0503030403020204" pitchFamily="34" charset="0"/>
-                <a:cs typeface="Arial" panose="020B0604020202020204" pitchFamily="34" charset="0"/>
-              </a:rPr>
-              <a:t>Raissi et al. (2019)</a:t>
-            </a:r>
-          </a:p>
-        </p:txBody>
-      </p:sp>
       <p:pic>
         <p:nvPicPr>
-          <p:cNvPr id="7" name="Imagen 6" descr="Interfaz de usuario gráfica, Gráfico&#10;&#10;Descripción generada automáticamente">
-            <a:extLst>
-              <a:ext uri="{FF2B5EF4-FFF2-40B4-BE49-F238E27FC236}">
-                <a16:creationId xmlns:a16="http://schemas.microsoft.com/office/drawing/2014/main" id="{382565E3-9DF2-B471-A65B-0098D9AFF2FA}"/>
+          <p:cNvPr id="9" name="Imagen 8" descr="Interfaz de usuario gráfica, Gráfico&#10;&#10;Descripción generada automáticamente">
+            <a:extLst>
+              <a:ext uri="{FF2B5EF4-FFF2-40B4-BE49-F238E27FC236}">
+                <a16:creationId xmlns:a16="http://schemas.microsoft.com/office/drawing/2014/main" id="{5F2BCF5D-D929-5E31-6D1E-059E877CE14B}"/>
               </a:ext>
             </a:extLst>
           </p:cNvPr>
@@ -4873,8 +4932,8 @@
         </p:blipFill>
         <p:spPr>
           <a:xfrm>
-            <a:off x="6415620" y="2019300"/>
-            <a:ext cx="5157912" cy="2517665"/>
+            <a:off x="6961223" y="938714"/>
+            <a:ext cx="4500402" cy="3782252"/>
           </a:xfrm>
           <a:prstGeom prst="rect">
             <a:avLst/>
@@ -4896,7 +4955,7 @@
         <p:spPr>
           <a:xfrm>
             <a:off x="268197" y="6473279"/>
-            <a:ext cx="5227728" cy="369332"/>
+            <a:ext cx="9990228" cy="307777"/>
           </a:xfrm>
           <a:prstGeom prst="rect">
             <a:avLst/>
@@ -4910,25 +4969,40 @@
           <a:lstStyle/>
           <a:p>
             <a:r>
-              <a:rPr lang="es-CO">
+              <a:rPr lang="es-CO" sz="1400">
                 <a:solidFill>
                   <a:schemeClr val="bg1"/>
                 </a:solidFill>
                 <a:latin typeface="Arial" panose="020B0604020202020204" pitchFamily="34" charset="0"/>
                 <a:ea typeface="Source Sans Pro" panose="020B0503030403020204" pitchFamily="34" charset="0"/>
                 <a:cs typeface="Arial" panose="020B0604020202020204" pitchFamily="34" charset="0"/>
+                <a:hlinkClick r:id="rId4">
+                  <a:extLst>
+                    <a:ext uri="{A12FA001-AC4F-418D-AE19-62706E023703}">
+                      <ahyp:hlinkClr xmlns:ahyp="http://schemas.microsoft.com/office/drawing/2018/hyperlinkcolor" val="tx"/>
+                    </a:ext>
+                  </a:extLst>
+                </a:hlinkClick>
               </a:rPr>
-              <a:t>https://github.com/oscar-rincon/ReScience-PINNs</a:t>
-            </a:r>
-          </a:p>
-        </p:txBody>
-      </p:sp>
-      <p:sp>
-        <p:nvSpPr>
-          <p:cNvPr id="20" name="CuadroTexto 19">
-            <a:extLst>
-              <a:ext uri="{FF2B5EF4-FFF2-40B4-BE49-F238E27FC236}">
-                <a16:creationId xmlns:a16="http://schemas.microsoft.com/office/drawing/2014/main" id="{EFEB8EF5-3DCD-0074-D058-CF5D6FA76061}"/>
+              <a:t>https://github.com/oscar-rincon/ReScience-PINNs/tree/main/main/discrete_time_inference%20(AC)</a:t>
+            </a:r>
+            <a:endParaRPr lang="es-CO" sz="1400">
+              <a:solidFill>
+                <a:schemeClr val="bg1"/>
+              </a:solidFill>
+              <a:latin typeface="Arial" panose="020B0604020202020204" pitchFamily="34" charset="0"/>
+              <a:ea typeface="Source Sans Pro" panose="020B0503030403020204" pitchFamily="34" charset="0"/>
+              <a:cs typeface="Arial" panose="020B0604020202020204" pitchFamily="34" charset="0"/>
+            </a:endParaRPr>
+          </a:p>
+        </p:txBody>
+      </p:sp>
+      <p:sp>
+        <p:nvSpPr>
+          <p:cNvPr id="21" name="CuadroTexto 20">
+            <a:extLst>
+              <a:ext uri="{FF2B5EF4-FFF2-40B4-BE49-F238E27FC236}">
+                <a16:creationId xmlns:a16="http://schemas.microsoft.com/office/drawing/2014/main" id="{7D83E3A4-B02D-BC94-4E49-07EACAD4A2DD}"/>
               </a:ext>
             </a:extLst>
           </p:cNvPr>
@@ -4937,8 +5011,8 @@
         </p:nvSpPr>
         <p:spPr>
           <a:xfrm>
-            <a:off x="4531624" y="910376"/>
-            <a:ext cx="2953301" cy="369332"/>
+            <a:off x="3971925" y="294357"/>
+            <a:ext cx="4019550" cy="369332"/>
           </a:xfrm>
           <a:prstGeom prst="rect">
             <a:avLst/>
@@ -4965,10 +5039,70 @@
           </a:p>
         </p:txBody>
       </p:sp>
+      <p:pic>
+        <p:nvPicPr>
+          <p:cNvPr id="5" name="Imagen 4">
+            <a:extLst>
+              <a:ext uri="{FF2B5EF4-FFF2-40B4-BE49-F238E27FC236}">
+                <a16:creationId xmlns:a16="http://schemas.microsoft.com/office/drawing/2014/main" id="{879E84FE-B61C-A24F-225C-E81BB8300FBC}"/>
+              </a:ext>
+            </a:extLst>
+          </p:cNvPr>
+          <p:cNvPicPr>
+            <a:picLocks noChangeAspect="1"/>
+          </p:cNvPicPr>
+          <p:nvPr/>
+        </p:nvPicPr>
+        <p:blipFill>
+          <a:blip r:embed="rId5"/>
+          <a:stretch>
+            <a:fillRect/>
+          </a:stretch>
+        </p:blipFill>
+        <p:spPr>
+          <a:xfrm>
+            <a:off x="592045" y="1071943"/>
+            <a:ext cx="5962652" cy="3515794"/>
+          </a:xfrm>
+          <a:prstGeom prst="rect">
+            <a:avLst/>
+          </a:prstGeom>
+        </p:spPr>
+      </p:pic>
+      <p:pic>
+        <p:nvPicPr>
+          <p:cNvPr id="7" name="Imagen 6">
+            <a:extLst>
+              <a:ext uri="{FF2B5EF4-FFF2-40B4-BE49-F238E27FC236}">
+                <a16:creationId xmlns:a16="http://schemas.microsoft.com/office/drawing/2014/main" id="{139E49DB-71AB-8814-72C1-11B61505C9E7}"/>
+              </a:ext>
+            </a:extLst>
+          </p:cNvPr>
+          <p:cNvPicPr>
+            <a:picLocks noChangeAspect="1"/>
+          </p:cNvPicPr>
+          <p:nvPr/>
+        </p:nvPicPr>
+        <p:blipFill>
+          <a:blip r:embed="rId6"/>
+          <a:stretch>
+            <a:fillRect/>
+          </a:stretch>
+        </p:blipFill>
+        <p:spPr>
+          <a:xfrm>
+            <a:off x="1976974" y="5106024"/>
+            <a:ext cx="3038899" cy="857370"/>
+          </a:xfrm>
+          <a:prstGeom prst="rect">
+            <a:avLst/>
+          </a:prstGeom>
+        </p:spPr>
+      </p:pic>
     </p:spTree>
     <p:extLst>
       <p:ext uri="{BB962C8B-B14F-4D97-AF65-F5344CB8AC3E}">
-        <p14:creationId xmlns:p14="http://schemas.microsoft.com/office/powerpoint/2010/main" val="2695735504"/>
+        <p14:creationId xmlns:p14="http://schemas.microsoft.com/office/powerpoint/2010/main" val="1277491028"/>
       </p:ext>
     </p:extLst>
   </p:cSld>
@@ -5049,55 +5183,12 @@
           </a:p>
         </p:txBody>
       </p:sp>
-      <p:sp>
-        <p:nvSpPr>
-          <p:cNvPr id="3" name="CuadroTexto 2">
-            <a:extLst>
-              <a:ext uri="{FF2B5EF4-FFF2-40B4-BE49-F238E27FC236}">
-                <a16:creationId xmlns:a16="http://schemas.microsoft.com/office/drawing/2014/main" id="{254F0281-F108-BD43-3A10-671B6D0CB599}"/>
-              </a:ext>
-            </a:extLst>
-          </p:cNvPr>
-          <p:cNvSpPr txBox="1"/>
-          <p:nvPr/>
-        </p:nvSpPr>
-        <p:spPr>
-          <a:xfrm>
-            <a:off x="2520696" y="300433"/>
-            <a:ext cx="7150608" cy="461665"/>
-          </a:xfrm>
-          <a:prstGeom prst="rect">
-            <a:avLst/>
-          </a:prstGeom>
-          <a:noFill/>
-        </p:spPr>
-        <p:txBody>
-          <a:bodyPr wrap="square" rtlCol="0">
-            <a:spAutoFit/>
-          </a:bodyPr>
-          <a:lstStyle/>
-          <a:p>
-            <a:pPr algn="ctr"/>
-            <a:r>
-              <a:rPr lang="es-CO" sz="2400" b="1">
-                <a:solidFill>
-                  <a:schemeClr val="bg1"/>
-                </a:solidFill>
-                <a:latin typeface="Arial" panose="020B0604020202020204" pitchFamily="34" charset="0"/>
-                <a:ea typeface="Source Sans Pro" panose="020B0503030403020204" pitchFamily="34" charset="0"/>
-                <a:cs typeface="Arial" panose="020B0604020202020204" pitchFamily="34" charset="0"/>
-              </a:rPr>
-              <a:t>Raissi et al. (2019)</a:t>
-            </a:r>
-          </a:p>
-        </p:txBody>
-      </p:sp>
       <p:pic>
         <p:nvPicPr>
-          <p:cNvPr id="11" name="Imagen 10" descr="Interfaz de usuario gráfica, Gráfico&#10;&#10;Descripción generada automáticamente">
-            <a:extLst>
-              <a:ext uri="{FF2B5EF4-FFF2-40B4-BE49-F238E27FC236}">
-                <a16:creationId xmlns:a16="http://schemas.microsoft.com/office/drawing/2014/main" id="{961F5FC4-4FC9-CFD1-8B64-5CDDFA343736}"/>
+          <p:cNvPr id="7" name="Imagen 6" descr="Interfaz de usuario gráfica, Gráfico&#10;&#10;Descripción generada automáticamente">
+            <a:extLst>
+              <a:ext uri="{FF2B5EF4-FFF2-40B4-BE49-F238E27FC236}">
+                <a16:creationId xmlns:a16="http://schemas.microsoft.com/office/drawing/2014/main" id="{382565E3-9DF2-B471-A65B-0098D9AFF2FA}"/>
               </a:ext>
             </a:extLst>
           </p:cNvPr>
@@ -5120,8 +5211,8 @@
         </p:blipFill>
         <p:spPr>
           <a:xfrm>
-            <a:off x="7362825" y="1686917"/>
-            <a:ext cx="3905250" cy="4161052"/>
+            <a:off x="3067050" y="697968"/>
+            <a:ext cx="5817680" cy="2839712"/>
           </a:xfrm>
           <a:prstGeom prst="rect">
             <a:avLst/>
@@ -5142,8 +5233,8 @@
         </p:nvSpPr>
         <p:spPr>
           <a:xfrm>
-            <a:off x="268197" y="6473279"/>
-            <a:ext cx="5227728" cy="338554"/>
+            <a:off x="268196" y="6473279"/>
+            <a:ext cx="11438029" cy="307777"/>
           </a:xfrm>
           <a:prstGeom prst="rect">
             <a:avLst/>
@@ -5157,25 +5248,40 @@
           <a:lstStyle/>
           <a:p>
             <a:r>
-              <a:rPr lang="es-CO" sz="1600">
+              <a:rPr lang="es-CO" sz="1400">
                 <a:solidFill>
                   <a:schemeClr val="bg1"/>
                 </a:solidFill>
                 <a:latin typeface="Arial" panose="020B0604020202020204" pitchFamily="34" charset="0"/>
                 <a:ea typeface="Source Sans Pro" panose="020B0503030403020204" pitchFamily="34" charset="0"/>
                 <a:cs typeface="Arial" panose="020B0604020202020204" pitchFamily="34" charset="0"/>
+                <a:hlinkClick r:id="rId4">
+                  <a:extLst>
+                    <a:ext uri="{A12FA001-AC4F-418D-AE19-62706E023703}">
+                      <ahyp:hlinkClr xmlns:ahyp="http://schemas.microsoft.com/office/drawing/2018/hyperlinkcolor" val="tx"/>
+                    </a:ext>
+                  </a:extLst>
+                </a:hlinkClick>
               </a:rPr>
-              <a:t>https://github.com/oscar-rincon/ReScience-PINNs</a:t>
-            </a:r>
-          </a:p>
-        </p:txBody>
-      </p:sp>
-      <p:sp>
-        <p:nvSpPr>
-          <p:cNvPr id="19" name="CuadroTexto 18">
-            <a:extLst>
-              <a:ext uri="{FF2B5EF4-FFF2-40B4-BE49-F238E27FC236}">
-                <a16:creationId xmlns:a16="http://schemas.microsoft.com/office/drawing/2014/main" id="{10B90926-A640-2CE3-E012-B15F9A63E8C3}"/>
+              <a:t>https://github.com/oscar-rincon/ReScience-PINNs/tree/main/main/continuous_time_identification%20(Navier-Stokes)</a:t>
+            </a:r>
+            <a:endParaRPr lang="es-CO" sz="1400">
+              <a:solidFill>
+                <a:schemeClr val="bg1"/>
+              </a:solidFill>
+              <a:latin typeface="Arial" panose="020B0604020202020204" pitchFamily="34" charset="0"/>
+              <a:ea typeface="Source Sans Pro" panose="020B0503030403020204" pitchFamily="34" charset="0"/>
+              <a:cs typeface="Arial" panose="020B0604020202020204" pitchFamily="34" charset="0"/>
+            </a:endParaRPr>
+          </a:p>
+        </p:txBody>
+      </p:sp>
+      <p:sp>
+        <p:nvSpPr>
+          <p:cNvPr id="20" name="CuadroTexto 19">
+            <a:extLst>
+              <a:ext uri="{FF2B5EF4-FFF2-40B4-BE49-F238E27FC236}">
+                <a16:creationId xmlns:a16="http://schemas.microsoft.com/office/drawing/2014/main" id="{EFEB8EF5-3DCD-0074-D058-CF5D6FA76061}"/>
               </a:ext>
             </a:extLst>
           </p:cNvPr>
@@ -5184,8 +5290,8 @@
         </p:nvSpPr>
         <p:spPr>
           <a:xfrm>
-            <a:off x="4210050" y="825365"/>
-            <a:ext cx="3638550" cy="369332"/>
+            <a:off x="4453798" y="158370"/>
+            <a:ext cx="3284401" cy="369332"/>
           </a:xfrm>
           <a:prstGeom prst="rect">
             <a:avLst/>
@@ -5207,15 +5313,75 @@
                 <a:latin typeface="Arial" panose="020B0604020202020204" pitchFamily="34" charset="0"/>
                 <a:cs typeface="Arial" panose="020B0604020202020204" pitchFamily="34" charset="0"/>
               </a:rPr>
-              <a:t>Continuous time inference</a:t>
-            </a:r>
-          </a:p>
-        </p:txBody>
-      </p:sp>
+              <a:t>Discrete time identification</a:t>
+            </a:r>
+          </a:p>
+        </p:txBody>
+      </p:sp>
+      <p:pic>
+        <p:nvPicPr>
+          <p:cNvPr id="5" name="Imagen 4">
+            <a:extLst>
+              <a:ext uri="{FF2B5EF4-FFF2-40B4-BE49-F238E27FC236}">
+                <a16:creationId xmlns:a16="http://schemas.microsoft.com/office/drawing/2014/main" id="{ADAEA083-C15A-17FB-0CF1-FBA797378C2C}"/>
+              </a:ext>
+            </a:extLst>
+          </p:cNvPr>
+          <p:cNvPicPr>
+            <a:picLocks noChangeAspect="1"/>
+          </p:cNvPicPr>
+          <p:nvPr/>
+        </p:nvPicPr>
+        <p:blipFill>
+          <a:blip r:embed="rId5"/>
+          <a:stretch>
+            <a:fillRect/>
+          </a:stretch>
+        </p:blipFill>
+        <p:spPr>
+          <a:xfrm>
+            <a:off x="8109671" y="3684029"/>
+            <a:ext cx="3198596" cy="2751734"/>
+          </a:xfrm>
+          <a:prstGeom prst="rect">
+            <a:avLst/>
+          </a:prstGeom>
+        </p:spPr>
+      </p:pic>
+      <p:pic>
+        <p:nvPicPr>
+          <p:cNvPr id="8" name="Imagen 7">
+            <a:extLst>
+              <a:ext uri="{FF2B5EF4-FFF2-40B4-BE49-F238E27FC236}">
+                <a16:creationId xmlns:a16="http://schemas.microsoft.com/office/drawing/2014/main" id="{1CD2B332-0B6B-99D6-9D26-9349AF28DAA2}"/>
+              </a:ext>
+            </a:extLst>
+          </p:cNvPr>
+          <p:cNvPicPr>
+            <a:picLocks noChangeAspect="1"/>
+          </p:cNvPicPr>
+          <p:nvPr/>
+        </p:nvPicPr>
+        <p:blipFill>
+          <a:blip r:embed="rId6"/>
+          <a:stretch>
+            <a:fillRect/>
+          </a:stretch>
+        </p:blipFill>
+        <p:spPr>
+          <a:xfrm>
+            <a:off x="175346" y="3684029"/>
+            <a:ext cx="7758979" cy="2757076"/>
+          </a:xfrm>
+          <a:prstGeom prst="rect">
+            <a:avLst/>
+          </a:prstGeom>
+        </p:spPr>
+      </p:pic>
     </p:spTree>
     <p:extLst>
       <p:ext uri="{BB962C8B-B14F-4D97-AF65-F5344CB8AC3E}">
-        <p14:creationId xmlns:p14="http://schemas.microsoft.com/office/powerpoint/2010/main" val="2116195075"/>
+        <p14:creationId xmlns:p14="http://schemas.microsoft.com/office/powerpoint/2010/main" val="2695735504"/>
       </p:ext>
     </p:extLst>
   </p:cSld>
@@ -5296,55 +5462,12 @@
           </a:p>
         </p:txBody>
       </p:sp>
-      <p:sp>
-        <p:nvSpPr>
-          <p:cNvPr id="3" name="CuadroTexto 2">
-            <a:extLst>
-              <a:ext uri="{FF2B5EF4-FFF2-40B4-BE49-F238E27FC236}">
-                <a16:creationId xmlns:a16="http://schemas.microsoft.com/office/drawing/2014/main" id="{254F0281-F108-BD43-3A10-671B6D0CB599}"/>
-              </a:ext>
-            </a:extLst>
-          </p:cNvPr>
-          <p:cNvSpPr txBox="1"/>
-          <p:nvPr/>
-        </p:nvSpPr>
-        <p:spPr>
-          <a:xfrm>
-            <a:off x="2520696" y="457200"/>
-            <a:ext cx="7150608" cy="461665"/>
-          </a:xfrm>
-          <a:prstGeom prst="rect">
-            <a:avLst/>
-          </a:prstGeom>
-          <a:noFill/>
-        </p:spPr>
-        <p:txBody>
-          <a:bodyPr wrap="square" rtlCol="0">
-            <a:spAutoFit/>
-          </a:bodyPr>
-          <a:lstStyle/>
-          <a:p>
-            <a:pPr algn="ctr"/>
-            <a:r>
-              <a:rPr lang="es-CO" sz="2400" b="1">
-                <a:solidFill>
-                  <a:schemeClr val="bg1"/>
-                </a:solidFill>
-                <a:latin typeface="Arial" panose="020B0604020202020204" pitchFamily="34" charset="0"/>
-                <a:ea typeface="Source Sans Pro" panose="020B0503030403020204" pitchFamily="34" charset="0"/>
-                <a:cs typeface="Arial" panose="020B0604020202020204" pitchFamily="34" charset="0"/>
-              </a:rPr>
-              <a:t>Revisión Sistemática de aplicaciones</a:t>
-            </a:r>
-          </a:p>
-        </p:txBody>
-      </p:sp>
       <p:pic>
         <p:nvPicPr>
-          <p:cNvPr id="5" name="Gráfico 4">
-            <a:extLst>
-              <a:ext uri="{FF2B5EF4-FFF2-40B4-BE49-F238E27FC236}">
-                <a16:creationId xmlns:a16="http://schemas.microsoft.com/office/drawing/2014/main" id="{E9F2DDC7-9B0E-704A-F987-24E70FE1A9A7}"/>
+          <p:cNvPr id="11" name="Imagen 10" descr="Interfaz de usuario gráfica, Gráfico&#10;&#10;Descripción generada automáticamente">
+            <a:extLst>
+              <a:ext uri="{FF2B5EF4-FFF2-40B4-BE49-F238E27FC236}">
+                <a16:creationId xmlns:a16="http://schemas.microsoft.com/office/drawing/2014/main" id="{961F5FC4-4FC9-CFD1-8B64-5CDDFA343736}"/>
               </a:ext>
             </a:extLst>
           </p:cNvPr>
@@ -5354,10 +5477,10 @@
           <p:nvPr/>
         </p:nvPicPr>
         <p:blipFill>
-          <a:blip r:embed="rId2">
-            <a:extLst>
-              <a:ext uri="{96DAC541-7B7A-43D3-8B79-37D633B846F1}">
-                <asvg:svgBlip xmlns:asvg="http://schemas.microsoft.com/office/drawing/2016/SVG/main" r:embed="rId3"/>
+          <a:blip r:embed="rId3">
+            <a:extLst>
+              <a:ext uri="{28A0092B-C50C-407E-A947-70E740481C1C}">
+                <a14:useLocalDpi xmlns:a14="http://schemas.microsoft.com/office/drawing/2010/main" val="0"/>
               </a:ext>
             </a:extLst>
           </a:blip>
@@ -5367,8 +5490,167 @@
         </p:blipFill>
         <p:spPr>
           <a:xfrm>
-            <a:off x="647700" y="2045345"/>
-            <a:ext cx="10892453" cy="2860030"/>
+            <a:off x="7006490" y="791567"/>
+            <a:ext cx="4433035" cy="4723408"/>
+          </a:xfrm>
+          <a:prstGeom prst="rect">
+            <a:avLst/>
+          </a:prstGeom>
+        </p:spPr>
+      </p:pic>
+      <p:sp>
+        <p:nvSpPr>
+          <p:cNvPr id="14" name="CuadroTexto 13">
+            <a:extLst>
+              <a:ext uri="{FF2B5EF4-FFF2-40B4-BE49-F238E27FC236}">
+                <a16:creationId xmlns:a16="http://schemas.microsoft.com/office/drawing/2014/main" id="{DAFA9663-830E-7BE6-4551-95B423A3AFCA}"/>
+              </a:ext>
+            </a:extLst>
+          </p:cNvPr>
+          <p:cNvSpPr txBox="1"/>
+          <p:nvPr/>
+        </p:nvSpPr>
+        <p:spPr>
+          <a:xfrm>
+            <a:off x="268196" y="6473279"/>
+            <a:ext cx="10476004" cy="307777"/>
+          </a:xfrm>
+          <a:prstGeom prst="rect">
+            <a:avLst/>
+          </a:prstGeom>
+          <a:noFill/>
+        </p:spPr>
+        <p:txBody>
+          <a:bodyPr wrap="square" rtlCol="0">
+            <a:spAutoFit/>
+          </a:bodyPr>
+          <a:lstStyle/>
+          <a:p>
+            <a:r>
+              <a:rPr lang="es-CO" sz="1400">
+                <a:solidFill>
+                  <a:schemeClr val="bg1"/>
+                </a:solidFill>
+                <a:latin typeface="Arial" panose="020B0604020202020204" pitchFamily="34" charset="0"/>
+                <a:ea typeface="Source Sans Pro" panose="020B0503030403020204" pitchFamily="34" charset="0"/>
+                <a:cs typeface="Arial" panose="020B0604020202020204" pitchFamily="34" charset="0"/>
+                <a:hlinkClick r:id="rId4">
+                  <a:extLst>
+                    <a:ext uri="{A12FA001-AC4F-418D-AE19-62706E023703}">
+                      <ahyp:hlinkClr xmlns:ahyp="http://schemas.microsoft.com/office/drawing/2018/hyperlinkcolor" val="tx"/>
+                    </a:ext>
+                  </a:extLst>
+                </a:hlinkClick>
+              </a:rPr>
+              <a:t>https://github.com/oscar-rincon/ReScience-PINNs/tree/main/main/discrete_time_identification%20(KdV)</a:t>
+            </a:r>
+            <a:endParaRPr lang="es-CO" sz="1400">
+              <a:solidFill>
+                <a:schemeClr val="bg1"/>
+              </a:solidFill>
+              <a:latin typeface="Arial" panose="020B0604020202020204" pitchFamily="34" charset="0"/>
+              <a:ea typeface="Source Sans Pro" panose="020B0503030403020204" pitchFamily="34" charset="0"/>
+              <a:cs typeface="Arial" panose="020B0604020202020204" pitchFamily="34" charset="0"/>
+            </a:endParaRPr>
+          </a:p>
+        </p:txBody>
+      </p:sp>
+      <p:sp>
+        <p:nvSpPr>
+          <p:cNvPr id="19" name="CuadroTexto 18">
+            <a:extLst>
+              <a:ext uri="{FF2B5EF4-FFF2-40B4-BE49-F238E27FC236}">
+                <a16:creationId xmlns:a16="http://schemas.microsoft.com/office/drawing/2014/main" id="{10B90926-A640-2CE3-E012-B15F9A63E8C3}"/>
+              </a:ext>
+            </a:extLst>
+          </p:cNvPr>
+          <p:cNvSpPr txBox="1"/>
+          <p:nvPr/>
+        </p:nvSpPr>
+        <p:spPr>
+          <a:xfrm>
+            <a:off x="4276725" y="182201"/>
+            <a:ext cx="3638550" cy="369332"/>
+          </a:xfrm>
+          <a:prstGeom prst="rect">
+            <a:avLst/>
+          </a:prstGeom>
+          <a:noFill/>
+        </p:spPr>
+        <p:txBody>
+          <a:bodyPr wrap="square" rtlCol="0">
+            <a:spAutoFit/>
+          </a:bodyPr>
+          <a:lstStyle/>
+          <a:p>
+            <a:pPr algn="ctr"/>
+            <a:r>
+              <a:rPr lang="es-CO" b="1">
+                <a:solidFill>
+                  <a:schemeClr val="bg1"/>
+                </a:solidFill>
+                <a:latin typeface="Arial" panose="020B0604020202020204" pitchFamily="34" charset="0"/>
+                <a:cs typeface="Arial" panose="020B0604020202020204" pitchFamily="34" charset="0"/>
+              </a:rPr>
+              <a:t>Continuous time identification</a:t>
+            </a:r>
+          </a:p>
+        </p:txBody>
+      </p:sp>
+      <p:pic>
+        <p:nvPicPr>
+          <p:cNvPr id="5" name="Imagen 4">
+            <a:extLst>
+              <a:ext uri="{FF2B5EF4-FFF2-40B4-BE49-F238E27FC236}">
+                <a16:creationId xmlns:a16="http://schemas.microsoft.com/office/drawing/2014/main" id="{66946F79-F1F6-C569-0C8B-93C09E9EF687}"/>
+              </a:ext>
+            </a:extLst>
+          </p:cNvPr>
+          <p:cNvPicPr>
+            <a:picLocks noChangeAspect="1"/>
+          </p:cNvPicPr>
+          <p:nvPr/>
+        </p:nvPicPr>
+        <p:blipFill>
+          <a:blip r:embed="rId5"/>
+          <a:stretch>
+            <a:fillRect/>
+          </a:stretch>
+        </p:blipFill>
+        <p:spPr>
+          <a:xfrm>
+            <a:off x="752475" y="564261"/>
+            <a:ext cx="4780134" cy="3171794"/>
+          </a:xfrm>
+          <a:prstGeom prst="rect">
+            <a:avLst/>
+          </a:prstGeom>
+        </p:spPr>
+      </p:pic>
+      <p:pic>
+        <p:nvPicPr>
+          <p:cNvPr id="7" name="Imagen 6">
+            <a:extLst>
+              <a:ext uri="{FF2B5EF4-FFF2-40B4-BE49-F238E27FC236}">
+                <a16:creationId xmlns:a16="http://schemas.microsoft.com/office/drawing/2014/main" id="{04CCF904-CB8D-851C-133C-07B07F05FBB8}"/>
+              </a:ext>
+            </a:extLst>
+          </p:cNvPr>
+          <p:cNvPicPr>
+            <a:picLocks noChangeAspect="1"/>
+          </p:cNvPicPr>
+          <p:nvPr/>
+        </p:nvPicPr>
+        <p:blipFill>
+          <a:blip r:embed="rId6"/>
+          <a:stretch>
+            <a:fillRect/>
+          </a:stretch>
+        </p:blipFill>
+        <p:spPr>
+          <a:xfrm>
+            <a:off x="1803710" y="3853303"/>
+            <a:ext cx="2677664" cy="2543032"/>
           </a:xfrm>
           <a:prstGeom prst="rect">
             <a:avLst/>
@@ -5378,7 +5660,7 @@
     </p:spTree>
     <p:extLst>
       <p:ext uri="{BB962C8B-B14F-4D97-AF65-F5344CB8AC3E}">
-        <p14:creationId xmlns:p14="http://schemas.microsoft.com/office/powerpoint/2010/main" val="1470438773"/>
+        <p14:creationId xmlns:p14="http://schemas.microsoft.com/office/powerpoint/2010/main" val="2116195075"/>
       </p:ext>
     </p:extLst>
   </p:cSld>
@@ -5474,7 +5756,7 @@
         <p:spPr>
           <a:xfrm>
             <a:off x="2520696" y="457200"/>
-            <a:ext cx="7150608" cy="400110"/>
+            <a:ext cx="7150608" cy="461665"/>
           </a:xfrm>
           <a:prstGeom prst="rect">
             <a:avLst/>
@@ -5489,7 +5771,7 @@
           <a:p>
             <a:pPr algn="ctr"/>
             <a:r>
-              <a:rPr lang="es-CO" sz="2000" b="1">
+              <a:rPr lang="es-CO" sz="2400" b="1">
                 <a:solidFill>
                   <a:schemeClr val="bg1"/>
                 </a:solidFill>
@@ -5497,15 +5779,51 @@
                 <a:ea typeface="Source Sans Pro" panose="020B0503030403020204" pitchFamily="34" charset="0"/>
                 <a:cs typeface="Arial" panose="020B0604020202020204" pitchFamily="34" charset="0"/>
               </a:rPr>
-              <a:t>Advantages / Disadvantages</a:t>
-            </a:r>
-          </a:p>
-        </p:txBody>
-      </p:sp>
+              <a:t>Systematic Review of Applications</a:t>
+            </a:r>
+          </a:p>
+        </p:txBody>
+      </p:sp>
+      <p:pic>
+        <p:nvPicPr>
+          <p:cNvPr id="5" name="Gráfico 4">
+            <a:extLst>
+              <a:ext uri="{FF2B5EF4-FFF2-40B4-BE49-F238E27FC236}">
+                <a16:creationId xmlns:a16="http://schemas.microsoft.com/office/drawing/2014/main" id="{E9F2DDC7-9B0E-704A-F987-24E70FE1A9A7}"/>
+              </a:ext>
+            </a:extLst>
+          </p:cNvPr>
+          <p:cNvPicPr>
+            <a:picLocks noChangeAspect="1"/>
+          </p:cNvPicPr>
+          <p:nvPr/>
+        </p:nvPicPr>
+        <p:blipFill>
+          <a:blip r:embed="rId2">
+            <a:extLst>
+              <a:ext uri="{96DAC541-7B7A-43D3-8B79-37D633B846F1}">
+                <asvg:svgBlip xmlns:asvg="http://schemas.microsoft.com/office/drawing/2016/SVG/main" r:embed="rId3"/>
+              </a:ext>
+            </a:extLst>
+          </a:blip>
+          <a:stretch>
+            <a:fillRect/>
+          </a:stretch>
+        </p:blipFill>
+        <p:spPr>
+          <a:xfrm>
+            <a:off x="647700" y="2045345"/>
+            <a:ext cx="10892453" cy="2860030"/>
+          </a:xfrm>
+          <a:prstGeom prst="rect">
+            <a:avLst/>
+          </a:prstGeom>
+        </p:spPr>
+      </p:pic>
     </p:spTree>
     <p:extLst>
       <p:ext uri="{BB962C8B-B14F-4D97-AF65-F5344CB8AC3E}">
-        <p14:creationId xmlns:p14="http://schemas.microsoft.com/office/powerpoint/2010/main" val="2764051299"/>
+        <p14:creationId xmlns:p14="http://schemas.microsoft.com/office/powerpoint/2010/main" val="1470438773"/>
       </p:ext>
     </p:extLst>
   </p:cSld>
@@ -5515,7 +5833,7 @@
 </p:sld>
 </file>
 
-<file path=ppt/slides/slide2.xml><?xml version="1.0" encoding="utf-8"?>
+<file path=ppt/slides/slide15.xml><?xml version="1.0" encoding="utf-8"?>
 <p:sld xmlns:a="http://schemas.openxmlformats.org/drawingml/2006/main" xmlns:r="http://schemas.openxmlformats.org/officeDocument/2006/relationships" xmlns:p="http://schemas.openxmlformats.org/presentationml/2006/main">
   <p:cSld>
     <p:spTree>
@@ -5600,8 +5918,8 @@
         </p:nvSpPr>
         <p:spPr>
           <a:xfrm>
-            <a:off x="2520696" y="457200"/>
-            <a:ext cx="7150608" cy="461665"/>
+            <a:off x="1717548" y="438120"/>
+            <a:ext cx="8756903" cy="400110"/>
           </a:xfrm>
           <a:prstGeom prst="rect">
             <a:avLst/>
@@ -5616,7 +5934,7 @@
           <a:p>
             <a:pPr algn="ctr"/>
             <a:r>
-              <a:rPr lang="es-CO" sz="2400" b="1">
+              <a:rPr lang="es-CO" sz="2000" b="1">
                 <a:solidFill>
                   <a:schemeClr val="bg1"/>
                 </a:solidFill>
@@ -5624,17 +5942,17 @@
                 <a:ea typeface="Source Sans Pro" panose="020B0503030403020204" pitchFamily="34" charset="0"/>
                 <a:cs typeface="Arial" panose="020B0604020202020204" pitchFamily="34" charset="0"/>
               </a:rPr>
-              <a:t>Content</a:t>
-            </a:r>
-          </a:p>
-        </p:txBody>
-      </p:sp>
-      <p:sp>
-        <p:nvSpPr>
-          <p:cNvPr id="142" name="CuadroTexto 141">
-            <a:extLst>
-              <a:ext uri="{FF2B5EF4-FFF2-40B4-BE49-F238E27FC236}">
-                <a16:creationId xmlns:a16="http://schemas.microsoft.com/office/drawing/2014/main" id="{05A1B72F-A3E0-D3C6-90D0-707E4D805AE0}"/>
+              <a:t>Advantages / Disadvantages of PINN vs Standard numerical methods</a:t>
+            </a:r>
+          </a:p>
+        </p:txBody>
+      </p:sp>
+      <p:sp>
+        <p:nvSpPr>
+          <p:cNvPr id="4" name="CuadroTexto 3">
+            <a:extLst>
+              <a:ext uri="{FF2B5EF4-FFF2-40B4-BE49-F238E27FC236}">
+                <a16:creationId xmlns:a16="http://schemas.microsoft.com/office/drawing/2014/main" id="{06E53A39-CD16-1D23-2D46-ABC6BA174F25}"/>
               </a:ext>
             </a:extLst>
           </p:cNvPr>
@@ -5643,14 +5961,173 @@
         </p:nvSpPr>
         <p:spPr>
           <a:xfrm>
-            <a:off x="1000125" y="1827803"/>
-            <a:ext cx="10020299" cy="2060629"/>
+            <a:off x="591693" y="1660974"/>
+            <a:ext cx="4666107" cy="1903534"/>
+          </a:xfrm>
+          <a:prstGeom prst="rect">
+            <a:avLst/>
+          </a:prstGeom>
+          <a:noFill/>
+          <a:ln>
+            <a:solidFill>
+              <a:schemeClr val="accent1"/>
+            </a:solidFill>
+          </a:ln>
+        </p:spPr>
+        <p:txBody>
+          <a:bodyPr wrap="square">
+            <a:spAutoFit/>
+          </a:bodyPr>
+          <a:lstStyle/>
+          <a:p>
+            <a:pPr marL="285750" indent="-285750">
+              <a:lnSpc>
+                <a:spcPct val="150000"/>
+              </a:lnSpc>
+              <a:buFont typeface="Wingdings" panose="05000000000000000000" pitchFamily="2" charset="2"/>
+              <a:buChar char="q"/>
+            </a:pPr>
+            <a:r>
+              <a:rPr lang="en-US" sz="1600">
+                <a:solidFill>
+                  <a:schemeClr val="bg1"/>
+                </a:solidFill>
+              </a:rPr>
+              <a:t>Simple implementation -&gt; Interdisciplinary </a:t>
+            </a:r>
+          </a:p>
+          <a:p>
+            <a:pPr marL="285750" indent="-285750">
+              <a:lnSpc>
+                <a:spcPct val="150000"/>
+              </a:lnSpc>
+              <a:buFont typeface="Wingdings" panose="05000000000000000000" pitchFamily="2" charset="2"/>
+              <a:buChar char="q"/>
+            </a:pPr>
+            <a:r>
+              <a:rPr lang="en-US" sz="1600">
+                <a:solidFill>
+                  <a:schemeClr val="bg1"/>
+                </a:solidFill>
+              </a:rPr>
+              <a:t>Easily adaptable to both problems with (inverse) or without data (forward)</a:t>
+            </a:r>
+          </a:p>
+          <a:p>
+            <a:pPr marL="285750" indent="-285750">
+              <a:lnSpc>
+                <a:spcPct val="150000"/>
+              </a:lnSpc>
+              <a:buFont typeface="Wingdings" panose="05000000000000000000" pitchFamily="2" charset="2"/>
+              <a:buChar char="q"/>
+            </a:pPr>
+            <a:r>
+              <a:rPr lang="en-US" sz="1600">
+                <a:solidFill>
+                  <a:schemeClr val="bg1"/>
+                </a:solidFill>
+              </a:rPr>
+              <a:t>Fast model evaluation – (seconds)</a:t>
+            </a:r>
+          </a:p>
+          <a:p>
+            <a:pPr marL="285750" indent="-285750">
+              <a:lnSpc>
+                <a:spcPct val="150000"/>
+              </a:lnSpc>
+              <a:buFont typeface="Wingdings" panose="05000000000000000000" pitchFamily="2" charset="2"/>
+              <a:buChar char="q"/>
+            </a:pPr>
+            <a:r>
+              <a:rPr lang="en-US" sz="1600">
+                <a:solidFill>
+                  <a:schemeClr val="bg1"/>
+                </a:solidFill>
+              </a:rPr>
+              <a:t>Possibility of transfer learning</a:t>
+            </a:r>
+          </a:p>
+        </p:txBody>
+      </p:sp>
+      <p:cxnSp>
+        <p:nvCxnSpPr>
+          <p:cNvPr id="6" name="Conector recto 5">
+            <a:extLst>
+              <a:ext uri="{FF2B5EF4-FFF2-40B4-BE49-F238E27FC236}">
+                <a16:creationId xmlns:a16="http://schemas.microsoft.com/office/drawing/2014/main" id="{A8A4C371-BB3E-685B-3DD6-817CF124830E}"/>
+              </a:ext>
+            </a:extLst>
+          </p:cNvPr>
+          <p:cNvCxnSpPr>
+            <a:cxnSpLocks/>
+          </p:cNvCxnSpPr>
+          <p:nvPr/>
+        </p:nvCxnSpPr>
+        <p:spPr>
+          <a:xfrm>
+            <a:off x="520255" y="3933840"/>
+            <a:ext cx="4885182" cy="0"/>
+          </a:xfrm>
+          <a:prstGeom prst="line">
+            <a:avLst/>
+          </a:prstGeom>
+          <a:ln>
+            <a:solidFill>
+              <a:schemeClr val="bg1"/>
+            </a:solidFill>
+          </a:ln>
+        </p:spPr>
+        <p:style>
+          <a:lnRef idx="2">
+            <a:schemeClr val="accent1"/>
+          </a:lnRef>
+          <a:fillRef idx="0">
+            <a:schemeClr val="accent1"/>
+          </a:fillRef>
+          <a:effectRef idx="1">
+            <a:schemeClr val="accent1"/>
+          </a:effectRef>
+          <a:fontRef idx="minor">
+            <a:schemeClr val="tx1"/>
+          </a:fontRef>
+        </p:style>
+      </p:cxnSp>
+      <p:sp>
+        <p:nvSpPr>
+          <p:cNvPr id="9" name="CuadroTexto 8">
+            <a:extLst>
+              <a:ext uri="{FF2B5EF4-FFF2-40B4-BE49-F238E27FC236}">
+                <a16:creationId xmlns:a16="http://schemas.microsoft.com/office/drawing/2014/main" id="{4FD8EA37-4458-BE78-5608-6AEEC78DE6C1}"/>
+              </a:ext>
+            </a:extLst>
+          </p:cNvPr>
+          <p:cNvSpPr txBox="1"/>
+          <p:nvPr/>
+        </p:nvSpPr>
+        <p:spPr>
+          <a:xfrm>
+            <a:off x="591693" y="4232565"/>
+            <a:ext cx="5237607" cy="1903534"/>
           </a:xfrm>
           <a:prstGeom prst="rect">
             <a:avLst/>
           </a:prstGeom>
           <a:noFill/>
         </p:spPr>
+        <p:style>
+          <a:lnRef idx="2">
+            <a:schemeClr val="accent1"/>
+          </a:lnRef>
+          <a:fillRef idx="1">
+            <a:schemeClr val="lt1"/>
+          </a:fillRef>
+          <a:effectRef idx="0">
+            <a:schemeClr val="accent1"/>
+          </a:effectRef>
+          <a:fontRef idx="minor">
+            <a:schemeClr val="dk1"/>
+          </a:fontRef>
+        </p:style>
         <p:txBody>
           <a:bodyPr wrap="square">
             <a:spAutoFit/>
@@ -5659,73 +6136,124 @@
           <a:p>
             <a:pPr marL="285750" indent="-285750">
               <a:lnSpc>
-                <a:spcPct val="250000"/>
+                <a:spcPct val="150000"/>
               </a:lnSpc>
               <a:buFont typeface="Wingdings" panose="05000000000000000000" pitchFamily="2" charset="2"/>
-              <a:buChar char="v"/>
+              <a:buChar char="q"/>
             </a:pPr>
             <a:r>
-              <a:rPr lang="en-US">
+              <a:rPr lang="en-US" sz="1600">
                 <a:solidFill>
                   <a:schemeClr val="bg1"/>
                 </a:solidFill>
-                <a:latin typeface="Arial" panose="020B0604020202020204" pitchFamily="34" charset="0"/>
-                <a:cs typeface="Arial" panose="020B0604020202020204" pitchFamily="34" charset="0"/>
               </a:rPr>
-              <a:t>Literature review</a:t>
+              <a:t>Uncertainty on required architecture</a:t>
             </a:r>
           </a:p>
           <a:p>
             <a:pPr marL="285750" indent="-285750">
               <a:lnSpc>
-                <a:spcPct val="250000"/>
+                <a:spcPct val="150000"/>
               </a:lnSpc>
               <a:buFont typeface="Wingdings" panose="05000000000000000000" pitchFamily="2" charset="2"/>
-              <a:buChar char="v"/>
+              <a:buChar char="q"/>
             </a:pPr>
             <a:r>
-              <a:rPr lang="en-US">
+              <a:rPr lang="en-US" sz="1600">
                 <a:solidFill>
                   <a:schemeClr val="bg1"/>
                 </a:solidFill>
-                <a:latin typeface="Arial" panose="020B0604020202020204" pitchFamily="34" charset="0"/>
-                <a:cs typeface="Arial" panose="020B0604020202020204" pitchFamily="34" charset="0"/>
               </a:rPr>
-              <a:t>Reproduction of the results presented in Raissi et al. (2019)</a:t>
+              <a:t>Unacurate</a:t>
             </a:r>
           </a:p>
           <a:p>
             <a:pPr marL="285750" indent="-285750">
               <a:lnSpc>
-                <a:spcPct val="250000"/>
+                <a:spcPct val="150000"/>
               </a:lnSpc>
               <a:buFont typeface="Wingdings" panose="05000000000000000000" pitchFamily="2" charset="2"/>
-              <a:buChar char="v"/>
+              <a:buChar char="q"/>
             </a:pPr>
             <a:r>
-              <a:rPr lang="en-US">
+              <a:rPr lang="en-US" sz="1600">
                 <a:solidFill>
                   <a:schemeClr val="bg1"/>
                 </a:solidFill>
-                <a:latin typeface="Arial" panose="020B0604020202020204" pitchFamily="34" charset="0"/>
-                <a:cs typeface="Arial" panose="020B0604020202020204" pitchFamily="34" charset="0"/>
               </a:rPr>
-              <a:t>Problem statement</a:t>
-            </a:r>
-            <a:endParaRPr lang="es-CO">
-              <a:solidFill>
-                <a:schemeClr val="bg1"/>
-              </a:solidFill>
-              <a:latin typeface="Arial" panose="020B0604020202020204" pitchFamily="34" charset="0"/>
-              <a:cs typeface="Arial" panose="020B0604020202020204" pitchFamily="34" charset="0"/>
-            </a:endParaRPr>
-          </a:p>
-        </p:txBody>
-      </p:sp>
+              <a:t>Slow training times  - (hours vs minutes)</a:t>
+            </a:r>
+          </a:p>
+          <a:p>
+            <a:pPr marL="285750" indent="-285750">
+              <a:lnSpc>
+                <a:spcPct val="150000"/>
+              </a:lnSpc>
+              <a:buFont typeface="Wingdings" panose="05000000000000000000" pitchFamily="2" charset="2"/>
+              <a:buChar char="q"/>
+            </a:pPr>
+            <a:r>
+              <a:rPr lang="en-US" sz="1600">
+                <a:solidFill>
+                  <a:schemeClr val="bg1"/>
+                </a:solidFill>
+              </a:rPr>
+              <a:t>Possible local minimals</a:t>
+            </a:r>
+          </a:p>
+          <a:p>
+            <a:pPr marL="285750" indent="-285750">
+              <a:lnSpc>
+                <a:spcPct val="150000"/>
+              </a:lnSpc>
+              <a:buFont typeface="Wingdings" panose="05000000000000000000" pitchFamily="2" charset="2"/>
+              <a:buChar char="q"/>
+            </a:pPr>
+            <a:r>
+              <a:rPr lang="en-US" sz="1600">
+                <a:solidFill>
+                  <a:schemeClr val="bg1"/>
+                </a:solidFill>
+              </a:rPr>
+              <a:t>Function approximation of Large or complex domains</a:t>
+            </a:r>
+          </a:p>
+        </p:txBody>
+      </p:sp>
+      <p:pic>
+        <p:nvPicPr>
+          <p:cNvPr id="12" name="Imagen 11">
+            <a:extLst>
+              <a:ext uri="{FF2B5EF4-FFF2-40B4-BE49-F238E27FC236}">
+                <a16:creationId xmlns:a16="http://schemas.microsoft.com/office/drawing/2014/main" id="{BAE87379-EE86-8A05-33AC-7464E8ADF000}"/>
+              </a:ext>
+            </a:extLst>
+          </p:cNvPr>
+          <p:cNvPicPr>
+            <a:picLocks noChangeAspect="1"/>
+          </p:cNvPicPr>
+          <p:nvPr/>
+        </p:nvPicPr>
+        <p:blipFill>
+          <a:blip r:embed="rId2"/>
+          <a:stretch>
+            <a:fillRect/>
+          </a:stretch>
+        </p:blipFill>
+        <p:spPr>
+          <a:xfrm>
+            <a:off x="6486525" y="2164413"/>
+            <a:ext cx="4948461" cy="3538854"/>
+          </a:xfrm>
+          <a:prstGeom prst="rect">
+            <a:avLst/>
+          </a:prstGeom>
+        </p:spPr>
+      </p:pic>
     </p:spTree>
     <p:extLst>
       <p:ext uri="{BB962C8B-B14F-4D97-AF65-F5344CB8AC3E}">
-        <p14:creationId xmlns:p14="http://schemas.microsoft.com/office/powerpoint/2010/main" val="948888447"/>
+        <p14:creationId xmlns:p14="http://schemas.microsoft.com/office/powerpoint/2010/main" val="2764051299"/>
       </p:ext>
     </p:extLst>
   </p:cSld>
@@ -5735,7 +6263,7 @@
 </p:sld>
 </file>
 
-<file path=ppt/slides/slide3.xml><?xml version="1.0" encoding="utf-8"?>
+<file path=ppt/slides/slide16.xml><?xml version="1.0" encoding="utf-8"?>
 <p:sld xmlns:a="http://schemas.openxmlformats.org/drawingml/2006/main" xmlns:r="http://schemas.openxmlformats.org/officeDocument/2006/relationships" xmlns:p="http://schemas.openxmlformats.org/presentationml/2006/main">
   <p:cSld>
     <p:spTree>
@@ -5821,7 +6349,7 @@
         <p:spPr>
           <a:xfrm>
             <a:off x="2520696" y="457200"/>
-            <a:ext cx="7150608" cy="461665"/>
+            <a:ext cx="7150608" cy="400110"/>
           </a:xfrm>
           <a:prstGeom prst="rect">
             <a:avLst/>
@@ -5836,220 +6364,183 @@
           <a:p>
             <a:pPr algn="ctr"/>
             <a:r>
-              <a:rPr lang="en-US" sz="2400" b="1">
+              <a:rPr lang="en-US" sz="2000" b="1">
+                <a:solidFill>
+                  <a:schemeClr val="bg1"/>
+                </a:solidFill>
+                <a:latin typeface="Arial" panose="020B0604020202020204" pitchFamily="34" charset="0"/>
+                <a:ea typeface="Source Sans Pro" panose="020B0503030403020204" pitchFamily="34" charset="0"/>
+                <a:cs typeface="Arial" panose="020B0604020202020204" pitchFamily="34" charset="0"/>
+              </a:rPr>
+              <a:t>Extreme Learning Machine - ELM</a:t>
+            </a:r>
+            <a:endParaRPr lang="es-CO" sz="2000" b="1">
+              <a:solidFill>
+                <a:schemeClr val="bg1"/>
+              </a:solidFill>
+              <a:latin typeface="Arial" panose="020B0604020202020204" pitchFamily="34" charset="0"/>
+              <a:ea typeface="Source Sans Pro" panose="020B0503030403020204" pitchFamily="34" charset="0"/>
+              <a:cs typeface="Arial" panose="020B0604020202020204" pitchFamily="34" charset="0"/>
+            </a:endParaRPr>
+          </a:p>
+        </p:txBody>
+      </p:sp>
+      <p:pic>
+        <p:nvPicPr>
+          <p:cNvPr id="5" name="Imagen 4">
+            <a:extLst>
+              <a:ext uri="{FF2B5EF4-FFF2-40B4-BE49-F238E27FC236}">
+                <a16:creationId xmlns:a16="http://schemas.microsoft.com/office/drawing/2014/main" id="{06D76C38-4102-90A1-98DA-272323E6F5A5}"/>
+              </a:ext>
+            </a:extLst>
+          </p:cNvPr>
+          <p:cNvPicPr>
+            <a:picLocks noChangeAspect="1"/>
+          </p:cNvPicPr>
+          <p:nvPr/>
+        </p:nvPicPr>
+        <p:blipFill>
+          <a:blip r:embed="rId2"/>
+          <a:stretch>
+            <a:fillRect/>
+          </a:stretch>
+        </p:blipFill>
+        <p:spPr>
+          <a:xfrm>
+            <a:off x="5285992" y="1547523"/>
+            <a:ext cx="5487166" cy="4143953"/>
+          </a:xfrm>
+          <a:prstGeom prst="rect">
+            <a:avLst/>
+          </a:prstGeom>
+        </p:spPr>
+      </p:pic>
+      <p:sp>
+        <p:nvSpPr>
+          <p:cNvPr id="7" name="CuadroTexto 6">
+            <a:extLst>
+              <a:ext uri="{FF2B5EF4-FFF2-40B4-BE49-F238E27FC236}">
+                <a16:creationId xmlns:a16="http://schemas.microsoft.com/office/drawing/2014/main" id="{59EEC12E-A2DF-7DC0-76D1-D5D071B2502E}"/>
+              </a:ext>
+            </a:extLst>
+          </p:cNvPr>
+          <p:cNvSpPr txBox="1"/>
+          <p:nvPr/>
+        </p:nvSpPr>
+        <p:spPr>
+          <a:xfrm>
+            <a:off x="762475" y="2197426"/>
+            <a:ext cx="3761042" cy="2062103"/>
+          </a:xfrm>
+          <a:prstGeom prst="rect">
+            <a:avLst/>
+          </a:prstGeom>
+          <a:noFill/>
+        </p:spPr>
+        <p:style>
+          <a:lnRef idx="2">
+            <a:schemeClr val="accent1"/>
+          </a:lnRef>
+          <a:fillRef idx="1">
+            <a:schemeClr val="lt1"/>
+          </a:fillRef>
+          <a:effectRef idx="0">
+            <a:schemeClr val="accent1"/>
+          </a:effectRef>
+          <a:fontRef idx="minor">
+            <a:schemeClr val="dk1"/>
+          </a:fontRef>
+        </p:style>
+        <p:txBody>
+          <a:bodyPr wrap="square">
+            <a:spAutoFit/>
+          </a:bodyPr>
+          <a:lstStyle/>
+          <a:p>
+            <a:pPr marL="285750" indent="-285750">
+              <a:buFont typeface="Wingdings" panose="05000000000000000000" pitchFamily="2" charset="2"/>
+              <a:buChar char="Ø"/>
+            </a:pPr>
+            <a:r>
+              <a:rPr lang="en-US" sz="1600">
                 <a:solidFill>
                   <a:schemeClr val="bg1"/>
                 </a:solidFill>
                 <a:latin typeface="Arial" panose="020B0604020202020204" pitchFamily="34" charset="0"/>
                 <a:cs typeface="Arial" panose="020B0604020202020204" pitchFamily="34" charset="0"/>
               </a:rPr>
-              <a:t>Literature review</a:t>
-            </a:r>
-          </a:p>
-        </p:txBody>
-      </p:sp>
-      <p:sp>
-        <p:nvSpPr>
-          <p:cNvPr id="142" name="CuadroTexto 141">
-            <a:extLst>
-              <a:ext uri="{FF2B5EF4-FFF2-40B4-BE49-F238E27FC236}">
-                <a16:creationId xmlns:a16="http://schemas.microsoft.com/office/drawing/2014/main" id="{05A1B72F-A3E0-D3C6-90D0-707E4D805AE0}"/>
-              </a:ext>
-            </a:extLst>
-          </p:cNvPr>
-          <p:cNvSpPr txBox="1"/>
-          <p:nvPr/>
-        </p:nvSpPr>
-        <p:spPr>
-          <a:xfrm>
-            <a:off x="1000125" y="1827803"/>
-            <a:ext cx="10020299" cy="2741776"/>
-          </a:xfrm>
-          <a:prstGeom prst="rect">
-            <a:avLst/>
-          </a:prstGeom>
-          <a:noFill/>
-        </p:spPr>
-        <p:txBody>
-          <a:bodyPr wrap="square">
-            <a:spAutoFit/>
-          </a:bodyPr>
-          <a:lstStyle/>
-          <a:p>
-            <a:pPr marL="342900" indent="-342900">
-              <a:lnSpc>
-                <a:spcPct val="250000"/>
-              </a:lnSpc>
-              <a:buFont typeface="+mj-lt"/>
-              <a:buAutoNum type="arabicPeriod"/>
+              <a:t>It runs quickly – pseudoinverse</a:t>
+            </a:r>
+          </a:p>
+          <a:p>
+            <a:pPr marL="285750" indent="-285750">
+              <a:buFont typeface="Wingdings" panose="05000000000000000000" pitchFamily="2" charset="2"/>
+              <a:buChar char="Ø"/>
             </a:pPr>
             <a:r>
-              <a:rPr lang="en-US">
+              <a:rPr lang="en-US" sz="1600">
                 <a:solidFill>
                   <a:schemeClr val="bg1"/>
                 </a:solidFill>
                 <a:latin typeface="Arial" panose="020B0604020202020204" pitchFamily="34" charset="0"/>
                 <a:cs typeface="Arial" panose="020B0604020202020204" pitchFamily="34" charset="0"/>
               </a:rPr>
-              <a:t>Modeling of Mechanical Wave Propagation - </a:t>
-            </a:r>
-            <a:r>
-              <a:rPr lang="en-US">
-                <a:solidFill>
-                  <a:srgbClr val="FF0000"/>
-                </a:solidFill>
-                <a:latin typeface="Arial" panose="020B0604020202020204" pitchFamily="34" charset="0"/>
-                <a:cs typeface="Arial" panose="020B0604020202020204" pitchFamily="34" charset="0"/>
-              </a:rPr>
-              <a:t>Narrative</a:t>
-            </a:r>
-          </a:p>
-          <a:p>
-            <a:pPr marL="342900" indent="-342900">
-              <a:lnSpc>
-                <a:spcPct val="250000"/>
-              </a:lnSpc>
-              <a:buFont typeface="+mj-lt"/>
-              <a:buAutoNum type="arabicPeriod"/>
+              <a:t> Comparable accuracies to standard methods</a:t>
+            </a:r>
+          </a:p>
+          <a:p>
+            <a:pPr marL="285750" indent="-285750">
+              <a:buFont typeface="Wingdings" panose="05000000000000000000" pitchFamily="2" charset="2"/>
+              <a:buChar char="Ø"/>
             </a:pPr>
             <a:r>
-              <a:rPr lang="en-US">
+              <a:rPr lang="en-US" sz="1600">
                 <a:solidFill>
                   <a:schemeClr val="bg1"/>
                 </a:solidFill>
                 <a:latin typeface="Arial" panose="020B0604020202020204" pitchFamily="34" charset="0"/>
                 <a:cs typeface="Arial" panose="020B0604020202020204" pitchFamily="34" charset="0"/>
               </a:rPr>
-              <a:t>Standard Numerical Methods to Model Wave Equation - </a:t>
-            </a:r>
-            <a:r>
-              <a:rPr lang="en-US">
-                <a:solidFill>
-                  <a:srgbClr val="FF0000"/>
-                </a:solidFill>
-                <a:latin typeface="Arial" panose="020B0604020202020204" pitchFamily="34" charset="0"/>
-                <a:cs typeface="Arial" panose="020B0604020202020204" pitchFamily="34" charset="0"/>
-              </a:rPr>
-              <a:t>Narrative</a:t>
-            </a:r>
-          </a:p>
-          <a:p>
-            <a:pPr marL="342900" indent="-342900">
-              <a:lnSpc>
-                <a:spcPct val="250000"/>
-              </a:lnSpc>
-              <a:buFont typeface="+mj-lt"/>
-              <a:buAutoNum type="arabicPeriod"/>
+              <a:t> Not local minimals</a:t>
+            </a:r>
+          </a:p>
+          <a:p>
+            <a:pPr marL="285750" indent="-285750">
+              <a:buFont typeface="Wingdings" panose="05000000000000000000" pitchFamily="2" charset="2"/>
+              <a:buChar char="Ø"/>
             </a:pPr>
             <a:r>
-              <a:rPr lang="en-US">
+              <a:rPr lang="en-US" sz="1600">
                 <a:solidFill>
                   <a:schemeClr val="bg1"/>
                 </a:solidFill>
                 <a:latin typeface="Arial" panose="020B0604020202020204" pitchFamily="34" charset="0"/>
                 <a:cs typeface="Arial" panose="020B0604020202020204" pitchFamily="34" charset="0"/>
               </a:rPr>
-              <a:t>Machine learning Methods to Model Mechanical Wave Propagation - </a:t>
-            </a:r>
-            <a:r>
-              <a:rPr lang="en-US">
-                <a:solidFill>
-                  <a:srgbClr val="FF0000"/>
-                </a:solidFill>
-                <a:latin typeface="Arial" panose="020B0604020202020204" pitchFamily="34" charset="0"/>
-                <a:cs typeface="Arial" panose="020B0604020202020204" pitchFamily="34" charset="0"/>
-              </a:rPr>
-              <a:t>Narrative</a:t>
-            </a:r>
-          </a:p>
-          <a:p>
-            <a:pPr marL="342900" indent="-342900">
-              <a:lnSpc>
-                <a:spcPct val="250000"/>
-              </a:lnSpc>
-              <a:buFont typeface="+mj-lt"/>
-              <a:buAutoNum type="arabicPeriod"/>
+              <a:t> Can be used with orthogonal neural networks </a:t>
+            </a:r>
+          </a:p>
+          <a:p>
+            <a:pPr marL="285750" indent="-285750">
+              <a:buFont typeface="Wingdings" panose="05000000000000000000" pitchFamily="2" charset="2"/>
+              <a:buChar char="Ø"/>
             </a:pPr>
             <a:r>
-              <a:rPr lang="es-CO">
+              <a:rPr lang="en-US" sz="1600">
                 <a:solidFill>
                   <a:schemeClr val="bg1"/>
                 </a:solidFill>
                 <a:latin typeface="Arial" panose="020B0604020202020204" pitchFamily="34" charset="0"/>
                 <a:cs typeface="Arial" panose="020B0604020202020204" pitchFamily="34" charset="0"/>
               </a:rPr>
-              <a:t>Applications</a:t>
-            </a:r>
-            <a:r>
-              <a:rPr lang="en-US">
-                <a:solidFill>
-                  <a:schemeClr val="bg1"/>
-                </a:solidFill>
-                <a:latin typeface="Arial" panose="020B0604020202020204" pitchFamily="34" charset="0"/>
-                <a:cs typeface="Arial" panose="020B0604020202020204" pitchFamily="34" charset="0"/>
-              </a:rPr>
-              <a:t>- </a:t>
-            </a:r>
-            <a:r>
-              <a:rPr lang="en-US">
-                <a:solidFill>
-                  <a:srgbClr val="00B050"/>
-                </a:solidFill>
-                <a:latin typeface="Arial" panose="020B0604020202020204" pitchFamily="34" charset="0"/>
-                <a:cs typeface="Arial" panose="020B0604020202020204" pitchFamily="34" charset="0"/>
-              </a:rPr>
-              <a:t>Systematic</a:t>
-            </a:r>
-          </a:p>
-        </p:txBody>
-      </p:sp>
-      <p:sp>
-        <p:nvSpPr>
-          <p:cNvPr id="5" name="CuadroTexto 4">
-            <a:extLst>
-              <a:ext uri="{FF2B5EF4-FFF2-40B4-BE49-F238E27FC236}">
-                <a16:creationId xmlns:a16="http://schemas.microsoft.com/office/drawing/2014/main" id="{9BBDC748-51F3-C2A8-7460-F6A7B4776F38}"/>
-              </a:ext>
-            </a:extLst>
-          </p:cNvPr>
-          <p:cNvSpPr txBox="1"/>
-          <p:nvPr/>
-        </p:nvSpPr>
-        <p:spPr>
-          <a:xfrm>
-            <a:off x="112014" y="6397382"/>
-            <a:ext cx="7679436" cy="338554"/>
-          </a:xfrm>
-          <a:prstGeom prst="rect">
-            <a:avLst/>
-          </a:prstGeom>
-          <a:noFill/>
-        </p:spPr>
-        <p:txBody>
-          <a:bodyPr wrap="square">
-            <a:spAutoFit/>
-          </a:bodyPr>
-          <a:lstStyle/>
-          <a:p>
-            <a:r>
-              <a:rPr lang="es-CO" sz="1600">
-                <a:solidFill>
-                  <a:schemeClr val="bg1"/>
-                </a:solidFill>
-                <a:hlinkClick r:id="rId2">
-                  <a:extLst>
-                    <a:ext uri="{A12FA001-AC4F-418D-AE19-62706E023703}">
-                      <ahyp:hlinkClr xmlns:ahyp="http://schemas.microsoft.com/office/drawing/2018/hyperlinkcolor" val="tx"/>
-                    </a:ext>
-                  </a:extLst>
-                </a:hlinkClick>
-              </a:rPr>
-              <a:t>https://github.com/oscar-rincon/review-elastic-waves/tree/main/refs</a:t>
+              <a:t>Still not applied to elastic wave equations</a:t>
             </a:r>
             <a:endParaRPr lang="es-CO" sz="1600">
               <a:solidFill>
                 <a:schemeClr val="bg1"/>
               </a:solidFill>
+              <a:latin typeface="Arial" panose="020B0604020202020204" pitchFamily="34" charset="0"/>
+              <a:cs typeface="Arial" panose="020B0604020202020204" pitchFamily="34" charset="0"/>
             </a:endParaRPr>
           </a:p>
         </p:txBody>
@@ -6057,7 +6548,7 @@
     </p:spTree>
     <p:extLst>
       <p:ext uri="{BB962C8B-B14F-4D97-AF65-F5344CB8AC3E}">
-        <p14:creationId xmlns:p14="http://schemas.microsoft.com/office/powerpoint/2010/main" val="979287115"/>
+        <p14:creationId xmlns:p14="http://schemas.microsoft.com/office/powerpoint/2010/main" val="2902593436"/>
       </p:ext>
     </p:extLst>
   </p:cSld>
@@ -6067,7 +6558,7 @@
 </p:sld>
 </file>
 
-<file path=ppt/slides/slide4.xml><?xml version="1.0" encoding="utf-8"?>
+<file path=ppt/slides/slide2.xml><?xml version="1.0" encoding="utf-8"?>
 <p:sld xmlns:a="http://schemas.openxmlformats.org/drawingml/2006/main" xmlns:r="http://schemas.openxmlformats.org/officeDocument/2006/relationships" xmlns:p="http://schemas.openxmlformats.org/presentationml/2006/main">
   <p:cSld>
     <p:spTree>
@@ -6152,6 +6643,558 @@
         </p:nvSpPr>
         <p:spPr>
           <a:xfrm>
+            <a:off x="2520696" y="457200"/>
+            <a:ext cx="7150608" cy="461665"/>
+          </a:xfrm>
+          <a:prstGeom prst="rect">
+            <a:avLst/>
+          </a:prstGeom>
+          <a:noFill/>
+        </p:spPr>
+        <p:txBody>
+          <a:bodyPr wrap="square" rtlCol="0">
+            <a:spAutoFit/>
+          </a:bodyPr>
+          <a:lstStyle/>
+          <a:p>
+            <a:pPr algn="ctr"/>
+            <a:r>
+              <a:rPr lang="es-CO" sz="2400" b="1">
+                <a:solidFill>
+                  <a:schemeClr val="bg1"/>
+                </a:solidFill>
+                <a:latin typeface="Arial" panose="020B0604020202020204" pitchFamily="34" charset="0"/>
+                <a:ea typeface="Source Sans Pro" panose="020B0503030403020204" pitchFamily="34" charset="0"/>
+                <a:cs typeface="Arial" panose="020B0604020202020204" pitchFamily="34" charset="0"/>
+              </a:rPr>
+              <a:t>Content</a:t>
+            </a:r>
+          </a:p>
+        </p:txBody>
+      </p:sp>
+      <p:sp>
+        <p:nvSpPr>
+          <p:cNvPr id="142" name="CuadroTexto 141">
+            <a:extLst>
+              <a:ext uri="{FF2B5EF4-FFF2-40B4-BE49-F238E27FC236}">
+                <a16:creationId xmlns:a16="http://schemas.microsoft.com/office/drawing/2014/main" id="{05A1B72F-A3E0-D3C6-90D0-707E4D805AE0}"/>
+              </a:ext>
+            </a:extLst>
+          </p:cNvPr>
+          <p:cNvSpPr txBox="1"/>
+          <p:nvPr/>
+        </p:nvSpPr>
+        <p:spPr>
+          <a:xfrm>
+            <a:off x="1000125" y="1827803"/>
+            <a:ext cx="10020299" cy="2060629"/>
+          </a:xfrm>
+          <a:prstGeom prst="rect">
+            <a:avLst/>
+          </a:prstGeom>
+          <a:noFill/>
+        </p:spPr>
+        <p:txBody>
+          <a:bodyPr wrap="square">
+            <a:spAutoFit/>
+          </a:bodyPr>
+          <a:lstStyle/>
+          <a:p>
+            <a:pPr marL="285750" indent="-285750">
+              <a:lnSpc>
+                <a:spcPct val="250000"/>
+              </a:lnSpc>
+              <a:buFont typeface="Wingdings" panose="05000000000000000000" pitchFamily="2" charset="2"/>
+              <a:buChar char="v"/>
+            </a:pPr>
+            <a:r>
+              <a:rPr lang="en-US">
+                <a:solidFill>
+                  <a:schemeClr val="bg1"/>
+                </a:solidFill>
+                <a:latin typeface="Arial" panose="020B0604020202020204" pitchFamily="34" charset="0"/>
+                <a:cs typeface="Arial" panose="020B0604020202020204" pitchFamily="34" charset="0"/>
+              </a:rPr>
+              <a:t>Literature review</a:t>
+            </a:r>
+          </a:p>
+          <a:p>
+            <a:pPr marL="285750" indent="-285750">
+              <a:lnSpc>
+                <a:spcPct val="250000"/>
+              </a:lnSpc>
+              <a:buFont typeface="Wingdings" panose="05000000000000000000" pitchFamily="2" charset="2"/>
+              <a:buChar char="v"/>
+            </a:pPr>
+            <a:r>
+              <a:rPr lang="en-US">
+                <a:solidFill>
+                  <a:schemeClr val="bg1"/>
+                </a:solidFill>
+                <a:latin typeface="Arial" panose="020B0604020202020204" pitchFamily="34" charset="0"/>
+                <a:cs typeface="Arial" panose="020B0604020202020204" pitchFamily="34" charset="0"/>
+              </a:rPr>
+              <a:t>Reproduction of the results presented in Raissi et al. (2019)</a:t>
+            </a:r>
+          </a:p>
+          <a:p>
+            <a:pPr marL="285750" indent="-285750">
+              <a:lnSpc>
+                <a:spcPct val="250000"/>
+              </a:lnSpc>
+              <a:buFont typeface="Wingdings" panose="05000000000000000000" pitchFamily="2" charset="2"/>
+              <a:buChar char="v"/>
+            </a:pPr>
+            <a:r>
+              <a:rPr lang="en-US">
+                <a:solidFill>
+                  <a:schemeClr val="bg1"/>
+                </a:solidFill>
+                <a:latin typeface="Arial" panose="020B0604020202020204" pitchFamily="34" charset="0"/>
+                <a:cs typeface="Arial" panose="020B0604020202020204" pitchFamily="34" charset="0"/>
+              </a:rPr>
+              <a:t>Problem statement</a:t>
+            </a:r>
+            <a:endParaRPr lang="es-CO">
+              <a:solidFill>
+                <a:schemeClr val="bg1"/>
+              </a:solidFill>
+              <a:latin typeface="Arial" panose="020B0604020202020204" pitchFamily="34" charset="0"/>
+              <a:cs typeface="Arial" panose="020B0604020202020204" pitchFamily="34" charset="0"/>
+            </a:endParaRPr>
+          </a:p>
+        </p:txBody>
+      </p:sp>
+    </p:spTree>
+    <p:extLst>
+      <p:ext uri="{BB962C8B-B14F-4D97-AF65-F5344CB8AC3E}">
+        <p14:creationId xmlns:p14="http://schemas.microsoft.com/office/powerpoint/2010/main" val="948888447"/>
+      </p:ext>
+    </p:extLst>
+  </p:cSld>
+  <p:clrMapOvr>
+    <a:masterClrMapping/>
+  </p:clrMapOvr>
+</p:sld>
+</file>
+
+<file path=ppt/slides/slide3.xml><?xml version="1.0" encoding="utf-8"?>
+<p:sld xmlns:a="http://schemas.openxmlformats.org/drawingml/2006/main" xmlns:r="http://schemas.openxmlformats.org/officeDocument/2006/relationships" xmlns:p="http://schemas.openxmlformats.org/presentationml/2006/main">
+  <p:cSld>
+    <p:spTree>
+      <p:nvGrpSpPr>
+        <p:cNvPr id="1" name=""/>
+        <p:cNvGrpSpPr/>
+        <p:nvPr/>
+      </p:nvGrpSpPr>
+      <p:grpSpPr>
+        <a:xfrm>
+          <a:off x="0" y="0"/>
+          <a:ext cx="0" cy="0"/>
+          <a:chOff x="0" y="0"/>
+          <a:chExt cx="0" cy="0"/>
+        </a:xfrm>
+      </p:grpSpPr>
+      <p:sp>
+        <p:nvSpPr>
+          <p:cNvPr id="2" name="Rectángulo 1">
+            <a:extLst>
+              <a:ext uri="{FF2B5EF4-FFF2-40B4-BE49-F238E27FC236}">
+                <a16:creationId xmlns:a16="http://schemas.microsoft.com/office/drawing/2014/main" id="{33B43DF0-55BF-79E0-2273-FD3CA4767423}"/>
+              </a:ext>
+            </a:extLst>
+          </p:cNvPr>
+          <p:cNvSpPr/>
+          <p:nvPr/>
+        </p:nvSpPr>
+        <p:spPr>
+          <a:xfrm>
+            <a:off x="0" y="0"/>
+            <a:ext cx="12192000" cy="6858000"/>
+          </a:xfrm>
+          <a:prstGeom prst="rect">
+            <a:avLst/>
+          </a:prstGeom>
+          <a:solidFill>
+            <a:schemeClr val="accent1">
+              <a:lumMod val="75000"/>
+            </a:schemeClr>
+          </a:solidFill>
+          <a:ln>
+            <a:noFill/>
+          </a:ln>
+        </p:spPr>
+        <p:style>
+          <a:lnRef idx="2">
+            <a:schemeClr val="accent1">
+              <a:shade val="15000"/>
+            </a:schemeClr>
+          </a:lnRef>
+          <a:fillRef idx="1">
+            <a:schemeClr val="accent1"/>
+          </a:fillRef>
+          <a:effectRef idx="0">
+            <a:schemeClr val="accent1"/>
+          </a:effectRef>
+          <a:fontRef idx="minor">
+            <a:schemeClr val="lt1"/>
+          </a:fontRef>
+        </p:style>
+        <p:txBody>
+          <a:bodyPr rtlCol="0" anchor="ctr"/>
+          <a:lstStyle/>
+          <a:p>
+            <a:pPr algn="ctr"/>
+            <a:endParaRPr lang="es-CO"/>
+          </a:p>
+        </p:txBody>
+      </p:sp>
+      <p:sp>
+        <p:nvSpPr>
+          <p:cNvPr id="3" name="CuadroTexto 2">
+            <a:extLst>
+              <a:ext uri="{FF2B5EF4-FFF2-40B4-BE49-F238E27FC236}">
+                <a16:creationId xmlns:a16="http://schemas.microsoft.com/office/drawing/2014/main" id="{254F0281-F108-BD43-3A10-671B6D0CB599}"/>
+              </a:ext>
+            </a:extLst>
+          </p:cNvPr>
+          <p:cNvSpPr txBox="1"/>
+          <p:nvPr/>
+        </p:nvSpPr>
+        <p:spPr>
+          <a:xfrm>
+            <a:off x="2520696" y="457200"/>
+            <a:ext cx="7150608" cy="461665"/>
+          </a:xfrm>
+          <a:prstGeom prst="rect">
+            <a:avLst/>
+          </a:prstGeom>
+          <a:noFill/>
+        </p:spPr>
+        <p:txBody>
+          <a:bodyPr wrap="square" rtlCol="0">
+            <a:spAutoFit/>
+          </a:bodyPr>
+          <a:lstStyle/>
+          <a:p>
+            <a:pPr algn="ctr"/>
+            <a:r>
+              <a:rPr lang="en-US" sz="2400" b="1">
+                <a:solidFill>
+                  <a:schemeClr val="bg1"/>
+                </a:solidFill>
+                <a:latin typeface="Arial" panose="020B0604020202020204" pitchFamily="34" charset="0"/>
+                <a:cs typeface="Arial" panose="020B0604020202020204" pitchFamily="34" charset="0"/>
+              </a:rPr>
+              <a:t>Literature review</a:t>
+            </a:r>
+          </a:p>
+        </p:txBody>
+      </p:sp>
+      <p:sp>
+        <p:nvSpPr>
+          <p:cNvPr id="142" name="CuadroTexto 141">
+            <a:extLst>
+              <a:ext uri="{FF2B5EF4-FFF2-40B4-BE49-F238E27FC236}">
+                <a16:creationId xmlns:a16="http://schemas.microsoft.com/office/drawing/2014/main" id="{05A1B72F-A3E0-D3C6-90D0-707E4D805AE0}"/>
+              </a:ext>
+            </a:extLst>
+          </p:cNvPr>
+          <p:cNvSpPr txBox="1"/>
+          <p:nvPr/>
+        </p:nvSpPr>
+        <p:spPr>
+          <a:xfrm>
+            <a:off x="1000125" y="1827803"/>
+            <a:ext cx="10020299" cy="2741776"/>
+          </a:xfrm>
+          <a:prstGeom prst="rect">
+            <a:avLst/>
+          </a:prstGeom>
+          <a:noFill/>
+        </p:spPr>
+        <p:txBody>
+          <a:bodyPr wrap="square">
+            <a:spAutoFit/>
+          </a:bodyPr>
+          <a:lstStyle/>
+          <a:p>
+            <a:pPr marL="342900" indent="-342900">
+              <a:lnSpc>
+                <a:spcPct val="250000"/>
+              </a:lnSpc>
+              <a:buFont typeface="+mj-lt"/>
+              <a:buAutoNum type="arabicPeriod"/>
+            </a:pPr>
+            <a:r>
+              <a:rPr lang="en-US">
+                <a:solidFill>
+                  <a:schemeClr val="bg1"/>
+                </a:solidFill>
+                <a:latin typeface="Arial" panose="020B0604020202020204" pitchFamily="34" charset="0"/>
+                <a:cs typeface="Arial" panose="020B0604020202020204" pitchFamily="34" charset="0"/>
+              </a:rPr>
+              <a:t>Modeling of Mechanical Wave Propagation - </a:t>
+            </a:r>
+            <a:r>
+              <a:rPr lang="en-US">
+                <a:solidFill>
+                  <a:srgbClr val="FF0000"/>
+                </a:solidFill>
+                <a:latin typeface="Arial" panose="020B0604020202020204" pitchFamily="34" charset="0"/>
+                <a:cs typeface="Arial" panose="020B0604020202020204" pitchFamily="34" charset="0"/>
+              </a:rPr>
+              <a:t>Narrative</a:t>
+            </a:r>
+          </a:p>
+          <a:p>
+            <a:pPr marL="342900" indent="-342900">
+              <a:lnSpc>
+                <a:spcPct val="250000"/>
+              </a:lnSpc>
+              <a:buFont typeface="+mj-lt"/>
+              <a:buAutoNum type="arabicPeriod"/>
+            </a:pPr>
+            <a:r>
+              <a:rPr lang="en-US">
+                <a:solidFill>
+                  <a:schemeClr val="bg1"/>
+                </a:solidFill>
+                <a:latin typeface="Arial" panose="020B0604020202020204" pitchFamily="34" charset="0"/>
+                <a:cs typeface="Arial" panose="020B0604020202020204" pitchFamily="34" charset="0"/>
+              </a:rPr>
+              <a:t>Standard Numerical Methods to Model Wave Equation - </a:t>
+            </a:r>
+            <a:r>
+              <a:rPr lang="en-US">
+                <a:solidFill>
+                  <a:srgbClr val="FF0000"/>
+                </a:solidFill>
+                <a:latin typeface="Arial" panose="020B0604020202020204" pitchFamily="34" charset="0"/>
+                <a:cs typeface="Arial" panose="020B0604020202020204" pitchFamily="34" charset="0"/>
+              </a:rPr>
+              <a:t>Narrative</a:t>
+            </a:r>
+          </a:p>
+          <a:p>
+            <a:pPr marL="342900" indent="-342900">
+              <a:lnSpc>
+                <a:spcPct val="250000"/>
+              </a:lnSpc>
+              <a:buFont typeface="+mj-lt"/>
+              <a:buAutoNum type="arabicPeriod"/>
+            </a:pPr>
+            <a:r>
+              <a:rPr lang="en-US">
+                <a:solidFill>
+                  <a:schemeClr val="bg1"/>
+                </a:solidFill>
+                <a:latin typeface="Arial" panose="020B0604020202020204" pitchFamily="34" charset="0"/>
+                <a:cs typeface="Arial" panose="020B0604020202020204" pitchFamily="34" charset="0"/>
+              </a:rPr>
+              <a:t>Machine learning Methods to Model Mechanical Wave Propagation - </a:t>
+            </a:r>
+            <a:r>
+              <a:rPr lang="en-US">
+                <a:solidFill>
+                  <a:srgbClr val="FF0000"/>
+                </a:solidFill>
+                <a:latin typeface="Arial" panose="020B0604020202020204" pitchFamily="34" charset="0"/>
+                <a:cs typeface="Arial" panose="020B0604020202020204" pitchFamily="34" charset="0"/>
+              </a:rPr>
+              <a:t>Narrative</a:t>
+            </a:r>
+          </a:p>
+          <a:p>
+            <a:pPr marL="342900" indent="-342900">
+              <a:lnSpc>
+                <a:spcPct val="250000"/>
+              </a:lnSpc>
+              <a:buFont typeface="+mj-lt"/>
+              <a:buAutoNum type="arabicPeriod"/>
+            </a:pPr>
+            <a:r>
+              <a:rPr lang="es-CO">
+                <a:solidFill>
+                  <a:schemeClr val="bg1"/>
+                </a:solidFill>
+                <a:latin typeface="Arial" panose="020B0604020202020204" pitchFamily="34" charset="0"/>
+                <a:cs typeface="Arial" panose="020B0604020202020204" pitchFamily="34" charset="0"/>
+              </a:rPr>
+              <a:t>Applications</a:t>
+            </a:r>
+            <a:r>
+              <a:rPr lang="en-US">
+                <a:solidFill>
+                  <a:schemeClr val="bg1"/>
+                </a:solidFill>
+                <a:latin typeface="Arial" panose="020B0604020202020204" pitchFamily="34" charset="0"/>
+                <a:cs typeface="Arial" panose="020B0604020202020204" pitchFamily="34" charset="0"/>
+              </a:rPr>
+              <a:t>- </a:t>
+            </a:r>
+            <a:r>
+              <a:rPr lang="en-US">
+                <a:solidFill>
+                  <a:srgbClr val="00B050"/>
+                </a:solidFill>
+                <a:latin typeface="Arial" panose="020B0604020202020204" pitchFamily="34" charset="0"/>
+                <a:cs typeface="Arial" panose="020B0604020202020204" pitchFamily="34" charset="0"/>
+              </a:rPr>
+              <a:t>Systematic</a:t>
+            </a:r>
+          </a:p>
+        </p:txBody>
+      </p:sp>
+      <p:sp>
+        <p:nvSpPr>
+          <p:cNvPr id="5" name="CuadroTexto 4">
+            <a:extLst>
+              <a:ext uri="{FF2B5EF4-FFF2-40B4-BE49-F238E27FC236}">
+                <a16:creationId xmlns:a16="http://schemas.microsoft.com/office/drawing/2014/main" id="{9BBDC748-51F3-C2A8-7460-F6A7B4776F38}"/>
+              </a:ext>
+            </a:extLst>
+          </p:cNvPr>
+          <p:cNvSpPr txBox="1"/>
+          <p:nvPr/>
+        </p:nvSpPr>
+        <p:spPr>
+          <a:xfrm>
+            <a:off x="112014" y="6397382"/>
+            <a:ext cx="7679436" cy="307777"/>
+          </a:xfrm>
+          <a:prstGeom prst="rect">
+            <a:avLst/>
+          </a:prstGeom>
+          <a:noFill/>
+        </p:spPr>
+        <p:txBody>
+          <a:bodyPr wrap="square">
+            <a:spAutoFit/>
+          </a:bodyPr>
+          <a:lstStyle/>
+          <a:p>
+            <a:r>
+              <a:rPr lang="es-CO" sz="1400">
+                <a:solidFill>
+                  <a:schemeClr val="bg1"/>
+                </a:solidFill>
+                <a:hlinkClick r:id="rId2">
+                  <a:extLst>
+                    <a:ext uri="{A12FA001-AC4F-418D-AE19-62706E023703}">
+                      <ahyp:hlinkClr xmlns:ahyp="http://schemas.microsoft.com/office/drawing/2018/hyperlinkcolor" val="tx"/>
+                    </a:ext>
+                  </a:extLst>
+                </a:hlinkClick>
+              </a:rPr>
+              <a:t>https://github.com/oscar-rincon/review-elastic-waves/tree/main/refs</a:t>
+            </a:r>
+            <a:endParaRPr lang="es-CO" sz="1400">
+              <a:solidFill>
+                <a:schemeClr val="bg1"/>
+              </a:solidFill>
+            </a:endParaRPr>
+          </a:p>
+        </p:txBody>
+      </p:sp>
+    </p:spTree>
+    <p:extLst>
+      <p:ext uri="{BB962C8B-B14F-4D97-AF65-F5344CB8AC3E}">
+        <p14:creationId xmlns:p14="http://schemas.microsoft.com/office/powerpoint/2010/main" val="979287115"/>
+      </p:ext>
+    </p:extLst>
+  </p:cSld>
+  <p:clrMapOvr>
+    <a:masterClrMapping/>
+  </p:clrMapOvr>
+</p:sld>
+</file>
+
+<file path=ppt/slides/slide4.xml><?xml version="1.0" encoding="utf-8"?>
+<p:sld xmlns:a="http://schemas.openxmlformats.org/drawingml/2006/main" xmlns:r="http://schemas.openxmlformats.org/officeDocument/2006/relationships" xmlns:p="http://schemas.openxmlformats.org/presentationml/2006/main">
+  <p:cSld>
+    <p:spTree>
+      <p:nvGrpSpPr>
+        <p:cNvPr id="1" name=""/>
+        <p:cNvGrpSpPr/>
+        <p:nvPr/>
+      </p:nvGrpSpPr>
+      <p:grpSpPr>
+        <a:xfrm>
+          <a:off x="0" y="0"/>
+          <a:ext cx="0" cy="0"/>
+          <a:chOff x="0" y="0"/>
+          <a:chExt cx="0" cy="0"/>
+        </a:xfrm>
+      </p:grpSpPr>
+      <p:sp>
+        <p:nvSpPr>
+          <p:cNvPr id="2" name="Rectángulo 1">
+            <a:extLst>
+              <a:ext uri="{FF2B5EF4-FFF2-40B4-BE49-F238E27FC236}">
+                <a16:creationId xmlns:a16="http://schemas.microsoft.com/office/drawing/2014/main" id="{33B43DF0-55BF-79E0-2273-FD3CA4767423}"/>
+              </a:ext>
+            </a:extLst>
+          </p:cNvPr>
+          <p:cNvSpPr/>
+          <p:nvPr/>
+        </p:nvSpPr>
+        <p:spPr>
+          <a:xfrm>
+            <a:off x="0" y="0"/>
+            <a:ext cx="12192000" cy="6858000"/>
+          </a:xfrm>
+          <a:prstGeom prst="rect">
+            <a:avLst/>
+          </a:prstGeom>
+          <a:solidFill>
+            <a:schemeClr val="accent1">
+              <a:lumMod val="75000"/>
+            </a:schemeClr>
+          </a:solidFill>
+          <a:ln>
+            <a:noFill/>
+          </a:ln>
+        </p:spPr>
+        <p:style>
+          <a:lnRef idx="2">
+            <a:schemeClr val="accent1">
+              <a:shade val="15000"/>
+            </a:schemeClr>
+          </a:lnRef>
+          <a:fillRef idx="1">
+            <a:schemeClr val="accent1"/>
+          </a:fillRef>
+          <a:effectRef idx="0">
+            <a:schemeClr val="accent1"/>
+          </a:effectRef>
+          <a:fontRef idx="minor">
+            <a:schemeClr val="lt1"/>
+          </a:fontRef>
+        </p:style>
+        <p:txBody>
+          <a:bodyPr rtlCol="0" anchor="ctr"/>
+          <a:lstStyle/>
+          <a:p>
+            <a:pPr algn="ctr"/>
+            <a:endParaRPr lang="es-CO"/>
+          </a:p>
+        </p:txBody>
+      </p:sp>
+      <p:sp>
+        <p:nvSpPr>
+          <p:cNvPr id="3" name="CuadroTexto 2">
+            <a:extLst>
+              <a:ext uri="{FF2B5EF4-FFF2-40B4-BE49-F238E27FC236}">
+                <a16:creationId xmlns:a16="http://schemas.microsoft.com/office/drawing/2014/main" id="{254F0281-F108-BD43-3A10-671B6D0CB599}"/>
+              </a:ext>
+            </a:extLst>
+          </p:cNvPr>
+          <p:cNvSpPr txBox="1"/>
+          <p:nvPr/>
+        </p:nvSpPr>
+        <p:spPr>
+          <a:xfrm>
             <a:off x="2520696" y="143821"/>
             <a:ext cx="7150608" cy="461665"/>
           </a:xfrm>
@@ -6533,7 +7576,7 @@
         <p:spPr>
           <a:xfrm>
             <a:off x="123824" y="6488668"/>
-            <a:ext cx="10201275" cy="338554"/>
+            <a:ext cx="10201275" cy="307777"/>
           </a:xfrm>
           <a:prstGeom prst="rect">
             <a:avLst/>
@@ -6547,7 +7590,7 @@
           <a:lstStyle/>
           <a:p>
             <a:r>
-              <a:rPr lang="es-CO" sz="1600">
+              <a:rPr lang="es-CO" sz="1400">
                 <a:solidFill>
                   <a:schemeClr val="bg1"/>
                 </a:solidFill>
@@ -6561,7 +7604,7 @@
               </a:rPr>
               <a:t>https://github.com/oscar-rincon/review-elastic-waves/tree/main/main/publications_number_year</a:t>
             </a:r>
-            <a:endParaRPr lang="es-CO" sz="1600">
+            <a:endParaRPr lang="es-CO" sz="1400">
               <a:solidFill>
                 <a:schemeClr val="bg1"/>
               </a:solidFill>
@@ -8951,7 +9994,7 @@
           </p:nvSpPr>
           <p:spPr>
             <a:xfrm>
-              <a:off x="7306746" y="3661807"/>
+              <a:off x="7416353" y="3726425"/>
               <a:ext cx="2608437" cy="355087"/>
             </a:xfrm>
             <a:prstGeom prst="rect">
@@ -10001,6 +11044,57 @@
           </p:txBody>
         </p:sp>
       </p:grpSp>
+      <p:sp>
+        <p:nvSpPr>
+          <p:cNvPr id="138" name="CuadroTexto 137">
+            <a:extLst>
+              <a:ext uri="{FF2B5EF4-FFF2-40B4-BE49-F238E27FC236}">
+                <a16:creationId xmlns:a16="http://schemas.microsoft.com/office/drawing/2014/main" id="{4BAB7020-3EC9-FE8E-32F7-7CEDE894B8D0}"/>
+              </a:ext>
+            </a:extLst>
+          </p:cNvPr>
+          <p:cNvSpPr txBox="1"/>
+          <p:nvPr/>
+        </p:nvSpPr>
+        <p:spPr>
+          <a:xfrm>
+            <a:off x="292156" y="6429205"/>
+            <a:ext cx="9876472" cy="307777"/>
+          </a:xfrm>
+          <a:prstGeom prst="rect">
+            <a:avLst/>
+          </a:prstGeom>
+          <a:noFill/>
+        </p:spPr>
+        <p:txBody>
+          <a:bodyPr wrap="square">
+            <a:spAutoFit/>
+          </a:bodyPr>
+          <a:lstStyle/>
+          <a:p>
+            <a:r>
+              <a:rPr lang="es-CO" sz="1400">
+                <a:solidFill>
+                  <a:schemeClr val="bg1"/>
+                </a:solidFill>
+                <a:hlinkClick r:id="rId2">
+                  <a:extLst>
+                    <a:ext uri="{A12FA001-AC4F-418D-AE19-62706E023703}">
+                      <ahyp:hlinkClr xmlns:ahyp="http://schemas.microsoft.com/office/drawing/2018/hyperlinkcolor" val="tx"/>
+                    </a:ext>
+                  </a:extLst>
+                </a:hlinkClick>
+              </a:rPr>
+              <a:t>https://github.com/oscar-rincon/review-elastic-waves/tree/main/figs</a:t>
+            </a:r>
+            <a:endParaRPr lang="es-CO" sz="1400">
+              <a:solidFill>
+                <a:schemeClr val="bg1"/>
+              </a:solidFill>
+            </a:endParaRPr>
+          </a:p>
+        </p:txBody>
+      </p:sp>
     </p:spTree>
     <p:extLst>
       <p:ext uri="{BB962C8B-B14F-4D97-AF65-F5344CB8AC3E}">
@@ -10245,6 +11339,57 @@
           </p:spPr>
         </p:pic>
       </p:grpSp>
+      <p:sp>
+        <p:nvSpPr>
+          <p:cNvPr id="7" name="CuadroTexto 6">
+            <a:extLst>
+              <a:ext uri="{FF2B5EF4-FFF2-40B4-BE49-F238E27FC236}">
+                <a16:creationId xmlns:a16="http://schemas.microsoft.com/office/drawing/2014/main" id="{EA599C19-F7C7-828C-42DA-7A4E65EAE21F}"/>
+              </a:ext>
+            </a:extLst>
+          </p:cNvPr>
+          <p:cNvSpPr txBox="1"/>
+          <p:nvPr/>
+        </p:nvSpPr>
+        <p:spPr>
+          <a:xfrm>
+            <a:off x="292156" y="6429205"/>
+            <a:ext cx="9876472" cy="307777"/>
+          </a:xfrm>
+          <a:prstGeom prst="rect">
+            <a:avLst/>
+          </a:prstGeom>
+          <a:noFill/>
+        </p:spPr>
+        <p:txBody>
+          <a:bodyPr wrap="square">
+            <a:spAutoFit/>
+          </a:bodyPr>
+          <a:lstStyle/>
+          <a:p>
+            <a:r>
+              <a:rPr lang="es-CO" sz="1400">
+                <a:solidFill>
+                  <a:schemeClr val="bg1"/>
+                </a:solidFill>
+                <a:hlinkClick r:id="rId4">
+                  <a:extLst>
+                    <a:ext uri="{A12FA001-AC4F-418D-AE19-62706E023703}">
+                      <ahyp:hlinkClr xmlns:ahyp="http://schemas.microsoft.com/office/drawing/2018/hyperlinkcolor" val="tx"/>
+                    </a:ext>
+                  </a:extLst>
+                </a:hlinkClick>
+              </a:rPr>
+              <a:t>https://github.com/oscar-rincon/review-elastic-waves/tree/main/figs</a:t>
+            </a:r>
+            <a:endParaRPr lang="es-CO" sz="1400">
+              <a:solidFill>
+                <a:schemeClr val="bg1"/>
+              </a:solidFill>
+            </a:endParaRPr>
+          </a:p>
+        </p:txBody>
+      </p:sp>
     </p:spTree>
     <p:extLst>
       <p:ext uri="{BB962C8B-B14F-4D97-AF65-F5344CB8AC3E}">
@@ -10590,8 +11735,8 @@
         </p:nvSpPr>
         <p:spPr>
           <a:xfrm>
-            <a:off x="7752400" y="1796002"/>
-            <a:ext cx="3782376" cy="1353960"/>
+            <a:off x="7200900" y="1796002"/>
+            <a:ext cx="4333876" cy="1353960"/>
           </a:xfrm>
           <a:prstGeom prst="rect">
             <a:avLst/>
@@ -10634,7 +11779,7 @@
                   <a:schemeClr val="bg1"/>
                 </a:solidFill>
               </a:rPr>
-              <a:t>Extreme Learning Machine</a:t>
+              <a:t>Extreme Learning Machine – Pseudo-inverse</a:t>
             </a:r>
           </a:p>
           <a:p>
@@ -10670,6 +11815,57 @@
               </a:rPr>
               <a:t>Backpropagation </a:t>
             </a:r>
+          </a:p>
+        </p:txBody>
+      </p:sp>
+      <p:sp>
+        <p:nvSpPr>
+          <p:cNvPr id="8" name="CuadroTexto 7">
+            <a:extLst>
+              <a:ext uri="{FF2B5EF4-FFF2-40B4-BE49-F238E27FC236}">
+                <a16:creationId xmlns:a16="http://schemas.microsoft.com/office/drawing/2014/main" id="{39CDB1CE-1C1B-9B75-3463-B25C4D9E044C}"/>
+              </a:ext>
+            </a:extLst>
+          </p:cNvPr>
+          <p:cNvSpPr txBox="1"/>
+          <p:nvPr/>
+        </p:nvSpPr>
+        <p:spPr>
+          <a:xfrm>
+            <a:off x="292156" y="6429205"/>
+            <a:ext cx="9876472" cy="307777"/>
+          </a:xfrm>
+          <a:prstGeom prst="rect">
+            <a:avLst/>
+          </a:prstGeom>
+          <a:noFill/>
+        </p:spPr>
+        <p:txBody>
+          <a:bodyPr wrap="square">
+            <a:spAutoFit/>
+          </a:bodyPr>
+          <a:lstStyle/>
+          <a:p>
+            <a:r>
+              <a:rPr lang="es-CO" sz="1400">
+                <a:solidFill>
+                  <a:schemeClr val="bg1"/>
+                </a:solidFill>
+                <a:hlinkClick r:id="rId4">
+                  <a:extLst>
+                    <a:ext uri="{A12FA001-AC4F-418D-AE19-62706E023703}">
+                      <ahyp:hlinkClr xmlns:ahyp="http://schemas.microsoft.com/office/drawing/2018/hyperlinkcolor" val="tx"/>
+                    </a:ext>
+                  </a:extLst>
+                </a:hlinkClick>
+              </a:rPr>
+              <a:t>https://github.com/oscar-rincon/review-elastic-waves/tree/main/figs</a:t>
+            </a:r>
+            <a:endParaRPr lang="es-CO" sz="1400">
+              <a:solidFill>
+                <a:schemeClr val="bg1"/>
+              </a:solidFill>
+            </a:endParaRPr>
           </a:p>
         </p:txBody>
       </p:sp>
@@ -10795,7 +11991,7 @@
                 <a:ea typeface="Source Sans Pro" panose="020B0503030403020204" pitchFamily="34" charset="0"/>
                 <a:cs typeface="Arial" panose="020B0604020202020204" pitchFamily="34" charset="0"/>
               </a:rPr>
-              <a:t>Physics-informed neural networks</a:t>
+              <a:t>Physics-informed neural networks - PINN</a:t>
             </a:r>
             <a:endParaRPr lang="es-CO" sz="2400" b="1">
               <a:solidFill>
@@ -10844,6 +12040,57 @@
           </a:prstGeom>
         </p:spPr>
       </p:pic>
+      <p:sp>
+        <p:nvSpPr>
+          <p:cNvPr id="4" name="CuadroTexto 3">
+            <a:extLst>
+              <a:ext uri="{FF2B5EF4-FFF2-40B4-BE49-F238E27FC236}">
+                <a16:creationId xmlns:a16="http://schemas.microsoft.com/office/drawing/2014/main" id="{8550A05F-2048-030E-4FB6-D80B505E4BD1}"/>
+              </a:ext>
+            </a:extLst>
+          </p:cNvPr>
+          <p:cNvSpPr txBox="1"/>
+          <p:nvPr/>
+        </p:nvSpPr>
+        <p:spPr>
+          <a:xfrm>
+            <a:off x="292156" y="6429205"/>
+            <a:ext cx="9876472" cy="307777"/>
+          </a:xfrm>
+          <a:prstGeom prst="rect">
+            <a:avLst/>
+          </a:prstGeom>
+          <a:noFill/>
+        </p:spPr>
+        <p:txBody>
+          <a:bodyPr wrap="square">
+            <a:spAutoFit/>
+          </a:bodyPr>
+          <a:lstStyle/>
+          <a:p>
+            <a:r>
+              <a:rPr lang="es-CO" sz="1400">
+                <a:solidFill>
+                  <a:schemeClr val="bg1"/>
+                </a:solidFill>
+                <a:hlinkClick r:id="rId4">
+                  <a:extLst>
+                    <a:ext uri="{A12FA001-AC4F-418D-AE19-62706E023703}">
+                      <ahyp:hlinkClr xmlns:ahyp="http://schemas.microsoft.com/office/drawing/2018/hyperlinkcolor" val="tx"/>
+                    </a:ext>
+                  </a:extLst>
+                </a:hlinkClick>
+              </a:rPr>
+              <a:t>https://github.com/oscar-rincon/review-elastic-waves/tree/main/figs</a:t>
+            </a:r>
+            <a:endParaRPr lang="es-CO" sz="1400">
+              <a:solidFill>
+                <a:schemeClr val="bg1"/>
+              </a:solidFill>
+            </a:endParaRPr>
+          </a:p>
+        </p:txBody>
+      </p:sp>
     </p:spTree>
     <p:extLst>
       <p:ext uri="{BB962C8B-B14F-4D97-AF65-F5344CB8AC3E}">
@@ -10942,8 +12189,8 @@
         </p:nvSpPr>
         <p:spPr>
           <a:xfrm>
-            <a:off x="2520696" y="300433"/>
-            <a:ext cx="7150608" cy="461665"/>
+            <a:off x="2434971" y="201603"/>
+            <a:ext cx="7150608" cy="400110"/>
           </a:xfrm>
           <a:prstGeom prst="rect">
             <a:avLst/>
@@ -10958,7 +12205,7 @@
           <a:p>
             <a:pPr algn="ctr"/>
             <a:r>
-              <a:rPr lang="es-CO" sz="2400" b="1">
+              <a:rPr lang="es-CO" sz="2000" b="1">
                 <a:solidFill>
                   <a:schemeClr val="bg1"/>
                 </a:solidFill>
@@ -10971,42 +12218,6 @@
           </a:p>
         </p:txBody>
       </p:sp>
-      <p:pic>
-        <p:nvPicPr>
-          <p:cNvPr id="5" name="Imagen 4" descr="Interfaz de usuario gráfica, Gráfico, Diagrama&#10;&#10;Descripción generada automáticamente">
-            <a:extLst>
-              <a:ext uri="{FF2B5EF4-FFF2-40B4-BE49-F238E27FC236}">
-                <a16:creationId xmlns:a16="http://schemas.microsoft.com/office/drawing/2014/main" id="{D65CCECC-04E8-D4E6-730A-B2A198B58293}"/>
-              </a:ext>
-            </a:extLst>
-          </p:cNvPr>
-          <p:cNvPicPr>
-            <a:picLocks noChangeAspect="1"/>
-          </p:cNvPicPr>
-          <p:nvPr/>
-        </p:nvPicPr>
-        <p:blipFill>
-          <a:blip r:embed="rId3">
-            <a:extLst>
-              <a:ext uri="{28A0092B-C50C-407E-A947-70E740481C1C}">
-                <a14:useLocalDpi xmlns:a14="http://schemas.microsoft.com/office/drawing/2010/main" val="0"/>
-              </a:ext>
-            </a:extLst>
-          </a:blip>
-          <a:stretch>
-            <a:fillRect/>
-          </a:stretch>
-        </p:blipFill>
-        <p:spPr>
-          <a:xfrm>
-            <a:off x="6691093" y="2021951"/>
-            <a:ext cx="4900831" cy="2726892"/>
-          </a:xfrm>
-          <a:prstGeom prst="rect">
-            <a:avLst/>
-          </a:prstGeom>
-        </p:spPr>
-      </p:pic>
       <p:sp>
         <p:nvSpPr>
           <p:cNvPr id="14" name="CuadroTexto 13">
@@ -11022,7 +12233,7 @@
         <p:spPr>
           <a:xfrm>
             <a:off x="268197" y="6473279"/>
-            <a:ext cx="5227728" cy="338554"/>
+            <a:ext cx="5227728" cy="307777"/>
           </a:xfrm>
           <a:prstGeom prst="rect">
             <a:avLst/>
@@ -11036,7 +12247,7 @@
           <a:lstStyle/>
           <a:p>
             <a:r>
-              <a:rPr lang="es-CO" sz="1600">
+              <a:rPr lang="es-CO" sz="1400">
                 <a:solidFill>
                   <a:schemeClr val="bg1"/>
                 </a:solidFill>
@@ -11049,47 +12260,42 @@
           </a:p>
         </p:txBody>
       </p:sp>
-      <p:sp>
-        <p:nvSpPr>
-          <p:cNvPr id="18" name="CuadroTexto 17">
-            <a:extLst>
-              <a:ext uri="{FF2B5EF4-FFF2-40B4-BE49-F238E27FC236}">
-                <a16:creationId xmlns:a16="http://schemas.microsoft.com/office/drawing/2014/main" id="{544D6CFF-490F-F937-B0AF-A56C0EBBB26A}"/>
-              </a:ext>
-            </a:extLst>
-          </p:cNvPr>
-          <p:cNvSpPr txBox="1"/>
+      <p:pic>
+        <p:nvPicPr>
+          <p:cNvPr id="8" name="Gráfico 7">
+            <a:extLst>
+              <a:ext uri="{FF2B5EF4-FFF2-40B4-BE49-F238E27FC236}">
+                <a16:creationId xmlns:a16="http://schemas.microsoft.com/office/drawing/2014/main" id="{1D53D0DE-E935-0604-AC13-B2B1B3EB136C}"/>
+              </a:ext>
+            </a:extLst>
+          </p:cNvPr>
+          <p:cNvPicPr>
+            <a:picLocks noChangeAspect="1"/>
+          </p:cNvPicPr>
           <p:nvPr/>
-        </p:nvSpPr>
+        </p:nvPicPr>
+        <p:blipFill>
+          <a:blip r:embed="rId3">
+            <a:extLst>
+              <a:ext uri="{96DAC541-7B7A-43D3-8B79-37D633B846F1}">
+                <asvg:svgBlip xmlns:asvg="http://schemas.microsoft.com/office/drawing/2016/SVG/main" r:embed="rId4"/>
+              </a:ext>
+            </a:extLst>
+          </a:blip>
+          <a:stretch>
+            <a:fillRect/>
+          </a:stretch>
+        </p:blipFill>
         <p:spPr>
           <a:xfrm>
-            <a:off x="4291013" y="762098"/>
-            <a:ext cx="3609974" cy="369332"/>
+            <a:off x="1828858" y="904761"/>
+            <a:ext cx="9105842" cy="5048477"/>
           </a:xfrm>
           <a:prstGeom prst="rect">
             <a:avLst/>
           </a:prstGeom>
-          <a:noFill/>
         </p:spPr>
-        <p:txBody>
-          <a:bodyPr wrap="square" rtlCol="0">
-            <a:spAutoFit/>
-          </a:bodyPr>
-          <a:lstStyle/>
-          <a:p>
-            <a:r>
-              <a:rPr lang="es-CO" b="1">
-                <a:solidFill>
-                  <a:schemeClr val="bg1"/>
-                </a:solidFill>
-                <a:latin typeface="Arial" panose="020B0604020202020204" pitchFamily="34" charset="0"/>
-                <a:cs typeface="Arial" panose="020B0604020202020204" pitchFamily="34" charset="0"/>
-              </a:rPr>
-              <a:t>Continuous time identification</a:t>
-            </a:r>
-          </a:p>
-        </p:txBody>
-      </p:sp>
+      </p:pic>
     </p:spTree>
     <p:extLst>
       <p:ext uri="{BB962C8B-B14F-4D97-AF65-F5344CB8AC3E}">
